--- a/docs/presentatie.pptx
+++ b/docs/presentatie.pptx
@@ -4,29 +4,34 @@
   <p:sldMasterIdLst>
     <p:sldMasterId id="2147483648" r:id="rId1"/>
   </p:sldMasterIdLst>
+  <p:notesMasterIdLst>
+    <p:notesMasterId r:id="rId11"/>
+  </p:notesMasterIdLst>
   <p:sldIdLst>
     <p:sldId id="256" r:id="rId2"/>
     <p:sldId id="257" r:id="rId3"/>
     <p:sldId id="258" r:id="rId4"/>
     <p:sldId id="259" r:id="rId5"/>
-    <p:sldId id="260" r:id="rId6"/>
-    <p:sldId id="261" r:id="rId7"/>
-    <p:sldId id="262" r:id="rId8"/>
+    <p:sldId id="263" r:id="rId6"/>
+    <p:sldId id="264" r:id="rId7"/>
+    <p:sldId id="260" r:id="rId8"/>
+    <p:sldId id="261" r:id="rId9"/>
+    <p:sldId id="262" r:id="rId10"/>
   </p:sldIdLst>
   <p:sldSz cx="18288000" cy="10287000"/>
   <p:notesSz cx="6858000" cy="9144000"/>
   <p:embeddedFontLst>
     <p:embeddedFont>
       <p:font typeface="Open Sans Extra Bold" panose="020B0906030804020204" pitchFamily="34" charset="0"/>
-      <p:regular r:id="rId9"/>
-      <p:bold r:id="rId10"/>
+      <p:regular r:id="rId12"/>
+      <p:bold r:id="rId13"/>
     </p:embeddedFont>
     <p:embeddedFont>
       <p:font typeface="Poppins" pitchFamily="2" charset="77"/>
-      <p:regular r:id="rId11"/>
-      <p:bold r:id="rId12"/>
-      <p:italic r:id="rId13"/>
-      <p:boldItalic r:id="rId14"/>
+      <p:regular r:id="rId14"/>
+      <p:bold r:id="rId15"/>
+      <p:italic r:id="rId16"/>
+      <p:boldItalic r:id="rId17"/>
     </p:embeddedFont>
   </p:embeddedFontLst>
   <p:defaultTextStyle>
@@ -143,6 +148,439 @@
 </p:presentation>
 </file>
 
+<file path=ppt/notesMasters/notesMaster1.xml><?xml version="1.0" encoding="utf-8"?>
+<p:notesMaster xmlns:a="http://schemas.openxmlformats.org/drawingml/2006/main" xmlns:r="http://schemas.openxmlformats.org/officeDocument/2006/relationships" xmlns:p="http://schemas.openxmlformats.org/presentationml/2006/main">
+  <p:cSld>
+    <p:bg>
+      <p:bgRef idx="1001">
+        <a:schemeClr val="bg1"/>
+      </p:bgRef>
+    </p:bg>
+    <p:spTree>
+      <p:nvGrpSpPr>
+        <p:cNvPr id="1" name=""/>
+        <p:cNvGrpSpPr/>
+        <p:nvPr/>
+      </p:nvGrpSpPr>
+      <p:grpSpPr>
+        <a:xfrm>
+          <a:off x="0" y="0"/>
+          <a:ext cx="0" cy="0"/>
+          <a:chOff x="0" y="0"/>
+          <a:chExt cx="0" cy="0"/>
+        </a:xfrm>
+      </p:grpSpPr>
+      <p:sp>
+        <p:nvSpPr>
+          <p:cNvPr id="2" name="Tijdelijke aanduiding voor koptekst 1"/>
+          <p:cNvSpPr>
+            <a:spLocks noGrp="1"/>
+          </p:cNvSpPr>
+          <p:nvPr>
+            <p:ph type="hdr" sz="quarter"/>
+          </p:nvPr>
+        </p:nvSpPr>
+        <p:spPr>
+          <a:xfrm>
+            <a:off x="0" y="0"/>
+            <a:ext cx="2971800" cy="458788"/>
+          </a:xfrm>
+          <a:prstGeom prst="rect">
+            <a:avLst/>
+          </a:prstGeom>
+        </p:spPr>
+        <p:txBody>
+          <a:bodyPr vert="horz" lIns="91440" tIns="45720" rIns="91440" bIns="45720" rtlCol="0"/>
+          <a:lstStyle>
+            <a:lvl1pPr algn="l">
+              <a:defRPr sz="1200"/>
+            </a:lvl1pPr>
+          </a:lstStyle>
+          <a:p>
+            <a:endParaRPr lang="nl-NL"/>
+          </a:p>
+        </p:txBody>
+      </p:sp>
+      <p:sp>
+        <p:nvSpPr>
+          <p:cNvPr id="3" name="Tijdelijke aanduiding voor datum 2"/>
+          <p:cNvSpPr>
+            <a:spLocks noGrp="1"/>
+          </p:cNvSpPr>
+          <p:nvPr>
+            <p:ph type="dt" idx="1"/>
+          </p:nvPr>
+        </p:nvSpPr>
+        <p:spPr>
+          <a:xfrm>
+            <a:off x="3884613" y="0"/>
+            <a:ext cx="2971800" cy="458788"/>
+          </a:xfrm>
+          <a:prstGeom prst="rect">
+            <a:avLst/>
+          </a:prstGeom>
+        </p:spPr>
+        <p:txBody>
+          <a:bodyPr vert="horz" lIns="91440" tIns="45720" rIns="91440" bIns="45720" rtlCol="0"/>
+          <a:lstStyle>
+            <a:lvl1pPr algn="r">
+              <a:defRPr sz="1200"/>
+            </a:lvl1pPr>
+          </a:lstStyle>
+          <a:p>
+            <a:fld id="{DE4F96C3-9A87-5043-AD41-26E0EBF0E1BB}" type="datetimeFigureOut">
+              <a:rPr lang="nl-NL" smtClean="0"/>
+              <a:t>23-06-2024</a:t>
+            </a:fld>
+            <a:endParaRPr lang="nl-NL"/>
+          </a:p>
+        </p:txBody>
+      </p:sp>
+      <p:sp>
+        <p:nvSpPr>
+          <p:cNvPr id="4" name="Tijdelijke aanduiding voor dia-afbeelding 3"/>
+          <p:cNvSpPr>
+            <a:spLocks noGrp="1" noRot="1" noChangeAspect="1"/>
+          </p:cNvSpPr>
+          <p:nvPr>
+            <p:ph type="sldImg" idx="2"/>
+          </p:nvPr>
+        </p:nvSpPr>
+        <p:spPr>
+          <a:xfrm>
+            <a:off x="685800" y="1143000"/>
+            <a:ext cx="5486400" cy="3086100"/>
+          </a:xfrm>
+          <a:prstGeom prst="rect">
+            <a:avLst/>
+          </a:prstGeom>
+          <a:noFill/>
+          <a:ln w="12700">
+            <a:solidFill>
+              <a:prstClr val="black"/>
+            </a:solidFill>
+          </a:ln>
+        </p:spPr>
+        <p:txBody>
+          <a:bodyPr vert="horz" lIns="91440" tIns="45720" rIns="91440" bIns="45720" rtlCol="0" anchor="ctr"/>
+          <a:lstStyle/>
+          <a:p>
+            <a:endParaRPr lang="nl-NL"/>
+          </a:p>
+        </p:txBody>
+      </p:sp>
+      <p:sp>
+        <p:nvSpPr>
+          <p:cNvPr id="5" name="Tijdelijke aanduiding voor notities 4"/>
+          <p:cNvSpPr>
+            <a:spLocks noGrp="1"/>
+          </p:cNvSpPr>
+          <p:nvPr>
+            <p:ph type="body" sz="quarter" idx="3"/>
+          </p:nvPr>
+        </p:nvSpPr>
+        <p:spPr>
+          <a:xfrm>
+            <a:off x="685800" y="4400550"/>
+            <a:ext cx="5486400" cy="3600450"/>
+          </a:xfrm>
+          <a:prstGeom prst="rect">
+            <a:avLst/>
+          </a:prstGeom>
+        </p:spPr>
+        <p:txBody>
+          <a:bodyPr vert="horz" lIns="91440" tIns="45720" rIns="91440" bIns="45720" rtlCol="0"/>
+          <a:lstStyle/>
+          <a:p>
+            <a:pPr lvl="0"/>
+            <a:r>
+              <a:rPr lang="nl-NL"/>
+              <a:t>Klikken om de tekststijl van het model te bewerken</a:t>
+            </a:r>
+          </a:p>
+          <a:p>
+            <a:pPr lvl="1"/>
+            <a:r>
+              <a:rPr lang="nl-NL"/>
+              <a:t>Tweede niveau</a:t>
+            </a:r>
+          </a:p>
+          <a:p>
+            <a:pPr lvl="2"/>
+            <a:r>
+              <a:rPr lang="nl-NL"/>
+              <a:t>Derde niveau</a:t>
+            </a:r>
+          </a:p>
+          <a:p>
+            <a:pPr lvl="3"/>
+            <a:r>
+              <a:rPr lang="nl-NL"/>
+              <a:t>Vierde niveau</a:t>
+            </a:r>
+          </a:p>
+          <a:p>
+            <a:pPr lvl="4"/>
+            <a:r>
+              <a:rPr lang="nl-NL"/>
+              <a:t>Vijfde niveau</a:t>
+            </a:r>
+          </a:p>
+        </p:txBody>
+      </p:sp>
+      <p:sp>
+        <p:nvSpPr>
+          <p:cNvPr id="6" name="Tijdelijke aanduiding voor voettekst 5"/>
+          <p:cNvSpPr>
+            <a:spLocks noGrp="1"/>
+          </p:cNvSpPr>
+          <p:nvPr>
+            <p:ph type="ftr" sz="quarter" idx="4"/>
+          </p:nvPr>
+        </p:nvSpPr>
+        <p:spPr>
+          <a:xfrm>
+            <a:off x="0" y="8685213"/>
+            <a:ext cx="2971800" cy="458787"/>
+          </a:xfrm>
+          <a:prstGeom prst="rect">
+            <a:avLst/>
+          </a:prstGeom>
+        </p:spPr>
+        <p:txBody>
+          <a:bodyPr vert="horz" lIns="91440" tIns="45720" rIns="91440" bIns="45720" rtlCol="0" anchor="b"/>
+          <a:lstStyle>
+            <a:lvl1pPr algn="l">
+              <a:defRPr sz="1200"/>
+            </a:lvl1pPr>
+          </a:lstStyle>
+          <a:p>
+            <a:endParaRPr lang="nl-NL"/>
+          </a:p>
+        </p:txBody>
+      </p:sp>
+      <p:sp>
+        <p:nvSpPr>
+          <p:cNvPr id="7" name="Tijdelijke aanduiding voor dianummer 6"/>
+          <p:cNvSpPr>
+            <a:spLocks noGrp="1"/>
+          </p:cNvSpPr>
+          <p:nvPr>
+            <p:ph type="sldNum" sz="quarter" idx="5"/>
+          </p:nvPr>
+        </p:nvSpPr>
+        <p:spPr>
+          <a:xfrm>
+            <a:off x="3884613" y="8685213"/>
+            <a:ext cx="2971800" cy="458787"/>
+          </a:xfrm>
+          <a:prstGeom prst="rect">
+            <a:avLst/>
+          </a:prstGeom>
+        </p:spPr>
+        <p:txBody>
+          <a:bodyPr vert="horz" lIns="91440" tIns="45720" rIns="91440" bIns="45720" rtlCol="0" anchor="b"/>
+          <a:lstStyle>
+            <a:lvl1pPr algn="r">
+              <a:defRPr sz="1200"/>
+            </a:lvl1pPr>
+          </a:lstStyle>
+          <a:p>
+            <a:fld id="{3215ADB5-D225-7344-9F2D-D835B4AD975A}" type="slidenum">
+              <a:rPr lang="nl-NL" smtClean="0"/>
+              <a:t>‹nr.›</a:t>
+            </a:fld>
+            <a:endParaRPr lang="nl-NL"/>
+          </a:p>
+        </p:txBody>
+      </p:sp>
+    </p:spTree>
+    <p:extLst>
+      <p:ext uri="{BB962C8B-B14F-4D97-AF65-F5344CB8AC3E}">
+        <p14:creationId xmlns:p14="http://schemas.microsoft.com/office/powerpoint/2010/main" val="2774466500"/>
+      </p:ext>
+    </p:extLst>
+  </p:cSld>
+  <p:clrMap bg1="lt1" tx1="dk1" bg2="lt2" tx2="dk2" accent1="accent1" accent2="accent2" accent3="accent3" accent4="accent4" accent5="accent5" accent6="accent6" hlink="hlink" folHlink="folHlink"/>
+  <p:notesStyle>
+    <a:lvl1pPr marL="0" algn="l" defTabSz="914400" rtl="0" eaLnBrk="1" latinLnBrk="0" hangingPunct="1">
+      <a:defRPr sz="1200" kern="1200">
+        <a:solidFill>
+          <a:schemeClr val="tx1"/>
+        </a:solidFill>
+        <a:latin typeface="+mn-lt"/>
+        <a:ea typeface="+mn-ea"/>
+        <a:cs typeface="+mn-cs"/>
+      </a:defRPr>
+    </a:lvl1pPr>
+    <a:lvl2pPr marL="457200" algn="l" defTabSz="914400" rtl="0" eaLnBrk="1" latinLnBrk="0" hangingPunct="1">
+      <a:defRPr sz="1200" kern="1200">
+        <a:solidFill>
+          <a:schemeClr val="tx1"/>
+        </a:solidFill>
+        <a:latin typeface="+mn-lt"/>
+        <a:ea typeface="+mn-ea"/>
+        <a:cs typeface="+mn-cs"/>
+      </a:defRPr>
+    </a:lvl2pPr>
+    <a:lvl3pPr marL="914400" algn="l" defTabSz="914400" rtl="0" eaLnBrk="1" latinLnBrk="0" hangingPunct="1">
+      <a:defRPr sz="1200" kern="1200">
+        <a:solidFill>
+          <a:schemeClr val="tx1"/>
+        </a:solidFill>
+        <a:latin typeface="+mn-lt"/>
+        <a:ea typeface="+mn-ea"/>
+        <a:cs typeface="+mn-cs"/>
+      </a:defRPr>
+    </a:lvl3pPr>
+    <a:lvl4pPr marL="1371600" algn="l" defTabSz="914400" rtl="0" eaLnBrk="1" latinLnBrk="0" hangingPunct="1">
+      <a:defRPr sz="1200" kern="1200">
+        <a:solidFill>
+          <a:schemeClr val="tx1"/>
+        </a:solidFill>
+        <a:latin typeface="+mn-lt"/>
+        <a:ea typeface="+mn-ea"/>
+        <a:cs typeface="+mn-cs"/>
+      </a:defRPr>
+    </a:lvl4pPr>
+    <a:lvl5pPr marL="1828800" algn="l" defTabSz="914400" rtl="0" eaLnBrk="1" latinLnBrk="0" hangingPunct="1">
+      <a:defRPr sz="1200" kern="1200">
+        <a:solidFill>
+          <a:schemeClr val="tx1"/>
+        </a:solidFill>
+        <a:latin typeface="+mn-lt"/>
+        <a:ea typeface="+mn-ea"/>
+        <a:cs typeface="+mn-cs"/>
+      </a:defRPr>
+    </a:lvl5pPr>
+    <a:lvl6pPr marL="2286000" algn="l" defTabSz="914400" rtl="0" eaLnBrk="1" latinLnBrk="0" hangingPunct="1">
+      <a:defRPr sz="1200" kern="1200">
+        <a:solidFill>
+          <a:schemeClr val="tx1"/>
+        </a:solidFill>
+        <a:latin typeface="+mn-lt"/>
+        <a:ea typeface="+mn-ea"/>
+        <a:cs typeface="+mn-cs"/>
+      </a:defRPr>
+    </a:lvl6pPr>
+    <a:lvl7pPr marL="2743200" algn="l" defTabSz="914400" rtl="0" eaLnBrk="1" latinLnBrk="0" hangingPunct="1">
+      <a:defRPr sz="1200" kern="1200">
+        <a:solidFill>
+          <a:schemeClr val="tx1"/>
+        </a:solidFill>
+        <a:latin typeface="+mn-lt"/>
+        <a:ea typeface="+mn-ea"/>
+        <a:cs typeface="+mn-cs"/>
+      </a:defRPr>
+    </a:lvl7pPr>
+    <a:lvl8pPr marL="3200400" algn="l" defTabSz="914400" rtl="0" eaLnBrk="1" latinLnBrk="0" hangingPunct="1">
+      <a:defRPr sz="1200" kern="1200">
+        <a:solidFill>
+          <a:schemeClr val="tx1"/>
+        </a:solidFill>
+        <a:latin typeface="+mn-lt"/>
+        <a:ea typeface="+mn-ea"/>
+        <a:cs typeface="+mn-cs"/>
+      </a:defRPr>
+    </a:lvl8pPr>
+    <a:lvl9pPr marL="3657600" algn="l" defTabSz="914400" rtl="0" eaLnBrk="1" latinLnBrk="0" hangingPunct="1">
+      <a:defRPr sz="1200" kern="1200">
+        <a:solidFill>
+          <a:schemeClr val="tx1"/>
+        </a:solidFill>
+        <a:latin typeface="+mn-lt"/>
+        <a:ea typeface="+mn-ea"/>
+        <a:cs typeface="+mn-cs"/>
+      </a:defRPr>
+    </a:lvl9pPr>
+  </p:notesStyle>
+</p:notesMaster>
+</file>
+
+<file path=ppt/notesSlides/notesSlide1.xml><?xml version="1.0" encoding="utf-8"?>
+<p:notes xmlns:a="http://schemas.openxmlformats.org/drawingml/2006/main" xmlns:r="http://schemas.openxmlformats.org/officeDocument/2006/relationships" xmlns:p="http://schemas.openxmlformats.org/presentationml/2006/main">
+  <p:cSld>
+    <p:spTree>
+      <p:nvGrpSpPr>
+        <p:cNvPr id="1" name=""/>
+        <p:cNvGrpSpPr/>
+        <p:nvPr/>
+      </p:nvGrpSpPr>
+      <p:grpSpPr>
+        <a:xfrm>
+          <a:off x="0" y="0"/>
+          <a:ext cx="0" cy="0"/>
+          <a:chOff x="0" y="0"/>
+          <a:chExt cx="0" cy="0"/>
+        </a:xfrm>
+      </p:grpSpPr>
+      <p:sp>
+        <p:nvSpPr>
+          <p:cNvPr id="2" name="Tijdelijke aanduiding voor dia-afbeelding 1"/>
+          <p:cNvSpPr>
+            <a:spLocks noGrp="1" noRot="1" noChangeAspect="1"/>
+          </p:cNvSpPr>
+          <p:nvPr>
+            <p:ph type="sldImg"/>
+          </p:nvPr>
+        </p:nvSpPr>
+        <p:spPr/>
+      </p:sp>
+      <p:sp>
+        <p:nvSpPr>
+          <p:cNvPr id="3" name="Tijdelijke aanduiding voor notities 2"/>
+          <p:cNvSpPr>
+            <a:spLocks noGrp="1"/>
+          </p:cNvSpPr>
+          <p:nvPr>
+            <p:ph type="body" idx="1"/>
+          </p:nvPr>
+        </p:nvSpPr>
+        <p:spPr/>
+        <p:txBody>
+          <a:bodyPr/>
+          <a:lstStyle/>
+          <a:p>
+            <a:endParaRPr lang="nl-NL" dirty="0"/>
+          </a:p>
+        </p:txBody>
+      </p:sp>
+      <p:sp>
+        <p:nvSpPr>
+          <p:cNvPr id="4" name="Tijdelijke aanduiding voor dianummer 3"/>
+          <p:cNvSpPr>
+            <a:spLocks noGrp="1"/>
+          </p:cNvSpPr>
+          <p:nvPr>
+            <p:ph type="sldNum" sz="quarter" idx="5"/>
+          </p:nvPr>
+        </p:nvSpPr>
+        <p:spPr/>
+        <p:txBody>
+          <a:bodyPr/>
+          <a:lstStyle/>
+          <a:p>
+            <a:fld id="{3215ADB5-D225-7344-9F2D-D835B4AD975A}" type="slidenum">
+              <a:rPr lang="nl-NL" smtClean="0"/>
+              <a:t>8</a:t>
+            </a:fld>
+            <a:endParaRPr lang="nl-NL"/>
+          </a:p>
+        </p:txBody>
+      </p:sp>
+    </p:spTree>
+    <p:extLst>
+      <p:ext uri="{BB962C8B-B14F-4D97-AF65-F5344CB8AC3E}">
+        <p14:creationId xmlns:p14="http://schemas.microsoft.com/office/powerpoint/2010/main" val="3983266960"/>
+      </p:ext>
+    </p:extLst>
+  </p:cSld>
+  <p:clrMapOvr>
+    <a:masterClrMapping/>
+  </p:clrMapOvr>
+</p:notes>
+</file>
+
 <file path=ppt/slideLayouts/slideLayout1.xml><?xml version="1.0" encoding="utf-8"?>
 <p:sldLayout xmlns:a="http://schemas.openxmlformats.org/drawingml/2006/main" xmlns:r="http://schemas.openxmlformats.org/officeDocument/2006/relationships" xmlns:p="http://schemas.openxmlformats.org/presentationml/2006/main" type="title" preserve="1">
   <p:cSld name="Title Slide">
@@ -323,7 +761,7 @@
             <a:fld id="{1D8BD707-D9CF-40AE-B4C6-C98DA3205C09}" type="datetimeFigureOut">
               <a:rPr lang="en-US" smtClean="0"/>
               <a:pPr/>
-              <a:t>6/18/24</a:t>
+              <a:t>6/23/24</a:t>
             </a:fld>
             <a:endParaRPr lang="en-US"/>
           </a:p>
@@ -488,7 +926,7 @@
             <a:fld id="{1D8BD707-D9CF-40AE-B4C6-C98DA3205C09}" type="datetimeFigureOut">
               <a:rPr lang="en-US" smtClean="0"/>
               <a:pPr/>
-              <a:t>6/18/24</a:t>
+              <a:t>6/23/24</a:t>
             </a:fld>
             <a:endParaRPr lang="en-US"/>
           </a:p>
@@ -663,7 +1101,7 @@
             <a:fld id="{1D8BD707-D9CF-40AE-B4C6-C98DA3205C09}" type="datetimeFigureOut">
               <a:rPr lang="en-US" smtClean="0"/>
               <a:pPr/>
-              <a:t>6/18/24</a:t>
+              <a:t>6/23/24</a:t>
             </a:fld>
             <a:endParaRPr lang="en-US"/>
           </a:p>
@@ -828,7 +1266,7 @@
             <a:fld id="{1D8BD707-D9CF-40AE-B4C6-C98DA3205C09}" type="datetimeFigureOut">
               <a:rPr lang="en-US" smtClean="0"/>
               <a:pPr/>
-              <a:t>6/18/24</a:t>
+              <a:t>6/23/24</a:t>
             </a:fld>
             <a:endParaRPr lang="en-US"/>
           </a:p>
@@ -1070,7 +1508,7 @@
             <a:fld id="{1D8BD707-D9CF-40AE-B4C6-C98DA3205C09}" type="datetimeFigureOut">
               <a:rPr lang="en-US" smtClean="0"/>
               <a:pPr/>
-              <a:t>6/18/24</a:t>
+              <a:t>6/23/24</a:t>
             </a:fld>
             <a:endParaRPr lang="en-US"/>
           </a:p>
@@ -1352,7 +1790,7 @@
             <a:fld id="{1D8BD707-D9CF-40AE-B4C6-C98DA3205C09}" type="datetimeFigureOut">
               <a:rPr lang="en-US" smtClean="0"/>
               <a:pPr/>
-              <a:t>6/18/24</a:t>
+              <a:t>6/23/24</a:t>
             </a:fld>
             <a:endParaRPr lang="en-US"/>
           </a:p>
@@ -1768,7 +2206,7 @@
             <a:fld id="{1D8BD707-D9CF-40AE-B4C6-C98DA3205C09}" type="datetimeFigureOut">
               <a:rPr lang="en-US" smtClean="0"/>
               <a:pPr/>
-              <a:t>6/18/24</a:t>
+              <a:t>6/23/24</a:t>
             </a:fld>
             <a:endParaRPr lang="en-US"/>
           </a:p>
@@ -1882,7 +2320,7 @@
             <a:fld id="{1D8BD707-D9CF-40AE-B4C6-C98DA3205C09}" type="datetimeFigureOut">
               <a:rPr lang="en-US" smtClean="0"/>
               <a:pPr/>
-              <a:t>6/18/24</a:t>
+              <a:t>6/23/24</a:t>
             </a:fld>
             <a:endParaRPr lang="en-US"/>
           </a:p>
@@ -1974,7 +2412,7 @@
             <a:fld id="{1D8BD707-D9CF-40AE-B4C6-C98DA3205C09}" type="datetimeFigureOut">
               <a:rPr lang="en-US" smtClean="0"/>
               <a:pPr/>
-              <a:t>6/18/24</a:t>
+              <a:t>6/23/24</a:t>
             </a:fld>
             <a:endParaRPr lang="en-US"/>
           </a:p>
@@ -2246,7 +2684,7 @@
             <a:fld id="{1D8BD707-D9CF-40AE-B4C6-C98DA3205C09}" type="datetimeFigureOut">
               <a:rPr lang="en-US" smtClean="0"/>
               <a:pPr/>
-              <a:t>6/18/24</a:t>
+              <a:t>6/23/24</a:t>
             </a:fld>
             <a:endParaRPr lang="en-US"/>
           </a:p>
@@ -2495,7 +2933,7 @@
             <a:fld id="{1D8BD707-D9CF-40AE-B4C6-C98DA3205C09}" type="datetimeFigureOut">
               <a:rPr lang="en-US" smtClean="0"/>
               <a:pPr/>
-              <a:t>6/18/24</a:t>
+              <a:t>6/23/24</a:t>
             </a:fld>
             <a:endParaRPr lang="en-US"/>
           </a:p>
@@ -2703,7 +3141,7 @@
             <a:fld id="{1D8BD707-D9CF-40AE-B4C6-C98DA3205C09}" type="datetimeFigureOut">
               <a:rPr lang="en-US" smtClean="0"/>
               <a:pPr/>
-              <a:t>6/18/24</a:t>
+              <a:t>6/23/24</a:t>
             </a:fld>
             <a:endParaRPr lang="en-US"/>
           </a:p>
@@ -4650,7 +5088,7 @@
         <p:spPr>
           <a:xfrm>
             <a:off x="3663160" y="5387508"/>
-            <a:ext cx="4143021" cy="518066"/>
+            <a:ext cx="4143021" cy="494494"/>
           </a:xfrm>
           <a:prstGeom prst="rect">
             <a:avLst/>
@@ -4671,7 +5109,7 @@
               </a:spcBef>
             </a:pPr>
             <a:r>
-              <a:rPr lang="en-US" sz="2853" spc="-57">
+              <a:rPr lang="nl-NL" sz="2853" spc="-57" dirty="0">
                 <a:solidFill>
                   <a:srgbClr val="051D40"/>
                 </a:solidFill>
@@ -4719,6 +5157,201 @@
                 <a:latin typeface="Poppins"/>
               </a:rPr>
               <a:t>04</a:t>
+            </a:r>
+          </a:p>
+        </p:txBody>
+      </p:sp>
+      <p:sp>
+        <p:nvSpPr>
+          <p:cNvPr id="24" name="Freeform 18">
+            <a:extLst>
+              <a:ext uri="{FF2B5EF4-FFF2-40B4-BE49-F238E27FC236}">
+                <a16:creationId xmlns:a16="http://schemas.microsoft.com/office/drawing/2014/main" id="{B2B8F02C-D342-285A-1464-D1BD82CB072D}"/>
+              </a:ext>
+            </a:extLst>
+          </p:cNvPr>
+          <p:cNvSpPr/>
+          <p:nvPr/>
+        </p:nvSpPr>
+        <p:spPr>
+          <a:xfrm rot="5400000">
+            <a:off x="2923356" y="6171393"/>
+            <a:ext cx="510937" cy="453341"/>
+          </a:xfrm>
+          <a:custGeom>
+            <a:avLst/>
+            <a:gdLst/>
+            <a:ahLst/>
+            <a:cxnLst/>
+            <a:rect l="l" t="t" r="r" b="b"/>
+            <a:pathLst>
+              <a:path w="510937" h="453341">
+                <a:moveTo>
+                  <a:pt x="0" y="0"/>
+                </a:moveTo>
+                <a:lnTo>
+                  <a:pt x="510937" y="0"/>
+                </a:lnTo>
+                <a:lnTo>
+                  <a:pt x="510937" y="453341"/>
+                </a:lnTo>
+                <a:lnTo>
+                  <a:pt x="0" y="453341"/>
+                </a:lnTo>
+                <a:lnTo>
+                  <a:pt x="0" y="0"/>
+                </a:lnTo>
+                <a:close/>
+              </a:path>
+            </a:pathLst>
+          </a:custGeom>
+          <a:blipFill>
+            <a:blip r:embed="rId2">
+              <a:extLst>
+                <a:ext uri="{96DAC541-7B7A-43D3-8B79-37D633B846F1}">
+                  <asvg:svgBlip xmlns:asvg="http://schemas.microsoft.com/office/drawing/2016/SVG/main" r:embed="rId3"/>
+                </a:ext>
+              </a:extLst>
+            </a:blip>
+            <a:stretch>
+              <a:fillRect/>
+            </a:stretch>
+          </a:blipFill>
+        </p:spPr>
+        <p:txBody>
+          <a:bodyPr/>
+          <a:lstStyle/>
+          <a:p>
+            <a:endParaRPr lang="nl-NL"/>
+          </a:p>
+        </p:txBody>
+      </p:sp>
+      <p:sp>
+        <p:nvSpPr>
+          <p:cNvPr id="25" name="TextBox 19">
+            <a:extLst>
+              <a:ext uri="{FF2B5EF4-FFF2-40B4-BE49-F238E27FC236}">
+                <a16:creationId xmlns:a16="http://schemas.microsoft.com/office/drawing/2014/main" id="{869289F7-58E6-6311-9286-4E903404CBA1}"/>
+              </a:ext>
+            </a:extLst>
+          </p:cNvPr>
+          <p:cNvSpPr txBox="1"/>
+          <p:nvPr/>
+        </p:nvSpPr>
+        <p:spPr>
+          <a:xfrm>
+            <a:off x="3674081" y="6096168"/>
+            <a:ext cx="4642640" cy="494494"/>
+          </a:xfrm>
+          <a:prstGeom prst="rect">
+            <a:avLst/>
+          </a:prstGeom>
+        </p:spPr>
+        <p:txBody>
+          <a:bodyPr wrap="square" lIns="0" tIns="0" rIns="0" bIns="0" rtlCol="0" anchor="t">
+            <a:spAutoFit/>
+          </a:bodyPr>
+          <a:lstStyle/>
+          <a:p>
+            <a:pPr algn="l">
+              <a:lnSpc>
+                <a:spcPts val="3995"/>
+              </a:lnSpc>
+              <a:spcBef>
+                <a:spcPct val="0"/>
+              </a:spcBef>
+            </a:pPr>
+            <a:r>
+              <a:rPr lang="nl-NL" sz="2853" spc="-57" dirty="0">
+                <a:solidFill>
+                  <a:srgbClr val="051D40"/>
+                </a:solidFill>
+                <a:latin typeface="Poppins"/>
+              </a:rPr>
+              <a:t>Onderhoud</a:t>
+            </a:r>
+            <a:r>
+              <a:rPr lang="en-US" sz="2853" spc="-57" dirty="0">
+                <a:solidFill>
+                  <a:srgbClr val="051D40"/>
+                </a:solidFill>
+                <a:latin typeface="Poppins"/>
+              </a:rPr>
+              <a:t> </a:t>
+            </a:r>
+            <a:r>
+              <a:rPr lang="nl-NL" sz="2853" spc="-57" dirty="0">
+                <a:solidFill>
+                  <a:srgbClr val="051D40"/>
+                </a:solidFill>
+                <a:latin typeface="Poppins"/>
+              </a:rPr>
+              <a:t>en</a:t>
+            </a:r>
+            <a:r>
+              <a:rPr lang="en-US" sz="2853" spc="-57" dirty="0">
+                <a:solidFill>
+                  <a:srgbClr val="051D40"/>
+                </a:solidFill>
+                <a:latin typeface="Poppins"/>
+              </a:rPr>
+              <a:t> </a:t>
+            </a:r>
+            <a:r>
+              <a:rPr lang="nl-NL" sz="2853" spc="-57" dirty="0">
+                <a:solidFill>
+                  <a:srgbClr val="051D40"/>
+                </a:solidFill>
+                <a:latin typeface="Poppins"/>
+              </a:rPr>
+              <a:t>uitbreiding</a:t>
+            </a:r>
+          </a:p>
+        </p:txBody>
+      </p:sp>
+      <p:sp>
+        <p:nvSpPr>
+          <p:cNvPr id="26" name="TextBox 20">
+            <a:extLst>
+              <a:ext uri="{FF2B5EF4-FFF2-40B4-BE49-F238E27FC236}">
+                <a16:creationId xmlns:a16="http://schemas.microsoft.com/office/drawing/2014/main" id="{7A81DE86-C939-2202-6A56-92ABB781D427}"/>
+              </a:ext>
+            </a:extLst>
+          </p:cNvPr>
+          <p:cNvSpPr txBox="1"/>
+          <p:nvPr/>
+        </p:nvSpPr>
+        <p:spPr>
+          <a:xfrm>
+            <a:off x="8494070" y="6096168"/>
+            <a:ext cx="660851" cy="494494"/>
+          </a:xfrm>
+          <a:prstGeom prst="rect">
+            <a:avLst/>
+          </a:prstGeom>
+        </p:spPr>
+        <p:txBody>
+          <a:bodyPr lIns="0" tIns="0" rIns="0" bIns="0" rtlCol="0" anchor="t">
+            <a:spAutoFit/>
+          </a:bodyPr>
+          <a:lstStyle/>
+          <a:p>
+            <a:pPr algn="r">
+              <a:lnSpc>
+                <a:spcPts val="3995"/>
+              </a:lnSpc>
+              <a:spcBef>
+                <a:spcPct val="0"/>
+              </a:spcBef>
+            </a:pPr>
+            <a:r>
+              <a:rPr lang="en-US" sz="2853" spc="-57" dirty="0">
+                <a:solidFill>
+                  <a:srgbClr val="051D40"/>
+                </a:solidFill>
+                <a:latin typeface="Poppins"/>
+              </a:rPr>
+              <a:t>05</a:t>
             </a:r>
           </a:p>
         </p:txBody>
@@ -4756,59 +5389,6 @@
           <a:chExt cx="0" cy="0"/>
         </a:xfrm>
       </p:grpSpPr>
-      <p:sp>
-        <p:nvSpPr>
-          <p:cNvPr id="2" name="Freeform 2"/>
-          <p:cNvSpPr/>
-          <p:nvPr/>
-        </p:nvSpPr>
-        <p:spPr>
-          <a:xfrm>
-            <a:off x="0" y="0"/>
-            <a:ext cx="18288000" cy="5143500"/>
-          </a:xfrm>
-          <a:custGeom>
-            <a:avLst/>
-            <a:gdLst/>
-            <a:ahLst/>
-            <a:cxnLst/>
-            <a:rect l="l" t="t" r="r" b="b"/>
-            <a:pathLst>
-              <a:path w="18288000" h="5143500">
-                <a:moveTo>
-                  <a:pt x="0" y="0"/>
-                </a:moveTo>
-                <a:lnTo>
-                  <a:pt x="18288000" y="0"/>
-                </a:lnTo>
-                <a:lnTo>
-                  <a:pt x="18288000" y="5143500"/>
-                </a:lnTo>
-                <a:lnTo>
-                  <a:pt x="0" y="5143500"/>
-                </a:lnTo>
-                <a:lnTo>
-                  <a:pt x="0" y="0"/>
-                </a:lnTo>
-                <a:close/>
-              </a:path>
-            </a:pathLst>
-          </a:custGeom>
-          <a:blipFill>
-            <a:blip r:embed="rId2"/>
-            <a:stretch>
-              <a:fillRect t="-72406" b="-64482"/>
-            </a:stretch>
-          </a:blipFill>
-        </p:spPr>
-        <p:txBody>
-          <a:bodyPr/>
-          <a:lstStyle/>
-          <a:p>
-            <a:endParaRPr lang="nl-NL"/>
-          </a:p>
-        </p:txBody>
-      </p:sp>
       <p:grpSp>
         <p:nvGrpSpPr>
           <p:cNvPr id="3" name="Group 3"/>
@@ -4915,8 +5495,8 @@
         </p:nvGrpSpPr>
         <p:grpSpPr>
           <a:xfrm>
-            <a:off x="3367558" y="2219081"/>
-            <a:ext cx="11552885" cy="4348027"/>
+            <a:off x="2407679" y="1015820"/>
+            <a:ext cx="13472642" cy="6185080"/>
             <a:chOff x="0" y="0"/>
             <a:chExt cx="3042735" cy="1145159"/>
           </a:xfrm>
@@ -5013,92 +5593,142 @@
         </p:nvSpPr>
         <p:spPr>
           <a:xfrm>
-            <a:off x="3953047" y="3816915"/>
-            <a:ext cx="7804475" cy="2059407"/>
+            <a:off x="2993168" y="2324100"/>
+            <a:ext cx="12170632" cy="4187172"/>
           </a:xfrm>
           <a:prstGeom prst="rect">
             <a:avLst/>
           </a:prstGeom>
         </p:spPr>
         <p:txBody>
-          <a:bodyPr lIns="0" tIns="0" rIns="0" bIns="0" rtlCol="0" anchor="t">
+          <a:bodyPr wrap="square" lIns="0" tIns="0" rIns="0" bIns="0" rtlCol="0" anchor="t">
             <a:spAutoFit/>
           </a:bodyPr>
           <a:lstStyle/>
           <a:p>
-            <a:pPr marL="630641" lvl="1" indent="-315321" algn="l">
+            <a:pPr marL="315320" lvl="1" algn="l">
               <a:lnSpc>
                 <a:spcPts val="4089"/>
               </a:lnSpc>
-              <a:buFont typeface="Arial"/>
-              <a:buChar char="•"/>
             </a:pPr>
             <a:r>
-              <a:rPr lang="en-US" sz="2920" spc="-58">
+              <a:rPr lang="nl-NL" sz="2920" spc="-58" dirty="0">
                 <a:solidFill>
                   <a:srgbClr val="FDFDFD"/>
                 </a:solidFill>
                 <a:latin typeface="Poppins"/>
               </a:rPr>
-              <a:t>In een eenvoudige tabel</a:t>
-            </a:r>
-          </a:p>
-          <a:p>
-            <a:pPr marL="630641" lvl="1" indent="-315321" algn="l">
+              <a:t>Op dit moment worden de apparaten bijgehouden in een eenvoudige tabel (onderstaande afbeelding)</a:t>
+            </a:r>
+          </a:p>
+          <a:p>
+            <a:pPr marL="315320" lvl="1" algn="l">
               <a:lnSpc>
                 <a:spcPts val="4089"/>
               </a:lnSpc>
-              <a:buFont typeface="Arial"/>
-              <a:buChar char="•"/>
             </a:pPr>
-            <a:r>
-              <a:rPr lang="en-US" sz="2920" spc="-58">
-                <a:solidFill>
-                  <a:srgbClr val="FDFDFD"/>
-                </a:solidFill>
-                <a:latin typeface="Poppins"/>
-              </a:rPr>
-              <a:t>Foutgevoelig</a:t>
-            </a:r>
-          </a:p>
-          <a:p>
-            <a:pPr marL="630641" lvl="1" indent="-315321" algn="l">
+            <a:endParaRPr lang="nl-NL" sz="2920" spc="-58" dirty="0">
+              <a:solidFill>
+                <a:srgbClr val="FDFDFD"/>
+              </a:solidFill>
+              <a:latin typeface="Poppins"/>
+            </a:endParaRPr>
+          </a:p>
+          <a:p>
+            <a:pPr marL="772520" lvl="1" indent="-457200" algn="l">
               <a:lnSpc>
                 <a:spcPts val="4089"/>
               </a:lnSpc>
-              <a:buFont typeface="Arial"/>
+              <a:buFont typeface="Arial" panose="020B0604020202020204" pitchFamily="34" charset="0"/>
               <a:buChar char="•"/>
             </a:pPr>
             <a:r>
-              <a:rPr lang="en-US" sz="2920" spc="-58">
+              <a:rPr lang="nl-NL" sz="2920" spc="-58" dirty="0">
                 <a:solidFill>
                   <a:srgbClr val="FDFDFD"/>
                 </a:solidFill>
                 <a:latin typeface="Poppins"/>
               </a:rPr>
-              <a:t>Langdurig</a:t>
-            </a:r>
-          </a:p>
-          <a:p>
-            <a:pPr marL="630641" lvl="1" indent="-315321" algn="l">
+              <a:t>Foutgevoelig bij het invullen</a:t>
+            </a:r>
+          </a:p>
+          <a:p>
+            <a:pPr marL="772520" lvl="1" indent="-457200" algn="l">
               <a:lnSpc>
                 <a:spcPts val="4089"/>
               </a:lnSpc>
-              <a:spcBef>
-                <a:spcPct val="0"/>
-              </a:spcBef>
-              <a:buFont typeface="Arial"/>
+              <a:buFont typeface="Arial" panose="020B0604020202020204" pitchFamily="34" charset="0"/>
               <a:buChar char="•"/>
             </a:pPr>
             <a:r>
-              <a:rPr lang="en-US" sz="2920" spc="-58">
+              <a:rPr lang="nl-NL" sz="2920" spc="-58" dirty="0">
                 <a:solidFill>
                   <a:srgbClr val="FDFDFD"/>
                 </a:solidFill>
                 <a:latin typeface="Poppins"/>
               </a:rPr>
-              <a:t>Gebruiksvriendelijkheid</a:t>
-            </a:r>
+              <a:t>Langzaam</a:t>
+            </a:r>
+          </a:p>
+          <a:p>
+            <a:pPr marL="772520" lvl="1" indent="-457200" algn="l">
+              <a:lnSpc>
+                <a:spcPts val="4089"/>
+              </a:lnSpc>
+              <a:buFont typeface="Arial" panose="020B0604020202020204" pitchFamily="34" charset="0"/>
+              <a:buChar char="•"/>
+            </a:pPr>
+            <a:r>
+              <a:rPr lang="nl-NL" sz="2920" spc="-58" dirty="0">
+                <a:solidFill>
+                  <a:srgbClr val="FDFDFD"/>
+                </a:solidFill>
+                <a:latin typeface="Poppins"/>
+              </a:rPr>
+              <a:t>Waardes kunnen niet gesorteerd worden</a:t>
+            </a:r>
+          </a:p>
+          <a:p>
+            <a:pPr marL="772520" lvl="1" indent="-457200" algn="l">
+              <a:lnSpc>
+                <a:spcPts val="4089"/>
+              </a:lnSpc>
+              <a:buFont typeface="Arial" panose="020B0604020202020204" pitchFamily="34" charset="0"/>
+              <a:buChar char="•"/>
+            </a:pPr>
+            <a:r>
+              <a:rPr lang="nl-NL" sz="2920" spc="-58" dirty="0">
+                <a:solidFill>
+                  <a:srgbClr val="FDFDFD"/>
+                </a:solidFill>
+                <a:latin typeface="Poppins"/>
+              </a:rPr>
+              <a:t>Deels doorzoekbaar</a:t>
+            </a:r>
+          </a:p>
+          <a:p>
+            <a:pPr marL="1229720" lvl="2" indent="-457200">
+              <a:lnSpc>
+                <a:spcPts val="4089"/>
+              </a:lnSpc>
+              <a:buFont typeface="Courier New" panose="02070309020205020404" pitchFamily="49" charset="0"/>
+              <a:buChar char="o"/>
+            </a:pPr>
+            <a:r>
+              <a:rPr lang="nl-NL" sz="2920" spc="-58" dirty="0">
+                <a:solidFill>
+                  <a:srgbClr val="FDFDFD"/>
+                </a:solidFill>
+                <a:latin typeface="Poppins"/>
+              </a:rPr>
+              <a:t>Voor (snelle) zoekopdrachten nu:  </a:t>
+            </a:r>
+            <a:endParaRPr lang="en-US" sz="2920" spc="-58" dirty="0">
+              <a:solidFill>
+                <a:srgbClr val="FDFDFD"/>
+              </a:solidFill>
+              <a:latin typeface="Poppins"/>
+            </a:endParaRPr>
           </a:p>
         </p:txBody>
       </p:sp>
@@ -5110,8 +5740,8 @@
         </p:nvSpPr>
         <p:spPr>
           <a:xfrm>
-            <a:off x="514350" y="7490497"/>
-            <a:ext cx="17259300" cy="844415"/>
+            <a:off x="1104900" y="7545717"/>
+            <a:ext cx="16078200" cy="1173361"/>
           </a:xfrm>
           <a:custGeom>
             <a:avLst/>
@@ -5141,9 +5771,9 @@
             </a:pathLst>
           </a:custGeom>
           <a:blipFill>
-            <a:blip r:embed="rId3"/>
+            <a:blip r:embed="rId2"/>
             <a:stretch>
-              <a:fillRect l="-40576" r="-8057"/>
+              <a:fillRect l="-49082" r="-30706" b="1053"/>
             </a:stretch>
           </a:blipFill>
         </p:spPr>
@@ -5151,7 +5781,7 @@
           <a:bodyPr/>
           <a:lstStyle/>
           <a:p>
-            <a:endParaRPr lang="nl-NL"/>
+            <a:endParaRPr lang="nl-NL" dirty="0"/>
           </a:p>
         </p:txBody>
       </p:sp>
@@ -5163,15 +5793,15 @@
         </p:nvSpPr>
         <p:spPr>
           <a:xfrm>
-            <a:off x="5581527" y="2466975"/>
-            <a:ext cx="7124947" cy="992039"/>
+            <a:off x="4621648" y="1104900"/>
+            <a:ext cx="8308908" cy="982513"/>
           </a:xfrm>
           <a:prstGeom prst="rect">
             <a:avLst/>
           </a:prstGeom>
         </p:spPr>
         <p:txBody>
-          <a:bodyPr lIns="0" tIns="0" rIns="0" bIns="0" rtlCol="0" anchor="t">
+          <a:bodyPr wrap="square" lIns="0" tIns="0" rIns="0" bIns="0" rtlCol="0" anchor="t">
             <a:spAutoFit/>
           </a:bodyPr>
           <a:lstStyle/>
@@ -5185,17 +5815,77 @@
               </a:spcBef>
             </a:pPr>
             <a:r>
-              <a:rPr lang="en-US" sz="5854">
+              <a:rPr lang="en-US" sz="5854" dirty="0" err="1">
                 <a:solidFill>
                   <a:srgbClr val="FDFDFD"/>
                 </a:solidFill>
                 <a:latin typeface="Open Sans Extra Bold"/>
               </a:rPr>
-              <a:t>Huidige probleem</a:t>
-            </a:r>
-          </a:p>
-        </p:txBody>
-      </p:sp>
+              <a:t>Huidige</a:t>
+            </a:r>
+            <a:r>
+              <a:rPr lang="en-US" sz="5854" dirty="0">
+                <a:solidFill>
+                  <a:srgbClr val="FDFDFD"/>
+                </a:solidFill>
+                <a:latin typeface="Open Sans Extra Bold"/>
+              </a:rPr>
+              <a:t> </a:t>
+            </a:r>
+            <a:r>
+              <a:rPr lang="en-US" sz="5854" dirty="0" err="1">
+                <a:solidFill>
+                  <a:srgbClr val="FDFDFD"/>
+                </a:solidFill>
+                <a:latin typeface="Open Sans Extra Bold"/>
+              </a:rPr>
+              <a:t>probleem</a:t>
+            </a:r>
+            <a:endParaRPr lang="en-US" sz="5854" dirty="0">
+              <a:solidFill>
+                <a:srgbClr val="FDFDFD"/>
+              </a:solidFill>
+              <a:latin typeface="Open Sans Extra Bold"/>
+            </a:endParaRPr>
+          </a:p>
+        </p:txBody>
+      </p:sp>
+      <p:pic>
+        <p:nvPicPr>
+          <p:cNvPr id="15" name="Graphic 14">
+            <a:extLst>
+              <a:ext uri="{FF2B5EF4-FFF2-40B4-BE49-F238E27FC236}">
+                <a16:creationId xmlns:a16="http://schemas.microsoft.com/office/drawing/2014/main" id="{A3E03BA5-29B8-45C7-22E8-92E46890DBD4}"/>
+              </a:ext>
+            </a:extLst>
+          </p:cNvPr>
+          <p:cNvPicPr>
+            <a:picLocks noChangeAspect="1"/>
+          </p:cNvPicPr>
+          <p:nvPr/>
+        </p:nvPicPr>
+        <p:blipFill>
+          <a:blip r:embed="rId3">
+            <a:extLst>
+              <a:ext uri="{96DAC541-7B7A-43D3-8B79-37D633B846F1}">
+                <asvg:svgBlip xmlns:asvg="http://schemas.microsoft.com/office/drawing/2016/SVG/main" r:embed="rId4"/>
+              </a:ext>
+            </a:extLst>
+          </a:blip>
+          <a:stretch>
+            <a:fillRect/>
+          </a:stretch>
+        </p:blipFill>
+        <p:spPr>
+          <a:xfrm>
+            <a:off x="10066551" y="5600700"/>
+            <a:ext cx="2864005" cy="2148004"/>
+          </a:xfrm>
+          <a:prstGeom prst="rect">
+            <a:avLst/>
+          </a:prstGeom>
+        </p:spPr>
+      </p:pic>
     </p:spTree>
   </p:cSld>
   <p:clrMapOvr>
@@ -5468,7 +6158,7 @@
         </p:nvSpPr>
         <p:spPr>
           <a:xfrm>
-            <a:off x="3493921" y="2208035"/>
+            <a:off x="3493921" y="2785680"/>
             <a:ext cx="10117882" cy="4720020"/>
           </a:xfrm>
           <a:prstGeom prst="rect">
@@ -5490,13 +6180,157 @@
               </a:spcBef>
             </a:pPr>
             <a:r>
-              <a:rPr lang="en-US" sz="2442" spc="-48">
-                <a:solidFill>
-                  <a:srgbClr val="051D40"/>
-                </a:solidFill>
-                <a:latin typeface="Poppins"/>
-              </a:rPr>
-              <a:t>Om de huidige situatie op te lossen, is de Quintor hardware catalogus ontwikkeld met de volgende functies:</a:t>
+              <a:rPr lang="en-US" sz="2442" spc="-48" dirty="0">
+                <a:solidFill>
+                  <a:srgbClr val="051D40"/>
+                </a:solidFill>
+                <a:latin typeface="Poppins"/>
+              </a:rPr>
+              <a:t>Om de </a:t>
+            </a:r>
+            <a:r>
+              <a:rPr lang="en-US" sz="2442" spc="-48" dirty="0" err="1">
+                <a:solidFill>
+                  <a:srgbClr val="051D40"/>
+                </a:solidFill>
+                <a:latin typeface="Poppins"/>
+              </a:rPr>
+              <a:t>huidige</a:t>
+            </a:r>
+            <a:r>
+              <a:rPr lang="en-US" sz="2442" spc="-48" dirty="0">
+                <a:solidFill>
+                  <a:srgbClr val="051D40"/>
+                </a:solidFill>
+                <a:latin typeface="Poppins"/>
+              </a:rPr>
+              <a:t> </a:t>
+            </a:r>
+            <a:r>
+              <a:rPr lang="en-US" sz="2442" spc="-48" dirty="0" err="1">
+                <a:solidFill>
+                  <a:srgbClr val="051D40"/>
+                </a:solidFill>
+                <a:latin typeface="Poppins"/>
+              </a:rPr>
+              <a:t>situatie</a:t>
+            </a:r>
+            <a:r>
+              <a:rPr lang="en-US" sz="2442" spc="-48" dirty="0">
+                <a:solidFill>
+                  <a:srgbClr val="051D40"/>
+                </a:solidFill>
+                <a:latin typeface="Poppins"/>
+              </a:rPr>
+              <a:t> op </a:t>
+            </a:r>
+            <a:r>
+              <a:rPr lang="en-US" sz="2442" spc="-48" dirty="0" err="1">
+                <a:solidFill>
+                  <a:srgbClr val="051D40"/>
+                </a:solidFill>
+                <a:latin typeface="Poppins"/>
+              </a:rPr>
+              <a:t>te</a:t>
+            </a:r>
+            <a:r>
+              <a:rPr lang="en-US" sz="2442" spc="-48" dirty="0">
+                <a:solidFill>
+                  <a:srgbClr val="051D40"/>
+                </a:solidFill>
+                <a:latin typeface="Poppins"/>
+              </a:rPr>
+              <a:t> </a:t>
+            </a:r>
+            <a:r>
+              <a:rPr lang="en-US" sz="2442" spc="-48" dirty="0" err="1">
+                <a:solidFill>
+                  <a:srgbClr val="051D40"/>
+                </a:solidFill>
+                <a:latin typeface="Poppins"/>
+              </a:rPr>
+              <a:t>lossen</a:t>
+            </a:r>
+            <a:r>
+              <a:rPr lang="en-US" sz="2442" spc="-48" dirty="0">
+                <a:solidFill>
+                  <a:srgbClr val="051D40"/>
+                </a:solidFill>
+                <a:latin typeface="Poppins"/>
+              </a:rPr>
+              <a:t>, is de Quintor hardware </a:t>
+            </a:r>
+            <a:r>
+              <a:rPr lang="en-US" sz="2442" spc="-48" dirty="0" err="1">
+                <a:solidFill>
+                  <a:srgbClr val="051D40"/>
+                </a:solidFill>
+                <a:latin typeface="Poppins"/>
+              </a:rPr>
+              <a:t>catalogus</a:t>
+            </a:r>
+            <a:r>
+              <a:rPr lang="en-US" sz="2442" spc="-48" dirty="0">
+                <a:solidFill>
+                  <a:srgbClr val="051D40"/>
+                </a:solidFill>
+                <a:latin typeface="Poppins"/>
+              </a:rPr>
+              <a:t> </a:t>
+            </a:r>
+            <a:r>
+              <a:rPr lang="en-US" sz="2442" spc="-48" dirty="0" err="1">
+                <a:solidFill>
+                  <a:srgbClr val="051D40"/>
+                </a:solidFill>
+                <a:latin typeface="Poppins"/>
+              </a:rPr>
+              <a:t>ontwikkeld</a:t>
+            </a:r>
+            <a:r>
+              <a:rPr lang="en-US" sz="2442" spc="-48" dirty="0">
+                <a:solidFill>
+                  <a:srgbClr val="051D40"/>
+                </a:solidFill>
+                <a:latin typeface="Poppins"/>
+              </a:rPr>
+              <a:t> met de </a:t>
+            </a:r>
+            <a:r>
+              <a:rPr lang="en-US" sz="2442" spc="-48" dirty="0" err="1">
+                <a:solidFill>
+                  <a:srgbClr val="051D40"/>
+                </a:solidFill>
+                <a:latin typeface="Poppins"/>
+              </a:rPr>
+              <a:t>volgende</a:t>
+            </a:r>
+            <a:r>
+              <a:rPr lang="en-US" sz="2442" spc="-48" dirty="0">
+                <a:solidFill>
+                  <a:srgbClr val="051D40"/>
+                </a:solidFill>
+                <a:latin typeface="Poppins"/>
+              </a:rPr>
+              <a:t> </a:t>
+            </a:r>
+            <a:r>
+              <a:rPr lang="en-US" sz="2442" spc="-48" dirty="0" err="1">
+                <a:solidFill>
+                  <a:srgbClr val="051D40"/>
+                </a:solidFill>
+                <a:latin typeface="Poppins"/>
+              </a:rPr>
+              <a:t>functies</a:t>
+            </a:r>
+            <a:r>
+              <a:rPr lang="en-US" sz="2442" spc="-48" dirty="0">
+                <a:solidFill>
+                  <a:srgbClr val="051D40"/>
+                </a:solidFill>
+                <a:latin typeface="Poppins"/>
+              </a:rPr>
+              <a:t>:</a:t>
             </a:r>
           </a:p>
           <a:p>
@@ -5508,7 +6342,7 @@
                 <a:spcPct val="0"/>
               </a:spcBef>
             </a:pPr>
-            <a:endParaRPr lang="en-US" sz="2442" spc="-48">
+            <a:endParaRPr lang="en-US" sz="2442" spc="-48" dirty="0">
               <a:solidFill>
                 <a:srgbClr val="051D40"/>
               </a:solidFill>
@@ -5527,14 +6361,56 @@
               <a:buChar char="•"/>
             </a:pPr>
             <a:r>
-              <a:rPr lang="en-US" sz="2442" u="none" strike="noStrike" spc="-48">
-                <a:solidFill>
-                  <a:srgbClr val="051D40"/>
-                </a:solidFill>
-                <a:latin typeface="Poppins"/>
-              </a:rPr>
-              <a:t>Toevoegen van een apparaat</a:t>
-            </a:r>
+              <a:rPr lang="en-US" sz="2442" u="none" strike="noStrike" spc="-48" dirty="0" err="1">
+                <a:solidFill>
+                  <a:srgbClr val="051D40"/>
+                </a:solidFill>
+                <a:latin typeface="Poppins"/>
+              </a:rPr>
+              <a:t>Toevoegen</a:t>
+            </a:r>
+            <a:r>
+              <a:rPr lang="en-US" sz="2442" u="none" strike="noStrike" spc="-48" dirty="0">
+                <a:solidFill>
+                  <a:srgbClr val="051D40"/>
+                </a:solidFill>
+                <a:latin typeface="Poppins"/>
+              </a:rPr>
+              <a:t> van </a:t>
+            </a:r>
+            <a:r>
+              <a:rPr lang="en-US" sz="2442" u="none" strike="noStrike" spc="-48" dirty="0" err="1">
+                <a:solidFill>
+                  <a:srgbClr val="051D40"/>
+                </a:solidFill>
+                <a:latin typeface="Poppins"/>
+              </a:rPr>
+              <a:t>een</a:t>
+            </a:r>
+            <a:r>
+              <a:rPr lang="en-US" sz="2442" u="none" strike="noStrike" spc="-48" dirty="0">
+                <a:solidFill>
+                  <a:srgbClr val="051D40"/>
+                </a:solidFill>
+                <a:latin typeface="Poppins"/>
+              </a:rPr>
+              <a:t> </a:t>
+            </a:r>
+            <a:r>
+              <a:rPr lang="en-US" sz="2442" u="none" strike="noStrike" spc="-48" dirty="0" err="1">
+                <a:solidFill>
+                  <a:srgbClr val="051D40"/>
+                </a:solidFill>
+                <a:latin typeface="Poppins"/>
+              </a:rPr>
+              <a:t>apparaat</a:t>
+            </a:r>
+            <a:endParaRPr lang="en-US" sz="2442" u="none" strike="noStrike" spc="-48" dirty="0">
+              <a:solidFill>
+                <a:srgbClr val="051D40"/>
+              </a:solidFill>
+              <a:latin typeface="Poppins"/>
+            </a:endParaRPr>
           </a:p>
           <a:p>
             <a:pPr marL="1054475" lvl="2" indent="-351492" algn="l">
@@ -5548,7 +6424,7 @@
               <a:buChar char="⚬"/>
             </a:pPr>
             <a:r>
-              <a:rPr lang="en-US" sz="2442" u="none" strike="noStrike" spc="-48">
+              <a:rPr lang="en-US" sz="2442" u="none" strike="noStrike" spc="-48" dirty="0" err="1">
                 <a:solidFill>
                   <a:srgbClr val="051D40"/>
                 </a:solidFill>
@@ -5556,6 +6432,12 @@
               </a:rPr>
               <a:t>Locatie</a:t>
             </a:r>
+            <a:endParaRPr lang="en-US" sz="2442" u="none" strike="noStrike" spc="-48" dirty="0">
+              <a:solidFill>
+                <a:srgbClr val="051D40"/>
+              </a:solidFill>
+              <a:latin typeface="Poppins"/>
+            </a:endParaRPr>
           </a:p>
           <a:p>
             <a:pPr marL="1054475" lvl="2" indent="-351492" algn="l">
@@ -5569,7 +6451,7 @@
               <a:buChar char="⚬"/>
             </a:pPr>
             <a:r>
-              <a:rPr lang="en-US" sz="2442" u="none" strike="noStrike" spc="-48">
+              <a:rPr lang="en-US" sz="2442" u="none" strike="noStrike" spc="-48" dirty="0" err="1">
                 <a:solidFill>
                   <a:srgbClr val="051D40"/>
                 </a:solidFill>
@@ -5577,6 +6459,12 @@
               </a:rPr>
               <a:t>Specificaties</a:t>
             </a:r>
+            <a:endParaRPr lang="en-US" sz="2442" u="none" strike="noStrike" spc="-48" dirty="0">
+              <a:solidFill>
+                <a:srgbClr val="051D40"/>
+              </a:solidFill>
+              <a:latin typeface="Poppins"/>
+            </a:endParaRPr>
           </a:p>
           <a:p>
             <a:pPr marL="527237" lvl="1" indent="-263619" algn="l">
@@ -5590,14 +6478,56 @@
               <a:buChar char="•"/>
             </a:pPr>
             <a:r>
-              <a:rPr lang="en-US" sz="2442" u="none" strike="noStrike" spc="-48">
-                <a:solidFill>
-                  <a:srgbClr val="051D40"/>
-                </a:solidFill>
-                <a:latin typeface="Poppins"/>
-              </a:rPr>
-              <a:t>Lijst met apparaten tonen</a:t>
-            </a:r>
+              <a:rPr lang="en-US" sz="2442" u="none" strike="noStrike" spc="-48" dirty="0" err="1">
+                <a:solidFill>
+                  <a:srgbClr val="051D40"/>
+                </a:solidFill>
+                <a:latin typeface="Poppins"/>
+              </a:rPr>
+              <a:t>Lijst</a:t>
+            </a:r>
+            <a:r>
+              <a:rPr lang="en-US" sz="2442" u="none" strike="noStrike" spc="-48" dirty="0">
+                <a:solidFill>
+                  <a:srgbClr val="051D40"/>
+                </a:solidFill>
+                <a:latin typeface="Poppins"/>
+              </a:rPr>
+              <a:t> met </a:t>
+            </a:r>
+            <a:r>
+              <a:rPr lang="en-US" sz="2442" u="none" strike="noStrike" spc="-48" dirty="0" err="1">
+                <a:solidFill>
+                  <a:srgbClr val="051D40"/>
+                </a:solidFill>
+                <a:latin typeface="Poppins"/>
+              </a:rPr>
+              <a:t>apparaten</a:t>
+            </a:r>
+            <a:r>
+              <a:rPr lang="en-US" sz="2442" u="none" strike="noStrike" spc="-48" dirty="0">
+                <a:solidFill>
+                  <a:srgbClr val="051D40"/>
+                </a:solidFill>
+                <a:latin typeface="Poppins"/>
+              </a:rPr>
+              <a:t> </a:t>
+            </a:r>
+            <a:r>
+              <a:rPr lang="en-US" sz="2442" u="none" strike="noStrike" spc="-48" dirty="0" err="1">
+                <a:solidFill>
+                  <a:srgbClr val="051D40"/>
+                </a:solidFill>
+                <a:latin typeface="Poppins"/>
+              </a:rPr>
+              <a:t>tonen</a:t>
+            </a:r>
+            <a:endParaRPr lang="en-US" sz="2442" u="none" strike="noStrike" spc="-48" dirty="0">
+              <a:solidFill>
+                <a:srgbClr val="051D40"/>
+              </a:solidFill>
+              <a:latin typeface="Poppins"/>
+            </a:endParaRPr>
           </a:p>
           <a:p>
             <a:pPr marL="527237" lvl="1" indent="-263619" algn="l">
@@ -5611,14 +6541,56 @@
               <a:buChar char="•"/>
             </a:pPr>
             <a:r>
-              <a:rPr lang="en-US" sz="2442" u="none" strike="noStrike" spc="-48">
-                <a:solidFill>
-                  <a:srgbClr val="051D40"/>
-                </a:solidFill>
-                <a:latin typeface="Poppins"/>
-              </a:rPr>
-              <a:t>Zoeken van een apparaat</a:t>
-            </a:r>
+              <a:rPr lang="en-US" sz="2442" u="none" strike="noStrike" spc="-48" dirty="0" err="1">
+                <a:solidFill>
+                  <a:srgbClr val="051D40"/>
+                </a:solidFill>
+                <a:latin typeface="Poppins"/>
+              </a:rPr>
+              <a:t>Zoeken</a:t>
+            </a:r>
+            <a:r>
+              <a:rPr lang="en-US" sz="2442" u="none" strike="noStrike" spc="-48" dirty="0">
+                <a:solidFill>
+                  <a:srgbClr val="051D40"/>
+                </a:solidFill>
+                <a:latin typeface="Poppins"/>
+              </a:rPr>
+              <a:t> van </a:t>
+            </a:r>
+            <a:r>
+              <a:rPr lang="en-US" sz="2442" u="none" strike="noStrike" spc="-48" dirty="0" err="1">
+                <a:solidFill>
+                  <a:srgbClr val="051D40"/>
+                </a:solidFill>
+                <a:latin typeface="Poppins"/>
+              </a:rPr>
+              <a:t>een</a:t>
+            </a:r>
+            <a:r>
+              <a:rPr lang="en-US" sz="2442" u="none" strike="noStrike" spc="-48" dirty="0">
+                <a:solidFill>
+                  <a:srgbClr val="051D40"/>
+                </a:solidFill>
+                <a:latin typeface="Poppins"/>
+              </a:rPr>
+              <a:t> </a:t>
+            </a:r>
+            <a:r>
+              <a:rPr lang="en-US" sz="2442" u="none" strike="noStrike" spc="-48" dirty="0" err="1">
+                <a:solidFill>
+                  <a:srgbClr val="051D40"/>
+                </a:solidFill>
+                <a:latin typeface="Poppins"/>
+              </a:rPr>
+              <a:t>apparaat</a:t>
+            </a:r>
+            <a:endParaRPr lang="en-US" sz="2442" u="none" strike="noStrike" spc="-48" dirty="0">
+              <a:solidFill>
+                <a:srgbClr val="051D40"/>
+              </a:solidFill>
+              <a:latin typeface="Poppins"/>
+            </a:endParaRPr>
           </a:p>
           <a:p>
             <a:pPr marL="527237" lvl="1" indent="-263619" algn="l">
@@ -5632,14 +6604,56 @@
               <a:buChar char="•"/>
             </a:pPr>
             <a:r>
-              <a:rPr lang="en-US" sz="2442" u="none" strike="noStrike" spc="-48">
-                <a:solidFill>
-                  <a:srgbClr val="051D40"/>
-                </a:solidFill>
-                <a:latin typeface="Poppins"/>
-              </a:rPr>
-              <a:t>Sorteren op eigenschappen van apparaat</a:t>
-            </a:r>
+              <a:rPr lang="en-US" sz="2442" u="none" strike="noStrike" spc="-48" dirty="0" err="1">
+                <a:solidFill>
+                  <a:srgbClr val="051D40"/>
+                </a:solidFill>
+                <a:latin typeface="Poppins"/>
+              </a:rPr>
+              <a:t>Sorteren</a:t>
+            </a:r>
+            <a:r>
+              <a:rPr lang="en-US" sz="2442" u="none" strike="noStrike" spc="-48" dirty="0">
+                <a:solidFill>
+                  <a:srgbClr val="051D40"/>
+                </a:solidFill>
+                <a:latin typeface="Poppins"/>
+              </a:rPr>
+              <a:t> op </a:t>
+            </a:r>
+            <a:r>
+              <a:rPr lang="en-US" sz="2442" u="none" strike="noStrike" spc="-48" dirty="0" err="1">
+                <a:solidFill>
+                  <a:srgbClr val="051D40"/>
+                </a:solidFill>
+                <a:latin typeface="Poppins"/>
+              </a:rPr>
+              <a:t>eigenschappen</a:t>
+            </a:r>
+            <a:r>
+              <a:rPr lang="en-US" sz="2442" u="none" strike="noStrike" spc="-48" dirty="0">
+                <a:solidFill>
+                  <a:srgbClr val="051D40"/>
+                </a:solidFill>
+                <a:latin typeface="Poppins"/>
+              </a:rPr>
+              <a:t> van </a:t>
+            </a:r>
+            <a:r>
+              <a:rPr lang="en-US" sz="2442" u="none" strike="noStrike" spc="-48" dirty="0" err="1">
+                <a:solidFill>
+                  <a:srgbClr val="051D40"/>
+                </a:solidFill>
+                <a:latin typeface="Poppins"/>
+              </a:rPr>
+              <a:t>apparaat</a:t>
+            </a:r>
+            <a:endParaRPr lang="en-US" sz="2442" u="none" strike="noStrike" spc="-48" dirty="0">
+              <a:solidFill>
+                <a:srgbClr val="051D40"/>
+              </a:solidFill>
+              <a:latin typeface="Poppins"/>
+            </a:endParaRPr>
           </a:p>
           <a:p>
             <a:pPr marL="527237" lvl="1" indent="-263619" algn="l">
@@ -5653,14 +6667,92 @@
               <a:buChar char="•"/>
             </a:pPr>
             <a:r>
-              <a:rPr lang="en-US" sz="2442" u="none" strike="noStrike" spc="-48">
-                <a:solidFill>
-                  <a:srgbClr val="051D40"/>
-                </a:solidFill>
-                <a:latin typeface="Poppins"/>
-              </a:rPr>
-              <a:t>Uitleenverzoek voor een apparaat maken</a:t>
-            </a:r>
+              <a:rPr lang="en-US" sz="2442" u="none" strike="noStrike" spc="-48" dirty="0" err="1">
+                <a:solidFill>
+                  <a:srgbClr val="051D40"/>
+                </a:solidFill>
+                <a:latin typeface="Poppins"/>
+              </a:rPr>
+              <a:t>Uitleenverzoek</a:t>
+            </a:r>
+            <a:r>
+              <a:rPr lang="en-US" sz="2442" u="none" strike="noStrike" spc="-48" dirty="0">
+                <a:solidFill>
+                  <a:srgbClr val="051D40"/>
+                </a:solidFill>
+                <a:latin typeface="Poppins"/>
+              </a:rPr>
+              <a:t> </a:t>
+            </a:r>
+            <a:r>
+              <a:rPr lang="en-US" sz="2442" u="none" strike="noStrike" spc="-48" dirty="0" err="1">
+                <a:solidFill>
+                  <a:srgbClr val="051D40"/>
+                </a:solidFill>
+                <a:latin typeface="Poppins"/>
+              </a:rPr>
+              <a:t>voor</a:t>
+            </a:r>
+            <a:r>
+              <a:rPr lang="en-US" sz="2442" u="none" strike="noStrike" spc="-48" dirty="0">
+                <a:solidFill>
+                  <a:srgbClr val="051D40"/>
+                </a:solidFill>
+                <a:latin typeface="Poppins"/>
+              </a:rPr>
+              <a:t> </a:t>
+            </a:r>
+            <a:r>
+              <a:rPr lang="en-US" sz="2442" u="none" strike="noStrike" spc="-48" dirty="0" err="1">
+                <a:solidFill>
+                  <a:srgbClr val="051D40"/>
+                </a:solidFill>
+                <a:latin typeface="Poppins"/>
+              </a:rPr>
+              <a:t>een</a:t>
+            </a:r>
+            <a:r>
+              <a:rPr lang="en-US" sz="2442" u="none" strike="noStrike" spc="-48" dirty="0">
+                <a:solidFill>
+                  <a:srgbClr val="051D40"/>
+                </a:solidFill>
+                <a:latin typeface="Poppins"/>
+              </a:rPr>
+              <a:t> </a:t>
+            </a:r>
+            <a:r>
+              <a:rPr lang="en-US" sz="2442" u="none" strike="noStrike" spc="-48" dirty="0" err="1">
+                <a:solidFill>
+                  <a:srgbClr val="051D40"/>
+                </a:solidFill>
+                <a:latin typeface="Poppins"/>
+              </a:rPr>
+              <a:t>apparaat</a:t>
+            </a:r>
+            <a:r>
+              <a:rPr lang="en-US" sz="2442" u="none" strike="noStrike" spc="-48" dirty="0">
+                <a:solidFill>
+                  <a:srgbClr val="051D40"/>
+                </a:solidFill>
+                <a:latin typeface="Poppins"/>
+              </a:rPr>
+              <a:t> </a:t>
+            </a:r>
+            <a:r>
+              <a:rPr lang="en-US" sz="2442" u="none" strike="noStrike" spc="-48" dirty="0" err="1">
+                <a:solidFill>
+                  <a:srgbClr val="051D40"/>
+                </a:solidFill>
+                <a:latin typeface="Poppins"/>
+              </a:rPr>
+              <a:t>maken</a:t>
+            </a:r>
+            <a:endParaRPr lang="en-US" sz="2442" u="none" strike="noStrike" spc="-48" dirty="0">
+              <a:solidFill>
+                <a:srgbClr val="051D40"/>
+              </a:solidFill>
+              <a:latin typeface="Poppins"/>
+            </a:endParaRPr>
           </a:p>
           <a:p>
             <a:pPr marL="527237" lvl="1" indent="-263619" algn="l">
@@ -5673,7 +6765,7 @@
               <a:buFont typeface="Arial"/>
               <a:buChar char="•"/>
             </a:pPr>
-            <a:endParaRPr lang="en-US" sz="2442" u="none" strike="noStrike" spc="-48">
+            <a:endParaRPr lang="en-US" sz="2442" u="none" strike="noStrike" spc="-48" dirty="0">
               <a:solidFill>
                 <a:srgbClr val="051D40"/>
               </a:solidFill>
@@ -5723,88 +6815,6 @@
           </a:p>
         </p:txBody>
       </p:sp>
-      <p:sp>
-        <p:nvSpPr>
-          <p:cNvPr id="10" name="TextBox 10"/>
-          <p:cNvSpPr txBox="1"/>
-          <p:nvPr/>
-        </p:nvSpPr>
-        <p:spPr>
-          <a:xfrm>
-            <a:off x="3493921" y="8118845"/>
-            <a:ext cx="10117882" cy="869781"/>
-          </a:xfrm>
-          <a:prstGeom prst="rect">
-            <a:avLst/>
-          </a:prstGeom>
-        </p:spPr>
-        <p:txBody>
-          <a:bodyPr lIns="0" tIns="0" rIns="0" bIns="0" rtlCol="0" anchor="t">
-            <a:spAutoFit/>
-          </a:bodyPr>
-          <a:lstStyle/>
-          <a:p>
-            <a:pPr marL="0" lvl="0" indent="0" algn="l">
-              <a:lnSpc>
-                <a:spcPts val="3418"/>
-              </a:lnSpc>
-              <a:spcBef>
-                <a:spcPct val="0"/>
-              </a:spcBef>
-            </a:pPr>
-            <a:r>
-              <a:rPr lang="en-US" sz="2442" spc="-48">
-                <a:solidFill>
-                  <a:srgbClr val="051D40"/>
-                </a:solidFill>
-                <a:latin typeface="Poppins"/>
-              </a:rPr>
-              <a:t>Gebruikmakend van Spring Boot als back end en REACT als front end, is dit product tot stand gekomen</a:t>
-            </a:r>
-          </a:p>
-        </p:txBody>
-      </p:sp>
-      <p:sp>
-        <p:nvSpPr>
-          <p:cNvPr id="11" name="TextBox 11"/>
-          <p:cNvSpPr txBox="1"/>
-          <p:nvPr/>
-        </p:nvSpPr>
-        <p:spPr>
-          <a:xfrm>
-            <a:off x="3493921" y="7523715"/>
-            <a:ext cx="4477872" cy="510990"/>
-          </a:xfrm>
-          <a:prstGeom prst="rect">
-            <a:avLst/>
-          </a:prstGeom>
-        </p:spPr>
-        <p:txBody>
-          <a:bodyPr lIns="0" tIns="0" rIns="0" bIns="0" rtlCol="0" anchor="t">
-            <a:spAutoFit/>
-          </a:bodyPr>
-          <a:lstStyle/>
-          <a:p>
-            <a:pPr algn="l">
-              <a:lnSpc>
-                <a:spcPts val="4185"/>
-              </a:lnSpc>
-              <a:spcBef>
-                <a:spcPct val="0"/>
-              </a:spcBef>
-            </a:pPr>
-            <a:r>
-              <a:rPr lang="en-US" sz="2989">
-                <a:solidFill>
-                  <a:srgbClr val="051D40"/>
-                </a:solidFill>
-                <a:latin typeface="Open Sans Extra Bold"/>
-              </a:rPr>
-              <a:t>Gebruikte technieken</a:t>
-            </a:r>
-          </a:p>
-        </p:txBody>
-      </p:sp>
     </p:spTree>
   </p:cSld>
   <p:clrMapOvr>
@@ -5814,852 +6824,6 @@
 </file>
 
 <file path=ppt/slides/slide5.xml><?xml version="1.0" encoding="utf-8"?>
-<p:sld xmlns:a="http://schemas.openxmlformats.org/drawingml/2006/main" xmlns:r="http://schemas.openxmlformats.org/officeDocument/2006/relationships" xmlns:p="http://schemas.openxmlformats.org/presentationml/2006/main">
-  <p:cSld>
-    <p:spTree>
-      <p:nvGrpSpPr>
-        <p:cNvPr id="1" name=""/>
-        <p:cNvGrpSpPr/>
-        <p:nvPr/>
-      </p:nvGrpSpPr>
-      <p:grpSpPr>
-        <a:xfrm>
-          <a:off x="0" y="0"/>
-          <a:ext cx="0" cy="0"/>
-          <a:chOff x="0" y="0"/>
-          <a:chExt cx="0" cy="0"/>
-        </a:xfrm>
-      </p:grpSpPr>
-      <p:grpSp>
-        <p:nvGrpSpPr>
-          <p:cNvPr id="2" name="Group 2"/>
-          <p:cNvGrpSpPr/>
-          <p:nvPr/>
-        </p:nvGrpSpPr>
-        <p:grpSpPr>
-          <a:xfrm>
-            <a:off x="13266830" y="0"/>
-            <a:ext cx="5021170" cy="10287000"/>
-            <a:chOff x="0" y="0"/>
-            <a:chExt cx="1322448" cy="2709333"/>
-          </a:xfrm>
-        </p:grpSpPr>
-        <p:sp>
-          <p:nvSpPr>
-            <p:cNvPr id="3" name="Freeform 3"/>
-            <p:cNvSpPr/>
-            <p:nvPr/>
-          </p:nvSpPr>
-          <p:spPr>
-            <a:xfrm>
-              <a:off x="0" y="0"/>
-              <a:ext cx="1322448" cy="2709333"/>
-            </a:xfrm>
-            <a:custGeom>
-              <a:avLst/>
-              <a:gdLst/>
-              <a:ahLst/>
-              <a:cxnLst/>
-              <a:rect l="l" t="t" r="r" b="b"/>
-              <a:pathLst>
-                <a:path w="1322448" h="2709333">
-                  <a:moveTo>
-                    <a:pt x="0" y="0"/>
-                  </a:moveTo>
-                  <a:lnTo>
-                    <a:pt x="1322448" y="0"/>
-                  </a:lnTo>
-                  <a:lnTo>
-                    <a:pt x="1322448" y="2709333"/>
-                  </a:lnTo>
-                  <a:lnTo>
-                    <a:pt x="0" y="2709333"/>
-                  </a:lnTo>
-                  <a:close/>
-                </a:path>
-              </a:pathLst>
-            </a:custGeom>
-            <a:solidFill>
-              <a:srgbClr val="C23350"/>
-            </a:solidFill>
-          </p:spPr>
-          <p:txBody>
-            <a:bodyPr/>
-            <a:lstStyle/>
-            <a:p>
-              <a:endParaRPr lang="nl-NL"/>
-            </a:p>
-          </p:txBody>
-        </p:sp>
-        <p:sp>
-          <p:nvSpPr>
-            <p:cNvPr id="4" name="TextBox 4"/>
-            <p:cNvSpPr txBox="1"/>
-            <p:nvPr/>
-          </p:nvSpPr>
-          <p:spPr>
-            <a:xfrm>
-              <a:off x="0" y="-38100"/>
-              <a:ext cx="1322448" cy="2747433"/>
-            </a:xfrm>
-            <a:prstGeom prst="rect">
-              <a:avLst/>
-            </a:prstGeom>
-          </p:spPr>
-          <p:txBody>
-            <a:bodyPr lIns="50800" tIns="50800" rIns="50800" bIns="50800" rtlCol="0" anchor="ctr"/>
-            <a:lstStyle/>
-            <a:p>
-              <a:pPr algn="ctr">
-                <a:lnSpc>
-                  <a:spcPts val="2659"/>
-                </a:lnSpc>
-              </a:pPr>
-              <a:endParaRPr/>
-            </a:p>
-          </p:txBody>
-        </p:sp>
-      </p:grpSp>
-      <p:sp>
-        <p:nvSpPr>
-          <p:cNvPr id="5" name="TextBox 5"/>
-          <p:cNvSpPr txBox="1"/>
-          <p:nvPr/>
-        </p:nvSpPr>
-        <p:spPr>
-          <a:xfrm>
-            <a:off x="1609132" y="1222804"/>
-            <a:ext cx="7922504" cy="771523"/>
-          </a:xfrm>
-          <a:prstGeom prst="rect">
-            <a:avLst/>
-          </a:prstGeom>
-        </p:spPr>
-        <p:txBody>
-          <a:bodyPr lIns="0" tIns="0" rIns="0" bIns="0" rtlCol="0" anchor="t">
-            <a:spAutoFit/>
-          </a:bodyPr>
-          <a:lstStyle/>
-          <a:p>
-            <a:pPr marL="0" lvl="0" indent="0" algn="l">
-              <a:lnSpc>
-                <a:spcPts val="6300"/>
-              </a:lnSpc>
-              <a:spcBef>
-                <a:spcPct val="0"/>
-              </a:spcBef>
-            </a:pPr>
-            <a:r>
-              <a:rPr lang="en-US" sz="4500">
-                <a:solidFill>
-                  <a:srgbClr val="051D40"/>
-                </a:solidFill>
-                <a:latin typeface="Open Sans Extra Bold"/>
-              </a:rPr>
-              <a:t>Route naar eindproduct</a:t>
-            </a:r>
-          </a:p>
-        </p:txBody>
-      </p:sp>
-      <p:grpSp>
-        <p:nvGrpSpPr>
-          <p:cNvPr id="6" name="Group 6"/>
-          <p:cNvGrpSpPr/>
-          <p:nvPr/>
-        </p:nvGrpSpPr>
-        <p:grpSpPr>
-          <a:xfrm>
-            <a:off x="-1595820" y="-1782102"/>
-            <a:ext cx="3564204" cy="3564204"/>
-            <a:chOff x="0" y="0"/>
-            <a:chExt cx="812800" cy="812800"/>
-          </a:xfrm>
-        </p:grpSpPr>
-        <p:sp>
-          <p:nvSpPr>
-            <p:cNvPr id="7" name="Freeform 7"/>
-            <p:cNvSpPr/>
-            <p:nvPr/>
-          </p:nvSpPr>
-          <p:spPr>
-            <a:xfrm>
-              <a:off x="0" y="0"/>
-              <a:ext cx="812800" cy="812800"/>
-            </a:xfrm>
-            <a:custGeom>
-              <a:avLst/>
-              <a:gdLst/>
-              <a:ahLst/>
-              <a:cxnLst/>
-              <a:rect l="l" t="t" r="r" b="b"/>
-              <a:pathLst>
-                <a:path w="812800" h="812800">
-                  <a:moveTo>
-                    <a:pt x="406400" y="0"/>
-                  </a:moveTo>
-                  <a:cubicBezTo>
-                    <a:pt x="181951" y="0"/>
-                    <a:pt x="0" y="181951"/>
-                    <a:pt x="0" y="406400"/>
-                  </a:cubicBezTo>
-                  <a:cubicBezTo>
-                    <a:pt x="0" y="630849"/>
-                    <a:pt x="181951" y="812800"/>
-                    <a:pt x="406400" y="812800"/>
-                  </a:cubicBezTo>
-                  <a:cubicBezTo>
-                    <a:pt x="630849" y="812800"/>
-                    <a:pt x="812800" y="630849"/>
-                    <a:pt x="812800" y="406400"/>
-                  </a:cubicBezTo>
-                  <a:cubicBezTo>
-                    <a:pt x="812800" y="181951"/>
-                    <a:pt x="630849" y="0"/>
-                    <a:pt x="406400" y="0"/>
-                  </a:cubicBezTo>
-                  <a:close/>
-                </a:path>
-              </a:pathLst>
-            </a:custGeom>
-            <a:solidFill>
-              <a:srgbClr val="000000">
-                <a:alpha val="0"/>
-              </a:srgbClr>
-            </a:solidFill>
-            <a:ln w="952500" cap="sq">
-              <a:solidFill>
-                <a:srgbClr val="051D40">
-                  <a:alpha val="15686"/>
-                </a:srgbClr>
-              </a:solidFill>
-              <a:prstDash val="solid"/>
-              <a:miter/>
-            </a:ln>
-          </p:spPr>
-          <p:txBody>
-            <a:bodyPr/>
-            <a:lstStyle/>
-            <a:p>
-              <a:endParaRPr lang="nl-NL"/>
-            </a:p>
-          </p:txBody>
-        </p:sp>
-        <p:sp>
-          <p:nvSpPr>
-            <p:cNvPr id="8" name="TextBox 8"/>
-            <p:cNvSpPr txBox="1"/>
-            <p:nvPr/>
-          </p:nvSpPr>
-          <p:spPr>
-            <a:xfrm>
-              <a:off x="76200" y="38100"/>
-              <a:ext cx="660400" cy="698500"/>
-            </a:xfrm>
-            <a:prstGeom prst="rect">
-              <a:avLst/>
-            </a:prstGeom>
-          </p:spPr>
-          <p:txBody>
-            <a:bodyPr lIns="50800" tIns="50800" rIns="50800" bIns="50800" rtlCol="0" anchor="ctr"/>
-            <a:lstStyle/>
-            <a:p>
-              <a:pPr algn="ctr">
-                <a:lnSpc>
-                  <a:spcPts val="2659"/>
-                </a:lnSpc>
-                <a:spcBef>
-                  <a:spcPct val="0"/>
-                </a:spcBef>
-              </a:pPr>
-              <a:endParaRPr/>
-            </a:p>
-          </p:txBody>
-        </p:sp>
-      </p:grpSp>
-      <p:sp>
-        <p:nvSpPr>
-          <p:cNvPr id="9" name="TextBox 9"/>
-          <p:cNvSpPr txBox="1"/>
-          <p:nvPr/>
-        </p:nvSpPr>
-        <p:spPr>
-          <a:xfrm>
-            <a:off x="1609132" y="2128374"/>
-            <a:ext cx="9006427" cy="2496117"/>
-          </a:xfrm>
-          <a:prstGeom prst="rect">
-            <a:avLst/>
-          </a:prstGeom>
-        </p:spPr>
-        <p:txBody>
-          <a:bodyPr lIns="0" tIns="0" rIns="0" bIns="0" rtlCol="0" anchor="t">
-            <a:spAutoFit/>
-          </a:bodyPr>
-          <a:lstStyle/>
-          <a:p>
-            <a:pPr marL="0" lvl="0" indent="0" algn="l">
-              <a:lnSpc>
-                <a:spcPts val="2843"/>
-              </a:lnSpc>
-              <a:spcBef>
-                <a:spcPct val="0"/>
-              </a:spcBef>
-            </a:pPr>
-            <a:r>
-              <a:rPr lang="en-US" sz="2030" u="none" strike="noStrike" spc="-40">
-                <a:solidFill>
-                  <a:srgbClr val="051D40"/>
-                </a:solidFill>
-                <a:latin typeface="Poppins"/>
-              </a:rPr>
-              <a:t>Lorem ipsum dolor sit amet, consectetur adipiscing elit. Nullam laoreet risus fringilla, egestas elit a, consequat augue. Phasellus sollicitudin felis mi, quis egestas ex ornare sed. </a:t>
-            </a:r>
-          </a:p>
-          <a:p>
-            <a:pPr marL="0" lvl="0" indent="0" algn="l">
-              <a:lnSpc>
-                <a:spcPts val="2843"/>
-              </a:lnSpc>
-              <a:spcBef>
-                <a:spcPct val="0"/>
-              </a:spcBef>
-            </a:pPr>
-            <a:endParaRPr lang="en-US" sz="2030" u="none" strike="noStrike" spc="-40">
-              <a:solidFill>
-                <a:srgbClr val="051D40"/>
-              </a:solidFill>
-              <a:latin typeface="Poppins"/>
-            </a:endParaRPr>
-          </a:p>
-          <a:p>
-            <a:pPr marL="0" lvl="0" indent="0" algn="l">
-              <a:lnSpc>
-                <a:spcPts val="2843"/>
-              </a:lnSpc>
-              <a:spcBef>
-                <a:spcPct val="0"/>
-              </a:spcBef>
-            </a:pPr>
-            <a:r>
-              <a:rPr lang="en-US" sz="2030" u="none" strike="noStrike" spc="-40">
-                <a:solidFill>
-                  <a:srgbClr val="051D40"/>
-                </a:solidFill>
-                <a:latin typeface="Poppins"/>
-              </a:rPr>
-              <a:t>Praesent vel felis quis mi pulvinar sagittis. Pellentesque viverra ipsum ante, in congue ante eleifend eget. Aenean tortor tellus, efficitur ac rhoncus et, eleifend sit amet mi. Sed ut lectus ac nibh molestie rhoncus.</a:t>
-            </a:r>
-          </a:p>
-        </p:txBody>
-      </p:sp>
-      <p:grpSp>
-        <p:nvGrpSpPr>
-          <p:cNvPr id="10" name="Group 10"/>
-          <p:cNvGrpSpPr/>
-          <p:nvPr/>
-        </p:nvGrpSpPr>
-        <p:grpSpPr>
-          <a:xfrm>
-            <a:off x="14700679" y="7074186"/>
-            <a:ext cx="5946973" cy="5946973"/>
-            <a:chOff x="0" y="0"/>
-            <a:chExt cx="812800" cy="812800"/>
-          </a:xfrm>
-        </p:grpSpPr>
-        <p:sp>
-          <p:nvSpPr>
-            <p:cNvPr id="11" name="Freeform 11"/>
-            <p:cNvSpPr/>
-            <p:nvPr/>
-          </p:nvSpPr>
-          <p:spPr>
-            <a:xfrm>
-              <a:off x="0" y="0"/>
-              <a:ext cx="812800" cy="812800"/>
-            </a:xfrm>
-            <a:custGeom>
-              <a:avLst/>
-              <a:gdLst/>
-              <a:ahLst/>
-              <a:cxnLst/>
-              <a:rect l="l" t="t" r="r" b="b"/>
-              <a:pathLst>
-                <a:path w="812800" h="812800">
-                  <a:moveTo>
-                    <a:pt x="406400" y="0"/>
-                  </a:moveTo>
-                  <a:cubicBezTo>
-                    <a:pt x="181951" y="0"/>
-                    <a:pt x="0" y="181951"/>
-                    <a:pt x="0" y="406400"/>
-                  </a:cubicBezTo>
-                  <a:cubicBezTo>
-                    <a:pt x="0" y="630849"/>
-                    <a:pt x="181951" y="812800"/>
-                    <a:pt x="406400" y="812800"/>
-                  </a:cubicBezTo>
-                  <a:cubicBezTo>
-                    <a:pt x="630849" y="812800"/>
-                    <a:pt x="812800" y="630849"/>
-                    <a:pt x="812800" y="406400"/>
-                  </a:cubicBezTo>
-                  <a:cubicBezTo>
-                    <a:pt x="812800" y="181951"/>
-                    <a:pt x="630849" y="0"/>
-                    <a:pt x="406400" y="0"/>
-                  </a:cubicBezTo>
-                  <a:close/>
-                </a:path>
-              </a:pathLst>
-            </a:custGeom>
-            <a:solidFill>
-              <a:srgbClr val="000000">
-                <a:alpha val="0"/>
-              </a:srgbClr>
-            </a:solidFill>
-            <a:ln w="952500" cap="sq">
-              <a:solidFill>
-                <a:srgbClr val="FFFFFF">
-                  <a:alpha val="15686"/>
-                </a:srgbClr>
-              </a:solidFill>
-              <a:prstDash val="solid"/>
-              <a:miter/>
-            </a:ln>
-          </p:spPr>
-          <p:txBody>
-            <a:bodyPr/>
-            <a:lstStyle/>
-            <a:p>
-              <a:endParaRPr lang="nl-NL"/>
-            </a:p>
-          </p:txBody>
-        </p:sp>
-        <p:sp>
-          <p:nvSpPr>
-            <p:cNvPr id="12" name="TextBox 12"/>
-            <p:cNvSpPr txBox="1"/>
-            <p:nvPr/>
-          </p:nvSpPr>
-          <p:spPr>
-            <a:xfrm>
-              <a:off x="76200" y="38100"/>
-              <a:ext cx="660400" cy="698500"/>
-            </a:xfrm>
-            <a:prstGeom prst="rect">
-              <a:avLst/>
-            </a:prstGeom>
-          </p:spPr>
-          <p:txBody>
-            <a:bodyPr lIns="50800" tIns="50800" rIns="50800" bIns="50800" rtlCol="0" anchor="ctr"/>
-            <a:lstStyle/>
-            <a:p>
-              <a:pPr algn="ctr">
-                <a:lnSpc>
-                  <a:spcPts val="2659"/>
-                </a:lnSpc>
-                <a:spcBef>
-                  <a:spcPct val="0"/>
-                </a:spcBef>
-              </a:pPr>
-              <a:endParaRPr/>
-            </a:p>
-          </p:txBody>
-        </p:sp>
-      </p:grpSp>
-      <p:sp>
-        <p:nvSpPr>
-          <p:cNvPr id="13" name="TextBox 13"/>
-          <p:cNvSpPr txBox="1"/>
-          <p:nvPr/>
-        </p:nvSpPr>
-        <p:spPr>
-          <a:xfrm>
-            <a:off x="9689588" y="5643420"/>
-            <a:ext cx="2661498" cy="2367479"/>
-          </a:xfrm>
-          <a:prstGeom prst="rect">
-            <a:avLst/>
-          </a:prstGeom>
-        </p:spPr>
-        <p:txBody>
-          <a:bodyPr lIns="0" tIns="0" rIns="0" bIns="0" rtlCol="0" anchor="t">
-            <a:spAutoFit/>
-          </a:bodyPr>
-          <a:lstStyle/>
-          <a:p>
-            <a:pPr marL="0" lvl="0" indent="0" algn="ctr">
-              <a:lnSpc>
-                <a:spcPts val="2334"/>
-              </a:lnSpc>
-              <a:spcBef>
-                <a:spcPct val="0"/>
-              </a:spcBef>
-            </a:pPr>
-            <a:r>
-              <a:rPr lang="en-US" sz="1667" u="none" strike="noStrike" spc="-33">
-                <a:solidFill>
-                  <a:srgbClr val="FDFDFD"/>
-                </a:solidFill>
-                <a:latin typeface="Poppins"/>
-              </a:rPr>
-              <a:t>Lorem ipsum dolor sit amet, consectetur adipiscing elit. Nullam laoreet risus fringilla, egestas elit a, consequat augue. Phasellus sollicitudin felis mi, quis egestas ex ornare sed. </a:t>
-            </a:r>
-          </a:p>
-        </p:txBody>
-      </p:sp>
-      <p:grpSp>
-        <p:nvGrpSpPr>
-          <p:cNvPr id="14" name="Group 14"/>
-          <p:cNvGrpSpPr/>
-          <p:nvPr/>
-        </p:nvGrpSpPr>
-        <p:grpSpPr>
-          <a:xfrm rot="5491349">
-            <a:off x="10677076" y="3466525"/>
-            <a:ext cx="4693046" cy="4693046"/>
-            <a:chOff x="0" y="0"/>
-            <a:chExt cx="812800" cy="812800"/>
-          </a:xfrm>
-        </p:grpSpPr>
-        <p:sp>
-          <p:nvSpPr>
-            <p:cNvPr id="15" name="Freeform 15"/>
-            <p:cNvSpPr/>
-            <p:nvPr/>
-          </p:nvSpPr>
-          <p:spPr>
-            <a:xfrm>
-              <a:off x="0" y="0"/>
-              <a:ext cx="812800" cy="812800"/>
-            </a:xfrm>
-            <a:custGeom>
-              <a:avLst/>
-              <a:gdLst/>
-              <a:ahLst/>
-              <a:cxnLst/>
-              <a:rect l="l" t="t" r="r" b="b"/>
-              <a:pathLst>
-                <a:path w="812800" h="812800">
-                  <a:moveTo>
-                    <a:pt x="406400" y="0"/>
-                  </a:moveTo>
-                  <a:cubicBezTo>
-                    <a:pt x="181951" y="0"/>
-                    <a:pt x="0" y="181951"/>
-                    <a:pt x="0" y="406400"/>
-                  </a:cubicBezTo>
-                  <a:cubicBezTo>
-                    <a:pt x="0" y="630849"/>
-                    <a:pt x="181951" y="812800"/>
-                    <a:pt x="406400" y="812800"/>
-                  </a:cubicBezTo>
-                  <a:cubicBezTo>
-                    <a:pt x="630849" y="812800"/>
-                    <a:pt x="812800" y="630849"/>
-                    <a:pt x="812800" y="406400"/>
-                  </a:cubicBezTo>
-                  <a:cubicBezTo>
-                    <a:pt x="812800" y="181951"/>
-                    <a:pt x="630849" y="0"/>
-                    <a:pt x="406400" y="0"/>
-                  </a:cubicBezTo>
-                  <a:close/>
-                </a:path>
-              </a:pathLst>
-            </a:custGeom>
-            <a:solidFill>
-              <a:srgbClr val="000000">
-                <a:alpha val="0"/>
-              </a:srgbClr>
-            </a:solidFill>
-            <a:ln w="952500" cap="sq">
-              <a:solidFill>
-                <a:srgbClr val="FFFFFF"/>
-              </a:solidFill>
-              <a:prstDash val="solid"/>
-              <a:miter/>
-            </a:ln>
-          </p:spPr>
-          <p:txBody>
-            <a:bodyPr/>
-            <a:lstStyle/>
-            <a:p>
-              <a:endParaRPr lang="nl-NL"/>
-            </a:p>
-          </p:txBody>
-        </p:sp>
-        <p:sp>
-          <p:nvSpPr>
-            <p:cNvPr id="16" name="TextBox 16"/>
-            <p:cNvSpPr txBox="1"/>
-            <p:nvPr/>
-          </p:nvSpPr>
-          <p:spPr>
-            <a:xfrm>
-              <a:off x="76200" y="38100"/>
-              <a:ext cx="660400" cy="698500"/>
-            </a:xfrm>
-            <a:prstGeom prst="rect">
-              <a:avLst/>
-            </a:prstGeom>
-          </p:spPr>
-          <p:txBody>
-            <a:bodyPr lIns="50800" tIns="50800" rIns="50800" bIns="50800" rtlCol="0" anchor="ctr"/>
-            <a:lstStyle/>
-            <a:p>
-              <a:pPr algn="ctr">
-                <a:lnSpc>
-                  <a:spcPts val="2659"/>
-                </a:lnSpc>
-                <a:spcBef>
-                  <a:spcPct val="0"/>
-                </a:spcBef>
-              </a:pPr>
-              <a:endParaRPr/>
-            </a:p>
-          </p:txBody>
-        </p:sp>
-      </p:grpSp>
-    </p:spTree>
-  </p:cSld>
-  <p:clrMapOvr>
-    <a:masterClrMapping/>
-  </p:clrMapOvr>
-</p:sld>
-</file>
-
-<file path=ppt/slides/slide6.xml><?xml version="1.0" encoding="utf-8"?>
-<p:sld xmlns:a="http://schemas.openxmlformats.org/drawingml/2006/main" xmlns:r="http://schemas.openxmlformats.org/officeDocument/2006/relationships" xmlns:p="http://schemas.openxmlformats.org/presentationml/2006/main">
-  <p:cSld>
-    <p:bg>
-      <p:bgPr>
-        <a:solidFill>
-          <a:srgbClr val="C23350"/>
-        </a:solidFill>
-        <a:effectLst/>
-      </p:bgPr>
-    </p:bg>
-    <p:spTree>
-      <p:nvGrpSpPr>
-        <p:cNvPr id="1" name=""/>
-        <p:cNvGrpSpPr/>
-        <p:nvPr/>
-      </p:nvGrpSpPr>
-      <p:grpSpPr>
-        <a:xfrm>
-          <a:off x="0" y="0"/>
-          <a:ext cx="0" cy="0"/>
-          <a:chOff x="0" y="0"/>
-          <a:chExt cx="0" cy="0"/>
-        </a:xfrm>
-      </p:grpSpPr>
-      <p:sp>
-        <p:nvSpPr>
-          <p:cNvPr id="2" name="TextBox 2"/>
-          <p:cNvSpPr txBox="1"/>
-          <p:nvPr/>
-        </p:nvSpPr>
-        <p:spPr>
-          <a:xfrm>
-            <a:off x="1270420" y="904875"/>
-            <a:ext cx="6903505" cy="1126591"/>
-          </a:xfrm>
-          <a:prstGeom prst="rect">
-            <a:avLst/>
-          </a:prstGeom>
-        </p:spPr>
-        <p:txBody>
-          <a:bodyPr lIns="0" tIns="0" rIns="0" bIns="0" rtlCol="0" anchor="t">
-            <a:spAutoFit/>
-          </a:bodyPr>
-          <a:lstStyle/>
-          <a:p>
-            <a:pPr algn="l">
-              <a:lnSpc>
-                <a:spcPts val="9247"/>
-              </a:lnSpc>
-              <a:spcBef>
-                <a:spcPct val="0"/>
-              </a:spcBef>
-            </a:pPr>
-            <a:r>
-              <a:rPr lang="en-US" sz="6605">
-                <a:solidFill>
-                  <a:srgbClr val="FDFDFD"/>
-                </a:solidFill>
-                <a:latin typeface="Open Sans Extra Bold"/>
-              </a:rPr>
-              <a:t>Struikelpunten</a:t>
-            </a:r>
-          </a:p>
-        </p:txBody>
-      </p:sp>
-      <p:sp>
-        <p:nvSpPr>
-          <p:cNvPr id="3" name="TextBox 3"/>
-          <p:cNvSpPr txBox="1"/>
-          <p:nvPr/>
-        </p:nvSpPr>
-        <p:spPr>
-          <a:xfrm>
-            <a:off x="1270420" y="2245049"/>
-            <a:ext cx="9913189" cy="1198344"/>
-          </a:xfrm>
-          <a:prstGeom prst="rect">
-            <a:avLst/>
-          </a:prstGeom>
-        </p:spPr>
-        <p:txBody>
-          <a:bodyPr lIns="0" tIns="0" rIns="0" bIns="0" rtlCol="0" anchor="t">
-            <a:spAutoFit/>
-          </a:bodyPr>
-          <a:lstStyle/>
-          <a:p>
-            <a:pPr algn="l">
-              <a:lnSpc>
-                <a:spcPts val="3238"/>
-              </a:lnSpc>
-            </a:pPr>
-            <a:r>
-              <a:rPr lang="en-US" sz="2313" u="none" strike="noStrike" spc="-46">
-                <a:solidFill>
-                  <a:srgbClr val="FDFDFD"/>
-                </a:solidFill>
-                <a:latin typeface="Poppins"/>
-              </a:rPr>
-              <a:t>Lorem ipsum dolor sit amet, consectetur adipiscing elit. Nullam laoreet risus fringilla, egestas elit a, consequat augue. Phasellus sollicitudin felis mi, quis egestas ex ornare sed. </a:t>
-            </a:r>
-          </a:p>
-        </p:txBody>
-      </p:sp>
-      <p:grpSp>
-        <p:nvGrpSpPr>
-          <p:cNvPr id="4" name="Group 4"/>
-          <p:cNvGrpSpPr/>
-          <p:nvPr/>
-        </p:nvGrpSpPr>
-        <p:grpSpPr>
-          <a:xfrm>
-            <a:off x="14456341" y="3980147"/>
-            <a:ext cx="7019697" cy="10556306"/>
-            <a:chOff x="0" y="0"/>
-            <a:chExt cx="660400" cy="993118"/>
-          </a:xfrm>
-        </p:grpSpPr>
-        <p:sp>
-          <p:nvSpPr>
-            <p:cNvPr id="5" name="Freeform 5"/>
-            <p:cNvSpPr/>
-            <p:nvPr/>
-          </p:nvSpPr>
-          <p:spPr>
-            <a:xfrm>
-              <a:off x="0" y="0"/>
-              <a:ext cx="660400" cy="993118"/>
-            </a:xfrm>
-            <a:custGeom>
-              <a:avLst/>
-              <a:gdLst/>
-              <a:ahLst/>
-              <a:cxnLst/>
-              <a:rect l="l" t="t" r="r" b="b"/>
-              <a:pathLst>
-                <a:path w="660400" h="993118">
-                  <a:moveTo>
-                    <a:pt x="220252" y="19070"/>
-                  </a:moveTo>
-                  <a:cubicBezTo>
-                    <a:pt x="254000" y="7556"/>
-                    <a:pt x="292600" y="0"/>
-                    <a:pt x="330378" y="0"/>
-                  </a:cubicBezTo>
-                  <a:cubicBezTo>
-                    <a:pt x="368157" y="0"/>
-                    <a:pt x="404509" y="6476"/>
-                    <a:pt x="438009" y="17990"/>
-                  </a:cubicBezTo>
-                  <a:cubicBezTo>
-                    <a:pt x="438723" y="18350"/>
-                    <a:pt x="439435" y="18350"/>
-                    <a:pt x="440148" y="18710"/>
-                  </a:cubicBezTo>
-                  <a:cubicBezTo>
-                    <a:pt x="565955" y="64765"/>
-                    <a:pt x="658618" y="186379"/>
-                    <a:pt x="660400" y="332507"/>
-                  </a:cubicBezTo>
-                  <a:lnTo>
-                    <a:pt x="660400" y="993118"/>
-                  </a:lnTo>
-                  <a:lnTo>
-                    <a:pt x="0" y="993118"/>
-                  </a:lnTo>
-                  <a:lnTo>
-                    <a:pt x="0" y="332998"/>
-                  </a:lnTo>
-                  <a:cubicBezTo>
-                    <a:pt x="1782" y="185660"/>
-                    <a:pt x="93019" y="64045"/>
-                    <a:pt x="220252" y="19070"/>
-                  </a:cubicBezTo>
-                  <a:close/>
-                </a:path>
-              </a:pathLst>
-            </a:custGeom>
-            <a:solidFill>
-              <a:srgbClr val="FFFFFF"/>
-            </a:solidFill>
-          </p:spPr>
-          <p:txBody>
-            <a:bodyPr/>
-            <a:lstStyle/>
-            <a:p>
-              <a:endParaRPr lang="nl-NL"/>
-            </a:p>
-          </p:txBody>
-        </p:sp>
-        <p:sp>
-          <p:nvSpPr>
-            <p:cNvPr id="6" name="TextBox 6"/>
-            <p:cNvSpPr txBox="1"/>
-            <p:nvPr/>
-          </p:nvSpPr>
-          <p:spPr>
-            <a:xfrm>
-              <a:off x="0" y="88900"/>
-              <a:ext cx="660400" cy="904218"/>
-            </a:xfrm>
-            <a:prstGeom prst="rect">
-              <a:avLst/>
-            </a:prstGeom>
-          </p:spPr>
-          <p:txBody>
-            <a:bodyPr lIns="50800" tIns="50800" rIns="50800" bIns="50800" rtlCol="0" anchor="ctr"/>
-            <a:lstStyle/>
-            <a:p>
-              <a:pPr algn="ctr">
-                <a:lnSpc>
-                  <a:spcPts val="2659"/>
-                </a:lnSpc>
-                <a:spcBef>
-                  <a:spcPct val="0"/>
-                </a:spcBef>
-              </a:pPr>
-              <a:endParaRPr/>
-            </a:p>
-          </p:txBody>
-        </p:sp>
-      </p:grpSp>
-    </p:spTree>
-  </p:cSld>
-  <p:clrMapOvr>
-    <a:masterClrMapping/>
-  </p:clrMapOvr>
-</p:sld>
-</file>
-
-<file path=ppt/slides/slide7.xml><?xml version="1.0" encoding="utf-8"?>
 <p:sld xmlns:a="http://schemas.openxmlformats.org/drawingml/2006/main" xmlns:r="http://schemas.openxmlformats.org/officeDocument/2006/relationships" xmlns:p="http://schemas.openxmlformats.org/presentationml/2006/main">
   <p:cSld>
     <p:bg>
@@ -6917,6 +7081,2191 @@
       </p:grpSp>
       <p:sp>
         <p:nvSpPr>
+          <p:cNvPr id="9" name="TextBox 9"/>
+          <p:cNvSpPr txBox="1"/>
+          <p:nvPr/>
+        </p:nvSpPr>
+        <p:spPr>
+          <a:xfrm>
+            <a:off x="3493920" y="1193600"/>
+            <a:ext cx="9307679" cy="910057"/>
+          </a:xfrm>
+          <a:prstGeom prst="rect">
+            <a:avLst/>
+          </a:prstGeom>
+        </p:spPr>
+        <p:txBody>
+          <a:bodyPr wrap="square" lIns="0" tIns="0" rIns="0" bIns="0" rtlCol="0" anchor="t">
+            <a:spAutoFit/>
+          </a:bodyPr>
+          <a:lstStyle/>
+          <a:p>
+            <a:pPr algn="l">
+              <a:lnSpc>
+                <a:spcPts val="7575"/>
+              </a:lnSpc>
+              <a:spcBef>
+                <a:spcPct val="0"/>
+              </a:spcBef>
+            </a:pPr>
+            <a:r>
+              <a:rPr lang="en-US" sz="5410" dirty="0" err="1">
+                <a:solidFill>
+                  <a:srgbClr val="051D40"/>
+                </a:solidFill>
+                <a:latin typeface="Open Sans Extra Bold"/>
+              </a:rPr>
+              <a:t>Oplossing</a:t>
+            </a:r>
+            <a:r>
+              <a:rPr lang="en-US" sz="5410" dirty="0">
+                <a:solidFill>
+                  <a:srgbClr val="051D40"/>
+                </a:solidFill>
+                <a:latin typeface="Open Sans Extra Bold"/>
+              </a:rPr>
+              <a:t> - </a:t>
+            </a:r>
+            <a:r>
+              <a:rPr lang="en-US" sz="5410" dirty="0" err="1">
+                <a:solidFill>
+                  <a:srgbClr val="051D40"/>
+                </a:solidFill>
+                <a:latin typeface="Open Sans Extra Bold"/>
+              </a:rPr>
+              <a:t>uitwerking</a:t>
+            </a:r>
+            <a:endParaRPr lang="en-US" sz="5410" dirty="0">
+              <a:solidFill>
+                <a:srgbClr val="051D40"/>
+              </a:solidFill>
+              <a:latin typeface="Open Sans Extra Bold"/>
+            </a:endParaRPr>
+          </a:p>
+        </p:txBody>
+      </p:sp>
+      <p:pic>
+        <p:nvPicPr>
+          <p:cNvPr id="13" name="Afbeelding 12" descr="Afbeelding met tekst, schermopname, software, nummer&#10;&#10;Automatisch gegenereerde beschrijving">
+            <a:extLst>
+              <a:ext uri="{FF2B5EF4-FFF2-40B4-BE49-F238E27FC236}">
+                <a16:creationId xmlns:a16="http://schemas.microsoft.com/office/drawing/2014/main" id="{6A457CCD-15E0-44D8-7619-D2EAD86F6F0A}"/>
+              </a:ext>
+            </a:extLst>
+          </p:cNvPr>
+          <p:cNvPicPr>
+            <a:picLocks noChangeAspect="1"/>
+          </p:cNvPicPr>
+          <p:nvPr/>
+        </p:nvPicPr>
+        <p:blipFill>
+          <a:blip r:embed="rId2">
+            <a:extLst>
+              <a:ext uri="{28A0092B-C50C-407E-A947-70E740481C1C}">
+                <a14:useLocalDpi xmlns:a14="http://schemas.microsoft.com/office/drawing/2010/main" val="0"/>
+              </a:ext>
+            </a:extLst>
+          </a:blip>
+          <a:stretch>
+            <a:fillRect/>
+          </a:stretch>
+        </p:blipFill>
+        <p:spPr>
+          <a:xfrm>
+            <a:off x="3549399" y="2359474"/>
+            <a:ext cx="11189201" cy="7379792"/>
+          </a:xfrm>
+          <a:prstGeom prst="rect">
+            <a:avLst/>
+          </a:prstGeom>
+        </p:spPr>
+      </p:pic>
+    </p:spTree>
+    <p:extLst>
+      <p:ext uri="{BB962C8B-B14F-4D97-AF65-F5344CB8AC3E}">
+        <p14:creationId xmlns:p14="http://schemas.microsoft.com/office/powerpoint/2010/main" val="3258087468"/>
+      </p:ext>
+    </p:extLst>
+  </p:cSld>
+  <p:clrMapOvr>
+    <a:masterClrMapping/>
+  </p:clrMapOvr>
+</p:sld>
+</file>
+
+<file path=ppt/slides/slide6.xml><?xml version="1.0" encoding="utf-8"?>
+<p:sld xmlns:a="http://schemas.openxmlformats.org/drawingml/2006/main" xmlns:r="http://schemas.openxmlformats.org/officeDocument/2006/relationships" xmlns:p="http://schemas.openxmlformats.org/presentationml/2006/main">
+  <p:cSld>
+    <p:bg>
+      <p:bgPr>
+        <a:solidFill>
+          <a:srgbClr val="FDFDFD"/>
+        </a:solidFill>
+        <a:effectLst/>
+      </p:bgPr>
+    </p:bg>
+    <p:spTree>
+      <p:nvGrpSpPr>
+        <p:cNvPr id="1" name=""/>
+        <p:cNvGrpSpPr/>
+        <p:nvPr/>
+      </p:nvGrpSpPr>
+      <p:grpSpPr>
+        <a:xfrm>
+          <a:off x="0" y="0"/>
+          <a:ext cx="0" cy="0"/>
+          <a:chOff x="0" y="0"/>
+          <a:chExt cx="0" cy="0"/>
+        </a:xfrm>
+      </p:grpSpPr>
+      <p:grpSp>
+        <p:nvGrpSpPr>
+          <p:cNvPr id="2" name="Group 2"/>
+          <p:cNvGrpSpPr/>
+          <p:nvPr/>
+        </p:nvGrpSpPr>
+        <p:grpSpPr>
+          <a:xfrm rot="5491349">
+            <a:off x="15941477" y="-2395089"/>
+            <a:ext cx="4693046" cy="4693046"/>
+            <a:chOff x="0" y="0"/>
+            <a:chExt cx="812800" cy="812800"/>
+          </a:xfrm>
+        </p:grpSpPr>
+        <p:sp>
+          <p:nvSpPr>
+            <p:cNvPr id="3" name="Freeform 3"/>
+            <p:cNvSpPr/>
+            <p:nvPr/>
+          </p:nvSpPr>
+          <p:spPr>
+            <a:xfrm>
+              <a:off x="0" y="0"/>
+              <a:ext cx="812800" cy="812800"/>
+            </a:xfrm>
+            <a:custGeom>
+              <a:avLst/>
+              <a:gdLst/>
+              <a:ahLst/>
+              <a:cxnLst/>
+              <a:rect l="l" t="t" r="r" b="b"/>
+              <a:pathLst>
+                <a:path w="812800" h="812800">
+                  <a:moveTo>
+                    <a:pt x="406400" y="0"/>
+                  </a:moveTo>
+                  <a:cubicBezTo>
+                    <a:pt x="181951" y="0"/>
+                    <a:pt x="0" y="181951"/>
+                    <a:pt x="0" y="406400"/>
+                  </a:cubicBezTo>
+                  <a:cubicBezTo>
+                    <a:pt x="0" y="630849"/>
+                    <a:pt x="181951" y="812800"/>
+                    <a:pt x="406400" y="812800"/>
+                  </a:cubicBezTo>
+                  <a:cubicBezTo>
+                    <a:pt x="630849" y="812800"/>
+                    <a:pt x="812800" y="630849"/>
+                    <a:pt x="812800" y="406400"/>
+                  </a:cubicBezTo>
+                  <a:cubicBezTo>
+                    <a:pt x="812800" y="181951"/>
+                    <a:pt x="630849" y="0"/>
+                    <a:pt x="406400" y="0"/>
+                  </a:cubicBezTo>
+                  <a:close/>
+                </a:path>
+              </a:pathLst>
+            </a:custGeom>
+            <a:solidFill>
+              <a:srgbClr val="000000">
+                <a:alpha val="0"/>
+              </a:srgbClr>
+            </a:solidFill>
+            <a:ln w="952500" cap="sq">
+              <a:solidFill>
+                <a:srgbClr val="C23350"/>
+              </a:solidFill>
+              <a:prstDash val="solid"/>
+              <a:miter/>
+            </a:ln>
+          </p:spPr>
+          <p:txBody>
+            <a:bodyPr/>
+            <a:lstStyle/>
+            <a:p>
+              <a:endParaRPr lang="nl-NL"/>
+            </a:p>
+          </p:txBody>
+        </p:sp>
+        <p:sp>
+          <p:nvSpPr>
+            <p:cNvPr id="4" name="TextBox 4"/>
+            <p:cNvSpPr txBox="1"/>
+            <p:nvPr/>
+          </p:nvSpPr>
+          <p:spPr>
+            <a:xfrm>
+              <a:off x="76200" y="38100"/>
+              <a:ext cx="660400" cy="698500"/>
+            </a:xfrm>
+            <a:prstGeom prst="rect">
+              <a:avLst/>
+            </a:prstGeom>
+          </p:spPr>
+          <p:txBody>
+            <a:bodyPr lIns="50800" tIns="50800" rIns="50800" bIns="50800" rtlCol="0" anchor="ctr"/>
+            <a:lstStyle/>
+            <a:p>
+              <a:pPr algn="ctr">
+                <a:lnSpc>
+                  <a:spcPts val="2659"/>
+                </a:lnSpc>
+                <a:spcBef>
+                  <a:spcPct val="0"/>
+                </a:spcBef>
+              </a:pPr>
+              <a:endParaRPr/>
+            </a:p>
+          </p:txBody>
+        </p:sp>
+      </p:grpSp>
+      <p:grpSp>
+        <p:nvGrpSpPr>
+          <p:cNvPr id="5" name="Group 5"/>
+          <p:cNvGrpSpPr/>
+          <p:nvPr/>
+        </p:nvGrpSpPr>
+        <p:grpSpPr>
+          <a:xfrm>
+            <a:off x="-4455492" y="5464854"/>
+            <a:ext cx="7019697" cy="10556306"/>
+            <a:chOff x="0" y="0"/>
+            <a:chExt cx="660400" cy="993118"/>
+          </a:xfrm>
+        </p:grpSpPr>
+        <p:sp>
+          <p:nvSpPr>
+            <p:cNvPr id="6" name="Freeform 6"/>
+            <p:cNvSpPr/>
+            <p:nvPr/>
+          </p:nvSpPr>
+          <p:spPr>
+            <a:xfrm>
+              <a:off x="0" y="0"/>
+              <a:ext cx="660400" cy="993118"/>
+            </a:xfrm>
+            <a:custGeom>
+              <a:avLst/>
+              <a:gdLst/>
+              <a:ahLst/>
+              <a:cxnLst/>
+              <a:rect l="l" t="t" r="r" b="b"/>
+              <a:pathLst>
+                <a:path w="660400" h="993118">
+                  <a:moveTo>
+                    <a:pt x="220252" y="19070"/>
+                  </a:moveTo>
+                  <a:cubicBezTo>
+                    <a:pt x="254000" y="7556"/>
+                    <a:pt x="292600" y="0"/>
+                    <a:pt x="330378" y="0"/>
+                  </a:cubicBezTo>
+                  <a:cubicBezTo>
+                    <a:pt x="368157" y="0"/>
+                    <a:pt x="404509" y="6476"/>
+                    <a:pt x="438009" y="17990"/>
+                  </a:cubicBezTo>
+                  <a:cubicBezTo>
+                    <a:pt x="438723" y="18350"/>
+                    <a:pt x="439435" y="18350"/>
+                    <a:pt x="440148" y="18710"/>
+                  </a:cubicBezTo>
+                  <a:cubicBezTo>
+                    <a:pt x="565955" y="64765"/>
+                    <a:pt x="658618" y="186379"/>
+                    <a:pt x="660400" y="332507"/>
+                  </a:cubicBezTo>
+                  <a:lnTo>
+                    <a:pt x="660400" y="993118"/>
+                  </a:lnTo>
+                  <a:lnTo>
+                    <a:pt x="0" y="993118"/>
+                  </a:lnTo>
+                  <a:lnTo>
+                    <a:pt x="0" y="332998"/>
+                  </a:lnTo>
+                  <a:cubicBezTo>
+                    <a:pt x="1782" y="185660"/>
+                    <a:pt x="93019" y="64045"/>
+                    <a:pt x="220252" y="19070"/>
+                  </a:cubicBezTo>
+                  <a:close/>
+                </a:path>
+              </a:pathLst>
+            </a:custGeom>
+            <a:solidFill>
+              <a:srgbClr val="C23350"/>
+            </a:solidFill>
+          </p:spPr>
+          <p:txBody>
+            <a:bodyPr/>
+            <a:lstStyle/>
+            <a:p>
+              <a:endParaRPr lang="nl-NL"/>
+            </a:p>
+          </p:txBody>
+        </p:sp>
+        <p:sp>
+          <p:nvSpPr>
+            <p:cNvPr id="7" name="TextBox 7"/>
+            <p:cNvSpPr txBox="1"/>
+            <p:nvPr/>
+          </p:nvSpPr>
+          <p:spPr>
+            <a:xfrm>
+              <a:off x="0" y="88900"/>
+              <a:ext cx="660400" cy="904218"/>
+            </a:xfrm>
+            <a:prstGeom prst="rect">
+              <a:avLst/>
+            </a:prstGeom>
+          </p:spPr>
+          <p:txBody>
+            <a:bodyPr lIns="50800" tIns="50800" rIns="50800" bIns="50800" rtlCol="0" anchor="ctr"/>
+            <a:lstStyle/>
+            <a:p>
+              <a:pPr algn="ctr">
+                <a:lnSpc>
+                  <a:spcPts val="2659"/>
+                </a:lnSpc>
+                <a:spcBef>
+                  <a:spcPct val="0"/>
+                </a:spcBef>
+              </a:pPr>
+              <a:endParaRPr/>
+            </a:p>
+          </p:txBody>
+        </p:sp>
+      </p:grpSp>
+      <p:sp>
+        <p:nvSpPr>
+          <p:cNvPr id="8" name="TextBox 8"/>
+          <p:cNvSpPr txBox="1"/>
+          <p:nvPr/>
+        </p:nvSpPr>
+        <p:spPr>
+          <a:xfrm>
+            <a:off x="3493921" y="2813433"/>
+            <a:ext cx="10117882" cy="3473067"/>
+          </a:xfrm>
+          <a:prstGeom prst="rect">
+            <a:avLst/>
+          </a:prstGeom>
+        </p:spPr>
+        <p:txBody>
+          <a:bodyPr lIns="0" tIns="0" rIns="0" bIns="0" rtlCol="0" anchor="t">
+            <a:spAutoFit/>
+          </a:bodyPr>
+          <a:lstStyle/>
+          <a:p>
+            <a:pPr marL="0" lvl="0" indent="0" algn="l">
+              <a:lnSpc>
+                <a:spcPts val="3418"/>
+              </a:lnSpc>
+              <a:spcBef>
+                <a:spcPct val="0"/>
+              </a:spcBef>
+            </a:pPr>
+            <a:r>
+              <a:rPr lang="nl-NL" sz="2442" spc="-48" dirty="0">
+                <a:solidFill>
+                  <a:srgbClr val="051D40"/>
+                </a:solidFill>
+                <a:latin typeface="Poppins"/>
+              </a:rPr>
+              <a:t>Met feedback van systeembeheerder en begeleider(s) zijn er verschillende aangepaste voorkeuren in de applicatie:</a:t>
+            </a:r>
+          </a:p>
+          <a:p>
+            <a:pPr marL="0" lvl="0" indent="0" algn="l">
+              <a:lnSpc>
+                <a:spcPts val="3418"/>
+              </a:lnSpc>
+              <a:spcBef>
+                <a:spcPct val="0"/>
+              </a:spcBef>
+            </a:pPr>
+            <a:r>
+              <a:rPr lang="nl-NL" sz="2442" spc="-48" dirty="0">
+                <a:solidFill>
+                  <a:srgbClr val="051D40"/>
+                </a:solidFill>
+                <a:latin typeface="Poppins"/>
+              </a:rPr>
+              <a:t> </a:t>
+            </a:r>
+            <a:endParaRPr lang="nl-NL" sz="2442" u="none" strike="noStrike" spc="-48" dirty="0">
+              <a:solidFill>
+                <a:srgbClr val="051D40"/>
+              </a:solidFill>
+              <a:latin typeface="Poppins"/>
+            </a:endParaRPr>
+          </a:p>
+          <a:p>
+            <a:pPr marL="606518" lvl="1" indent="-342900" algn="l">
+              <a:lnSpc>
+                <a:spcPts val="3418"/>
+              </a:lnSpc>
+              <a:spcBef>
+                <a:spcPct val="0"/>
+              </a:spcBef>
+              <a:buFont typeface="Arial" panose="020B0604020202020204" pitchFamily="34" charset="0"/>
+              <a:buChar char="•"/>
+            </a:pPr>
+            <a:r>
+              <a:rPr lang="nl-NL" sz="2442" u="none" strike="noStrike" spc="-48" dirty="0">
+                <a:solidFill>
+                  <a:srgbClr val="051D40"/>
+                </a:solidFill>
+                <a:latin typeface="Poppins"/>
+              </a:rPr>
+              <a:t>Zoeken op apparaten van links naar rechts</a:t>
+            </a:r>
+          </a:p>
+          <a:p>
+            <a:pPr marL="606518" lvl="1" indent="-342900" algn="l">
+              <a:lnSpc>
+                <a:spcPts val="3418"/>
+              </a:lnSpc>
+              <a:spcBef>
+                <a:spcPct val="0"/>
+              </a:spcBef>
+              <a:buFont typeface="Arial" panose="020B0604020202020204" pitchFamily="34" charset="0"/>
+              <a:buChar char="•"/>
+            </a:pPr>
+            <a:r>
+              <a:rPr lang="nl-NL" sz="2442" u="none" strike="noStrike" spc="-48" dirty="0">
+                <a:solidFill>
+                  <a:srgbClr val="051D40"/>
+                </a:solidFill>
+                <a:latin typeface="Poppins"/>
+              </a:rPr>
+              <a:t>RAM en OS standaard zichtbaar</a:t>
+            </a:r>
+          </a:p>
+          <a:p>
+            <a:pPr marL="606518" lvl="1" indent="-342900" algn="l">
+              <a:lnSpc>
+                <a:spcPts val="3418"/>
+              </a:lnSpc>
+              <a:spcBef>
+                <a:spcPct val="0"/>
+              </a:spcBef>
+              <a:buFont typeface="Arial" panose="020B0604020202020204" pitchFamily="34" charset="0"/>
+              <a:buChar char="•"/>
+            </a:pPr>
+            <a:r>
+              <a:rPr lang="nl-NL" sz="2442" u="none" strike="noStrike" spc="-48" dirty="0">
+                <a:solidFill>
+                  <a:srgbClr val="051D40"/>
+                </a:solidFill>
+                <a:latin typeface="Poppins"/>
+              </a:rPr>
+              <a:t>Overige Specificaties onder een (klein) menu</a:t>
+            </a:r>
+          </a:p>
+          <a:p>
+            <a:pPr marL="606518" lvl="1" indent="-342900" algn="l">
+              <a:lnSpc>
+                <a:spcPts val="3418"/>
+              </a:lnSpc>
+              <a:spcBef>
+                <a:spcPct val="0"/>
+              </a:spcBef>
+              <a:buFont typeface="Arial" panose="020B0604020202020204" pitchFamily="34" charset="0"/>
+              <a:buChar char="•"/>
+            </a:pPr>
+            <a:r>
+              <a:rPr lang="nl-NL" sz="2442" u="none" strike="noStrike" spc="-48" dirty="0">
+                <a:solidFill>
+                  <a:srgbClr val="051D40"/>
+                </a:solidFill>
+                <a:latin typeface="Poppins"/>
+              </a:rPr>
+              <a:t>”</a:t>
+            </a:r>
+            <a:r>
+              <a:rPr lang="nl-NL" sz="2442" u="none" strike="noStrike" spc="-48" dirty="0" err="1">
+                <a:solidFill>
+                  <a:srgbClr val="051D40"/>
+                </a:solidFill>
+                <a:latin typeface="Poppins"/>
+              </a:rPr>
+              <a:t>Dropdown</a:t>
+            </a:r>
+            <a:r>
+              <a:rPr lang="nl-NL" sz="2442" spc="-48" dirty="0">
+                <a:solidFill>
+                  <a:srgbClr val="051D40"/>
+                </a:solidFill>
+                <a:latin typeface="Poppins"/>
+              </a:rPr>
+              <a:t>” menu bij het invoeren van een type</a:t>
+            </a:r>
+          </a:p>
+          <a:p>
+            <a:pPr marL="606518" lvl="1" indent="-342900" algn="l">
+              <a:lnSpc>
+                <a:spcPts val="3418"/>
+              </a:lnSpc>
+              <a:spcBef>
+                <a:spcPct val="0"/>
+              </a:spcBef>
+              <a:buFont typeface="Arial" panose="020B0604020202020204" pitchFamily="34" charset="0"/>
+              <a:buChar char="•"/>
+            </a:pPr>
+            <a:r>
+              <a:rPr lang="nl-NL" sz="2442" u="none" strike="noStrike" spc="-48" dirty="0">
+                <a:solidFill>
+                  <a:srgbClr val="051D40"/>
+                </a:solidFill>
+                <a:latin typeface="Poppins"/>
+              </a:rPr>
+              <a:t>Te</a:t>
+            </a:r>
+            <a:r>
+              <a:rPr lang="nl-NL" sz="2442" spc="-48" dirty="0">
+                <a:solidFill>
+                  <a:srgbClr val="051D40"/>
+                </a:solidFill>
+                <a:latin typeface="Poppins"/>
+              </a:rPr>
+              <a:t>kst toevoegen bij een uitleenverzoek</a:t>
+            </a:r>
+            <a:endParaRPr lang="nl-NL" sz="2442" u="none" strike="noStrike" spc="-48" dirty="0">
+              <a:solidFill>
+                <a:srgbClr val="051D40"/>
+              </a:solidFill>
+              <a:latin typeface="Poppins"/>
+            </a:endParaRPr>
+          </a:p>
+        </p:txBody>
+      </p:sp>
+      <p:sp>
+        <p:nvSpPr>
+          <p:cNvPr id="9" name="TextBox 9"/>
+          <p:cNvSpPr txBox="1"/>
+          <p:nvPr/>
+        </p:nvSpPr>
+        <p:spPr>
+          <a:xfrm>
+            <a:off x="3493920" y="1193600"/>
+            <a:ext cx="8393279" cy="910057"/>
+          </a:xfrm>
+          <a:prstGeom prst="rect">
+            <a:avLst/>
+          </a:prstGeom>
+        </p:spPr>
+        <p:txBody>
+          <a:bodyPr wrap="square" lIns="0" tIns="0" rIns="0" bIns="0" rtlCol="0" anchor="t">
+            <a:spAutoFit/>
+          </a:bodyPr>
+          <a:lstStyle/>
+          <a:p>
+            <a:pPr algn="l">
+              <a:lnSpc>
+                <a:spcPts val="7575"/>
+              </a:lnSpc>
+              <a:spcBef>
+                <a:spcPct val="0"/>
+              </a:spcBef>
+            </a:pPr>
+            <a:r>
+              <a:rPr lang="en-US" sz="5410" dirty="0" err="1">
+                <a:solidFill>
+                  <a:srgbClr val="051D40"/>
+                </a:solidFill>
+                <a:latin typeface="Open Sans Extra Bold"/>
+              </a:rPr>
+              <a:t>Oplossing</a:t>
+            </a:r>
+            <a:r>
+              <a:rPr lang="en-US" sz="5410" dirty="0">
+                <a:solidFill>
+                  <a:srgbClr val="051D40"/>
+                </a:solidFill>
+                <a:latin typeface="Open Sans Extra Bold"/>
+              </a:rPr>
+              <a:t> - Feedback</a:t>
+            </a:r>
+          </a:p>
+        </p:txBody>
+      </p:sp>
+    </p:spTree>
+    <p:extLst>
+      <p:ext uri="{BB962C8B-B14F-4D97-AF65-F5344CB8AC3E}">
+        <p14:creationId xmlns:p14="http://schemas.microsoft.com/office/powerpoint/2010/main" val="1137316163"/>
+      </p:ext>
+    </p:extLst>
+  </p:cSld>
+  <p:clrMapOvr>
+    <a:masterClrMapping/>
+  </p:clrMapOvr>
+</p:sld>
+</file>
+
+<file path=ppt/slides/slide7.xml><?xml version="1.0" encoding="utf-8"?>
+<p:sld xmlns:a="http://schemas.openxmlformats.org/drawingml/2006/main" xmlns:r="http://schemas.openxmlformats.org/officeDocument/2006/relationships" xmlns:p="http://schemas.openxmlformats.org/presentationml/2006/main">
+  <p:cSld>
+    <p:spTree>
+      <p:nvGrpSpPr>
+        <p:cNvPr id="1" name=""/>
+        <p:cNvGrpSpPr/>
+        <p:nvPr/>
+      </p:nvGrpSpPr>
+      <p:grpSpPr>
+        <a:xfrm>
+          <a:off x="0" y="0"/>
+          <a:ext cx="0" cy="0"/>
+          <a:chOff x="0" y="0"/>
+          <a:chExt cx="0" cy="0"/>
+        </a:xfrm>
+      </p:grpSpPr>
+      <p:grpSp>
+        <p:nvGrpSpPr>
+          <p:cNvPr id="2" name="Group 2"/>
+          <p:cNvGrpSpPr/>
+          <p:nvPr/>
+        </p:nvGrpSpPr>
+        <p:grpSpPr>
+          <a:xfrm>
+            <a:off x="13266830" y="0"/>
+            <a:ext cx="5021170" cy="10287000"/>
+            <a:chOff x="0" y="0"/>
+            <a:chExt cx="1322448" cy="2709333"/>
+          </a:xfrm>
+        </p:grpSpPr>
+        <p:sp>
+          <p:nvSpPr>
+            <p:cNvPr id="3" name="Freeform 3"/>
+            <p:cNvSpPr/>
+            <p:nvPr/>
+          </p:nvSpPr>
+          <p:spPr>
+            <a:xfrm>
+              <a:off x="0" y="0"/>
+              <a:ext cx="1322448" cy="2709333"/>
+            </a:xfrm>
+            <a:custGeom>
+              <a:avLst/>
+              <a:gdLst/>
+              <a:ahLst/>
+              <a:cxnLst/>
+              <a:rect l="l" t="t" r="r" b="b"/>
+              <a:pathLst>
+                <a:path w="1322448" h="2709333">
+                  <a:moveTo>
+                    <a:pt x="0" y="0"/>
+                  </a:moveTo>
+                  <a:lnTo>
+                    <a:pt x="1322448" y="0"/>
+                  </a:lnTo>
+                  <a:lnTo>
+                    <a:pt x="1322448" y="2709333"/>
+                  </a:lnTo>
+                  <a:lnTo>
+                    <a:pt x="0" y="2709333"/>
+                  </a:lnTo>
+                  <a:close/>
+                </a:path>
+              </a:pathLst>
+            </a:custGeom>
+            <a:solidFill>
+              <a:srgbClr val="C23350"/>
+            </a:solidFill>
+          </p:spPr>
+          <p:txBody>
+            <a:bodyPr/>
+            <a:lstStyle/>
+            <a:p>
+              <a:endParaRPr lang="nl-NL"/>
+            </a:p>
+          </p:txBody>
+        </p:sp>
+        <p:sp>
+          <p:nvSpPr>
+            <p:cNvPr id="4" name="TextBox 4"/>
+            <p:cNvSpPr txBox="1"/>
+            <p:nvPr/>
+          </p:nvSpPr>
+          <p:spPr>
+            <a:xfrm>
+              <a:off x="0" y="-38100"/>
+              <a:ext cx="1322448" cy="2747433"/>
+            </a:xfrm>
+            <a:prstGeom prst="rect">
+              <a:avLst/>
+            </a:prstGeom>
+          </p:spPr>
+          <p:txBody>
+            <a:bodyPr lIns="50800" tIns="50800" rIns="50800" bIns="50800" rtlCol="0" anchor="ctr"/>
+            <a:lstStyle/>
+            <a:p>
+              <a:pPr algn="ctr">
+                <a:lnSpc>
+                  <a:spcPts val="2659"/>
+                </a:lnSpc>
+              </a:pPr>
+              <a:endParaRPr/>
+            </a:p>
+          </p:txBody>
+        </p:sp>
+      </p:grpSp>
+      <p:sp>
+        <p:nvSpPr>
+          <p:cNvPr id="5" name="TextBox 5"/>
+          <p:cNvSpPr txBox="1"/>
+          <p:nvPr/>
+        </p:nvSpPr>
+        <p:spPr>
+          <a:xfrm>
+            <a:off x="1609132" y="1222804"/>
+            <a:ext cx="7922504" cy="771523"/>
+          </a:xfrm>
+          <a:prstGeom prst="rect">
+            <a:avLst/>
+          </a:prstGeom>
+        </p:spPr>
+        <p:txBody>
+          <a:bodyPr lIns="0" tIns="0" rIns="0" bIns="0" rtlCol="0" anchor="t">
+            <a:spAutoFit/>
+          </a:bodyPr>
+          <a:lstStyle/>
+          <a:p>
+            <a:pPr marL="0" lvl="0" indent="0" algn="l">
+              <a:lnSpc>
+                <a:spcPts val="6300"/>
+              </a:lnSpc>
+              <a:spcBef>
+                <a:spcPct val="0"/>
+              </a:spcBef>
+            </a:pPr>
+            <a:r>
+              <a:rPr lang="en-US" sz="4500">
+                <a:solidFill>
+                  <a:srgbClr val="051D40"/>
+                </a:solidFill>
+                <a:latin typeface="Open Sans Extra Bold"/>
+              </a:rPr>
+              <a:t>Route naar eindproduct</a:t>
+            </a:r>
+          </a:p>
+        </p:txBody>
+      </p:sp>
+      <p:grpSp>
+        <p:nvGrpSpPr>
+          <p:cNvPr id="6" name="Group 6"/>
+          <p:cNvGrpSpPr/>
+          <p:nvPr/>
+        </p:nvGrpSpPr>
+        <p:grpSpPr>
+          <a:xfrm>
+            <a:off x="-1595820" y="-1782102"/>
+            <a:ext cx="3564204" cy="3564204"/>
+            <a:chOff x="0" y="0"/>
+            <a:chExt cx="812800" cy="812800"/>
+          </a:xfrm>
+        </p:grpSpPr>
+        <p:sp>
+          <p:nvSpPr>
+            <p:cNvPr id="7" name="Freeform 7"/>
+            <p:cNvSpPr/>
+            <p:nvPr/>
+          </p:nvSpPr>
+          <p:spPr>
+            <a:xfrm>
+              <a:off x="0" y="0"/>
+              <a:ext cx="812800" cy="812800"/>
+            </a:xfrm>
+            <a:custGeom>
+              <a:avLst/>
+              <a:gdLst/>
+              <a:ahLst/>
+              <a:cxnLst/>
+              <a:rect l="l" t="t" r="r" b="b"/>
+              <a:pathLst>
+                <a:path w="812800" h="812800">
+                  <a:moveTo>
+                    <a:pt x="406400" y="0"/>
+                  </a:moveTo>
+                  <a:cubicBezTo>
+                    <a:pt x="181951" y="0"/>
+                    <a:pt x="0" y="181951"/>
+                    <a:pt x="0" y="406400"/>
+                  </a:cubicBezTo>
+                  <a:cubicBezTo>
+                    <a:pt x="0" y="630849"/>
+                    <a:pt x="181951" y="812800"/>
+                    <a:pt x="406400" y="812800"/>
+                  </a:cubicBezTo>
+                  <a:cubicBezTo>
+                    <a:pt x="630849" y="812800"/>
+                    <a:pt x="812800" y="630849"/>
+                    <a:pt x="812800" y="406400"/>
+                  </a:cubicBezTo>
+                  <a:cubicBezTo>
+                    <a:pt x="812800" y="181951"/>
+                    <a:pt x="630849" y="0"/>
+                    <a:pt x="406400" y="0"/>
+                  </a:cubicBezTo>
+                  <a:close/>
+                </a:path>
+              </a:pathLst>
+            </a:custGeom>
+            <a:solidFill>
+              <a:srgbClr val="000000">
+                <a:alpha val="0"/>
+              </a:srgbClr>
+            </a:solidFill>
+            <a:ln w="952500" cap="sq">
+              <a:solidFill>
+                <a:srgbClr val="051D40">
+                  <a:alpha val="15686"/>
+                </a:srgbClr>
+              </a:solidFill>
+              <a:prstDash val="solid"/>
+              <a:miter/>
+            </a:ln>
+          </p:spPr>
+          <p:txBody>
+            <a:bodyPr/>
+            <a:lstStyle/>
+            <a:p>
+              <a:endParaRPr lang="nl-NL"/>
+            </a:p>
+          </p:txBody>
+        </p:sp>
+        <p:sp>
+          <p:nvSpPr>
+            <p:cNvPr id="8" name="TextBox 8"/>
+            <p:cNvSpPr txBox="1"/>
+            <p:nvPr/>
+          </p:nvSpPr>
+          <p:spPr>
+            <a:xfrm>
+              <a:off x="76200" y="38100"/>
+              <a:ext cx="660400" cy="698500"/>
+            </a:xfrm>
+            <a:prstGeom prst="rect">
+              <a:avLst/>
+            </a:prstGeom>
+          </p:spPr>
+          <p:txBody>
+            <a:bodyPr lIns="50800" tIns="50800" rIns="50800" bIns="50800" rtlCol="0" anchor="ctr"/>
+            <a:lstStyle/>
+            <a:p>
+              <a:pPr algn="ctr">
+                <a:lnSpc>
+                  <a:spcPts val="2659"/>
+                </a:lnSpc>
+                <a:spcBef>
+                  <a:spcPct val="0"/>
+                </a:spcBef>
+              </a:pPr>
+              <a:endParaRPr/>
+            </a:p>
+          </p:txBody>
+        </p:sp>
+      </p:grpSp>
+      <p:grpSp>
+        <p:nvGrpSpPr>
+          <p:cNvPr id="10" name="Group 10"/>
+          <p:cNvGrpSpPr/>
+          <p:nvPr/>
+        </p:nvGrpSpPr>
+        <p:grpSpPr>
+          <a:xfrm>
+            <a:off x="14700679" y="7074186"/>
+            <a:ext cx="5946973" cy="5946973"/>
+            <a:chOff x="0" y="0"/>
+            <a:chExt cx="812800" cy="812800"/>
+          </a:xfrm>
+        </p:grpSpPr>
+        <p:sp>
+          <p:nvSpPr>
+            <p:cNvPr id="11" name="Freeform 11"/>
+            <p:cNvSpPr/>
+            <p:nvPr/>
+          </p:nvSpPr>
+          <p:spPr>
+            <a:xfrm>
+              <a:off x="0" y="0"/>
+              <a:ext cx="812800" cy="812800"/>
+            </a:xfrm>
+            <a:custGeom>
+              <a:avLst/>
+              <a:gdLst/>
+              <a:ahLst/>
+              <a:cxnLst/>
+              <a:rect l="l" t="t" r="r" b="b"/>
+              <a:pathLst>
+                <a:path w="812800" h="812800">
+                  <a:moveTo>
+                    <a:pt x="406400" y="0"/>
+                  </a:moveTo>
+                  <a:cubicBezTo>
+                    <a:pt x="181951" y="0"/>
+                    <a:pt x="0" y="181951"/>
+                    <a:pt x="0" y="406400"/>
+                  </a:cubicBezTo>
+                  <a:cubicBezTo>
+                    <a:pt x="0" y="630849"/>
+                    <a:pt x="181951" y="812800"/>
+                    <a:pt x="406400" y="812800"/>
+                  </a:cubicBezTo>
+                  <a:cubicBezTo>
+                    <a:pt x="630849" y="812800"/>
+                    <a:pt x="812800" y="630849"/>
+                    <a:pt x="812800" y="406400"/>
+                  </a:cubicBezTo>
+                  <a:cubicBezTo>
+                    <a:pt x="812800" y="181951"/>
+                    <a:pt x="630849" y="0"/>
+                    <a:pt x="406400" y="0"/>
+                  </a:cubicBezTo>
+                  <a:close/>
+                </a:path>
+              </a:pathLst>
+            </a:custGeom>
+            <a:solidFill>
+              <a:srgbClr val="000000">
+                <a:alpha val="0"/>
+              </a:srgbClr>
+            </a:solidFill>
+            <a:ln w="952500" cap="sq">
+              <a:solidFill>
+                <a:srgbClr val="FFFFFF">
+                  <a:alpha val="15686"/>
+                </a:srgbClr>
+              </a:solidFill>
+              <a:prstDash val="solid"/>
+              <a:miter/>
+            </a:ln>
+          </p:spPr>
+          <p:txBody>
+            <a:bodyPr/>
+            <a:lstStyle/>
+            <a:p>
+              <a:endParaRPr lang="nl-NL"/>
+            </a:p>
+          </p:txBody>
+        </p:sp>
+        <p:sp>
+          <p:nvSpPr>
+            <p:cNvPr id="12" name="TextBox 12"/>
+            <p:cNvSpPr txBox="1"/>
+            <p:nvPr/>
+          </p:nvSpPr>
+          <p:spPr>
+            <a:xfrm>
+              <a:off x="76200" y="38100"/>
+              <a:ext cx="660400" cy="698500"/>
+            </a:xfrm>
+            <a:prstGeom prst="rect">
+              <a:avLst/>
+            </a:prstGeom>
+          </p:spPr>
+          <p:txBody>
+            <a:bodyPr lIns="50800" tIns="50800" rIns="50800" bIns="50800" rtlCol="0" anchor="ctr"/>
+            <a:lstStyle/>
+            <a:p>
+              <a:pPr algn="ctr">
+                <a:lnSpc>
+                  <a:spcPts val="2659"/>
+                </a:lnSpc>
+                <a:spcBef>
+                  <a:spcPct val="0"/>
+                </a:spcBef>
+              </a:pPr>
+              <a:endParaRPr/>
+            </a:p>
+          </p:txBody>
+        </p:sp>
+      </p:grpSp>
+      <p:sp>
+        <p:nvSpPr>
+          <p:cNvPr id="13" name="TextBox 13"/>
+          <p:cNvSpPr txBox="1"/>
+          <p:nvPr/>
+        </p:nvSpPr>
+        <p:spPr>
+          <a:xfrm>
+            <a:off x="9689588" y="5643420"/>
+            <a:ext cx="2661498" cy="2367479"/>
+          </a:xfrm>
+          <a:prstGeom prst="rect">
+            <a:avLst/>
+          </a:prstGeom>
+        </p:spPr>
+        <p:txBody>
+          <a:bodyPr lIns="0" tIns="0" rIns="0" bIns="0" rtlCol="0" anchor="t">
+            <a:spAutoFit/>
+          </a:bodyPr>
+          <a:lstStyle/>
+          <a:p>
+            <a:pPr marL="0" lvl="0" indent="0" algn="ctr">
+              <a:lnSpc>
+                <a:spcPts val="2334"/>
+              </a:lnSpc>
+              <a:spcBef>
+                <a:spcPct val="0"/>
+              </a:spcBef>
+            </a:pPr>
+            <a:r>
+              <a:rPr lang="en-US" sz="1667" u="none" strike="noStrike" spc="-33">
+                <a:solidFill>
+                  <a:srgbClr val="FDFDFD"/>
+                </a:solidFill>
+                <a:latin typeface="Poppins"/>
+              </a:rPr>
+              <a:t>Lorem ipsum dolor sit amet, consectetur adipiscing elit. Nullam laoreet risus fringilla, egestas elit a, consequat augue. Phasellus sollicitudin felis mi, quis egestas ex ornare sed. </a:t>
+            </a:r>
+          </a:p>
+        </p:txBody>
+      </p:sp>
+      <p:grpSp>
+        <p:nvGrpSpPr>
+          <p:cNvPr id="14" name="Group 14"/>
+          <p:cNvGrpSpPr/>
+          <p:nvPr/>
+        </p:nvGrpSpPr>
+        <p:grpSpPr>
+          <a:xfrm rot="5491349">
+            <a:off x="10677076" y="3466525"/>
+            <a:ext cx="4693046" cy="4693046"/>
+            <a:chOff x="0" y="0"/>
+            <a:chExt cx="812800" cy="812800"/>
+          </a:xfrm>
+        </p:grpSpPr>
+        <p:sp>
+          <p:nvSpPr>
+            <p:cNvPr id="15" name="Freeform 15"/>
+            <p:cNvSpPr/>
+            <p:nvPr/>
+          </p:nvSpPr>
+          <p:spPr>
+            <a:xfrm>
+              <a:off x="0" y="0"/>
+              <a:ext cx="812800" cy="812800"/>
+            </a:xfrm>
+            <a:custGeom>
+              <a:avLst/>
+              <a:gdLst/>
+              <a:ahLst/>
+              <a:cxnLst/>
+              <a:rect l="l" t="t" r="r" b="b"/>
+              <a:pathLst>
+                <a:path w="812800" h="812800">
+                  <a:moveTo>
+                    <a:pt x="406400" y="0"/>
+                  </a:moveTo>
+                  <a:cubicBezTo>
+                    <a:pt x="181951" y="0"/>
+                    <a:pt x="0" y="181951"/>
+                    <a:pt x="0" y="406400"/>
+                  </a:cubicBezTo>
+                  <a:cubicBezTo>
+                    <a:pt x="0" y="630849"/>
+                    <a:pt x="181951" y="812800"/>
+                    <a:pt x="406400" y="812800"/>
+                  </a:cubicBezTo>
+                  <a:cubicBezTo>
+                    <a:pt x="630849" y="812800"/>
+                    <a:pt x="812800" y="630849"/>
+                    <a:pt x="812800" y="406400"/>
+                  </a:cubicBezTo>
+                  <a:cubicBezTo>
+                    <a:pt x="812800" y="181951"/>
+                    <a:pt x="630849" y="0"/>
+                    <a:pt x="406400" y="0"/>
+                  </a:cubicBezTo>
+                  <a:close/>
+                </a:path>
+              </a:pathLst>
+            </a:custGeom>
+            <a:solidFill>
+              <a:srgbClr val="000000">
+                <a:alpha val="0"/>
+              </a:srgbClr>
+            </a:solidFill>
+            <a:ln w="952500" cap="sq">
+              <a:solidFill>
+                <a:srgbClr val="FFFFFF"/>
+              </a:solidFill>
+              <a:prstDash val="solid"/>
+              <a:miter/>
+            </a:ln>
+          </p:spPr>
+          <p:txBody>
+            <a:bodyPr/>
+            <a:lstStyle/>
+            <a:p>
+              <a:endParaRPr lang="nl-NL"/>
+            </a:p>
+          </p:txBody>
+        </p:sp>
+        <p:sp>
+          <p:nvSpPr>
+            <p:cNvPr id="16" name="TextBox 16"/>
+            <p:cNvSpPr txBox="1"/>
+            <p:nvPr/>
+          </p:nvSpPr>
+          <p:spPr>
+            <a:xfrm>
+              <a:off x="76200" y="38100"/>
+              <a:ext cx="660400" cy="698500"/>
+            </a:xfrm>
+            <a:prstGeom prst="rect">
+              <a:avLst/>
+            </a:prstGeom>
+          </p:spPr>
+          <p:txBody>
+            <a:bodyPr lIns="50800" tIns="50800" rIns="50800" bIns="50800" rtlCol="0" anchor="ctr"/>
+            <a:lstStyle/>
+            <a:p>
+              <a:pPr algn="ctr">
+                <a:lnSpc>
+                  <a:spcPts val="2659"/>
+                </a:lnSpc>
+                <a:spcBef>
+                  <a:spcPct val="0"/>
+                </a:spcBef>
+              </a:pPr>
+              <a:endParaRPr/>
+            </a:p>
+          </p:txBody>
+        </p:sp>
+      </p:grpSp>
+      <p:sp>
+        <p:nvSpPr>
+          <p:cNvPr id="17" name="TextBox 10">
+            <a:extLst>
+              <a:ext uri="{FF2B5EF4-FFF2-40B4-BE49-F238E27FC236}">
+                <a16:creationId xmlns:a16="http://schemas.microsoft.com/office/drawing/2014/main" id="{D6861BB0-6B7B-CBB3-C1F7-196C86B0C6DE}"/>
+              </a:ext>
+            </a:extLst>
+          </p:cNvPr>
+          <p:cNvSpPr txBox="1"/>
+          <p:nvPr/>
+        </p:nvSpPr>
+        <p:spPr>
+          <a:xfrm>
+            <a:off x="1609132" y="8521588"/>
+            <a:ext cx="10117882" cy="869781"/>
+          </a:xfrm>
+          <a:prstGeom prst="rect">
+            <a:avLst/>
+          </a:prstGeom>
+        </p:spPr>
+        <p:txBody>
+          <a:bodyPr lIns="0" tIns="0" rIns="0" bIns="0" rtlCol="0" anchor="t">
+            <a:spAutoFit/>
+          </a:bodyPr>
+          <a:lstStyle/>
+          <a:p>
+            <a:pPr marL="0" lvl="0" indent="0" algn="l">
+              <a:lnSpc>
+                <a:spcPts val="3418"/>
+              </a:lnSpc>
+              <a:spcBef>
+                <a:spcPct val="0"/>
+              </a:spcBef>
+            </a:pPr>
+            <a:r>
+              <a:rPr lang="en-US" sz="2442" spc="-48" dirty="0" err="1">
+                <a:solidFill>
+                  <a:srgbClr val="051D40"/>
+                </a:solidFill>
+                <a:latin typeface="Poppins"/>
+              </a:rPr>
+              <a:t>Gebruikmakend</a:t>
+            </a:r>
+            <a:r>
+              <a:rPr lang="en-US" sz="2442" spc="-48" dirty="0">
+                <a:solidFill>
+                  <a:srgbClr val="051D40"/>
+                </a:solidFill>
+                <a:latin typeface="Poppins"/>
+              </a:rPr>
+              <a:t> van Spring Boot </a:t>
+            </a:r>
+            <a:r>
+              <a:rPr lang="en-US" sz="2442" spc="-48" dirty="0" err="1">
+                <a:solidFill>
+                  <a:srgbClr val="051D40"/>
+                </a:solidFill>
+                <a:latin typeface="Poppins"/>
+              </a:rPr>
+              <a:t>als</a:t>
+            </a:r>
+            <a:r>
+              <a:rPr lang="en-US" sz="2442" spc="-48" dirty="0">
+                <a:solidFill>
+                  <a:srgbClr val="051D40"/>
+                </a:solidFill>
+                <a:latin typeface="Poppins"/>
+              </a:rPr>
+              <a:t> back end </a:t>
+            </a:r>
+            <a:r>
+              <a:rPr lang="en-US" sz="2442" spc="-48" dirty="0" err="1">
+                <a:solidFill>
+                  <a:srgbClr val="051D40"/>
+                </a:solidFill>
+                <a:latin typeface="Poppins"/>
+              </a:rPr>
+              <a:t>en</a:t>
+            </a:r>
+            <a:r>
+              <a:rPr lang="en-US" sz="2442" spc="-48" dirty="0">
+                <a:solidFill>
+                  <a:srgbClr val="051D40"/>
+                </a:solidFill>
+                <a:latin typeface="Poppins"/>
+              </a:rPr>
+              <a:t> REACT </a:t>
+            </a:r>
+            <a:r>
+              <a:rPr lang="en-US" sz="2442" spc="-48" dirty="0" err="1">
+                <a:solidFill>
+                  <a:srgbClr val="051D40"/>
+                </a:solidFill>
+                <a:latin typeface="Poppins"/>
+              </a:rPr>
+              <a:t>als</a:t>
+            </a:r>
+            <a:r>
+              <a:rPr lang="en-US" sz="2442" spc="-48" dirty="0">
+                <a:solidFill>
+                  <a:srgbClr val="051D40"/>
+                </a:solidFill>
+                <a:latin typeface="Poppins"/>
+              </a:rPr>
+              <a:t> front end, is </a:t>
+            </a:r>
+            <a:r>
+              <a:rPr lang="en-US" sz="2442" spc="-48" dirty="0" err="1">
+                <a:solidFill>
+                  <a:srgbClr val="051D40"/>
+                </a:solidFill>
+                <a:latin typeface="Poppins"/>
+              </a:rPr>
+              <a:t>dit</a:t>
+            </a:r>
+            <a:r>
+              <a:rPr lang="en-US" sz="2442" spc="-48" dirty="0">
+                <a:solidFill>
+                  <a:srgbClr val="051D40"/>
+                </a:solidFill>
+                <a:latin typeface="Poppins"/>
+              </a:rPr>
+              <a:t> product tot stand </a:t>
+            </a:r>
+            <a:r>
+              <a:rPr lang="en-US" sz="2442" spc="-48" dirty="0" err="1">
+                <a:solidFill>
+                  <a:srgbClr val="051D40"/>
+                </a:solidFill>
+                <a:latin typeface="Poppins"/>
+              </a:rPr>
+              <a:t>gekomen</a:t>
+            </a:r>
+            <a:endParaRPr lang="en-US" sz="2442" spc="-48" dirty="0">
+              <a:solidFill>
+                <a:srgbClr val="051D40"/>
+              </a:solidFill>
+              <a:latin typeface="Poppins"/>
+            </a:endParaRPr>
+          </a:p>
+        </p:txBody>
+      </p:sp>
+      <p:sp>
+        <p:nvSpPr>
+          <p:cNvPr id="18" name="TextBox 11">
+            <a:extLst>
+              <a:ext uri="{FF2B5EF4-FFF2-40B4-BE49-F238E27FC236}">
+                <a16:creationId xmlns:a16="http://schemas.microsoft.com/office/drawing/2014/main" id="{B33B7FF7-0809-1C64-0DA7-9CC9304E0670}"/>
+              </a:ext>
+            </a:extLst>
+          </p:cNvPr>
+          <p:cNvSpPr txBox="1"/>
+          <p:nvPr/>
+        </p:nvSpPr>
+        <p:spPr>
+          <a:xfrm>
+            <a:off x="1609132" y="7926458"/>
+            <a:ext cx="4477872" cy="510990"/>
+          </a:xfrm>
+          <a:prstGeom prst="rect">
+            <a:avLst/>
+          </a:prstGeom>
+        </p:spPr>
+        <p:txBody>
+          <a:bodyPr lIns="0" tIns="0" rIns="0" bIns="0" rtlCol="0" anchor="t">
+            <a:spAutoFit/>
+          </a:bodyPr>
+          <a:lstStyle/>
+          <a:p>
+            <a:pPr algn="l">
+              <a:lnSpc>
+                <a:spcPts val="4185"/>
+              </a:lnSpc>
+              <a:spcBef>
+                <a:spcPct val="0"/>
+              </a:spcBef>
+            </a:pPr>
+            <a:r>
+              <a:rPr lang="en-US" sz="2989" dirty="0" err="1">
+                <a:solidFill>
+                  <a:srgbClr val="051D40"/>
+                </a:solidFill>
+                <a:latin typeface="Open Sans Extra Bold"/>
+              </a:rPr>
+              <a:t>Gebruikte</a:t>
+            </a:r>
+            <a:r>
+              <a:rPr lang="en-US" sz="2989" dirty="0">
+                <a:solidFill>
+                  <a:srgbClr val="051D40"/>
+                </a:solidFill>
+                <a:latin typeface="Open Sans Extra Bold"/>
+              </a:rPr>
+              <a:t> </a:t>
+            </a:r>
+            <a:r>
+              <a:rPr lang="en-US" sz="2989" dirty="0" err="1">
+                <a:solidFill>
+                  <a:srgbClr val="051D40"/>
+                </a:solidFill>
+                <a:latin typeface="Open Sans Extra Bold"/>
+              </a:rPr>
+              <a:t>technieken</a:t>
+            </a:r>
+            <a:endParaRPr lang="en-US" sz="2989" dirty="0">
+              <a:solidFill>
+                <a:srgbClr val="051D40"/>
+              </a:solidFill>
+              <a:latin typeface="Open Sans Extra Bold"/>
+            </a:endParaRPr>
+          </a:p>
+        </p:txBody>
+      </p:sp>
+    </p:spTree>
+  </p:cSld>
+  <p:clrMapOvr>
+    <a:masterClrMapping/>
+  </p:clrMapOvr>
+</p:sld>
+</file>
+
+<file path=ppt/slides/slide8.xml><?xml version="1.0" encoding="utf-8"?>
+<p:sld xmlns:a="http://schemas.openxmlformats.org/drawingml/2006/main" xmlns:r="http://schemas.openxmlformats.org/officeDocument/2006/relationships" xmlns:p="http://schemas.openxmlformats.org/presentationml/2006/main">
+  <p:cSld>
+    <p:bg>
+      <p:bgPr>
+        <a:solidFill>
+          <a:srgbClr val="C23350"/>
+        </a:solidFill>
+        <a:effectLst/>
+      </p:bgPr>
+    </p:bg>
+    <p:spTree>
+      <p:nvGrpSpPr>
+        <p:cNvPr id="1" name=""/>
+        <p:cNvGrpSpPr/>
+        <p:nvPr/>
+      </p:nvGrpSpPr>
+      <p:grpSpPr>
+        <a:xfrm>
+          <a:off x="0" y="0"/>
+          <a:ext cx="0" cy="0"/>
+          <a:chOff x="0" y="0"/>
+          <a:chExt cx="0" cy="0"/>
+        </a:xfrm>
+      </p:grpSpPr>
+      <p:sp>
+        <p:nvSpPr>
+          <p:cNvPr id="2" name="TextBox 2"/>
+          <p:cNvSpPr txBox="1"/>
+          <p:nvPr/>
+        </p:nvSpPr>
+        <p:spPr>
+          <a:xfrm>
+            <a:off x="1270420" y="904875"/>
+            <a:ext cx="6903505" cy="1126591"/>
+          </a:xfrm>
+          <a:prstGeom prst="rect">
+            <a:avLst/>
+          </a:prstGeom>
+        </p:spPr>
+        <p:txBody>
+          <a:bodyPr lIns="0" tIns="0" rIns="0" bIns="0" rtlCol="0" anchor="t">
+            <a:spAutoFit/>
+          </a:bodyPr>
+          <a:lstStyle/>
+          <a:p>
+            <a:pPr algn="l">
+              <a:lnSpc>
+                <a:spcPts val="9247"/>
+              </a:lnSpc>
+              <a:spcBef>
+                <a:spcPct val="0"/>
+              </a:spcBef>
+            </a:pPr>
+            <a:r>
+              <a:rPr lang="en-US" sz="6605" dirty="0" err="1">
+                <a:solidFill>
+                  <a:srgbClr val="FDFDFD"/>
+                </a:solidFill>
+                <a:latin typeface="Open Sans Extra Bold"/>
+              </a:rPr>
+              <a:t>Struikelpunten</a:t>
+            </a:r>
+            <a:endParaRPr lang="en-US" sz="6605" dirty="0">
+              <a:solidFill>
+                <a:srgbClr val="FDFDFD"/>
+              </a:solidFill>
+              <a:latin typeface="Open Sans Extra Bold"/>
+            </a:endParaRPr>
+          </a:p>
+        </p:txBody>
+      </p:sp>
+      <p:sp>
+        <p:nvSpPr>
+          <p:cNvPr id="3" name="TextBox 3"/>
+          <p:cNvSpPr txBox="1"/>
+          <p:nvPr/>
+        </p:nvSpPr>
+        <p:spPr>
+          <a:xfrm>
+            <a:off x="1270420" y="2673001"/>
+            <a:ext cx="9913189" cy="3003899"/>
+          </a:xfrm>
+          <a:prstGeom prst="rect">
+            <a:avLst/>
+          </a:prstGeom>
+        </p:spPr>
+        <p:txBody>
+          <a:bodyPr wrap="square" lIns="0" tIns="0" rIns="0" bIns="0" rtlCol="0" anchor="t">
+            <a:spAutoFit/>
+          </a:bodyPr>
+          <a:lstStyle/>
+          <a:p>
+            <a:pPr algn="l"/>
+            <a:r>
+              <a:rPr lang="nl-NL" sz="2440" u="none" strike="noStrike" spc="-46" dirty="0">
+                <a:solidFill>
+                  <a:srgbClr val="FDFDFD"/>
+                </a:solidFill>
+                <a:latin typeface="Poppins"/>
+              </a:rPr>
+              <a:t>Uiteraard</a:t>
+            </a:r>
+            <a:r>
+              <a:rPr lang="en-US" sz="2440" u="none" strike="noStrike" spc="-46" dirty="0">
+                <a:solidFill>
+                  <a:srgbClr val="FDFDFD"/>
+                </a:solidFill>
+                <a:latin typeface="Poppins"/>
+              </a:rPr>
+              <a:t> </a:t>
+            </a:r>
+            <a:r>
+              <a:rPr lang="nl-NL" sz="2440" u="none" strike="noStrike" spc="-46" dirty="0">
+                <a:solidFill>
+                  <a:srgbClr val="FDFDFD"/>
+                </a:solidFill>
+                <a:latin typeface="Poppins"/>
+              </a:rPr>
+              <a:t>een aantal struikelpunten bij het ontwikkelproces</a:t>
+            </a:r>
+            <a:r>
+              <a:rPr lang="en-US" sz="2440" spc="-46" dirty="0">
+                <a:solidFill>
+                  <a:srgbClr val="FDFDFD"/>
+                </a:solidFill>
+                <a:latin typeface="Poppins"/>
+              </a:rPr>
+              <a:t>.</a:t>
+            </a:r>
+          </a:p>
+          <a:p>
+            <a:pPr algn="l"/>
+            <a:endParaRPr lang="en-US" sz="2440" u="none" strike="noStrike" spc="-46" dirty="0">
+              <a:solidFill>
+                <a:srgbClr val="FDFDFD"/>
+              </a:solidFill>
+              <a:latin typeface="Poppins"/>
+            </a:endParaRPr>
+          </a:p>
+          <a:p>
+            <a:pPr marL="342900" indent="-342900" algn="l">
+              <a:buFont typeface="Arial" panose="020B0604020202020204" pitchFamily="34" charset="0"/>
+              <a:buChar char="•"/>
+            </a:pPr>
+            <a:r>
+              <a:rPr lang="en-US" sz="2440" u="none" strike="noStrike" spc="-46" dirty="0" err="1">
+                <a:solidFill>
+                  <a:srgbClr val="FDFDFD"/>
+                </a:solidFill>
+                <a:latin typeface="Poppins"/>
+              </a:rPr>
+              <a:t>Niet</a:t>
+            </a:r>
+            <a:r>
+              <a:rPr lang="en-US" sz="2440" u="none" strike="noStrike" spc="-46" dirty="0">
+                <a:solidFill>
+                  <a:srgbClr val="FDFDFD"/>
+                </a:solidFill>
+                <a:latin typeface="Poppins"/>
+              </a:rPr>
+              <a:t> </a:t>
+            </a:r>
+            <a:r>
+              <a:rPr lang="en-US" sz="2440" u="none" strike="noStrike" spc="-46" dirty="0" err="1">
+                <a:solidFill>
+                  <a:srgbClr val="FDFDFD"/>
+                </a:solidFill>
+                <a:latin typeface="Poppins"/>
+              </a:rPr>
+              <a:t>bekend</a:t>
+            </a:r>
+            <a:r>
+              <a:rPr lang="en-US" sz="2440" u="none" strike="noStrike" spc="-46" dirty="0">
+                <a:solidFill>
+                  <a:srgbClr val="FDFDFD"/>
+                </a:solidFill>
+                <a:latin typeface="Poppins"/>
+              </a:rPr>
+              <a:t> met </a:t>
+            </a:r>
+            <a:r>
+              <a:rPr lang="en-US" sz="2440" u="none" strike="noStrike" spc="-46" dirty="0" err="1">
+                <a:solidFill>
+                  <a:srgbClr val="FDFDFD"/>
+                </a:solidFill>
+                <a:latin typeface="Poppins"/>
+              </a:rPr>
+              <a:t>technieken</a:t>
+            </a:r>
+            <a:endParaRPr lang="en-US" sz="2440" u="none" strike="noStrike" spc="-46" dirty="0">
+              <a:solidFill>
+                <a:srgbClr val="FDFDFD"/>
+              </a:solidFill>
+              <a:latin typeface="Poppins"/>
+            </a:endParaRPr>
+          </a:p>
+          <a:p>
+            <a:pPr marL="342900" indent="-342900" algn="l">
+              <a:buFont typeface="Arial" panose="020B0604020202020204" pitchFamily="34" charset="0"/>
+              <a:buChar char="•"/>
+            </a:pPr>
+            <a:r>
+              <a:rPr lang="en-US" sz="2440" u="none" strike="noStrike" spc="-46" dirty="0">
+                <a:solidFill>
+                  <a:srgbClr val="FDFDFD"/>
+                </a:solidFill>
+                <a:latin typeface="Poppins"/>
+              </a:rPr>
+              <a:t>Database </a:t>
+            </a:r>
+            <a:r>
+              <a:rPr lang="en-US" sz="2440" u="none" strike="noStrike" spc="-46" dirty="0" err="1">
+                <a:solidFill>
+                  <a:srgbClr val="FDFDFD"/>
+                </a:solidFill>
+                <a:latin typeface="Poppins"/>
+              </a:rPr>
+              <a:t>ontwerp</a:t>
+            </a:r>
+            <a:endParaRPr lang="en-US" sz="2440" u="none" strike="noStrike" spc="-46" dirty="0">
+              <a:solidFill>
+                <a:srgbClr val="FDFDFD"/>
+              </a:solidFill>
+              <a:latin typeface="Poppins"/>
+            </a:endParaRPr>
+          </a:p>
+          <a:p>
+            <a:pPr marL="800100" lvl="1" indent="-342900">
+              <a:buFont typeface="Arial" panose="020B0604020202020204" pitchFamily="34" charset="0"/>
+              <a:buChar char="•"/>
+            </a:pPr>
+            <a:r>
+              <a:rPr lang="en-US" sz="2440" u="none" strike="noStrike" spc="-46" dirty="0">
+                <a:solidFill>
+                  <a:srgbClr val="FDFDFD"/>
+                </a:solidFill>
+                <a:latin typeface="Poppins"/>
+              </a:rPr>
+              <a:t>Null </a:t>
+            </a:r>
+            <a:r>
+              <a:rPr lang="en-US" sz="2440" u="none" strike="noStrike" spc="-46" dirty="0" err="1">
+                <a:solidFill>
+                  <a:srgbClr val="FDFDFD"/>
+                </a:solidFill>
+                <a:latin typeface="Poppins"/>
+              </a:rPr>
+              <a:t>waardes</a:t>
+            </a:r>
+            <a:r>
+              <a:rPr lang="en-US" sz="2440" u="none" strike="noStrike" spc="-46" dirty="0">
+                <a:solidFill>
+                  <a:srgbClr val="FDFDFD"/>
+                </a:solidFill>
+                <a:latin typeface="Poppins"/>
+              </a:rPr>
+              <a:t> </a:t>
+            </a:r>
+            <a:r>
+              <a:rPr lang="en-US" sz="2440" u="none" strike="noStrike" spc="-46" dirty="0" err="1">
+                <a:solidFill>
+                  <a:srgbClr val="FDFDFD"/>
+                </a:solidFill>
+                <a:latin typeface="Poppins"/>
+              </a:rPr>
+              <a:t>bij</a:t>
+            </a:r>
+            <a:r>
+              <a:rPr lang="en-US" sz="2440" u="none" strike="noStrike" spc="-46" dirty="0">
+                <a:solidFill>
+                  <a:srgbClr val="FDFDFD"/>
+                </a:solidFill>
+                <a:latin typeface="Poppins"/>
+              </a:rPr>
+              <a:t> </a:t>
+            </a:r>
+            <a:r>
+              <a:rPr lang="en-US" sz="2440" u="none" strike="noStrike" spc="-46" dirty="0" err="1">
+                <a:solidFill>
+                  <a:srgbClr val="FDFDFD"/>
+                </a:solidFill>
+                <a:latin typeface="Poppins"/>
+              </a:rPr>
+              <a:t>lege</a:t>
+            </a:r>
+            <a:r>
+              <a:rPr lang="en-US" sz="2440" u="none" strike="noStrike" spc="-46" dirty="0">
+                <a:solidFill>
+                  <a:srgbClr val="FDFDFD"/>
+                </a:solidFill>
+                <a:latin typeface="Poppins"/>
+              </a:rPr>
+              <a:t> specificities</a:t>
+            </a:r>
+          </a:p>
+          <a:p>
+            <a:pPr marL="800100" lvl="1" indent="-342900">
+              <a:buFont typeface="Arial" panose="020B0604020202020204" pitchFamily="34" charset="0"/>
+              <a:buChar char="•"/>
+            </a:pPr>
+            <a:r>
+              <a:rPr lang="en-US" sz="2440" spc="-46" dirty="0">
+                <a:solidFill>
+                  <a:srgbClr val="FDFDFD"/>
+                </a:solidFill>
+                <a:latin typeface="Poppins"/>
+              </a:rPr>
+              <a:t>JSON-Text </a:t>
+            </a:r>
+            <a:r>
+              <a:rPr lang="en-US" sz="2440" spc="-46" dirty="0" err="1">
+                <a:solidFill>
+                  <a:srgbClr val="FDFDFD"/>
+                </a:solidFill>
+                <a:latin typeface="Poppins"/>
+              </a:rPr>
+              <a:t>kolom</a:t>
+            </a:r>
+            <a:endParaRPr lang="en-US" sz="2440" u="none" strike="noStrike" spc="-46" dirty="0">
+              <a:solidFill>
+                <a:srgbClr val="FDFDFD"/>
+              </a:solidFill>
+              <a:latin typeface="Poppins"/>
+            </a:endParaRPr>
+          </a:p>
+          <a:p>
+            <a:pPr marL="342900" indent="-342900">
+              <a:buFont typeface="Arial" panose="020B0604020202020204" pitchFamily="34" charset="0"/>
+              <a:buChar char="•"/>
+            </a:pPr>
+            <a:r>
+              <a:rPr lang="en-US" sz="2440" spc="-46" dirty="0">
+                <a:solidFill>
+                  <a:srgbClr val="FDFDFD"/>
+                </a:solidFill>
+                <a:latin typeface="Poppins"/>
+              </a:rPr>
+              <a:t>Unit Tests laten </a:t>
+            </a:r>
+            <a:r>
+              <a:rPr lang="en-US" sz="2440" spc="-46" dirty="0" err="1">
+                <a:solidFill>
+                  <a:srgbClr val="FDFDFD"/>
+                </a:solidFill>
+                <a:latin typeface="Poppins"/>
+              </a:rPr>
+              <a:t>uitvoeren</a:t>
+            </a:r>
+            <a:r>
+              <a:rPr lang="en-US" sz="2440" spc="-46" dirty="0">
+                <a:solidFill>
+                  <a:srgbClr val="FDFDFD"/>
+                </a:solidFill>
+                <a:latin typeface="Poppins"/>
+              </a:rPr>
+              <a:t> </a:t>
+            </a:r>
+            <a:r>
+              <a:rPr lang="en-US" sz="2440" spc="-46" dirty="0" err="1">
+                <a:solidFill>
+                  <a:srgbClr val="FDFDFD"/>
+                </a:solidFill>
+                <a:latin typeface="Poppins"/>
+              </a:rPr>
+              <a:t>m.b.v</a:t>
+            </a:r>
+            <a:r>
+              <a:rPr lang="en-US" sz="2440" spc="-46" dirty="0">
+                <a:solidFill>
+                  <a:srgbClr val="FDFDFD"/>
+                </a:solidFill>
+                <a:latin typeface="Poppins"/>
+              </a:rPr>
+              <a:t>. </a:t>
+            </a:r>
+            <a:r>
+              <a:rPr lang="en-US" sz="2440" spc="-46" dirty="0" err="1">
+                <a:solidFill>
+                  <a:srgbClr val="FDFDFD"/>
+                </a:solidFill>
+                <a:latin typeface="Poppins"/>
+              </a:rPr>
+              <a:t>Github</a:t>
+            </a:r>
+            <a:r>
+              <a:rPr lang="en-US" sz="2440" spc="-46" dirty="0">
+                <a:solidFill>
+                  <a:srgbClr val="FDFDFD"/>
+                </a:solidFill>
+                <a:latin typeface="Poppins"/>
+              </a:rPr>
+              <a:t> Actions</a:t>
+            </a:r>
+          </a:p>
+          <a:p>
+            <a:pPr marL="342900" indent="-342900">
+              <a:buFont typeface="Arial" panose="020B0604020202020204" pitchFamily="34" charset="0"/>
+              <a:buChar char="•"/>
+            </a:pPr>
+            <a:r>
+              <a:rPr lang="en-US" sz="2440" spc="-46" dirty="0">
+                <a:solidFill>
+                  <a:srgbClr val="FDFDFD"/>
+                </a:solidFill>
+                <a:latin typeface="Poppins"/>
+              </a:rPr>
+              <a:t>Role based JSON Web Tokens</a:t>
+            </a:r>
+          </a:p>
+        </p:txBody>
+      </p:sp>
+      <p:grpSp>
+        <p:nvGrpSpPr>
+          <p:cNvPr id="4" name="Group 4"/>
+          <p:cNvGrpSpPr/>
+          <p:nvPr/>
+        </p:nvGrpSpPr>
+        <p:grpSpPr>
+          <a:xfrm>
+            <a:off x="14456341" y="3980147"/>
+            <a:ext cx="7019697" cy="10556306"/>
+            <a:chOff x="0" y="0"/>
+            <a:chExt cx="660400" cy="993118"/>
+          </a:xfrm>
+        </p:grpSpPr>
+        <p:sp>
+          <p:nvSpPr>
+            <p:cNvPr id="5" name="Freeform 5"/>
+            <p:cNvSpPr/>
+            <p:nvPr/>
+          </p:nvSpPr>
+          <p:spPr>
+            <a:xfrm>
+              <a:off x="0" y="0"/>
+              <a:ext cx="660400" cy="993118"/>
+            </a:xfrm>
+            <a:custGeom>
+              <a:avLst/>
+              <a:gdLst/>
+              <a:ahLst/>
+              <a:cxnLst/>
+              <a:rect l="l" t="t" r="r" b="b"/>
+              <a:pathLst>
+                <a:path w="660400" h="993118">
+                  <a:moveTo>
+                    <a:pt x="220252" y="19070"/>
+                  </a:moveTo>
+                  <a:cubicBezTo>
+                    <a:pt x="254000" y="7556"/>
+                    <a:pt x="292600" y="0"/>
+                    <a:pt x="330378" y="0"/>
+                  </a:cubicBezTo>
+                  <a:cubicBezTo>
+                    <a:pt x="368157" y="0"/>
+                    <a:pt x="404509" y="6476"/>
+                    <a:pt x="438009" y="17990"/>
+                  </a:cubicBezTo>
+                  <a:cubicBezTo>
+                    <a:pt x="438723" y="18350"/>
+                    <a:pt x="439435" y="18350"/>
+                    <a:pt x="440148" y="18710"/>
+                  </a:cubicBezTo>
+                  <a:cubicBezTo>
+                    <a:pt x="565955" y="64765"/>
+                    <a:pt x="658618" y="186379"/>
+                    <a:pt x="660400" y="332507"/>
+                  </a:cubicBezTo>
+                  <a:lnTo>
+                    <a:pt x="660400" y="993118"/>
+                  </a:lnTo>
+                  <a:lnTo>
+                    <a:pt x="0" y="993118"/>
+                  </a:lnTo>
+                  <a:lnTo>
+                    <a:pt x="0" y="332998"/>
+                  </a:lnTo>
+                  <a:cubicBezTo>
+                    <a:pt x="1782" y="185660"/>
+                    <a:pt x="93019" y="64045"/>
+                    <a:pt x="220252" y="19070"/>
+                  </a:cubicBezTo>
+                  <a:close/>
+                </a:path>
+              </a:pathLst>
+            </a:custGeom>
+            <a:solidFill>
+              <a:srgbClr val="FFFFFF"/>
+            </a:solidFill>
+          </p:spPr>
+          <p:txBody>
+            <a:bodyPr/>
+            <a:lstStyle/>
+            <a:p>
+              <a:endParaRPr lang="nl-NL"/>
+            </a:p>
+          </p:txBody>
+        </p:sp>
+        <p:sp>
+          <p:nvSpPr>
+            <p:cNvPr id="6" name="TextBox 6"/>
+            <p:cNvSpPr txBox="1"/>
+            <p:nvPr/>
+          </p:nvSpPr>
+          <p:spPr>
+            <a:xfrm>
+              <a:off x="0" y="88900"/>
+              <a:ext cx="660400" cy="904218"/>
+            </a:xfrm>
+            <a:prstGeom prst="rect">
+              <a:avLst/>
+            </a:prstGeom>
+          </p:spPr>
+          <p:txBody>
+            <a:bodyPr lIns="50800" tIns="50800" rIns="50800" bIns="50800" rtlCol="0" anchor="ctr"/>
+            <a:lstStyle/>
+            <a:p>
+              <a:pPr algn="ctr">
+                <a:lnSpc>
+                  <a:spcPts val="2659"/>
+                </a:lnSpc>
+                <a:spcBef>
+                  <a:spcPct val="0"/>
+                </a:spcBef>
+              </a:pPr>
+              <a:endParaRPr/>
+            </a:p>
+          </p:txBody>
+        </p:sp>
+      </p:grpSp>
+    </p:spTree>
+  </p:cSld>
+  <p:clrMapOvr>
+    <a:masterClrMapping/>
+  </p:clrMapOvr>
+</p:sld>
+</file>
+
+<file path=ppt/slides/slide9.xml><?xml version="1.0" encoding="utf-8"?>
+<p:sld xmlns:a="http://schemas.openxmlformats.org/drawingml/2006/main" xmlns:r="http://schemas.openxmlformats.org/officeDocument/2006/relationships" xmlns:p="http://schemas.openxmlformats.org/presentationml/2006/main">
+  <p:cSld>
+    <p:bg>
+      <p:bgPr>
+        <a:solidFill>
+          <a:srgbClr val="FDFDFD"/>
+        </a:solidFill>
+        <a:effectLst/>
+      </p:bgPr>
+    </p:bg>
+    <p:spTree>
+      <p:nvGrpSpPr>
+        <p:cNvPr id="1" name=""/>
+        <p:cNvGrpSpPr/>
+        <p:nvPr/>
+      </p:nvGrpSpPr>
+      <p:grpSpPr>
+        <a:xfrm>
+          <a:off x="0" y="0"/>
+          <a:ext cx="0" cy="0"/>
+          <a:chOff x="0" y="0"/>
+          <a:chExt cx="0" cy="0"/>
+        </a:xfrm>
+      </p:grpSpPr>
+      <p:grpSp>
+        <p:nvGrpSpPr>
+          <p:cNvPr id="2" name="Group 2"/>
+          <p:cNvGrpSpPr/>
+          <p:nvPr/>
+        </p:nvGrpSpPr>
+        <p:grpSpPr>
+          <a:xfrm rot="5491349">
+            <a:off x="15941477" y="-2395089"/>
+            <a:ext cx="4693046" cy="4693046"/>
+            <a:chOff x="0" y="0"/>
+            <a:chExt cx="812800" cy="812800"/>
+          </a:xfrm>
+        </p:grpSpPr>
+        <p:sp>
+          <p:nvSpPr>
+            <p:cNvPr id="3" name="Freeform 3"/>
+            <p:cNvSpPr/>
+            <p:nvPr/>
+          </p:nvSpPr>
+          <p:spPr>
+            <a:xfrm>
+              <a:off x="0" y="0"/>
+              <a:ext cx="812800" cy="812800"/>
+            </a:xfrm>
+            <a:custGeom>
+              <a:avLst/>
+              <a:gdLst/>
+              <a:ahLst/>
+              <a:cxnLst/>
+              <a:rect l="l" t="t" r="r" b="b"/>
+              <a:pathLst>
+                <a:path w="812800" h="812800">
+                  <a:moveTo>
+                    <a:pt x="406400" y="0"/>
+                  </a:moveTo>
+                  <a:cubicBezTo>
+                    <a:pt x="181951" y="0"/>
+                    <a:pt x="0" y="181951"/>
+                    <a:pt x="0" y="406400"/>
+                  </a:cubicBezTo>
+                  <a:cubicBezTo>
+                    <a:pt x="0" y="630849"/>
+                    <a:pt x="181951" y="812800"/>
+                    <a:pt x="406400" y="812800"/>
+                  </a:cubicBezTo>
+                  <a:cubicBezTo>
+                    <a:pt x="630849" y="812800"/>
+                    <a:pt x="812800" y="630849"/>
+                    <a:pt x="812800" y="406400"/>
+                  </a:cubicBezTo>
+                  <a:cubicBezTo>
+                    <a:pt x="812800" y="181951"/>
+                    <a:pt x="630849" y="0"/>
+                    <a:pt x="406400" y="0"/>
+                  </a:cubicBezTo>
+                  <a:close/>
+                </a:path>
+              </a:pathLst>
+            </a:custGeom>
+            <a:solidFill>
+              <a:srgbClr val="000000">
+                <a:alpha val="0"/>
+              </a:srgbClr>
+            </a:solidFill>
+            <a:ln w="952500" cap="sq">
+              <a:solidFill>
+                <a:srgbClr val="C23350"/>
+              </a:solidFill>
+              <a:prstDash val="solid"/>
+              <a:miter/>
+            </a:ln>
+          </p:spPr>
+          <p:txBody>
+            <a:bodyPr/>
+            <a:lstStyle/>
+            <a:p>
+              <a:endParaRPr lang="nl-NL"/>
+            </a:p>
+          </p:txBody>
+        </p:sp>
+        <p:sp>
+          <p:nvSpPr>
+            <p:cNvPr id="4" name="TextBox 4"/>
+            <p:cNvSpPr txBox="1"/>
+            <p:nvPr/>
+          </p:nvSpPr>
+          <p:spPr>
+            <a:xfrm>
+              <a:off x="76200" y="38100"/>
+              <a:ext cx="660400" cy="698500"/>
+            </a:xfrm>
+            <a:prstGeom prst="rect">
+              <a:avLst/>
+            </a:prstGeom>
+          </p:spPr>
+          <p:txBody>
+            <a:bodyPr lIns="50800" tIns="50800" rIns="50800" bIns="50800" rtlCol="0" anchor="ctr"/>
+            <a:lstStyle/>
+            <a:p>
+              <a:pPr algn="ctr">
+                <a:lnSpc>
+                  <a:spcPts val="2659"/>
+                </a:lnSpc>
+                <a:spcBef>
+                  <a:spcPct val="0"/>
+                </a:spcBef>
+              </a:pPr>
+              <a:endParaRPr/>
+            </a:p>
+          </p:txBody>
+        </p:sp>
+      </p:grpSp>
+      <p:grpSp>
+        <p:nvGrpSpPr>
+          <p:cNvPr id="5" name="Group 5"/>
+          <p:cNvGrpSpPr/>
+          <p:nvPr/>
+        </p:nvGrpSpPr>
+        <p:grpSpPr>
+          <a:xfrm>
+            <a:off x="-4455492" y="5464854"/>
+            <a:ext cx="7019697" cy="10556306"/>
+            <a:chOff x="0" y="0"/>
+            <a:chExt cx="660400" cy="993118"/>
+          </a:xfrm>
+        </p:grpSpPr>
+        <p:sp>
+          <p:nvSpPr>
+            <p:cNvPr id="6" name="Freeform 6"/>
+            <p:cNvSpPr/>
+            <p:nvPr/>
+          </p:nvSpPr>
+          <p:spPr>
+            <a:xfrm>
+              <a:off x="0" y="0"/>
+              <a:ext cx="660400" cy="993118"/>
+            </a:xfrm>
+            <a:custGeom>
+              <a:avLst/>
+              <a:gdLst/>
+              <a:ahLst/>
+              <a:cxnLst/>
+              <a:rect l="l" t="t" r="r" b="b"/>
+              <a:pathLst>
+                <a:path w="660400" h="993118">
+                  <a:moveTo>
+                    <a:pt x="220252" y="19070"/>
+                  </a:moveTo>
+                  <a:cubicBezTo>
+                    <a:pt x="254000" y="7556"/>
+                    <a:pt x="292600" y="0"/>
+                    <a:pt x="330378" y="0"/>
+                  </a:cubicBezTo>
+                  <a:cubicBezTo>
+                    <a:pt x="368157" y="0"/>
+                    <a:pt x="404509" y="6476"/>
+                    <a:pt x="438009" y="17990"/>
+                  </a:cubicBezTo>
+                  <a:cubicBezTo>
+                    <a:pt x="438723" y="18350"/>
+                    <a:pt x="439435" y="18350"/>
+                    <a:pt x="440148" y="18710"/>
+                  </a:cubicBezTo>
+                  <a:cubicBezTo>
+                    <a:pt x="565955" y="64765"/>
+                    <a:pt x="658618" y="186379"/>
+                    <a:pt x="660400" y="332507"/>
+                  </a:cubicBezTo>
+                  <a:lnTo>
+                    <a:pt x="660400" y="993118"/>
+                  </a:lnTo>
+                  <a:lnTo>
+                    <a:pt x="0" y="993118"/>
+                  </a:lnTo>
+                  <a:lnTo>
+                    <a:pt x="0" y="332998"/>
+                  </a:lnTo>
+                  <a:cubicBezTo>
+                    <a:pt x="1782" y="185660"/>
+                    <a:pt x="93019" y="64045"/>
+                    <a:pt x="220252" y="19070"/>
+                  </a:cubicBezTo>
+                  <a:close/>
+                </a:path>
+              </a:pathLst>
+            </a:custGeom>
+            <a:solidFill>
+              <a:srgbClr val="C23350"/>
+            </a:solidFill>
+          </p:spPr>
+          <p:txBody>
+            <a:bodyPr/>
+            <a:lstStyle/>
+            <a:p>
+              <a:endParaRPr lang="nl-NL"/>
+            </a:p>
+          </p:txBody>
+        </p:sp>
+        <p:sp>
+          <p:nvSpPr>
+            <p:cNvPr id="7" name="TextBox 7"/>
+            <p:cNvSpPr txBox="1"/>
+            <p:nvPr/>
+          </p:nvSpPr>
+          <p:spPr>
+            <a:xfrm>
+              <a:off x="0" y="88900"/>
+              <a:ext cx="660400" cy="904218"/>
+            </a:xfrm>
+            <a:prstGeom prst="rect">
+              <a:avLst/>
+            </a:prstGeom>
+          </p:spPr>
+          <p:txBody>
+            <a:bodyPr lIns="50800" tIns="50800" rIns="50800" bIns="50800" rtlCol="0" anchor="ctr"/>
+            <a:lstStyle/>
+            <a:p>
+              <a:pPr algn="ctr">
+                <a:lnSpc>
+                  <a:spcPts val="2659"/>
+                </a:lnSpc>
+                <a:spcBef>
+                  <a:spcPct val="0"/>
+                </a:spcBef>
+              </a:pPr>
+              <a:endParaRPr/>
+            </a:p>
+          </p:txBody>
+        </p:sp>
+      </p:grpSp>
+      <p:sp>
+        <p:nvSpPr>
           <p:cNvPr id="8" name="TextBox 8"/>
           <p:cNvSpPr txBox="1"/>
           <p:nvPr/>
@@ -7616,7 +9965,7 @@
               </a:spcBef>
             </a:pPr>
             <a:r>
-              <a:rPr lang="en-US" sz="2442" u="sng" spc="-48">
+              <a:rPr lang="en-US" sz="2442" u="sng" spc="-48" dirty="0">
                 <a:solidFill>
                   <a:srgbClr val="051D40"/>
                 </a:solidFill>
@@ -7658,13 +10007,22 @@
               </a:spcBef>
             </a:pPr>
             <a:r>
-              <a:rPr lang="en-US" sz="2989">
+              <a:rPr lang="en-US" sz="2989" dirty="0" err="1">
                 <a:solidFill>
                   <a:srgbClr val="051D40"/>
                 </a:solidFill>
                 <a:latin typeface="Open Sans Extra Bold"/>
               </a:rPr>
-              <a:t>Github Wiki Page</a:t>
+              <a:t>Github</a:t>
+            </a:r>
+            <a:r>
+              <a:rPr lang="en-US" sz="2989" dirty="0">
+                <a:solidFill>
+                  <a:srgbClr val="051D40"/>
+                </a:solidFill>
+                <a:latin typeface="Open Sans Extra Bold"/>
+              </a:rPr>
+              <a:t> Wiki Page</a:t>
             </a:r>
           </a:p>
         </p:txBody>
@@ -7958,4 +10316,319 @@
   <a:objectDefaults/>
   <a:extraClrSchemeLst/>
 </a:theme>
+</file>
+
+<file path=ppt/theme/theme2.xml><?xml version="1.0" encoding="utf-8"?>
+<a:theme xmlns:a="http://schemas.openxmlformats.org/drawingml/2006/main" name="Kantoorthema">
+  <a:themeElements>
+    <a:clrScheme name="Office">
+      <a:dk1>
+        <a:sysClr val="windowText" lastClr="000000"/>
+      </a:dk1>
+      <a:lt1>
+        <a:sysClr val="window" lastClr="FFFFFF"/>
+      </a:lt1>
+      <a:dk2>
+        <a:srgbClr val="0E2841"/>
+      </a:dk2>
+      <a:lt2>
+        <a:srgbClr val="E8E8E8"/>
+      </a:lt2>
+      <a:accent1>
+        <a:srgbClr val="156082"/>
+      </a:accent1>
+      <a:accent2>
+        <a:srgbClr val="E97132"/>
+      </a:accent2>
+      <a:accent3>
+        <a:srgbClr val="196B24"/>
+      </a:accent3>
+      <a:accent4>
+        <a:srgbClr val="0F9ED5"/>
+      </a:accent4>
+      <a:accent5>
+        <a:srgbClr val="A02B93"/>
+      </a:accent5>
+      <a:accent6>
+        <a:srgbClr val="4EA72E"/>
+      </a:accent6>
+      <a:hlink>
+        <a:srgbClr val="467886"/>
+      </a:hlink>
+      <a:folHlink>
+        <a:srgbClr val="96607D"/>
+      </a:folHlink>
+    </a:clrScheme>
+    <a:fontScheme name="Office">
+      <a:majorFont>
+        <a:latin typeface="Aptos Display" panose="02110004020202020204"/>
+        <a:ea typeface=""/>
+        <a:cs typeface=""/>
+        <a:font script="Jpan" typeface="游ゴシック Light"/>
+        <a:font script="Hang" typeface="맑은 고딕"/>
+        <a:font script="Hans" typeface="等线 Light"/>
+        <a:font script="Hant" typeface="新細明體"/>
+        <a:font script="Arab" typeface="Times New Roman"/>
+        <a:font script="Hebr" typeface="Times New Roman"/>
+        <a:font script="Thai" typeface="Angsana New"/>
+        <a:font script="Ethi" typeface="Nyala"/>
+        <a:font script="Beng" typeface="Vrinda"/>
+        <a:font script="Gujr" typeface="Shruti"/>
+        <a:font script="Khmr" typeface="MoolBoran"/>
+        <a:font script="Knda" typeface="Tunga"/>
+        <a:font script="Guru" typeface="Raavi"/>
+        <a:font script="Cans" typeface="Euphemia"/>
+        <a:font script="Cher" typeface="Plantagenet Cherokee"/>
+        <a:font script="Yiii" typeface="Microsoft Yi Baiti"/>
+        <a:font script="Tibt" typeface="Microsoft Himalaya"/>
+        <a:font script="Thaa" typeface="MV Boli"/>
+        <a:font script="Deva" typeface="Mangal"/>
+        <a:font script="Telu" typeface="Gautami"/>
+        <a:font script="Taml" typeface="Latha"/>
+        <a:font script="Syrc" typeface="Estrangelo Edessa"/>
+        <a:font script="Orya" typeface="Kalinga"/>
+        <a:font script="Mlym" typeface="Kartika"/>
+        <a:font script="Laoo" typeface="DokChampa"/>
+        <a:font script="Sinh" typeface="Iskoola Pota"/>
+        <a:font script="Mong" typeface="Mongolian Baiti"/>
+        <a:font script="Viet" typeface="Times New Roman"/>
+        <a:font script="Uigh" typeface="Microsoft Uighur"/>
+        <a:font script="Geor" typeface="Sylfaen"/>
+        <a:font script="Armn" typeface="Arial"/>
+        <a:font script="Bugi" typeface="Leelawadee UI"/>
+        <a:font script="Bopo" typeface="Microsoft JhengHei"/>
+        <a:font script="Java" typeface="Javanese Text"/>
+        <a:font script="Lisu" typeface="Segoe UI"/>
+        <a:font script="Mymr" typeface="Myanmar Text"/>
+        <a:font script="Nkoo" typeface="Ebrima"/>
+        <a:font script="Olck" typeface="Nirmala UI"/>
+        <a:font script="Osma" typeface="Ebrima"/>
+        <a:font script="Phag" typeface="Phagspa"/>
+        <a:font script="Syrn" typeface="Estrangelo Edessa"/>
+        <a:font script="Syrj" typeface="Estrangelo Edessa"/>
+        <a:font script="Syre" typeface="Estrangelo Edessa"/>
+        <a:font script="Sora" typeface="Nirmala UI"/>
+        <a:font script="Tale" typeface="Microsoft Tai Le"/>
+        <a:font script="Talu" typeface="Microsoft New Tai Lue"/>
+        <a:font script="Tfng" typeface="Ebrima"/>
+      </a:majorFont>
+      <a:minorFont>
+        <a:latin typeface="Aptos" panose="02110004020202020204"/>
+        <a:ea typeface=""/>
+        <a:cs typeface=""/>
+        <a:font script="Jpan" typeface="游ゴシック"/>
+        <a:font script="Hang" typeface="맑은 고딕"/>
+        <a:font script="Hans" typeface="等线"/>
+        <a:font script="Hant" typeface="新細明體"/>
+        <a:font script="Arab" typeface="Arial"/>
+        <a:font script="Hebr" typeface="Arial"/>
+        <a:font script="Thai" typeface="Cordia New"/>
+        <a:font script="Ethi" typeface="Nyala"/>
+        <a:font script="Beng" typeface="Vrinda"/>
+        <a:font script="Gujr" typeface="Shruti"/>
+        <a:font script="Khmr" typeface="DaunPenh"/>
+        <a:font script="Knda" typeface="Tunga"/>
+        <a:font script="Guru" typeface="Raavi"/>
+        <a:font script="Cans" typeface="Euphemia"/>
+        <a:font script="Cher" typeface="Plantagenet Cherokee"/>
+        <a:font script="Yiii" typeface="Microsoft Yi Baiti"/>
+        <a:font script="Tibt" typeface="Microsoft Himalaya"/>
+        <a:font script="Thaa" typeface="MV Boli"/>
+        <a:font script="Deva" typeface="Mangal"/>
+        <a:font script="Telu" typeface="Gautami"/>
+        <a:font script="Taml" typeface="Latha"/>
+        <a:font script="Syrc" typeface="Estrangelo Edessa"/>
+        <a:font script="Orya" typeface="Kalinga"/>
+        <a:font script="Mlym" typeface="Kartika"/>
+        <a:font script="Laoo" typeface="DokChampa"/>
+        <a:font script="Sinh" typeface="Iskoola Pota"/>
+        <a:font script="Mong" typeface="Mongolian Baiti"/>
+        <a:font script="Viet" typeface="Arial"/>
+        <a:font script="Uigh" typeface="Microsoft Uighur"/>
+        <a:font script="Geor" typeface="Sylfaen"/>
+        <a:font script="Armn" typeface="Arial"/>
+        <a:font script="Bugi" typeface="Leelawadee UI"/>
+        <a:font script="Bopo" typeface="Microsoft JhengHei"/>
+        <a:font script="Java" typeface="Javanese Text"/>
+        <a:font script="Lisu" typeface="Segoe UI"/>
+        <a:font script="Mymr" typeface="Myanmar Text"/>
+        <a:font script="Nkoo" typeface="Ebrima"/>
+        <a:font script="Olck" typeface="Nirmala UI"/>
+        <a:font script="Osma" typeface="Ebrima"/>
+        <a:font script="Phag" typeface="Phagspa"/>
+        <a:font script="Syrn" typeface="Estrangelo Edessa"/>
+        <a:font script="Syrj" typeface="Estrangelo Edessa"/>
+        <a:font script="Syre" typeface="Estrangelo Edessa"/>
+        <a:font script="Sora" typeface="Nirmala UI"/>
+        <a:font script="Tale" typeface="Microsoft Tai Le"/>
+        <a:font script="Talu" typeface="Microsoft New Tai Lue"/>
+        <a:font script="Tfng" typeface="Ebrima"/>
+      </a:minorFont>
+    </a:fontScheme>
+    <a:fmtScheme name="Office">
+      <a:fillStyleLst>
+        <a:solidFill>
+          <a:schemeClr val="phClr"/>
+        </a:solidFill>
+        <a:gradFill rotWithShape="1">
+          <a:gsLst>
+            <a:gs pos="0">
+              <a:schemeClr val="phClr">
+                <a:lumMod val="110000"/>
+                <a:satMod val="105000"/>
+                <a:tint val="67000"/>
+              </a:schemeClr>
+            </a:gs>
+            <a:gs pos="50000">
+              <a:schemeClr val="phClr">
+                <a:lumMod val="105000"/>
+                <a:satMod val="103000"/>
+                <a:tint val="73000"/>
+              </a:schemeClr>
+            </a:gs>
+            <a:gs pos="100000">
+              <a:schemeClr val="phClr">
+                <a:lumMod val="105000"/>
+                <a:satMod val="109000"/>
+                <a:tint val="81000"/>
+              </a:schemeClr>
+            </a:gs>
+          </a:gsLst>
+          <a:lin ang="5400000" scaled="0"/>
+        </a:gradFill>
+        <a:gradFill rotWithShape="1">
+          <a:gsLst>
+            <a:gs pos="0">
+              <a:schemeClr val="phClr">
+                <a:satMod val="103000"/>
+                <a:lumMod val="102000"/>
+                <a:tint val="94000"/>
+              </a:schemeClr>
+            </a:gs>
+            <a:gs pos="50000">
+              <a:schemeClr val="phClr">
+                <a:satMod val="110000"/>
+                <a:lumMod val="100000"/>
+                <a:shade val="100000"/>
+              </a:schemeClr>
+            </a:gs>
+            <a:gs pos="100000">
+              <a:schemeClr val="phClr">
+                <a:lumMod val="99000"/>
+                <a:satMod val="120000"/>
+                <a:shade val="78000"/>
+              </a:schemeClr>
+            </a:gs>
+          </a:gsLst>
+          <a:lin ang="5400000" scaled="0"/>
+        </a:gradFill>
+      </a:fillStyleLst>
+      <a:lnStyleLst>
+        <a:ln w="12700" cap="flat" cmpd="sng" algn="ctr">
+          <a:solidFill>
+            <a:schemeClr val="phClr"/>
+          </a:solidFill>
+          <a:prstDash val="solid"/>
+          <a:miter lim="800000"/>
+        </a:ln>
+        <a:ln w="19050" cap="flat" cmpd="sng" algn="ctr">
+          <a:solidFill>
+            <a:schemeClr val="phClr"/>
+          </a:solidFill>
+          <a:prstDash val="solid"/>
+          <a:miter lim="800000"/>
+        </a:ln>
+        <a:ln w="25400" cap="flat" cmpd="sng" algn="ctr">
+          <a:solidFill>
+            <a:schemeClr val="phClr"/>
+          </a:solidFill>
+          <a:prstDash val="solid"/>
+          <a:miter lim="800000"/>
+        </a:ln>
+      </a:lnStyleLst>
+      <a:effectStyleLst>
+        <a:effectStyle>
+          <a:effectLst/>
+        </a:effectStyle>
+        <a:effectStyle>
+          <a:effectLst/>
+        </a:effectStyle>
+        <a:effectStyle>
+          <a:effectLst>
+            <a:outerShdw blurRad="57150" dist="19050" dir="5400000" algn="ctr" rotWithShape="0">
+              <a:srgbClr val="000000">
+                <a:alpha val="63000"/>
+              </a:srgbClr>
+            </a:outerShdw>
+          </a:effectLst>
+        </a:effectStyle>
+      </a:effectStyleLst>
+      <a:bgFillStyleLst>
+        <a:solidFill>
+          <a:schemeClr val="phClr"/>
+        </a:solidFill>
+        <a:solidFill>
+          <a:schemeClr val="phClr">
+            <a:tint val="95000"/>
+            <a:satMod val="170000"/>
+          </a:schemeClr>
+        </a:solidFill>
+        <a:gradFill rotWithShape="1">
+          <a:gsLst>
+            <a:gs pos="0">
+              <a:schemeClr val="phClr">
+                <a:tint val="93000"/>
+                <a:satMod val="150000"/>
+                <a:shade val="98000"/>
+                <a:lumMod val="102000"/>
+              </a:schemeClr>
+            </a:gs>
+            <a:gs pos="50000">
+              <a:schemeClr val="phClr">
+                <a:tint val="98000"/>
+                <a:satMod val="130000"/>
+                <a:shade val="90000"/>
+                <a:lumMod val="103000"/>
+              </a:schemeClr>
+            </a:gs>
+            <a:gs pos="100000">
+              <a:schemeClr val="phClr">
+                <a:shade val="63000"/>
+                <a:satMod val="120000"/>
+              </a:schemeClr>
+            </a:gs>
+          </a:gsLst>
+          <a:lin ang="5400000" scaled="0"/>
+        </a:gradFill>
+      </a:bgFillStyleLst>
+    </a:fmtScheme>
+  </a:themeElements>
+  <a:objectDefaults>
+    <a:lnDef>
+      <a:spPr/>
+      <a:bodyPr/>
+      <a:lstStyle/>
+      <a:style>
+        <a:lnRef idx="2">
+          <a:schemeClr val="accent1"/>
+        </a:lnRef>
+        <a:fillRef idx="0">
+          <a:schemeClr val="accent1"/>
+        </a:fillRef>
+        <a:effectRef idx="1">
+          <a:schemeClr val="accent1"/>
+        </a:effectRef>
+        <a:fontRef idx="minor">
+          <a:schemeClr val="tx1"/>
+        </a:fontRef>
+      </a:style>
+    </a:lnDef>
+  </a:objectDefaults>
+  <a:extraClrSchemeLst/>
+  <a:extLst>
+    <a:ext uri="{05A4C25C-085E-4340-85A3-A5531E510DB2}">
+      <thm15:themeFamily xmlns:thm15="http://schemas.microsoft.com/office/thememl/2012/main" name="Office Theme" id="{2E142A2C-CD16-42D6-873A-C26D2A0506FA}" vid="{1BDDFF52-6CD6-40A5-AB3C-68EB2F1E4D0A}"/>
+    </a:ext>
+  </a:extLst>
+</a:theme>
 </file>
--- a/docs/presentatie.pptx
+++ b/docs/presentatie.pptx
@@ -5,8 +5,11 @@
     <p:sldMasterId id="2147483648" r:id="rId1"/>
   </p:sldMasterIdLst>
   <p:notesMasterIdLst>
-    <p:notesMasterId r:id="rId11"/>
+    <p:notesMasterId r:id="rId13"/>
   </p:notesMasterIdLst>
+  <p:handoutMasterIdLst>
+    <p:handoutMasterId r:id="rId14"/>
+  </p:handoutMasterIdLst>
   <p:sldIdLst>
     <p:sldId id="256" r:id="rId2"/>
     <p:sldId id="257" r:id="rId3"/>
@@ -15,23 +18,25 @@
     <p:sldId id="263" r:id="rId6"/>
     <p:sldId id="264" r:id="rId7"/>
     <p:sldId id="260" r:id="rId8"/>
-    <p:sldId id="261" r:id="rId9"/>
-    <p:sldId id="262" r:id="rId10"/>
+    <p:sldId id="265" r:id="rId9"/>
+    <p:sldId id="261" r:id="rId10"/>
+    <p:sldId id="262" r:id="rId11"/>
+    <p:sldId id="266" r:id="rId12"/>
   </p:sldIdLst>
   <p:sldSz cx="18288000" cy="10287000"/>
-  <p:notesSz cx="6858000" cy="9144000"/>
+  <p:notesSz cx="9144000" cy="6858000"/>
   <p:embeddedFontLst>
     <p:embeddedFont>
       <p:font typeface="Open Sans Extra Bold" panose="020B0906030804020204" pitchFamily="34" charset="0"/>
-      <p:regular r:id="rId12"/>
-      <p:bold r:id="rId13"/>
+      <p:regular r:id="rId15"/>
+      <p:bold r:id="rId16"/>
     </p:embeddedFont>
     <p:embeddedFont>
       <p:font typeface="Poppins" pitchFamily="2" charset="77"/>
-      <p:regular r:id="rId14"/>
-      <p:bold r:id="rId15"/>
-      <p:italic r:id="rId16"/>
-      <p:boldItalic r:id="rId17"/>
+      <p:regular r:id="rId17"/>
+      <p:bold r:id="rId18"/>
+      <p:italic r:id="rId19"/>
+      <p:boldItalic r:id="rId20"/>
     </p:embeddedFont>
   </p:embeddedFontLst>
   <p:defaultTextStyle>
@@ -148,6 +153,196 @@
 </p:presentation>
 </file>
 
+<file path=ppt/handoutMasters/handoutMaster1.xml><?xml version="1.0" encoding="utf-8"?>
+<p:handoutMaster xmlns:a="http://schemas.openxmlformats.org/drawingml/2006/main" xmlns:r="http://schemas.openxmlformats.org/officeDocument/2006/relationships" xmlns:p="http://schemas.openxmlformats.org/presentationml/2006/main">
+  <p:cSld>
+    <p:bg>
+      <p:bgRef idx="1001">
+        <a:schemeClr val="bg1"/>
+      </p:bgRef>
+    </p:bg>
+    <p:spTree>
+      <p:nvGrpSpPr>
+        <p:cNvPr id="1" name=""/>
+        <p:cNvGrpSpPr/>
+        <p:nvPr/>
+      </p:nvGrpSpPr>
+      <p:grpSpPr>
+        <a:xfrm>
+          <a:off x="0" y="0"/>
+          <a:ext cx="0" cy="0"/>
+          <a:chOff x="0" y="0"/>
+          <a:chExt cx="0" cy="0"/>
+        </a:xfrm>
+      </p:grpSpPr>
+      <p:sp>
+        <p:nvSpPr>
+          <p:cNvPr id="2" name="Tijdelijke aanduiding voor koptekst 1">
+            <a:extLst>
+              <a:ext uri="{FF2B5EF4-FFF2-40B4-BE49-F238E27FC236}">
+                <a16:creationId xmlns:a16="http://schemas.microsoft.com/office/drawing/2014/main" id="{4C44DF03-01B9-BF94-9A15-2FD32A7114E6}"/>
+              </a:ext>
+            </a:extLst>
+          </p:cNvPr>
+          <p:cNvSpPr>
+            <a:spLocks noGrp="1"/>
+          </p:cNvSpPr>
+          <p:nvPr>
+            <p:ph type="hdr" sz="quarter"/>
+          </p:nvPr>
+        </p:nvSpPr>
+        <p:spPr>
+          <a:xfrm>
+            <a:off x="0" y="0"/>
+            <a:ext cx="3962400" cy="344091"/>
+          </a:xfrm>
+          <a:prstGeom prst="rect">
+            <a:avLst/>
+          </a:prstGeom>
+        </p:spPr>
+        <p:txBody>
+          <a:bodyPr vert="horz" lIns="91440" tIns="45720" rIns="91440" bIns="45720" rtlCol="0"/>
+          <a:lstStyle>
+            <a:lvl1pPr algn="l">
+              <a:defRPr sz="1200"/>
+            </a:lvl1pPr>
+          </a:lstStyle>
+          <a:p>
+            <a:endParaRPr lang="nl-NL"/>
+          </a:p>
+        </p:txBody>
+      </p:sp>
+      <p:sp>
+        <p:nvSpPr>
+          <p:cNvPr id="3" name="Tijdelijke aanduiding voor datum 2">
+            <a:extLst>
+              <a:ext uri="{FF2B5EF4-FFF2-40B4-BE49-F238E27FC236}">
+                <a16:creationId xmlns:a16="http://schemas.microsoft.com/office/drawing/2014/main" id="{2A8C9256-0241-1532-912E-7ED4764FD0E9}"/>
+              </a:ext>
+            </a:extLst>
+          </p:cNvPr>
+          <p:cNvSpPr>
+            <a:spLocks noGrp="1"/>
+          </p:cNvSpPr>
+          <p:nvPr>
+            <p:ph type="dt" sz="quarter" idx="1"/>
+          </p:nvPr>
+        </p:nvSpPr>
+        <p:spPr>
+          <a:xfrm>
+            <a:off x="5179484" y="0"/>
+            <a:ext cx="3962400" cy="344091"/>
+          </a:xfrm>
+          <a:prstGeom prst="rect">
+            <a:avLst/>
+          </a:prstGeom>
+        </p:spPr>
+        <p:txBody>
+          <a:bodyPr vert="horz" lIns="91440" tIns="45720" rIns="91440" bIns="45720" rtlCol="0"/>
+          <a:lstStyle>
+            <a:lvl1pPr algn="r">
+              <a:defRPr sz="1200"/>
+            </a:lvl1pPr>
+          </a:lstStyle>
+          <a:p>
+            <a:fld id="{AF9058C4-FFBB-3741-B247-3DE5D19B634B}" type="datetimeFigureOut">
+              <a:rPr lang="nl-NL" smtClean="0"/>
+              <a:t>25-06-2024</a:t>
+            </a:fld>
+            <a:endParaRPr lang="nl-NL"/>
+          </a:p>
+        </p:txBody>
+      </p:sp>
+      <p:sp>
+        <p:nvSpPr>
+          <p:cNvPr id="4" name="Tijdelijke aanduiding voor voettekst 3">
+            <a:extLst>
+              <a:ext uri="{FF2B5EF4-FFF2-40B4-BE49-F238E27FC236}">
+                <a16:creationId xmlns:a16="http://schemas.microsoft.com/office/drawing/2014/main" id="{4FDE9899-FDAE-7DCC-FCC5-A0F7D8336490}"/>
+              </a:ext>
+            </a:extLst>
+          </p:cNvPr>
+          <p:cNvSpPr>
+            <a:spLocks noGrp="1"/>
+          </p:cNvSpPr>
+          <p:nvPr>
+            <p:ph type="ftr" sz="quarter" idx="2"/>
+          </p:nvPr>
+        </p:nvSpPr>
+        <p:spPr>
+          <a:xfrm>
+            <a:off x="0" y="6513910"/>
+            <a:ext cx="3962400" cy="344090"/>
+          </a:xfrm>
+          <a:prstGeom prst="rect">
+            <a:avLst/>
+          </a:prstGeom>
+        </p:spPr>
+        <p:txBody>
+          <a:bodyPr vert="horz" lIns="91440" tIns="45720" rIns="91440" bIns="45720" rtlCol="0" anchor="b"/>
+          <a:lstStyle>
+            <a:lvl1pPr algn="l">
+              <a:defRPr sz="1200"/>
+            </a:lvl1pPr>
+          </a:lstStyle>
+          <a:p>
+            <a:endParaRPr lang="nl-NL"/>
+          </a:p>
+        </p:txBody>
+      </p:sp>
+      <p:sp>
+        <p:nvSpPr>
+          <p:cNvPr id="6" name="Tijdelijke aanduiding voor dianummer 5">
+            <a:extLst>
+              <a:ext uri="{FF2B5EF4-FFF2-40B4-BE49-F238E27FC236}">
+                <a16:creationId xmlns:a16="http://schemas.microsoft.com/office/drawing/2014/main" id="{2075B7D8-F7C9-ECD1-3EE5-2C7FC5F50D8E}"/>
+              </a:ext>
+            </a:extLst>
+          </p:cNvPr>
+          <p:cNvSpPr>
+            <a:spLocks noGrp="1"/>
+          </p:cNvSpPr>
+          <p:nvPr>
+            <p:ph type="sldNum" sz="quarter" idx="3"/>
+          </p:nvPr>
+        </p:nvSpPr>
+        <p:spPr>
+          <a:xfrm>
+            <a:off x="5180013" y="6513513"/>
+            <a:ext cx="3962400" cy="344487"/>
+          </a:xfrm>
+          <a:prstGeom prst="rect">
+            <a:avLst/>
+          </a:prstGeom>
+        </p:spPr>
+        <p:txBody>
+          <a:bodyPr vert="horz" lIns="91440" tIns="45720" rIns="91440" bIns="45720" rtlCol="0" anchor="b"/>
+          <a:lstStyle>
+            <a:lvl1pPr algn="r">
+              <a:defRPr sz="1200"/>
+            </a:lvl1pPr>
+          </a:lstStyle>
+          <a:p>
+            <a:fld id="{E5190A81-2064-0C4D-B2EA-C016E1C84405}" type="slidenum">
+              <a:rPr lang="nl-NL" smtClean="0"/>
+              <a:t>‹nr.›</a:t>
+            </a:fld>
+            <a:endParaRPr lang="nl-NL"/>
+          </a:p>
+        </p:txBody>
+      </p:sp>
+    </p:spTree>
+    <p:extLst>
+      <p:ext uri="{BB962C8B-B14F-4D97-AF65-F5344CB8AC3E}">
+        <p14:creationId xmlns:p14="http://schemas.microsoft.com/office/powerpoint/2010/main" val="283525715"/>
+      </p:ext>
+    </p:extLst>
+  </p:cSld>
+  <p:clrMap bg1="lt1" tx1="dk1" bg2="lt2" tx2="dk2" accent1="accent1" accent2="accent2" accent3="accent3" accent4="accent4" accent5="accent5" accent6="accent6" hlink="hlink" folHlink="folHlink"/>
+  <p:hf hdr="0" ftr="0" dt="0"/>
+</p:handoutMaster>
+</file>
+
 <file path=ppt/notesMasters/notesMaster1.xml><?xml version="1.0" encoding="utf-8"?>
 <p:notesMaster xmlns:a="http://schemas.openxmlformats.org/drawingml/2006/main" xmlns:r="http://schemas.openxmlformats.org/officeDocument/2006/relationships" xmlns:p="http://schemas.openxmlformats.org/presentationml/2006/main">
   <p:cSld>
@@ -183,7 +378,7 @@
         <p:spPr>
           <a:xfrm>
             <a:off x="0" y="0"/>
-            <a:ext cx="2971800" cy="458788"/>
+            <a:ext cx="3962400" cy="344091"/>
           </a:xfrm>
           <a:prstGeom prst="rect">
             <a:avLst/>
@@ -213,8 +408,8 @@
         </p:nvSpPr>
         <p:spPr>
           <a:xfrm>
-            <a:off x="3884613" y="0"/>
-            <a:ext cx="2971800" cy="458788"/>
+            <a:off x="5179484" y="0"/>
+            <a:ext cx="3962400" cy="344091"/>
           </a:xfrm>
           <a:prstGeom prst="rect">
             <a:avLst/>
@@ -230,7 +425,7 @@
           <a:p>
             <a:fld id="{DE4F96C3-9A87-5043-AD41-26E0EBF0E1BB}" type="datetimeFigureOut">
               <a:rPr lang="nl-NL" smtClean="0"/>
-              <a:t>23-06-2024</a:t>
+              <a:t>25-06-2024</a:t>
             </a:fld>
             <a:endParaRPr lang="nl-NL"/>
           </a:p>
@@ -248,8 +443,8 @@
         </p:nvSpPr>
         <p:spPr>
           <a:xfrm>
-            <a:off x="685800" y="1143000"/>
-            <a:ext cx="5486400" cy="3086100"/>
+            <a:off x="2514600" y="857250"/>
+            <a:ext cx="4114800" cy="2314575"/>
           </a:xfrm>
           <a:prstGeom prst="rect">
             <a:avLst/>
@@ -281,8 +476,8 @@
         </p:nvSpPr>
         <p:spPr>
           <a:xfrm>
-            <a:off x="685800" y="4400550"/>
-            <a:ext cx="5486400" cy="3600450"/>
+            <a:off x="914400" y="3300412"/>
+            <a:ext cx="7315200" cy="2700338"/>
           </a:xfrm>
           <a:prstGeom prst="rect">
             <a:avLst/>
@@ -340,8 +535,8 @@
         </p:nvSpPr>
         <p:spPr>
           <a:xfrm>
-            <a:off x="0" y="8685213"/>
-            <a:ext cx="2971800" cy="458787"/>
+            <a:off x="0" y="6513910"/>
+            <a:ext cx="3962400" cy="344090"/>
           </a:xfrm>
           <a:prstGeom prst="rect">
             <a:avLst/>
@@ -371,8 +566,8 @@
         </p:nvSpPr>
         <p:spPr>
           <a:xfrm>
-            <a:off x="3884613" y="8685213"/>
-            <a:ext cx="2971800" cy="458787"/>
+            <a:off x="5179484" y="6513910"/>
+            <a:ext cx="3962400" cy="344090"/>
           </a:xfrm>
           <a:prstGeom prst="rect">
             <a:avLst/>
@@ -402,6 +597,7 @@
     </p:extLst>
   </p:cSld>
   <p:clrMap bg1="lt1" tx1="dk1" bg2="lt2" tx2="dk2" accent1="accent1" accent2="accent2" accent3="accent3" accent4="accent4" accent5="accent5" accent6="accent6" hlink="hlink" folHlink="folHlink"/>
+  <p:hf hdr="0" ftr="0" dt="0"/>
   <p:notesStyle>
     <a:lvl1pPr marL="0" algn="l" defTabSz="914400" rtl="0" eaLnBrk="1" latinLnBrk="0" hangingPunct="1">
       <a:defRPr sz="1200" kern="1200">
@@ -562,7 +758,7 @@
           <a:p>
             <a:fld id="{3215ADB5-D225-7344-9F2D-D835B4AD975A}" type="slidenum">
               <a:rPr lang="nl-NL" smtClean="0"/>
-              <a:t>8</a:t>
+              <a:t>9</a:t>
             </a:fld>
             <a:endParaRPr lang="nl-NL"/>
           </a:p>
@@ -758,10 +954,9 @@
           <a:bodyPr/>
           <a:lstStyle/>
           <a:p>
-            <a:fld id="{1D8BD707-D9CF-40AE-B4C6-C98DA3205C09}" type="datetimeFigureOut">
-              <a:rPr lang="en-US" smtClean="0"/>
-              <a:pPr/>
-              <a:t>6/23/24</a:t>
+            <a:fld id="{EC31685E-33CA-4A4F-865E-F27396E4A38D}" type="datetime1">
+              <a:rPr lang="nl-NL" smtClean="0"/>
+              <a:t>25-06-2024</a:t>
             </a:fld>
             <a:endParaRPr lang="en-US"/>
           </a:p>
@@ -923,10 +1118,9 @@
           <a:bodyPr/>
           <a:lstStyle/>
           <a:p>
-            <a:fld id="{1D8BD707-D9CF-40AE-B4C6-C98DA3205C09}" type="datetimeFigureOut">
-              <a:rPr lang="en-US" smtClean="0"/>
-              <a:pPr/>
-              <a:t>6/23/24</a:t>
+            <a:fld id="{D605FBC6-7A1B-0C4A-A9CF-6956DEF46DF8}" type="datetime1">
+              <a:rPr lang="nl-NL" smtClean="0"/>
+              <a:t>25-06-2024</a:t>
             </a:fld>
             <a:endParaRPr lang="en-US"/>
           </a:p>
@@ -1098,10 +1292,9 @@
           <a:bodyPr/>
           <a:lstStyle/>
           <a:p>
-            <a:fld id="{1D8BD707-D9CF-40AE-B4C6-C98DA3205C09}" type="datetimeFigureOut">
-              <a:rPr lang="en-US" smtClean="0"/>
-              <a:pPr/>
-              <a:t>6/23/24</a:t>
+            <a:fld id="{0B7753AE-9935-D447-8289-AE3E28EC2900}" type="datetime1">
+              <a:rPr lang="nl-NL" smtClean="0"/>
+              <a:t>25-06-2024</a:t>
             </a:fld>
             <a:endParaRPr lang="en-US"/>
           </a:p>
@@ -1136,7 +1329,12 @@
             <p:ph type="sldNum" sz="quarter" idx="12"/>
           </p:nvPr>
         </p:nvSpPr>
-        <p:spPr/>
+        <p:spPr>
+          <a:xfrm>
+            <a:off x="457200" y="9527526"/>
+            <a:ext cx="2133600" cy="365125"/>
+          </a:xfrm>
+        </p:spPr>
         <p:txBody>
           <a:bodyPr/>
           <a:lstStyle/>
@@ -1263,10 +1461,9 @@
           <a:bodyPr/>
           <a:lstStyle/>
           <a:p>
-            <a:fld id="{1D8BD707-D9CF-40AE-B4C6-C98DA3205C09}" type="datetimeFigureOut">
-              <a:rPr lang="en-US" smtClean="0"/>
-              <a:pPr/>
-              <a:t>6/23/24</a:t>
+            <a:fld id="{D49951D8-6A7D-294A-B914-6D8CDF4017A4}" type="datetime1">
+              <a:rPr lang="nl-NL" smtClean="0"/>
+              <a:t>25-06-2024</a:t>
             </a:fld>
             <a:endParaRPr lang="en-US"/>
           </a:p>
@@ -1505,10 +1702,9 @@
           <a:bodyPr/>
           <a:lstStyle/>
           <a:p>
-            <a:fld id="{1D8BD707-D9CF-40AE-B4C6-C98DA3205C09}" type="datetimeFigureOut">
-              <a:rPr lang="en-US" smtClean="0"/>
-              <a:pPr/>
-              <a:t>6/23/24</a:t>
+            <a:fld id="{7A9E891C-D049-3540-B63E-5CAA85F93B41}" type="datetime1">
+              <a:rPr lang="nl-NL" smtClean="0"/>
+              <a:t>25-06-2024</a:t>
             </a:fld>
             <a:endParaRPr lang="en-US"/>
           </a:p>
@@ -1787,10 +1983,9 @@
           <a:bodyPr/>
           <a:lstStyle/>
           <a:p>
-            <a:fld id="{1D8BD707-D9CF-40AE-B4C6-C98DA3205C09}" type="datetimeFigureOut">
-              <a:rPr lang="en-US" smtClean="0"/>
-              <a:pPr/>
-              <a:t>6/23/24</a:t>
+            <a:fld id="{DA75DF7D-7459-CC4C-90A3-8003BFF4716E}" type="datetime1">
+              <a:rPr lang="nl-NL" smtClean="0"/>
+              <a:t>25-06-2024</a:t>
             </a:fld>
             <a:endParaRPr lang="en-US"/>
           </a:p>
@@ -2203,10 +2398,9 @@
           <a:bodyPr/>
           <a:lstStyle/>
           <a:p>
-            <a:fld id="{1D8BD707-D9CF-40AE-B4C6-C98DA3205C09}" type="datetimeFigureOut">
-              <a:rPr lang="en-US" smtClean="0"/>
-              <a:pPr/>
-              <a:t>6/23/24</a:t>
+            <a:fld id="{6BB93BAC-922C-F549-9639-D921C74FE79F}" type="datetime1">
+              <a:rPr lang="nl-NL" smtClean="0"/>
+              <a:t>25-06-2024</a:t>
             </a:fld>
             <a:endParaRPr lang="en-US"/>
           </a:p>
@@ -2317,10 +2511,9 @@
           <a:bodyPr/>
           <a:lstStyle/>
           <a:p>
-            <a:fld id="{1D8BD707-D9CF-40AE-B4C6-C98DA3205C09}" type="datetimeFigureOut">
-              <a:rPr lang="en-US" smtClean="0"/>
-              <a:pPr/>
-              <a:t>6/23/24</a:t>
+            <a:fld id="{DE868DD7-C473-5B4E-B0BA-EBC9FFE787E4}" type="datetime1">
+              <a:rPr lang="nl-NL" smtClean="0"/>
+              <a:t>25-06-2024</a:t>
             </a:fld>
             <a:endParaRPr lang="en-US"/>
           </a:p>
@@ -2409,10 +2602,9 @@
           <a:bodyPr/>
           <a:lstStyle/>
           <a:p>
-            <a:fld id="{1D8BD707-D9CF-40AE-B4C6-C98DA3205C09}" type="datetimeFigureOut">
-              <a:rPr lang="en-US" smtClean="0"/>
-              <a:pPr/>
-              <a:t>6/23/24</a:t>
+            <a:fld id="{42B2C659-E7F6-8441-BB0D-174BB7EA34B9}" type="datetime1">
+              <a:rPr lang="nl-NL" smtClean="0"/>
+              <a:t>25-06-2024</a:t>
             </a:fld>
             <a:endParaRPr lang="en-US"/>
           </a:p>
@@ -2681,10 +2873,9 @@
           <a:bodyPr/>
           <a:lstStyle/>
           <a:p>
-            <a:fld id="{1D8BD707-D9CF-40AE-B4C6-C98DA3205C09}" type="datetimeFigureOut">
-              <a:rPr lang="en-US" smtClean="0"/>
-              <a:pPr/>
-              <a:t>6/23/24</a:t>
+            <a:fld id="{C59520F1-E8F6-CC43-BE38-F70F3CA1ACFD}" type="datetime1">
+              <a:rPr lang="nl-NL" smtClean="0"/>
+              <a:t>25-06-2024</a:t>
             </a:fld>
             <a:endParaRPr lang="en-US"/>
           </a:p>
@@ -2930,10 +3121,9 @@
           <a:bodyPr/>
           <a:lstStyle/>
           <a:p>
-            <a:fld id="{1D8BD707-D9CF-40AE-B4C6-C98DA3205C09}" type="datetimeFigureOut">
-              <a:rPr lang="en-US" smtClean="0"/>
-              <a:pPr/>
-              <a:t>6/23/24</a:t>
+            <a:fld id="{F64F13F6-0F58-6D43-8DD9-3EA894E16508}" type="datetime1">
+              <a:rPr lang="nl-NL" smtClean="0"/>
+              <a:t>25-06-2024</a:t>
             </a:fld>
             <a:endParaRPr lang="en-US"/>
           </a:p>
@@ -2968,7 +3158,12 @@
             <p:ph type="sldNum" sz="quarter" idx="12"/>
           </p:nvPr>
         </p:nvSpPr>
-        <p:spPr/>
+        <p:spPr>
+          <a:xfrm>
+            <a:off x="457200" y="9491662"/>
+            <a:ext cx="2133600" cy="365125"/>
+          </a:xfrm>
+        </p:spPr>
         <p:txBody>
           <a:bodyPr/>
           <a:lstStyle/>
@@ -2978,7 +3173,7 @@
               <a:pPr/>
               <a:t>‹nr.›</a:t>
             </a:fld>
-            <a:endParaRPr lang="en-US"/>
+            <a:endParaRPr lang="en-US" dirty="0"/>
           </a:p>
         </p:txBody>
       </p:sp>
@@ -3138,10 +3333,9 @@
             </a:lvl1pPr>
           </a:lstStyle>
           <a:p>
-            <a:fld id="{1D8BD707-D9CF-40AE-B4C6-C98DA3205C09}" type="datetimeFigureOut">
-              <a:rPr lang="en-US" smtClean="0"/>
-              <a:pPr/>
-              <a:t>6/23/24</a:t>
+            <a:fld id="{351C0A7F-441D-F340-B0CE-5802B53B7DD9}" type="datetime1">
+              <a:rPr lang="nl-NL" smtClean="0"/>
+              <a:t>25-06-2024</a:t>
             </a:fld>
             <a:endParaRPr lang="en-US"/>
           </a:p>
@@ -3196,7 +3390,7 @@
         </p:nvSpPr>
         <p:spPr>
           <a:xfrm>
-            <a:off x="6553200" y="6356350"/>
+            <a:off x="15697200" y="9410700"/>
             <a:ext cx="2133600" cy="365125"/>
           </a:xfrm>
           <a:prstGeom prst="rect">
@@ -3207,10 +3401,10 @@
           <a:bodyPr vert="horz" lIns="91440" tIns="45720" rIns="91440" bIns="45720" rtlCol="0" anchor="ctr"/>
           <a:lstStyle>
             <a:lvl1pPr algn="r">
-              <a:defRPr sz="1200">
-                <a:solidFill>
-                  <a:schemeClr val="tx1">
-                    <a:tint val="75000"/>
+              <a:defRPr sz="2000" b="1">
+                <a:solidFill>
+                  <a:schemeClr val="accent6">
+                    <a:lumMod val="75000"/>
                   </a:schemeClr>
                 </a:solidFill>
               </a:defRPr>
@@ -3222,7 +3416,7 @@
               <a:pPr/>
               <a:t>‹nr.›</a:t>
             </a:fld>
-            <a:endParaRPr lang="en-US"/>
+            <a:endParaRPr lang="en-US" dirty="0"/>
           </a:p>
         </p:txBody>
       </p:sp>
@@ -3242,6 +3436,7 @@
     <p:sldLayoutId id="2147483658" r:id="rId10"/>
     <p:sldLayoutId id="2147483659" r:id="rId11"/>
   </p:sldLayoutIdLst>
+  <p:hf hdr="0" ftr="0" dt="0"/>
   <p:txStyles>
     <p:titleStyle>
       <a:lvl1pPr algn="ctr" defTabSz="914400" rtl="0" eaLnBrk="1" latinLnBrk="0" hangingPunct="1">
@@ -3654,14 +3849,29 @@
               </a:spcBef>
             </a:pPr>
             <a:r>
-              <a:rPr lang="en-US" sz="6760">
+              <a:rPr lang="en-US" sz="6760" dirty="0">
                 <a:solidFill>
                   <a:srgbClr val="051D40"/>
                 </a:solidFill>
                 <a:latin typeface="Open Sans Extra Bold"/>
               </a:rPr>
-              <a:t>Quintor Hardware Catalogus</a:t>
-            </a:r>
+              <a:t>Quintor Hardware </a:t>
+            </a:r>
+            <a:r>
+              <a:rPr lang="en-US" sz="6760" dirty="0" err="1">
+                <a:solidFill>
+                  <a:srgbClr val="051D40"/>
+                </a:solidFill>
+                <a:latin typeface="Open Sans Extra Bold"/>
+              </a:rPr>
+              <a:t>Catalogus</a:t>
+            </a:r>
+            <a:endParaRPr lang="en-US" sz="6760" dirty="0">
+              <a:solidFill>
+                <a:srgbClr val="051D40"/>
+              </a:solidFill>
+              <a:latin typeface="Open Sans Extra Bold"/>
+            </a:endParaRPr>
           </a:p>
         </p:txBody>
       </p:sp>
@@ -3840,7 +4050,7 @@
         <p:spPr>
           <a:xfrm>
             <a:off x="1235804" y="5840286"/>
-            <a:ext cx="7366063" cy="501556"/>
+            <a:ext cx="7366063" cy="981166"/>
           </a:xfrm>
           <a:prstGeom prst="rect">
             <a:avLst/>
@@ -3861,13 +4071,41 @@
               </a:spcBef>
             </a:pPr>
             <a:r>
-              <a:rPr lang="en-US" sz="2753" spc="-55">
-                <a:solidFill>
-                  <a:srgbClr val="051D40"/>
-                </a:solidFill>
-                <a:latin typeface="Poppins"/>
-              </a:rPr>
-              <a:t>Sibren Reekers &amp; Mark van de Streek</a:t>
+              <a:rPr lang="en-US" sz="2753" spc="-55" dirty="0" err="1">
+                <a:solidFill>
+                  <a:srgbClr val="051D40"/>
+                </a:solidFill>
+                <a:latin typeface="Poppins"/>
+              </a:rPr>
+              <a:t>Sibren</a:t>
+            </a:r>
+            <a:r>
+              <a:rPr lang="en-US" sz="2753" spc="-55" dirty="0">
+                <a:solidFill>
+                  <a:srgbClr val="051D40"/>
+                </a:solidFill>
+                <a:latin typeface="Poppins"/>
+              </a:rPr>
+              <a:t> Reekers &amp; Mark van de Streek</a:t>
+            </a:r>
+          </a:p>
+          <a:p>
+            <a:pPr algn="l">
+              <a:lnSpc>
+                <a:spcPts val="3855"/>
+              </a:lnSpc>
+              <a:spcBef>
+                <a:spcPct val="0"/>
+              </a:spcBef>
+            </a:pPr>
+            <a:r>
+              <a:rPr lang="en-US" sz="2753" spc="-55" dirty="0">
+                <a:solidFill>
+                  <a:srgbClr val="051D40"/>
+                </a:solidFill>
+                <a:latin typeface="Poppins"/>
+              </a:rPr>
+              <a:t>Bio-informatica</a:t>
             </a:r>
           </a:p>
         </p:txBody>
@@ -4312,7 +4550,1946 @@
           </a:p>
         </p:txBody>
       </p:sp>
+      <p:sp>
+        <p:nvSpPr>
+          <p:cNvPr id="26" name="Tijdelijke aanduiding voor dianummer 25">
+            <a:extLst>
+              <a:ext uri="{FF2B5EF4-FFF2-40B4-BE49-F238E27FC236}">
+                <a16:creationId xmlns:a16="http://schemas.microsoft.com/office/drawing/2014/main" id="{492B20C2-90AD-2B61-A4CD-73FC81AFC741}"/>
+              </a:ext>
+            </a:extLst>
+          </p:cNvPr>
+          <p:cNvSpPr>
+            <a:spLocks noGrp="1"/>
+          </p:cNvSpPr>
+          <p:nvPr>
+            <p:ph type="sldNum" sz="quarter" idx="12"/>
+          </p:nvPr>
+        </p:nvSpPr>
+        <p:spPr/>
+        <p:txBody>
+          <a:bodyPr/>
+          <a:lstStyle/>
+          <a:p>
+            <a:fld id="{B6F15528-21DE-4FAA-801E-634DDDAF4B2B}" type="slidenum">
+              <a:rPr lang="en-US" smtClean="0"/>
+              <a:pPr/>
+              <a:t>1</a:t>
+            </a:fld>
+            <a:endParaRPr lang="en-US"/>
+          </a:p>
+        </p:txBody>
+      </p:sp>
     </p:spTree>
+  </p:cSld>
+  <p:clrMapOvr>
+    <a:masterClrMapping/>
+  </p:clrMapOvr>
+</p:sld>
+</file>
+
+<file path=ppt/slides/slide10.xml><?xml version="1.0" encoding="utf-8"?>
+<p:sld xmlns:a="http://schemas.openxmlformats.org/drawingml/2006/main" xmlns:r="http://schemas.openxmlformats.org/officeDocument/2006/relationships" xmlns:p="http://schemas.openxmlformats.org/presentationml/2006/main">
+  <p:cSld>
+    <p:bg>
+      <p:bgPr>
+        <a:solidFill>
+          <a:srgbClr val="FDFDFD"/>
+        </a:solidFill>
+        <a:effectLst/>
+      </p:bgPr>
+    </p:bg>
+    <p:spTree>
+      <p:nvGrpSpPr>
+        <p:cNvPr id="1" name=""/>
+        <p:cNvGrpSpPr/>
+        <p:nvPr/>
+      </p:nvGrpSpPr>
+      <p:grpSpPr>
+        <a:xfrm>
+          <a:off x="0" y="0"/>
+          <a:ext cx="0" cy="0"/>
+          <a:chOff x="0" y="0"/>
+          <a:chExt cx="0" cy="0"/>
+        </a:xfrm>
+      </p:grpSpPr>
+      <p:grpSp>
+        <p:nvGrpSpPr>
+          <p:cNvPr id="2" name="Group 2"/>
+          <p:cNvGrpSpPr/>
+          <p:nvPr/>
+        </p:nvGrpSpPr>
+        <p:grpSpPr>
+          <a:xfrm rot="5491349">
+            <a:off x="15941477" y="-2395089"/>
+            <a:ext cx="4693046" cy="4693046"/>
+            <a:chOff x="0" y="0"/>
+            <a:chExt cx="812800" cy="812800"/>
+          </a:xfrm>
+        </p:grpSpPr>
+        <p:sp>
+          <p:nvSpPr>
+            <p:cNvPr id="3" name="Freeform 3"/>
+            <p:cNvSpPr/>
+            <p:nvPr/>
+          </p:nvSpPr>
+          <p:spPr>
+            <a:xfrm>
+              <a:off x="0" y="0"/>
+              <a:ext cx="812800" cy="812800"/>
+            </a:xfrm>
+            <a:custGeom>
+              <a:avLst/>
+              <a:gdLst/>
+              <a:ahLst/>
+              <a:cxnLst/>
+              <a:rect l="l" t="t" r="r" b="b"/>
+              <a:pathLst>
+                <a:path w="812800" h="812800">
+                  <a:moveTo>
+                    <a:pt x="406400" y="0"/>
+                  </a:moveTo>
+                  <a:cubicBezTo>
+                    <a:pt x="181951" y="0"/>
+                    <a:pt x="0" y="181951"/>
+                    <a:pt x="0" y="406400"/>
+                  </a:cubicBezTo>
+                  <a:cubicBezTo>
+                    <a:pt x="0" y="630849"/>
+                    <a:pt x="181951" y="812800"/>
+                    <a:pt x="406400" y="812800"/>
+                  </a:cubicBezTo>
+                  <a:cubicBezTo>
+                    <a:pt x="630849" y="812800"/>
+                    <a:pt x="812800" y="630849"/>
+                    <a:pt x="812800" y="406400"/>
+                  </a:cubicBezTo>
+                  <a:cubicBezTo>
+                    <a:pt x="812800" y="181951"/>
+                    <a:pt x="630849" y="0"/>
+                    <a:pt x="406400" y="0"/>
+                  </a:cubicBezTo>
+                  <a:close/>
+                </a:path>
+              </a:pathLst>
+            </a:custGeom>
+            <a:solidFill>
+              <a:srgbClr val="000000">
+                <a:alpha val="0"/>
+              </a:srgbClr>
+            </a:solidFill>
+            <a:ln w="952500" cap="sq">
+              <a:solidFill>
+                <a:srgbClr val="C23350"/>
+              </a:solidFill>
+              <a:prstDash val="solid"/>
+              <a:miter/>
+            </a:ln>
+          </p:spPr>
+          <p:txBody>
+            <a:bodyPr/>
+            <a:lstStyle/>
+            <a:p>
+              <a:endParaRPr lang="nl-NL"/>
+            </a:p>
+          </p:txBody>
+        </p:sp>
+        <p:sp>
+          <p:nvSpPr>
+            <p:cNvPr id="4" name="TextBox 4"/>
+            <p:cNvSpPr txBox="1"/>
+            <p:nvPr/>
+          </p:nvSpPr>
+          <p:spPr>
+            <a:xfrm>
+              <a:off x="76200" y="38100"/>
+              <a:ext cx="660400" cy="698500"/>
+            </a:xfrm>
+            <a:prstGeom prst="rect">
+              <a:avLst/>
+            </a:prstGeom>
+          </p:spPr>
+          <p:txBody>
+            <a:bodyPr lIns="50800" tIns="50800" rIns="50800" bIns="50800" rtlCol="0" anchor="ctr"/>
+            <a:lstStyle/>
+            <a:p>
+              <a:pPr algn="ctr">
+                <a:lnSpc>
+                  <a:spcPts val="2659"/>
+                </a:lnSpc>
+                <a:spcBef>
+                  <a:spcPct val="0"/>
+                </a:spcBef>
+              </a:pPr>
+              <a:endParaRPr/>
+            </a:p>
+          </p:txBody>
+        </p:sp>
+      </p:grpSp>
+      <p:grpSp>
+        <p:nvGrpSpPr>
+          <p:cNvPr id="5" name="Group 5"/>
+          <p:cNvGrpSpPr/>
+          <p:nvPr/>
+        </p:nvGrpSpPr>
+        <p:grpSpPr>
+          <a:xfrm>
+            <a:off x="-4419600" y="5448300"/>
+            <a:ext cx="7019697" cy="10556306"/>
+            <a:chOff x="0" y="0"/>
+            <a:chExt cx="660400" cy="993118"/>
+          </a:xfrm>
+        </p:grpSpPr>
+        <p:sp>
+          <p:nvSpPr>
+            <p:cNvPr id="6" name="Freeform 6"/>
+            <p:cNvSpPr/>
+            <p:nvPr/>
+          </p:nvSpPr>
+          <p:spPr>
+            <a:xfrm>
+              <a:off x="0" y="0"/>
+              <a:ext cx="660400" cy="993118"/>
+            </a:xfrm>
+            <a:custGeom>
+              <a:avLst/>
+              <a:gdLst/>
+              <a:ahLst/>
+              <a:cxnLst/>
+              <a:rect l="l" t="t" r="r" b="b"/>
+              <a:pathLst>
+                <a:path w="660400" h="993118">
+                  <a:moveTo>
+                    <a:pt x="220252" y="19070"/>
+                  </a:moveTo>
+                  <a:cubicBezTo>
+                    <a:pt x="254000" y="7556"/>
+                    <a:pt x="292600" y="0"/>
+                    <a:pt x="330378" y="0"/>
+                  </a:cubicBezTo>
+                  <a:cubicBezTo>
+                    <a:pt x="368157" y="0"/>
+                    <a:pt x="404509" y="6476"/>
+                    <a:pt x="438009" y="17990"/>
+                  </a:cubicBezTo>
+                  <a:cubicBezTo>
+                    <a:pt x="438723" y="18350"/>
+                    <a:pt x="439435" y="18350"/>
+                    <a:pt x="440148" y="18710"/>
+                  </a:cubicBezTo>
+                  <a:cubicBezTo>
+                    <a:pt x="565955" y="64765"/>
+                    <a:pt x="658618" y="186379"/>
+                    <a:pt x="660400" y="332507"/>
+                  </a:cubicBezTo>
+                  <a:lnTo>
+                    <a:pt x="660400" y="993118"/>
+                  </a:lnTo>
+                  <a:lnTo>
+                    <a:pt x="0" y="993118"/>
+                  </a:lnTo>
+                  <a:lnTo>
+                    <a:pt x="0" y="332998"/>
+                  </a:lnTo>
+                  <a:cubicBezTo>
+                    <a:pt x="1782" y="185660"/>
+                    <a:pt x="93019" y="64045"/>
+                    <a:pt x="220252" y="19070"/>
+                  </a:cubicBezTo>
+                  <a:close/>
+                </a:path>
+              </a:pathLst>
+            </a:custGeom>
+            <a:solidFill>
+              <a:srgbClr val="C23350"/>
+            </a:solidFill>
+          </p:spPr>
+          <p:txBody>
+            <a:bodyPr/>
+            <a:lstStyle/>
+            <a:p>
+              <a:endParaRPr lang="nl-NL"/>
+            </a:p>
+          </p:txBody>
+        </p:sp>
+        <p:sp>
+          <p:nvSpPr>
+            <p:cNvPr id="7" name="TextBox 7"/>
+            <p:cNvSpPr txBox="1"/>
+            <p:nvPr/>
+          </p:nvSpPr>
+          <p:spPr>
+            <a:xfrm>
+              <a:off x="0" y="88900"/>
+              <a:ext cx="660400" cy="904218"/>
+            </a:xfrm>
+            <a:prstGeom prst="rect">
+              <a:avLst/>
+            </a:prstGeom>
+          </p:spPr>
+          <p:txBody>
+            <a:bodyPr lIns="50800" tIns="50800" rIns="50800" bIns="50800" rtlCol="0" anchor="ctr"/>
+            <a:lstStyle/>
+            <a:p>
+              <a:pPr algn="ctr">
+                <a:lnSpc>
+                  <a:spcPts val="2659"/>
+                </a:lnSpc>
+                <a:spcBef>
+                  <a:spcPct val="0"/>
+                </a:spcBef>
+              </a:pPr>
+              <a:endParaRPr/>
+            </a:p>
+          </p:txBody>
+        </p:sp>
+      </p:grpSp>
+      <p:sp>
+        <p:nvSpPr>
+          <p:cNvPr id="8" name="TextBox 8"/>
+          <p:cNvSpPr txBox="1"/>
+          <p:nvPr/>
+        </p:nvSpPr>
+        <p:spPr>
+          <a:xfrm>
+            <a:off x="3493921" y="2208035"/>
+            <a:ext cx="10117882" cy="3473067"/>
+          </a:xfrm>
+          <a:prstGeom prst="rect">
+            <a:avLst/>
+          </a:prstGeom>
+        </p:spPr>
+        <p:txBody>
+          <a:bodyPr lIns="0" tIns="0" rIns="0" bIns="0" rtlCol="0" anchor="t">
+            <a:spAutoFit/>
+          </a:bodyPr>
+          <a:lstStyle/>
+          <a:p>
+            <a:pPr algn="l">
+              <a:lnSpc>
+                <a:spcPts val="3418"/>
+              </a:lnSpc>
+            </a:pPr>
+            <a:r>
+              <a:rPr lang="en-US" sz="2442" spc="-48" dirty="0">
+                <a:solidFill>
+                  <a:srgbClr val="051D40"/>
+                </a:solidFill>
+                <a:latin typeface="Poppins"/>
+              </a:rPr>
+              <a:t>Om </a:t>
+            </a:r>
+            <a:r>
+              <a:rPr lang="en-US" sz="2442" spc="-48" dirty="0" err="1">
+                <a:solidFill>
+                  <a:srgbClr val="051D40"/>
+                </a:solidFill>
+                <a:latin typeface="Poppins"/>
+              </a:rPr>
+              <a:t>uitbreiding</a:t>
+            </a:r>
+            <a:r>
+              <a:rPr lang="en-US" sz="2442" spc="-48" dirty="0">
+                <a:solidFill>
+                  <a:srgbClr val="051D40"/>
+                </a:solidFill>
+                <a:latin typeface="Poppins"/>
+              </a:rPr>
+              <a:t> </a:t>
+            </a:r>
+            <a:r>
+              <a:rPr lang="en-US" sz="2442" spc="-48" dirty="0" err="1">
+                <a:solidFill>
+                  <a:srgbClr val="051D40"/>
+                </a:solidFill>
+                <a:latin typeface="Poppins"/>
+              </a:rPr>
+              <a:t>en</a:t>
+            </a:r>
+            <a:r>
+              <a:rPr lang="en-US" sz="2442" spc="-48" dirty="0">
+                <a:solidFill>
+                  <a:srgbClr val="051D40"/>
+                </a:solidFill>
+                <a:latin typeface="Poppins"/>
+              </a:rPr>
+              <a:t> </a:t>
+            </a:r>
+            <a:r>
+              <a:rPr lang="en-US" sz="2442" spc="-48" dirty="0" err="1">
+                <a:solidFill>
+                  <a:srgbClr val="051D40"/>
+                </a:solidFill>
+                <a:latin typeface="Poppins"/>
+              </a:rPr>
+              <a:t>onderhoud</a:t>
+            </a:r>
+            <a:r>
+              <a:rPr lang="en-US" sz="2442" spc="-48" dirty="0">
+                <a:solidFill>
+                  <a:srgbClr val="051D40"/>
+                </a:solidFill>
+                <a:latin typeface="Poppins"/>
+              </a:rPr>
+              <a:t> zo </a:t>
+            </a:r>
+            <a:r>
+              <a:rPr lang="en-US" sz="2442" spc="-48" dirty="0" err="1">
+                <a:solidFill>
+                  <a:srgbClr val="051D40"/>
+                </a:solidFill>
+                <a:latin typeface="Poppins"/>
+              </a:rPr>
+              <a:t>eenvoudig</a:t>
+            </a:r>
+            <a:r>
+              <a:rPr lang="en-US" sz="2442" spc="-48" dirty="0">
+                <a:solidFill>
+                  <a:srgbClr val="051D40"/>
+                </a:solidFill>
+                <a:latin typeface="Poppins"/>
+              </a:rPr>
+              <a:t> </a:t>
+            </a:r>
+            <a:r>
+              <a:rPr lang="en-US" sz="2442" spc="-48" dirty="0" err="1">
+                <a:solidFill>
+                  <a:srgbClr val="051D40"/>
+                </a:solidFill>
+                <a:latin typeface="Poppins"/>
+              </a:rPr>
+              <a:t>mogelijk</a:t>
+            </a:r>
+            <a:r>
+              <a:rPr lang="en-US" sz="2442" spc="-48" dirty="0">
+                <a:solidFill>
+                  <a:srgbClr val="051D40"/>
+                </a:solidFill>
+                <a:latin typeface="Poppins"/>
+              </a:rPr>
+              <a:t> </a:t>
+            </a:r>
+            <a:r>
+              <a:rPr lang="en-US" sz="2442" spc="-48" dirty="0" err="1">
+                <a:solidFill>
+                  <a:srgbClr val="051D40"/>
+                </a:solidFill>
+                <a:latin typeface="Poppins"/>
+              </a:rPr>
+              <a:t>te</a:t>
+            </a:r>
+            <a:r>
+              <a:rPr lang="en-US" sz="2442" spc="-48" dirty="0">
+                <a:solidFill>
+                  <a:srgbClr val="051D40"/>
+                </a:solidFill>
+                <a:latin typeface="Poppins"/>
+              </a:rPr>
+              <a:t> </a:t>
+            </a:r>
+            <a:r>
+              <a:rPr lang="en-US" sz="2442" spc="-48" dirty="0" err="1">
+                <a:solidFill>
+                  <a:srgbClr val="051D40"/>
+                </a:solidFill>
+                <a:latin typeface="Poppins"/>
+              </a:rPr>
+              <a:t>maken</a:t>
+            </a:r>
+            <a:r>
+              <a:rPr lang="en-US" sz="2442" spc="-48" dirty="0">
+                <a:solidFill>
+                  <a:srgbClr val="051D40"/>
+                </a:solidFill>
+                <a:latin typeface="Poppins"/>
+              </a:rPr>
+              <a:t>, is er </a:t>
+            </a:r>
+            <a:r>
+              <a:rPr lang="en-US" sz="2442" spc="-48" dirty="0" err="1">
+                <a:solidFill>
+                  <a:srgbClr val="051D40"/>
+                </a:solidFill>
+                <a:latin typeface="Poppins"/>
+              </a:rPr>
+              <a:t>een</a:t>
+            </a:r>
+            <a:r>
+              <a:rPr lang="en-US" sz="2442" spc="-48" dirty="0">
+                <a:solidFill>
+                  <a:srgbClr val="051D40"/>
+                </a:solidFill>
+                <a:latin typeface="Poppins"/>
+              </a:rPr>
+              <a:t> README /</a:t>
+            </a:r>
+            <a:r>
+              <a:rPr lang="en-US" sz="2442" spc="-48" dirty="0" err="1">
+                <a:solidFill>
+                  <a:srgbClr val="051D40"/>
+                </a:solidFill>
+                <a:latin typeface="Poppins"/>
+              </a:rPr>
+              <a:t>wikipagina</a:t>
+            </a:r>
+            <a:r>
+              <a:rPr lang="en-US" sz="2442" spc="-48" dirty="0">
+                <a:solidFill>
+                  <a:srgbClr val="051D40"/>
+                </a:solidFill>
+                <a:latin typeface="Poppins"/>
+              </a:rPr>
+              <a:t> </a:t>
+            </a:r>
+            <a:r>
+              <a:rPr lang="en-US" sz="2442" spc="-48" dirty="0" err="1">
+                <a:solidFill>
+                  <a:srgbClr val="051D40"/>
+                </a:solidFill>
+                <a:latin typeface="Poppins"/>
+              </a:rPr>
+              <a:t>gemaakt</a:t>
+            </a:r>
+            <a:r>
+              <a:rPr lang="en-US" sz="2442" spc="-48" dirty="0">
+                <a:solidFill>
+                  <a:srgbClr val="051D40"/>
+                </a:solidFill>
+                <a:latin typeface="Poppins"/>
+              </a:rPr>
+              <a:t>. Op de </a:t>
+            </a:r>
+            <a:r>
+              <a:rPr lang="en-US" sz="2442" spc="-48" dirty="0" err="1">
+                <a:solidFill>
+                  <a:srgbClr val="051D40"/>
+                </a:solidFill>
+                <a:latin typeface="Poppins"/>
+              </a:rPr>
+              <a:t>pagina</a:t>
+            </a:r>
+            <a:r>
+              <a:rPr lang="en-US" sz="2442" spc="-48" dirty="0">
+                <a:solidFill>
+                  <a:srgbClr val="051D40"/>
+                </a:solidFill>
+                <a:latin typeface="Poppins"/>
+              </a:rPr>
+              <a:t> </a:t>
+            </a:r>
+            <a:r>
+              <a:rPr lang="en-US" sz="2442" spc="-48" dirty="0" err="1">
+                <a:solidFill>
+                  <a:srgbClr val="051D40"/>
+                </a:solidFill>
+                <a:latin typeface="Poppins"/>
+              </a:rPr>
+              <a:t>zijn</a:t>
+            </a:r>
+            <a:r>
+              <a:rPr lang="en-US" sz="2442" spc="-48" dirty="0">
+                <a:solidFill>
+                  <a:srgbClr val="051D40"/>
+                </a:solidFill>
+                <a:latin typeface="Poppins"/>
+              </a:rPr>
+              <a:t> </a:t>
+            </a:r>
+            <a:r>
+              <a:rPr lang="en-US" sz="2442" spc="-48" dirty="0" err="1">
+                <a:solidFill>
+                  <a:srgbClr val="051D40"/>
+                </a:solidFill>
+                <a:latin typeface="Poppins"/>
+              </a:rPr>
+              <a:t>gedetailleerde</a:t>
+            </a:r>
+            <a:r>
+              <a:rPr lang="en-US" sz="2442" spc="-48" dirty="0">
+                <a:solidFill>
+                  <a:srgbClr val="051D40"/>
+                </a:solidFill>
+                <a:latin typeface="Poppins"/>
+              </a:rPr>
+              <a:t> </a:t>
+            </a:r>
+            <a:r>
+              <a:rPr lang="en-US" sz="2442" spc="-48" dirty="0" err="1">
+                <a:solidFill>
+                  <a:srgbClr val="051D40"/>
+                </a:solidFill>
+                <a:latin typeface="Poppins"/>
+              </a:rPr>
+              <a:t>uitwerkingen</a:t>
+            </a:r>
+            <a:r>
+              <a:rPr lang="en-US" sz="2442" spc="-48" dirty="0">
+                <a:solidFill>
+                  <a:srgbClr val="051D40"/>
+                </a:solidFill>
+                <a:latin typeface="Poppins"/>
+              </a:rPr>
+              <a:t> </a:t>
+            </a:r>
+            <a:r>
+              <a:rPr lang="en-US" sz="2442" spc="-48" dirty="0" err="1">
+                <a:solidFill>
+                  <a:srgbClr val="051D40"/>
+                </a:solidFill>
+                <a:latin typeface="Poppins"/>
+              </a:rPr>
+              <a:t>te</a:t>
+            </a:r>
+            <a:r>
+              <a:rPr lang="en-US" sz="2442" spc="-48" dirty="0">
+                <a:solidFill>
+                  <a:srgbClr val="051D40"/>
+                </a:solidFill>
+                <a:latin typeface="Poppins"/>
+              </a:rPr>
+              <a:t> </a:t>
+            </a:r>
+            <a:r>
+              <a:rPr lang="en-US" sz="2442" spc="-48" dirty="0" err="1">
+                <a:solidFill>
+                  <a:srgbClr val="051D40"/>
+                </a:solidFill>
+                <a:latin typeface="Poppins"/>
+              </a:rPr>
+              <a:t>vinden</a:t>
+            </a:r>
+            <a:r>
+              <a:rPr lang="en-US" sz="2442" spc="-48" dirty="0">
+                <a:solidFill>
+                  <a:srgbClr val="051D40"/>
+                </a:solidFill>
+                <a:latin typeface="Poppins"/>
+              </a:rPr>
+              <a:t> van het project</a:t>
+            </a:r>
+          </a:p>
+          <a:p>
+            <a:pPr algn="l">
+              <a:lnSpc>
+                <a:spcPts val="3418"/>
+              </a:lnSpc>
+            </a:pPr>
+            <a:endParaRPr lang="en-US" sz="2442" spc="-48" dirty="0">
+              <a:solidFill>
+                <a:srgbClr val="051D40"/>
+              </a:solidFill>
+              <a:latin typeface="Poppins"/>
+            </a:endParaRPr>
+          </a:p>
+          <a:p>
+            <a:pPr algn="l">
+              <a:lnSpc>
+                <a:spcPts val="3418"/>
+              </a:lnSpc>
+            </a:pPr>
+            <a:r>
+              <a:rPr lang="en-US" sz="2442" spc="-48" dirty="0">
+                <a:solidFill>
+                  <a:srgbClr val="051D40"/>
+                </a:solidFill>
+                <a:latin typeface="Poppins"/>
+              </a:rPr>
+              <a:t>Ook </a:t>
+            </a:r>
+            <a:r>
+              <a:rPr lang="en-US" sz="2442" spc="-48" dirty="0" err="1">
+                <a:solidFill>
+                  <a:srgbClr val="051D40"/>
+                </a:solidFill>
+                <a:latin typeface="Poppins"/>
+              </a:rPr>
+              <a:t>worden</a:t>
+            </a:r>
+            <a:r>
+              <a:rPr lang="en-US" sz="2442" spc="-48" dirty="0">
+                <a:solidFill>
+                  <a:srgbClr val="051D40"/>
+                </a:solidFill>
+                <a:latin typeface="Poppins"/>
+              </a:rPr>
+              <a:t> er </a:t>
+            </a:r>
+            <a:r>
+              <a:rPr lang="en-US" sz="2442" spc="-48" dirty="0" err="1">
+                <a:solidFill>
+                  <a:srgbClr val="051D40"/>
+                </a:solidFill>
+                <a:latin typeface="Poppins"/>
+              </a:rPr>
+              <a:t>voorbeelden</a:t>
+            </a:r>
+            <a:r>
+              <a:rPr lang="en-US" sz="2442" spc="-48" dirty="0">
+                <a:solidFill>
+                  <a:srgbClr val="051D40"/>
+                </a:solidFill>
+                <a:latin typeface="Poppins"/>
+              </a:rPr>
+              <a:t> </a:t>
+            </a:r>
+            <a:r>
+              <a:rPr lang="en-US" sz="2442" spc="-48" dirty="0" err="1">
+                <a:solidFill>
+                  <a:srgbClr val="051D40"/>
+                </a:solidFill>
+                <a:latin typeface="Poppins"/>
+              </a:rPr>
+              <a:t>gegeven</a:t>
+            </a:r>
+            <a:r>
+              <a:rPr lang="en-US" sz="2442" spc="-48" dirty="0">
+                <a:solidFill>
+                  <a:srgbClr val="051D40"/>
+                </a:solidFill>
+                <a:latin typeface="Poppins"/>
+              </a:rPr>
+              <a:t> op de </a:t>
+            </a:r>
+            <a:r>
+              <a:rPr lang="en-US" sz="2442" spc="-48" dirty="0" err="1">
+                <a:solidFill>
+                  <a:srgbClr val="051D40"/>
+                </a:solidFill>
+                <a:latin typeface="Poppins"/>
+              </a:rPr>
+              <a:t>pagina</a:t>
+            </a:r>
+            <a:r>
+              <a:rPr lang="en-US" sz="2442" spc="-48" dirty="0">
+                <a:solidFill>
+                  <a:srgbClr val="051D40"/>
+                </a:solidFill>
+                <a:latin typeface="Poppins"/>
+              </a:rPr>
+              <a:t>.</a:t>
+            </a:r>
+          </a:p>
+          <a:p>
+            <a:pPr algn="l">
+              <a:lnSpc>
+                <a:spcPts val="3418"/>
+              </a:lnSpc>
+            </a:pPr>
+            <a:endParaRPr lang="en-US" sz="2442" spc="-48" dirty="0">
+              <a:solidFill>
+                <a:srgbClr val="051D40"/>
+              </a:solidFill>
+              <a:latin typeface="Poppins"/>
+            </a:endParaRPr>
+          </a:p>
+          <a:p>
+            <a:pPr algn="l">
+              <a:lnSpc>
+                <a:spcPts val="3418"/>
+              </a:lnSpc>
+              <a:spcBef>
+                <a:spcPct val="0"/>
+              </a:spcBef>
+            </a:pPr>
+            <a:r>
+              <a:rPr lang="en-US" sz="2442" spc="-48" dirty="0" err="1">
+                <a:solidFill>
+                  <a:srgbClr val="051D40"/>
+                </a:solidFill>
+                <a:latin typeface="Poppins"/>
+              </a:rPr>
+              <a:t>Verder</a:t>
+            </a:r>
+            <a:r>
+              <a:rPr lang="en-US" sz="2442" spc="-48" dirty="0">
+                <a:solidFill>
+                  <a:srgbClr val="051D40"/>
+                </a:solidFill>
+                <a:latin typeface="Poppins"/>
+              </a:rPr>
+              <a:t> </a:t>
+            </a:r>
+            <a:r>
+              <a:rPr lang="en-US" sz="2442" spc="-48" dirty="0" err="1">
+                <a:solidFill>
+                  <a:srgbClr val="051D40"/>
+                </a:solidFill>
+                <a:latin typeface="Poppins"/>
+              </a:rPr>
+              <a:t>bevat</a:t>
+            </a:r>
+            <a:r>
+              <a:rPr lang="en-US" sz="2442" spc="-48" dirty="0">
+                <a:solidFill>
+                  <a:srgbClr val="051D40"/>
+                </a:solidFill>
+                <a:latin typeface="Poppins"/>
+              </a:rPr>
+              <a:t> de code (</a:t>
+            </a:r>
+            <a:r>
+              <a:rPr lang="en-US" sz="2442" spc="-48" dirty="0" err="1">
+                <a:solidFill>
+                  <a:srgbClr val="051D40"/>
+                </a:solidFill>
+                <a:latin typeface="Poppins"/>
+              </a:rPr>
+              <a:t>uiteraard</a:t>
+            </a:r>
+            <a:r>
+              <a:rPr lang="en-US" sz="2442" spc="-48" dirty="0">
+                <a:solidFill>
+                  <a:srgbClr val="051D40"/>
+                </a:solidFill>
+                <a:latin typeface="Poppins"/>
+              </a:rPr>
+              <a:t>) </a:t>
+            </a:r>
+            <a:r>
+              <a:rPr lang="en-US" sz="2442" spc="-48" dirty="0" err="1">
+                <a:solidFill>
+                  <a:srgbClr val="051D40"/>
+                </a:solidFill>
+                <a:latin typeface="Poppins"/>
+              </a:rPr>
+              <a:t>commentaar</a:t>
+            </a:r>
+            <a:r>
+              <a:rPr lang="en-US" sz="2442" spc="-48" dirty="0">
+                <a:solidFill>
+                  <a:srgbClr val="051D40"/>
+                </a:solidFill>
+                <a:latin typeface="Poppins"/>
+              </a:rPr>
+              <a:t> </a:t>
+            </a:r>
+            <a:r>
+              <a:rPr lang="en-US" sz="2442" spc="-48" dirty="0" err="1">
+                <a:solidFill>
+                  <a:srgbClr val="051D40"/>
+                </a:solidFill>
+                <a:latin typeface="Poppins"/>
+              </a:rPr>
+              <a:t>waarin</a:t>
+            </a:r>
+            <a:r>
+              <a:rPr lang="en-US" sz="2442" spc="-48" dirty="0">
+                <a:solidFill>
+                  <a:srgbClr val="051D40"/>
+                </a:solidFill>
+                <a:latin typeface="Poppins"/>
+              </a:rPr>
+              <a:t> de classes </a:t>
+            </a:r>
+            <a:r>
+              <a:rPr lang="en-US" sz="2442" spc="-48" dirty="0" err="1">
+                <a:solidFill>
+                  <a:srgbClr val="051D40"/>
+                </a:solidFill>
+                <a:latin typeface="Poppins"/>
+              </a:rPr>
+              <a:t>en</a:t>
+            </a:r>
+            <a:r>
+              <a:rPr lang="en-US" sz="2442" spc="-48" dirty="0">
+                <a:solidFill>
+                  <a:srgbClr val="051D40"/>
+                </a:solidFill>
+                <a:latin typeface="Poppins"/>
+              </a:rPr>
+              <a:t> </a:t>
+            </a:r>
+            <a:r>
+              <a:rPr lang="en-US" sz="2442" spc="-48" dirty="0" err="1">
+                <a:solidFill>
+                  <a:srgbClr val="051D40"/>
+                </a:solidFill>
+                <a:latin typeface="Poppins"/>
+              </a:rPr>
+              <a:t>methodes</a:t>
+            </a:r>
+            <a:r>
+              <a:rPr lang="en-US" sz="2442" spc="-48" dirty="0">
+                <a:solidFill>
+                  <a:srgbClr val="051D40"/>
+                </a:solidFill>
+                <a:latin typeface="Poppins"/>
+              </a:rPr>
+              <a:t> </a:t>
+            </a:r>
+            <a:r>
+              <a:rPr lang="en-US" sz="2442" spc="-48" dirty="0" err="1">
+                <a:solidFill>
+                  <a:srgbClr val="051D40"/>
+                </a:solidFill>
+                <a:latin typeface="Poppins"/>
+              </a:rPr>
+              <a:t>worden</a:t>
+            </a:r>
+            <a:r>
+              <a:rPr lang="en-US" sz="2442" spc="-48" dirty="0">
+                <a:solidFill>
+                  <a:srgbClr val="051D40"/>
+                </a:solidFill>
+                <a:latin typeface="Poppins"/>
+              </a:rPr>
+              <a:t> </a:t>
+            </a:r>
+            <a:r>
+              <a:rPr lang="en-US" sz="2442" spc="-48" dirty="0" err="1">
+                <a:solidFill>
+                  <a:srgbClr val="051D40"/>
+                </a:solidFill>
+                <a:latin typeface="Poppins"/>
+              </a:rPr>
+              <a:t>uitgelegd</a:t>
+            </a:r>
+            <a:r>
+              <a:rPr lang="en-US" sz="2442" spc="-48" dirty="0">
+                <a:solidFill>
+                  <a:srgbClr val="051D40"/>
+                </a:solidFill>
+                <a:latin typeface="Poppins"/>
+              </a:rPr>
+              <a:t>.</a:t>
+            </a:r>
+          </a:p>
+        </p:txBody>
+      </p:sp>
+      <p:sp>
+        <p:nvSpPr>
+          <p:cNvPr id="9" name="TextBox 9"/>
+          <p:cNvSpPr txBox="1"/>
+          <p:nvPr/>
+        </p:nvSpPr>
+        <p:spPr>
+          <a:xfrm>
+            <a:off x="3493921" y="1193600"/>
+            <a:ext cx="9765822" cy="926224"/>
+          </a:xfrm>
+          <a:prstGeom prst="rect">
+            <a:avLst/>
+          </a:prstGeom>
+        </p:spPr>
+        <p:txBody>
+          <a:bodyPr lIns="0" tIns="0" rIns="0" bIns="0" rtlCol="0" anchor="t">
+            <a:spAutoFit/>
+          </a:bodyPr>
+          <a:lstStyle/>
+          <a:p>
+            <a:pPr algn="l">
+              <a:lnSpc>
+                <a:spcPts val="7575"/>
+              </a:lnSpc>
+              <a:spcBef>
+                <a:spcPct val="0"/>
+              </a:spcBef>
+            </a:pPr>
+            <a:r>
+              <a:rPr lang="en-US" sz="5410">
+                <a:solidFill>
+                  <a:srgbClr val="051D40"/>
+                </a:solidFill>
+                <a:latin typeface="Open Sans Extra Bold"/>
+              </a:rPr>
+              <a:t>Onderhoud en uitbreiding</a:t>
+            </a:r>
+          </a:p>
+        </p:txBody>
+      </p:sp>
+      <p:sp>
+        <p:nvSpPr>
+          <p:cNvPr id="10" name="TextBox 10"/>
+          <p:cNvSpPr txBox="1"/>
+          <p:nvPr/>
+        </p:nvSpPr>
+        <p:spPr>
+          <a:xfrm>
+            <a:off x="3493921" y="8118845"/>
+            <a:ext cx="10117882" cy="442797"/>
+          </a:xfrm>
+          <a:prstGeom prst="rect">
+            <a:avLst/>
+          </a:prstGeom>
+        </p:spPr>
+        <p:txBody>
+          <a:bodyPr lIns="0" tIns="0" rIns="0" bIns="0" rtlCol="0" anchor="t">
+            <a:spAutoFit/>
+          </a:bodyPr>
+          <a:lstStyle/>
+          <a:p>
+            <a:pPr marL="0" lvl="0" indent="0" algn="l">
+              <a:lnSpc>
+                <a:spcPts val="3418"/>
+              </a:lnSpc>
+              <a:spcBef>
+                <a:spcPct val="0"/>
+              </a:spcBef>
+            </a:pPr>
+            <a:r>
+              <a:rPr lang="en-US" sz="2442" u="sng" spc="-48" dirty="0">
+                <a:solidFill>
+                  <a:srgbClr val="051D40"/>
+                </a:solidFill>
+                <a:latin typeface="Poppins"/>
+                <a:hlinkClick r:id="rId2" tooltip="https://github.com/MarkStreek/QuintorCatalogBackEnd/wiki"/>
+              </a:rPr>
+              <a:t>Link naar de page</a:t>
+            </a:r>
+          </a:p>
+        </p:txBody>
+      </p:sp>
+      <p:sp>
+        <p:nvSpPr>
+          <p:cNvPr id="11" name="TextBox 11"/>
+          <p:cNvSpPr txBox="1"/>
+          <p:nvPr/>
+        </p:nvSpPr>
+        <p:spPr>
+          <a:xfrm>
+            <a:off x="3493921" y="7523715"/>
+            <a:ext cx="4477872" cy="510990"/>
+          </a:xfrm>
+          <a:prstGeom prst="rect">
+            <a:avLst/>
+          </a:prstGeom>
+        </p:spPr>
+        <p:txBody>
+          <a:bodyPr lIns="0" tIns="0" rIns="0" bIns="0" rtlCol="0" anchor="t">
+            <a:spAutoFit/>
+          </a:bodyPr>
+          <a:lstStyle/>
+          <a:p>
+            <a:pPr algn="l">
+              <a:lnSpc>
+                <a:spcPts val="4185"/>
+              </a:lnSpc>
+              <a:spcBef>
+                <a:spcPct val="0"/>
+              </a:spcBef>
+            </a:pPr>
+            <a:r>
+              <a:rPr lang="en-US" sz="2989" dirty="0" err="1">
+                <a:solidFill>
+                  <a:srgbClr val="051D40"/>
+                </a:solidFill>
+                <a:latin typeface="Open Sans Extra Bold"/>
+              </a:rPr>
+              <a:t>Github</a:t>
+            </a:r>
+            <a:r>
+              <a:rPr lang="en-US" sz="2989" dirty="0">
+                <a:solidFill>
+                  <a:srgbClr val="051D40"/>
+                </a:solidFill>
+                <a:latin typeface="Open Sans Extra Bold"/>
+              </a:rPr>
+              <a:t> Wiki Page</a:t>
+            </a:r>
+          </a:p>
+        </p:txBody>
+      </p:sp>
+      <p:sp>
+        <p:nvSpPr>
+          <p:cNvPr id="16" name="Tijdelijke aanduiding voor dianummer 15">
+            <a:extLst>
+              <a:ext uri="{FF2B5EF4-FFF2-40B4-BE49-F238E27FC236}">
+                <a16:creationId xmlns:a16="http://schemas.microsoft.com/office/drawing/2014/main" id="{2487D202-E204-D90C-46BC-EB9FF3DAD135}"/>
+              </a:ext>
+            </a:extLst>
+          </p:cNvPr>
+          <p:cNvSpPr>
+            <a:spLocks noGrp="1"/>
+          </p:cNvSpPr>
+          <p:nvPr>
+            <p:ph type="sldNum" sz="quarter" idx="12"/>
+          </p:nvPr>
+        </p:nvSpPr>
+        <p:spPr/>
+        <p:txBody>
+          <a:bodyPr/>
+          <a:lstStyle/>
+          <a:p>
+            <a:fld id="{B6F15528-21DE-4FAA-801E-634DDDAF4B2B}" type="slidenum">
+              <a:rPr lang="en-US" smtClean="0"/>
+              <a:pPr/>
+              <a:t>10</a:t>
+            </a:fld>
+            <a:endParaRPr lang="en-US"/>
+          </a:p>
+        </p:txBody>
+      </p:sp>
+    </p:spTree>
+  </p:cSld>
+  <p:clrMapOvr>
+    <a:masterClrMapping/>
+  </p:clrMapOvr>
+</p:sld>
+</file>
+
+<file path=ppt/slides/slide11.xml><?xml version="1.0" encoding="utf-8"?>
+<p:sld xmlns:a="http://schemas.openxmlformats.org/drawingml/2006/main" xmlns:r="http://schemas.openxmlformats.org/officeDocument/2006/relationships" xmlns:p="http://schemas.openxmlformats.org/presentationml/2006/main">
+  <p:cSld>
+    <p:spTree>
+      <p:nvGrpSpPr>
+        <p:cNvPr id="1" name=""/>
+        <p:cNvGrpSpPr/>
+        <p:nvPr/>
+      </p:nvGrpSpPr>
+      <p:grpSpPr>
+        <a:xfrm>
+          <a:off x="0" y="0"/>
+          <a:ext cx="0" cy="0"/>
+          <a:chOff x="0" y="0"/>
+          <a:chExt cx="0" cy="0"/>
+        </a:xfrm>
+      </p:grpSpPr>
+      <p:grpSp>
+        <p:nvGrpSpPr>
+          <p:cNvPr id="2" name="Group 2"/>
+          <p:cNvGrpSpPr/>
+          <p:nvPr/>
+        </p:nvGrpSpPr>
+        <p:grpSpPr>
+          <a:xfrm>
+            <a:off x="7308308" y="5729833"/>
+            <a:ext cx="14099416" cy="14099416"/>
+            <a:chOff x="0" y="0"/>
+            <a:chExt cx="812800" cy="812800"/>
+          </a:xfrm>
+        </p:grpSpPr>
+        <p:sp>
+          <p:nvSpPr>
+            <p:cNvPr id="3" name="Freeform 3"/>
+            <p:cNvSpPr/>
+            <p:nvPr/>
+          </p:nvSpPr>
+          <p:spPr>
+            <a:xfrm>
+              <a:off x="0" y="0"/>
+              <a:ext cx="812800" cy="812800"/>
+            </a:xfrm>
+            <a:custGeom>
+              <a:avLst/>
+              <a:gdLst/>
+              <a:ahLst/>
+              <a:cxnLst/>
+              <a:rect l="l" t="t" r="r" b="b"/>
+              <a:pathLst>
+                <a:path w="812800" h="812800">
+                  <a:moveTo>
+                    <a:pt x="406400" y="0"/>
+                  </a:moveTo>
+                  <a:cubicBezTo>
+                    <a:pt x="181951" y="0"/>
+                    <a:pt x="0" y="181951"/>
+                    <a:pt x="0" y="406400"/>
+                  </a:cubicBezTo>
+                  <a:cubicBezTo>
+                    <a:pt x="0" y="630849"/>
+                    <a:pt x="181951" y="812800"/>
+                    <a:pt x="406400" y="812800"/>
+                  </a:cubicBezTo>
+                  <a:cubicBezTo>
+                    <a:pt x="630849" y="812800"/>
+                    <a:pt x="812800" y="630849"/>
+                    <a:pt x="812800" y="406400"/>
+                  </a:cubicBezTo>
+                  <a:cubicBezTo>
+                    <a:pt x="812800" y="181951"/>
+                    <a:pt x="630849" y="0"/>
+                    <a:pt x="406400" y="0"/>
+                  </a:cubicBezTo>
+                  <a:close/>
+                </a:path>
+              </a:pathLst>
+            </a:custGeom>
+            <a:solidFill>
+              <a:srgbClr val="C23350"/>
+            </a:solidFill>
+          </p:spPr>
+          <p:txBody>
+            <a:bodyPr/>
+            <a:lstStyle/>
+            <a:p>
+              <a:endParaRPr lang="nl-NL"/>
+            </a:p>
+          </p:txBody>
+        </p:sp>
+        <p:sp>
+          <p:nvSpPr>
+            <p:cNvPr id="4" name="TextBox 4"/>
+            <p:cNvSpPr txBox="1"/>
+            <p:nvPr/>
+          </p:nvSpPr>
+          <p:spPr>
+            <a:xfrm>
+              <a:off x="76200" y="38100"/>
+              <a:ext cx="660400" cy="698500"/>
+            </a:xfrm>
+            <a:prstGeom prst="rect">
+              <a:avLst/>
+            </a:prstGeom>
+          </p:spPr>
+          <p:txBody>
+            <a:bodyPr lIns="50800" tIns="50800" rIns="50800" bIns="50800" rtlCol="0" anchor="ctr"/>
+            <a:lstStyle/>
+            <a:p>
+              <a:pPr algn="ctr">
+                <a:lnSpc>
+                  <a:spcPts val="2659"/>
+                </a:lnSpc>
+                <a:spcBef>
+                  <a:spcPct val="0"/>
+                </a:spcBef>
+              </a:pPr>
+              <a:endParaRPr/>
+            </a:p>
+          </p:txBody>
+        </p:sp>
+      </p:grpSp>
+      <p:sp>
+        <p:nvSpPr>
+          <p:cNvPr id="5" name="TextBox 5"/>
+          <p:cNvSpPr txBox="1"/>
+          <p:nvPr/>
+        </p:nvSpPr>
+        <p:spPr>
+          <a:xfrm>
+            <a:off x="1391331" y="2050065"/>
+            <a:ext cx="8397599" cy="2337183"/>
+          </a:xfrm>
+          <a:prstGeom prst="rect">
+            <a:avLst/>
+          </a:prstGeom>
+        </p:spPr>
+        <p:txBody>
+          <a:bodyPr lIns="0" tIns="0" rIns="0" bIns="0" rtlCol="0" anchor="t">
+            <a:spAutoFit/>
+          </a:bodyPr>
+          <a:lstStyle/>
+          <a:p>
+            <a:pPr algn="l">
+              <a:lnSpc>
+                <a:spcPts val="9464"/>
+              </a:lnSpc>
+              <a:spcBef>
+                <a:spcPct val="0"/>
+              </a:spcBef>
+            </a:pPr>
+            <a:r>
+              <a:rPr lang="en-US" sz="6760" dirty="0">
+                <a:solidFill>
+                  <a:srgbClr val="051D40"/>
+                </a:solidFill>
+                <a:latin typeface="Open Sans Extra Bold"/>
+              </a:rPr>
+              <a:t>Quintor Hardware </a:t>
+            </a:r>
+            <a:r>
+              <a:rPr lang="en-US" sz="6760" dirty="0" err="1">
+                <a:solidFill>
+                  <a:srgbClr val="051D40"/>
+                </a:solidFill>
+                <a:latin typeface="Open Sans Extra Bold"/>
+              </a:rPr>
+              <a:t>Catalogus</a:t>
+            </a:r>
+            <a:r>
+              <a:rPr lang="en-US" sz="6760" dirty="0">
+                <a:solidFill>
+                  <a:srgbClr val="051D40"/>
+                </a:solidFill>
+                <a:latin typeface="Open Sans Extra Bold"/>
+              </a:rPr>
+              <a:t> - DEMO</a:t>
+            </a:r>
+          </a:p>
+        </p:txBody>
+      </p:sp>
+      <p:grpSp>
+        <p:nvGrpSpPr>
+          <p:cNvPr id="6" name="Group 6"/>
+          <p:cNvGrpSpPr/>
+          <p:nvPr/>
+        </p:nvGrpSpPr>
+        <p:grpSpPr>
+          <a:xfrm>
+            <a:off x="-2499727" y="8160806"/>
+            <a:ext cx="3735531" cy="3735531"/>
+            <a:chOff x="0" y="0"/>
+            <a:chExt cx="812800" cy="812800"/>
+          </a:xfrm>
+        </p:grpSpPr>
+        <p:sp>
+          <p:nvSpPr>
+            <p:cNvPr id="7" name="Freeform 7"/>
+            <p:cNvSpPr/>
+            <p:nvPr/>
+          </p:nvSpPr>
+          <p:spPr>
+            <a:xfrm>
+              <a:off x="0" y="0"/>
+              <a:ext cx="812800" cy="812800"/>
+            </a:xfrm>
+            <a:custGeom>
+              <a:avLst/>
+              <a:gdLst/>
+              <a:ahLst/>
+              <a:cxnLst/>
+              <a:rect l="l" t="t" r="r" b="b"/>
+              <a:pathLst>
+                <a:path w="812800" h="812800">
+                  <a:moveTo>
+                    <a:pt x="406400" y="0"/>
+                  </a:moveTo>
+                  <a:cubicBezTo>
+                    <a:pt x="181951" y="0"/>
+                    <a:pt x="0" y="181951"/>
+                    <a:pt x="0" y="406400"/>
+                  </a:cubicBezTo>
+                  <a:cubicBezTo>
+                    <a:pt x="0" y="630849"/>
+                    <a:pt x="181951" y="812800"/>
+                    <a:pt x="406400" y="812800"/>
+                  </a:cubicBezTo>
+                  <a:cubicBezTo>
+                    <a:pt x="630849" y="812800"/>
+                    <a:pt x="812800" y="630849"/>
+                    <a:pt x="812800" y="406400"/>
+                  </a:cubicBezTo>
+                  <a:cubicBezTo>
+                    <a:pt x="812800" y="181951"/>
+                    <a:pt x="630849" y="0"/>
+                    <a:pt x="406400" y="0"/>
+                  </a:cubicBezTo>
+                  <a:close/>
+                </a:path>
+              </a:pathLst>
+            </a:custGeom>
+            <a:solidFill>
+              <a:srgbClr val="000000">
+                <a:alpha val="0"/>
+              </a:srgbClr>
+            </a:solidFill>
+            <a:ln w="952500" cap="sq">
+              <a:solidFill>
+                <a:srgbClr val="C23350"/>
+              </a:solidFill>
+              <a:prstDash val="solid"/>
+              <a:miter/>
+            </a:ln>
+          </p:spPr>
+          <p:txBody>
+            <a:bodyPr/>
+            <a:lstStyle/>
+            <a:p>
+              <a:endParaRPr lang="nl-NL"/>
+            </a:p>
+          </p:txBody>
+        </p:sp>
+        <p:sp>
+          <p:nvSpPr>
+            <p:cNvPr id="8" name="TextBox 8"/>
+            <p:cNvSpPr txBox="1"/>
+            <p:nvPr/>
+          </p:nvSpPr>
+          <p:spPr>
+            <a:xfrm>
+              <a:off x="76200" y="38100"/>
+              <a:ext cx="660400" cy="698500"/>
+            </a:xfrm>
+            <a:prstGeom prst="rect">
+              <a:avLst/>
+            </a:prstGeom>
+          </p:spPr>
+          <p:txBody>
+            <a:bodyPr lIns="50800" tIns="50800" rIns="50800" bIns="50800" rtlCol="0" anchor="ctr"/>
+            <a:lstStyle/>
+            <a:p>
+              <a:pPr algn="ctr">
+                <a:lnSpc>
+                  <a:spcPts val="2659"/>
+                </a:lnSpc>
+                <a:spcBef>
+                  <a:spcPct val="0"/>
+                </a:spcBef>
+              </a:pPr>
+              <a:endParaRPr/>
+            </a:p>
+          </p:txBody>
+        </p:sp>
+      </p:grpSp>
+      <p:sp>
+        <p:nvSpPr>
+          <p:cNvPr id="9" name="Freeform 9"/>
+          <p:cNvSpPr/>
+          <p:nvPr/>
+        </p:nvSpPr>
+        <p:spPr>
+          <a:xfrm>
+            <a:off x="8757394" y="7522582"/>
+            <a:ext cx="8779632" cy="1733977"/>
+          </a:xfrm>
+          <a:custGeom>
+            <a:avLst/>
+            <a:gdLst/>
+            <a:ahLst/>
+            <a:cxnLst/>
+            <a:rect l="l" t="t" r="r" b="b"/>
+            <a:pathLst>
+              <a:path w="8779632" h="1733977">
+                <a:moveTo>
+                  <a:pt x="0" y="0"/>
+                </a:moveTo>
+                <a:lnTo>
+                  <a:pt x="8779632" y="0"/>
+                </a:lnTo>
+                <a:lnTo>
+                  <a:pt x="8779632" y="1733977"/>
+                </a:lnTo>
+                <a:lnTo>
+                  <a:pt x="0" y="1733977"/>
+                </a:lnTo>
+                <a:lnTo>
+                  <a:pt x="0" y="0"/>
+                </a:lnTo>
+                <a:close/>
+              </a:path>
+            </a:pathLst>
+          </a:custGeom>
+          <a:blipFill>
+            <a:blip r:embed="rId2"/>
+            <a:stretch>
+              <a:fillRect/>
+            </a:stretch>
+          </a:blipFill>
+        </p:spPr>
+        <p:txBody>
+          <a:bodyPr/>
+          <a:lstStyle/>
+          <a:p>
+            <a:endParaRPr lang="nl-NL"/>
+          </a:p>
+        </p:txBody>
+      </p:sp>
+      <p:sp>
+        <p:nvSpPr>
+          <p:cNvPr id="10" name="TextBox 10"/>
+          <p:cNvSpPr txBox="1"/>
+          <p:nvPr/>
+        </p:nvSpPr>
+        <p:spPr>
+          <a:xfrm>
+            <a:off x="1235804" y="5840286"/>
+            <a:ext cx="7366063" cy="501556"/>
+          </a:xfrm>
+          <a:prstGeom prst="rect">
+            <a:avLst/>
+          </a:prstGeom>
+        </p:spPr>
+        <p:txBody>
+          <a:bodyPr lIns="0" tIns="0" rIns="0" bIns="0" rtlCol="0" anchor="t">
+            <a:spAutoFit/>
+          </a:bodyPr>
+          <a:lstStyle/>
+          <a:p>
+            <a:pPr algn="l">
+              <a:lnSpc>
+                <a:spcPts val="3855"/>
+              </a:lnSpc>
+              <a:spcBef>
+                <a:spcPct val="0"/>
+              </a:spcBef>
+            </a:pPr>
+            <a:r>
+              <a:rPr lang="en-US" sz="2753" spc="-55">
+                <a:solidFill>
+                  <a:srgbClr val="051D40"/>
+                </a:solidFill>
+                <a:latin typeface="Poppins"/>
+              </a:rPr>
+              <a:t>Sibren Reekers &amp; Mark van de Streek</a:t>
+            </a:r>
+          </a:p>
+        </p:txBody>
+      </p:sp>
+      <p:grpSp>
+        <p:nvGrpSpPr>
+          <p:cNvPr id="11" name="Group 11"/>
+          <p:cNvGrpSpPr>
+            <a:grpSpLocks noChangeAspect="1"/>
+          </p:cNvGrpSpPr>
+          <p:nvPr/>
+        </p:nvGrpSpPr>
+        <p:grpSpPr>
+          <a:xfrm>
+            <a:off x="9274166" y="3708525"/>
+            <a:ext cx="8456948" cy="4850803"/>
+            <a:chOff x="0" y="0"/>
+            <a:chExt cx="7981950" cy="4578350"/>
+          </a:xfrm>
+        </p:grpSpPr>
+        <p:sp>
+          <p:nvSpPr>
+            <p:cNvPr id="12" name="Freeform 12"/>
+            <p:cNvSpPr/>
+            <p:nvPr/>
+          </p:nvSpPr>
+          <p:spPr>
+            <a:xfrm>
+              <a:off x="765810" y="21590"/>
+              <a:ext cx="6451600" cy="4326890"/>
+            </a:xfrm>
+            <a:custGeom>
+              <a:avLst/>
+              <a:gdLst/>
+              <a:ahLst/>
+              <a:cxnLst/>
+              <a:rect l="l" t="t" r="r" b="b"/>
+              <a:pathLst>
+                <a:path w="6451600" h="4326890">
+                  <a:moveTo>
+                    <a:pt x="6224270" y="0"/>
+                  </a:moveTo>
+                  <a:lnTo>
+                    <a:pt x="226060" y="0"/>
+                  </a:lnTo>
+                  <a:cubicBezTo>
+                    <a:pt x="101600" y="0"/>
+                    <a:pt x="0" y="101600"/>
+                    <a:pt x="0" y="226060"/>
+                  </a:cubicBezTo>
+                  <a:lnTo>
+                    <a:pt x="0" y="4326890"/>
+                  </a:lnTo>
+                  <a:lnTo>
+                    <a:pt x="6451601" y="4326890"/>
+                  </a:lnTo>
+                  <a:lnTo>
+                    <a:pt x="6451601" y="226060"/>
+                  </a:lnTo>
+                  <a:cubicBezTo>
+                    <a:pt x="6450331" y="101600"/>
+                    <a:pt x="6348731" y="0"/>
+                    <a:pt x="6224270" y="0"/>
+                  </a:cubicBezTo>
+                  <a:close/>
+                  <a:moveTo>
+                    <a:pt x="6252210" y="4043680"/>
+                  </a:moveTo>
+                  <a:lnTo>
+                    <a:pt x="196851" y="4043680"/>
+                  </a:lnTo>
+                  <a:lnTo>
+                    <a:pt x="196851" y="255270"/>
+                  </a:lnTo>
+                  <a:lnTo>
+                    <a:pt x="6252210" y="255270"/>
+                  </a:lnTo>
+                  <a:lnTo>
+                    <a:pt x="6252210" y="4043680"/>
+                  </a:lnTo>
+                  <a:close/>
+                </a:path>
+              </a:pathLst>
+            </a:custGeom>
+            <a:solidFill>
+              <a:srgbClr val="242424"/>
+            </a:solidFill>
+          </p:spPr>
+          <p:txBody>
+            <a:bodyPr/>
+            <a:lstStyle/>
+            <a:p>
+              <a:endParaRPr lang="nl-NL"/>
+            </a:p>
+          </p:txBody>
+        </p:sp>
+        <p:sp>
+          <p:nvSpPr>
+            <p:cNvPr id="13" name="Freeform 13"/>
+            <p:cNvSpPr/>
+            <p:nvPr/>
+          </p:nvSpPr>
+          <p:spPr>
+            <a:xfrm>
+              <a:off x="0" y="0"/>
+              <a:ext cx="7981950" cy="4542790"/>
+            </a:xfrm>
+            <a:custGeom>
+              <a:avLst/>
+              <a:gdLst/>
+              <a:ahLst/>
+              <a:cxnLst/>
+              <a:rect l="l" t="t" r="r" b="b"/>
+              <a:pathLst>
+                <a:path w="7981950" h="4542790">
+                  <a:moveTo>
+                    <a:pt x="7239000" y="4348480"/>
+                  </a:moveTo>
+                  <a:lnTo>
+                    <a:pt x="7239000" y="243840"/>
+                  </a:lnTo>
+                  <a:cubicBezTo>
+                    <a:pt x="7239000" y="109220"/>
+                    <a:pt x="7129780" y="0"/>
+                    <a:pt x="6995160" y="0"/>
+                  </a:cubicBezTo>
+                  <a:lnTo>
+                    <a:pt x="985520" y="0"/>
+                  </a:lnTo>
+                  <a:cubicBezTo>
+                    <a:pt x="852170" y="0"/>
+                    <a:pt x="742950" y="109220"/>
+                    <a:pt x="742950" y="243840"/>
+                  </a:cubicBezTo>
+                  <a:lnTo>
+                    <a:pt x="742950" y="4349750"/>
+                  </a:lnTo>
+                  <a:lnTo>
+                    <a:pt x="0" y="4349750"/>
+                  </a:lnTo>
+                  <a:lnTo>
+                    <a:pt x="0" y="4447540"/>
+                  </a:lnTo>
+                  <a:cubicBezTo>
+                    <a:pt x="0" y="4500880"/>
+                    <a:pt x="43180" y="4542790"/>
+                    <a:pt x="95250" y="4542790"/>
+                  </a:cubicBezTo>
+                  <a:lnTo>
+                    <a:pt x="7886700" y="4542790"/>
+                  </a:lnTo>
+                  <a:cubicBezTo>
+                    <a:pt x="7940040" y="4542790"/>
+                    <a:pt x="7981950" y="4499610"/>
+                    <a:pt x="7981950" y="4447540"/>
+                  </a:cubicBezTo>
+                  <a:lnTo>
+                    <a:pt x="7981950" y="4349750"/>
+                  </a:lnTo>
+                  <a:lnTo>
+                    <a:pt x="7239000" y="4349750"/>
+                  </a:lnTo>
+                  <a:close/>
+                  <a:moveTo>
+                    <a:pt x="4519930" y="4348480"/>
+                  </a:moveTo>
+                  <a:lnTo>
+                    <a:pt x="4519930" y="4349750"/>
+                  </a:lnTo>
+                  <a:cubicBezTo>
+                    <a:pt x="4519930" y="4403090"/>
+                    <a:pt x="4476750" y="4445000"/>
+                    <a:pt x="4424680" y="4445000"/>
+                  </a:cubicBezTo>
+                  <a:lnTo>
+                    <a:pt x="3557270" y="4445000"/>
+                  </a:lnTo>
+                  <a:cubicBezTo>
+                    <a:pt x="3503930" y="4445000"/>
+                    <a:pt x="3462020" y="4401820"/>
+                    <a:pt x="3462020" y="4349750"/>
+                  </a:cubicBezTo>
+                  <a:lnTo>
+                    <a:pt x="3462020" y="4348480"/>
+                  </a:lnTo>
+                  <a:lnTo>
+                    <a:pt x="765810" y="4348480"/>
+                  </a:lnTo>
+                  <a:lnTo>
+                    <a:pt x="765810" y="247650"/>
+                  </a:lnTo>
+                  <a:cubicBezTo>
+                    <a:pt x="765810" y="123190"/>
+                    <a:pt x="867410" y="21590"/>
+                    <a:pt x="991870" y="21590"/>
+                  </a:cubicBezTo>
+                  <a:lnTo>
+                    <a:pt x="6990080" y="21590"/>
+                  </a:lnTo>
+                  <a:cubicBezTo>
+                    <a:pt x="7114539" y="21590"/>
+                    <a:pt x="7216139" y="123190"/>
+                    <a:pt x="7216139" y="247650"/>
+                  </a:cubicBezTo>
+                  <a:lnTo>
+                    <a:pt x="7216139" y="4348480"/>
+                  </a:lnTo>
+                  <a:lnTo>
+                    <a:pt x="4519930" y="4348480"/>
+                  </a:lnTo>
+                  <a:close/>
+                </a:path>
+              </a:pathLst>
+            </a:custGeom>
+            <a:solidFill>
+              <a:srgbClr val="E9E9E9"/>
+            </a:solidFill>
+          </p:spPr>
+          <p:txBody>
+            <a:bodyPr/>
+            <a:lstStyle/>
+            <a:p>
+              <a:endParaRPr lang="nl-NL"/>
+            </a:p>
+          </p:txBody>
+        </p:sp>
+        <p:sp>
+          <p:nvSpPr>
+            <p:cNvPr id="14" name="Freeform 14"/>
+            <p:cNvSpPr/>
+            <p:nvPr/>
+          </p:nvSpPr>
+          <p:spPr>
+            <a:xfrm>
+              <a:off x="3460750" y="4349750"/>
+              <a:ext cx="1059180" cy="96520"/>
+            </a:xfrm>
+            <a:custGeom>
+              <a:avLst/>
+              <a:gdLst/>
+              <a:ahLst/>
+              <a:cxnLst/>
+              <a:rect l="l" t="t" r="r" b="b"/>
+              <a:pathLst>
+                <a:path w="1059180" h="96520">
+                  <a:moveTo>
+                    <a:pt x="96520" y="96520"/>
+                  </a:moveTo>
+                  <a:lnTo>
+                    <a:pt x="963930" y="96520"/>
+                  </a:lnTo>
+                  <a:cubicBezTo>
+                    <a:pt x="1017270" y="96520"/>
+                    <a:pt x="1059180" y="53340"/>
+                    <a:pt x="1059180" y="1270"/>
+                  </a:cubicBezTo>
+                  <a:lnTo>
+                    <a:pt x="1059180" y="0"/>
+                  </a:lnTo>
+                  <a:lnTo>
+                    <a:pt x="0" y="0"/>
+                  </a:lnTo>
+                  <a:lnTo>
+                    <a:pt x="0" y="1270"/>
+                  </a:lnTo>
+                  <a:cubicBezTo>
+                    <a:pt x="0" y="53340"/>
+                    <a:pt x="43180" y="96520"/>
+                    <a:pt x="96520" y="96520"/>
+                  </a:cubicBezTo>
+                  <a:close/>
+                </a:path>
+              </a:pathLst>
+            </a:custGeom>
+            <a:solidFill>
+              <a:srgbClr val="CCCCCC"/>
+            </a:solidFill>
+          </p:spPr>
+          <p:txBody>
+            <a:bodyPr/>
+            <a:lstStyle/>
+            <a:p>
+              <a:endParaRPr lang="nl-NL"/>
+            </a:p>
+          </p:txBody>
+        </p:sp>
+        <p:sp>
+          <p:nvSpPr>
+            <p:cNvPr id="15" name="Freeform 15"/>
+            <p:cNvSpPr/>
+            <p:nvPr/>
+          </p:nvSpPr>
+          <p:spPr>
+            <a:xfrm>
+              <a:off x="163830" y="4542790"/>
+              <a:ext cx="7654290" cy="35560"/>
+            </a:xfrm>
+            <a:custGeom>
+              <a:avLst/>
+              <a:gdLst/>
+              <a:ahLst/>
+              <a:cxnLst/>
+              <a:rect l="l" t="t" r="r" b="b"/>
+              <a:pathLst>
+                <a:path w="7654290" h="35560">
+                  <a:moveTo>
+                    <a:pt x="0" y="0"/>
+                  </a:moveTo>
+                  <a:cubicBezTo>
+                    <a:pt x="0" y="20320"/>
+                    <a:pt x="16510" y="35560"/>
+                    <a:pt x="35560" y="35560"/>
+                  </a:cubicBezTo>
+                  <a:lnTo>
+                    <a:pt x="7618730" y="35560"/>
+                  </a:lnTo>
+                  <a:cubicBezTo>
+                    <a:pt x="7639050" y="35560"/>
+                    <a:pt x="7654290" y="19050"/>
+                    <a:pt x="7654290" y="0"/>
+                  </a:cubicBezTo>
+                  <a:lnTo>
+                    <a:pt x="0" y="0"/>
+                  </a:lnTo>
+                  <a:close/>
+                </a:path>
+              </a:pathLst>
+            </a:custGeom>
+            <a:solidFill>
+              <a:srgbClr val="CCCCCC"/>
+            </a:solidFill>
+          </p:spPr>
+          <p:txBody>
+            <a:bodyPr/>
+            <a:lstStyle/>
+            <a:p>
+              <a:endParaRPr lang="nl-NL"/>
+            </a:p>
+          </p:txBody>
+        </p:sp>
+        <p:sp>
+          <p:nvSpPr>
+            <p:cNvPr id="16" name="Freeform 16"/>
+            <p:cNvSpPr/>
+            <p:nvPr/>
+          </p:nvSpPr>
+          <p:spPr>
+            <a:xfrm>
+              <a:off x="962660" y="276860"/>
+              <a:ext cx="6055360" cy="3789680"/>
+            </a:xfrm>
+            <a:custGeom>
+              <a:avLst/>
+              <a:gdLst/>
+              <a:ahLst/>
+              <a:cxnLst/>
+              <a:rect l="l" t="t" r="r" b="b"/>
+              <a:pathLst>
+                <a:path w="6055360" h="3789680">
+                  <a:moveTo>
+                    <a:pt x="0" y="0"/>
+                  </a:moveTo>
+                  <a:lnTo>
+                    <a:pt x="6055360" y="0"/>
+                  </a:lnTo>
+                  <a:lnTo>
+                    <a:pt x="6055360" y="3789680"/>
+                  </a:lnTo>
+                  <a:lnTo>
+                    <a:pt x="0" y="3789680"/>
+                  </a:lnTo>
+                  <a:close/>
+                </a:path>
+              </a:pathLst>
+            </a:custGeom>
+            <a:blipFill>
+              <a:blip r:embed="rId3"/>
+              <a:stretch>
+                <a:fillRect l="-5322" t="-6825" r="-5582" b="-12067"/>
+              </a:stretch>
+            </a:blipFill>
+          </p:spPr>
+          <p:txBody>
+            <a:bodyPr/>
+            <a:lstStyle/>
+            <a:p>
+              <a:endParaRPr lang="nl-NL"/>
+            </a:p>
+          </p:txBody>
+        </p:sp>
+      </p:grpSp>
+      <p:sp>
+        <p:nvSpPr>
+          <p:cNvPr id="17" name="Freeform 17"/>
+          <p:cNvSpPr/>
+          <p:nvPr/>
+        </p:nvSpPr>
+        <p:spPr>
+          <a:xfrm>
+            <a:off x="1391331" y="1085552"/>
+            <a:ext cx="2846869" cy="932381"/>
+          </a:xfrm>
+          <a:custGeom>
+            <a:avLst/>
+            <a:gdLst/>
+            <a:ahLst/>
+            <a:cxnLst/>
+            <a:rect l="l" t="t" r="r" b="b"/>
+            <a:pathLst>
+              <a:path w="2846869" h="932381">
+                <a:moveTo>
+                  <a:pt x="0" y="0"/>
+                </a:moveTo>
+                <a:lnTo>
+                  <a:pt x="2846870" y="0"/>
+                </a:lnTo>
+                <a:lnTo>
+                  <a:pt x="2846870" y="932381"/>
+                </a:lnTo>
+                <a:lnTo>
+                  <a:pt x="0" y="932381"/>
+                </a:lnTo>
+                <a:lnTo>
+                  <a:pt x="0" y="0"/>
+                </a:lnTo>
+                <a:close/>
+              </a:path>
+            </a:pathLst>
+          </a:custGeom>
+          <a:blipFill>
+            <a:blip r:embed="rId4"/>
+            <a:stretch>
+              <a:fillRect/>
+            </a:stretch>
+          </a:blipFill>
+        </p:spPr>
+        <p:txBody>
+          <a:bodyPr/>
+          <a:lstStyle/>
+          <a:p>
+            <a:endParaRPr lang="nl-NL"/>
+          </a:p>
+        </p:txBody>
+      </p:sp>
+      <p:sp>
+        <p:nvSpPr>
+          <p:cNvPr id="22" name="Tijdelijke aanduiding voor dianummer 21">
+            <a:extLst>
+              <a:ext uri="{FF2B5EF4-FFF2-40B4-BE49-F238E27FC236}">
+                <a16:creationId xmlns:a16="http://schemas.microsoft.com/office/drawing/2014/main" id="{2042C923-97B4-A140-5139-0559068C178D}"/>
+              </a:ext>
+            </a:extLst>
+          </p:cNvPr>
+          <p:cNvSpPr>
+            <a:spLocks noGrp="1"/>
+          </p:cNvSpPr>
+          <p:nvPr>
+            <p:ph type="sldNum" sz="quarter" idx="12"/>
+          </p:nvPr>
+        </p:nvSpPr>
+        <p:spPr/>
+        <p:txBody>
+          <a:bodyPr/>
+          <a:lstStyle/>
+          <a:p>
+            <a:fld id="{B6F15528-21DE-4FAA-801E-634DDDAF4B2B}" type="slidenum">
+              <a:rPr lang="en-US" smtClean="0"/>
+              <a:pPr/>
+              <a:t>11</a:t>
+            </a:fld>
+            <a:endParaRPr lang="en-US"/>
+          </a:p>
+        </p:txBody>
+      </p:sp>
+    </p:spTree>
+    <p:extLst>
+      <p:ext uri="{BB962C8B-B14F-4D97-AF65-F5344CB8AC3E}">
+        <p14:creationId xmlns:p14="http://schemas.microsoft.com/office/powerpoint/2010/main" val="2898473325"/>
+      </p:ext>
+    </p:extLst>
   </p:cSld>
   <p:clrMapOvr>
     <a:masterClrMapping/>
@@ -4706,7 +6883,7 @@
         <p:spPr>
           <a:xfrm>
             <a:off x="8483149" y="3397227"/>
-            <a:ext cx="660851" cy="518066"/>
+            <a:ext cx="660851" cy="494494"/>
           </a:xfrm>
           <a:prstGeom prst="rect">
             <a:avLst/>
@@ -4727,13 +6904,13 @@
               </a:spcBef>
             </a:pPr>
             <a:r>
-              <a:rPr lang="en-US" sz="2853" spc="-57">
-                <a:solidFill>
-                  <a:srgbClr val="051D40"/>
-                </a:solidFill>
-                <a:latin typeface="Poppins"/>
-              </a:rPr>
-              <a:t>01</a:t>
+              <a:rPr lang="en-US" sz="2853" spc="-57" dirty="0">
+                <a:solidFill>
+                  <a:srgbClr val="051D40"/>
+                </a:solidFill>
+                <a:latin typeface="Poppins"/>
+              </a:rPr>
+              <a:t>03</a:t>
             </a:r>
           </a:p>
         </p:txBody>
@@ -4847,7 +7024,7 @@
         <p:spPr>
           <a:xfrm>
             <a:off x="8483149" y="4022734"/>
-            <a:ext cx="660851" cy="518066"/>
+            <a:ext cx="660851" cy="494494"/>
           </a:xfrm>
           <a:prstGeom prst="rect">
             <a:avLst/>
@@ -4868,13 +7045,13 @@
               </a:spcBef>
             </a:pPr>
             <a:r>
-              <a:rPr lang="en-US" sz="2853" spc="-57">
-                <a:solidFill>
-                  <a:srgbClr val="051D40"/>
-                </a:solidFill>
-                <a:latin typeface="Poppins"/>
-              </a:rPr>
-              <a:t>02</a:t>
+              <a:rPr lang="en-US" sz="2853" spc="-57" dirty="0">
+                <a:solidFill>
+                  <a:srgbClr val="051D40"/>
+                </a:solidFill>
+                <a:latin typeface="Poppins"/>
+              </a:rPr>
+              <a:t>04</a:t>
             </a:r>
           </a:p>
         </p:txBody>
@@ -4988,7 +7165,7 @@
         <p:spPr>
           <a:xfrm>
             <a:off x="8483149" y="4686071"/>
-            <a:ext cx="660851" cy="518066"/>
+            <a:ext cx="660851" cy="494494"/>
           </a:xfrm>
           <a:prstGeom prst="rect">
             <a:avLst/>
@@ -5009,13 +7186,13 @@
               </a:spcBef>
             </a:pPr>
             <a:r>
-              <a:rPr lang="en-US" sz="2853" spc="-57">
-                <a:solidFill>
-                  <a:srgbClr val="051D40"/>
-                </a:solidFill>
-                <a:latin typeface="Poppins"/>
-              </a:rPr>
-              <a:t>03</a:t>
+              <a:rPr lang="en-US" sz="2853" spc="-57" dirty="0">
+                <a:solidFill>
+                  <a:srgbClr val="051D40"/>
+                </a:solidFill>
+                <a:latin typeface="Poppins"/>
+              </a:rPr>
+              <a:t>07</a:t>
             </a:r>
           </a:p>
         </p:txBody>
@@ -5129,7 +7306,7 @@
         <p:spPr>
           <a:xfrm>
             <a:off x="8483149" y="5387508"/>
-            <a:ext cx="660851" cy="518066"/>
+            <a:ext cx="660851" cy="494494"/>
           </a:xfrm>
           <a:prstGeom prst="rect">
             <a:avLst/>
@@ -5150,13 +7327,13 @@
               </a:spcBef>
             </a:pPr>
             <a:r>
-              <a:rPr lang="en-US" sz="2853" spc="-57">
-                <a:solidFill>
-                  <a:srgbClr val="051D40"/>
-                </a:solidFill>
-                <a:latin typeface="Poppins"/>
-              </a:rPr>
-              <a:t>04</a:t>
+              <a:rPr lang="en-US" sz="2853" spc="-57" dirty="0">
+                <a:solidFill>
+                  <a:srgbClr val="051D40"/>
+                </a:solidFill>
+                <a:latin typeface="Poppins"/>
+              </a:rPr>
+              <a:t>09</a:t>
             </a:r>
           </a:p>
         </p:txBody>
@@ -5351,8 +7528,197 @@
                 </a:solidFill>
                 <a:latin typeface="Poppins"/>
               </a:rPr>
-              <a:t>05</a:t>
-            </a:r>
+              <a:t>10</a:t>
+            </a:r>
+          </a:p>
+        </p:txBody>
+      </p:sp>
+      <p:sp>
+        <p:nvSpPr>
+          <p:cNvPr id="23" name="Freeform 18">
+            <a:extLst>
+              <a:ext uri="{FF2B5EF4-FFF2-40B4-BE49-F238E27FC236}">
+                <a16:creationId xmlns:a16="http://schemas.microsoft.com/office/drawing/2014/main" id="{639523B5-DFBD-D8E2-8195-21BE16C52D94}"/>
+              </a:ext>
+            </a:extLst>
+          </p:cNvPr>
+          <p:cNvSpPr/>
+          <p:nvPr/>
+        </p:nvSpPr>
+        <p:spPr>
+          <a:xfrm rot="5400000">
+            <a:off x="2922519" y="6871161"/>
+            <a:ext cx="510937" cy="453341"/>
+          </a:xfrm>
+          <a:custGeom>
+            <a:avLst/>
+            <a:gdLst/>
+            <a:ahLst/>
+            <a:cxnLst/>
+            <a:rect l="l" t="t" r="r" b="b"/>
+            <a:pathLst>
+              <a:path w="510937" h="453341">
+                <a:moveTo>
+                  <a:pt x="0" y="0"/>
+                </a:moveTo>
+                <a:lnTo>
+                  <a:pt x="510937" y="0"/>
+                </a:lnTo>
+                <a:lnTo>
+                  <a:pt x="510937" y="453341"/>
+                </a:lnTo>
+                <a:lnTo>
+                  <a:pt x="0" y="453341"/>
+                </a:lnTo>
+                <a:lnTo>
+                  <a:pt x="0" y="0"/>
+                </a:lnTo>
+                <a:close/>
+              </a:path>
+            </a:pathLst>
+          </a:custGeom>
+          <a:blipFill>
+            <a:blip r:embed="rId2">
+              <a:extLst>
+                <a:ext uri="{96DAC541-7B7A-43D3-8B79-37D633B846F1}">
+                  <asvg:svgBlip xmlns:asvg="http://schemas.microsoft.com/office/drawing/2016/SVG/main" r:embed="rId3"/>
+                </a:ext>
+              </a:extLst>
+            </a:blip>
+            <a:stretch>
+              <a:fillRect/>
+            </a:stretch>
+          </a:blipFill>
+        </p:spPr>
+        <p:txBody>
+          <a:bodyPr/>
+          <a:lstStyle/>
+          <a:p>
+            <a:endParaRPr lang="nl-NL"/>
+          </a:p>
+        </p:txBody>
+      </p:sp>
+      <p:sp>
+        <p:nvSpPr>
+          <p:cNvPr id="27" name="TextBox 19">
+            <a:extLst>
+              <a:ext uri="{FF2B5EF4-FFF2-40B4-BE49-F238E27FC236}">
+                <a16:creationId xmlns:a16="http://schemas.microsoft.com/office/drawing/2014/main" id="{1001897E-0B27-81CA-4B25-297285255E3D}"/>
+              </a:ext>
+            </a:extLst>
+          </p:cNvPr>
+          <p:cNvSpPr txBox="1"/>
+          <p:nvPr/>
+        </p:nvSpPr>
+        <p:spPr>
+          <a:xfrm>
+            <a:off x="3673244" y="6795936"/>
+            <a:ext cx="4642640" cy="494494"/>
+          </a:xfrm>
+          <a:prstGeom prst="rect">
+            <a:avLst/>
+          </a:prstGeom>
+        </p:spPr>
+        <p:txBody>
+          <a:bodyPr wrap="square" lIns="0" tIns="0" rIns="0" bIns="0" rtlCol="0" anchor="t">
+            <a:spAutoFit/>
+          </a:bodyPr>
+          <a:lstStyle/>
+          <a:p>
+            <a:pPr algn="l">
+              <a:lnSpc>
+                <a:spcPts val="3995"/>
+              </a:lnSpc>
+              <a:spcBef>
+                <a:spcPct val="0"/>
+              </a:spcBef>
+            </a:pPr>
+            <a:r>
+              <a:rPr lang="nl-NL" sz="2853" spc="-57" dirty="0">
+                <a:solidFill>
+                  <a:srgbClr val="051D40"/>
+                </a:solidFill>
+                <a:latin typeface="Poppins"/>
+              </a:rPr>
+              <a:t>Einde + demo</a:t>
+            </a:r>
+          </a:p>
+        </p:txBody>
+      </p:sp>
+      <p:sp>
+        <p:nvSpPr>
+          <p:cNvPr id="28" name="TextBox 20">
+            <a:extLst>
+              <a:ext uri="{FF2B5EF4-FFF2-40B4-BE49-F238E27FC236}">
+                <a16:creationId xmlns:a16="http://schemas.microsoft.com/office/drawing/2014/main" id="{7EE6FEF9-FD24-EDCC-1842-72DC67C3B7DF}"/>
+              </a:ext>
+            </a:extLst>
+          </p:cNvPr>
+          <p:cNvSpPr txBox="1"/>
+          <p:nvPr/>
+        </p:nvSpPr>
+        <p:spPr>
+          <a:xfrm>
+            <a:off x="8493233" y="6795936"/>
+            <a:ext cx="660851" cy="494494"/>
+          </a:xfrm>
+          <a:prstGeom prst="rect">
+            <a:avLst/>
+          </a:prstGeom>
+        </p:spPr>
+        <p:txBody>
+          <a:bodyPr lIns="0" tIns="0" rIns="0" bIns="0" rtlCol="0" anchor="t">
+            <a:spAutoFit/>
+          </a:bodyPr>
+          <a:lstStyle/>
+          <a:p>
+            <a:pPr algn="r">
+              <a:lnSpc>
+                <a:spcPts val="3995"/>
+              </a:lnSpc>
+              <a:spcBef>
+                <a:spcPct val="0"/>
+              </a:spcBef>
+            </a:pPr>
+            <a:r>
+              <a:rPr lang="en-US" sz="2853" spc="-57" dirty="0">
+                <a:solidFill>
+                  <a:srgbClr val="051D40"/>
+                </a:solidFill>
+                <a:latin typeface="Poppins"/>
+              </a:rPr>
+              <a:t>11</a:t>
+            </a:r>
+          </a:p>
+        </p:txBody>
+      </p:sp>
+      <p:sp>
+        <p:nvSpPr>
+          <p:cNvPr id="31" name="Tijdelijke aanduiding voor dianummer 30">
+            <a:extLst>
+              <a:ext uri="{FF2B5EF4-FFF2-40B4-BE49-F238E27FC236}">
+                <a16:creationId xmlns:a16="http://schemas.microsoft.com/office/drawing/2014/main" id="{52551120-7C50-372E-7D45-0F3A95A2616C}"/>
+              </a:ext>
+            </a:extLst>
+          </p:cNvPr>
+          <p:cNvSpPr>
+            <a:spLocks noGrp="1"/>
+          </p:cNvSpPr>
+          <p:nvPr>
+            <p:ph type="sldNum" sz="quarter" idx="12"/>
+          </p:nvPr>
+        </p:nvSpPr>
+        <p:spPr/>
+        <p:txBody>
+          <a:bodyPr/>
+          <a:lstStyle/>
+          <a:p>
+            <a:fld id="{B6F15528-21DE-4FAA-801E-634DDDAF4B2B}" type="slidenum">
+              <a:rPr lang="en-US" smtClean="0"/>
+              <a:pPr/>
+              <a:t>2</a:t>
+            </a:fld>
+            <a:endParaRPr lang="en-US"/>
           </a:p>
         </p:txBody>
       </p:sp>
@@ -5886,6 +8252,36 @@
           </a:prstGeom>
         </p:spPr>
       </p:pic>
+      <p:sp>
+        <p:nvSpPr>
+          <p:cNvPr id="16" name="Tijdelijke aanduiding voor dianummer 15">
+            <a:extLst>
+              <a:ext uri="{FF2B5EF4-FFF2-40B4-BE49-F238E27FC236}">
+                <a16:creationId xmlns:a16="http://schemas.microsoft.com/office/drawing/2014/main" id="{2FA2C8C9-69BF-66D5-6F50-38DC4D5D228B}"/>
+              </a:ext>
+            </a:extLst>
+          </p:cNvPr>
+          <p:cNvSpPr>
+            <a:spLocks noGrp="1"/>
+          </p:cNvSpPr>
+          <p:nvPr>
+            <p:ph type="sldNum" sz="quarter" idx="12"/>
+          </p:nvPr>
+        </p:nvSpPr>
+        <p:spPr/>
+        <p:txBody>
+          <a:bodyPr/>
+          <a:lstStyle/>
+          <a:p>
+            <a:fld id="{B6F15528-21DE-4FAA-801E-634DDDAF4B2B}" type="slidenum">
+              <a:rPr lang="en-US" smtClean="0"/>
+              <a:pPr/>
+              <a:t>3</a:t>
+            </a:fld>
+            <a:endParaRPr lang="en-US"/>
+          </a:p>
+        </p:txBody>
+      </p:sp>
     </p:spTree>
   </p:cSld>
   <p:clrMapOvr>
@@ -6159,7 +8555,7 @@
         <p:spPr>
           <a:xfrm>
             <a:off x="3493921" y="2785680"/>
-            <a:ext cx="10117882" cy="4720020"/>
+            <a:ext cx="10117882" cy="6525184"/>
           </a:xfrm>
           <a:prstGeom prst="rect">
             <a:avLst/>
@@ -6747,6 +9143,150 @@
               </a:rPr>
               <a:t>maken</a:t>
             </a:r>
+            <a:endParaRPr lang="en-US" sz="2442" u="none" strike="noStrike" spc="-48" dirty="0">
+              <a:solidFill>
+                <a:srgbClr val="051D40"/>
+              </a:solidFill>
+              <a:latin typeface="Poppins"/>
+            </a:endParaRPr>
+          </a:p>
+          <a:p>
+            <a:pPr marL="527237" lvl="1" indent="-263619" algn="l">
+              <a:lnSpc>
+                <a:spcPts val="3418"/>
+              </a:lnSpc>
+              <a:spcBef>
+                <a:spcPct val="0"/>
+              </a:spcBef>
+              <a:buFont typeface="Arial"/>
+              <a:buChar char="•"/>
+            </a:pPr>
+            <a:r>
+              <a:rPr lang="en-US" sz="2442" spc="-48" dirty="0" err="1">
+                <a:solidFill>
+                  <a:srgbClr val="051D40"/>
+                </a:solidFill>
+                <a:latin typeface="Poppins"/>
+              </a:rPr>
+              <a:t>Authenticatielaag</a:t>
+            </a:r>
+            <a:endParaRPr lang="en-US" sz="2442" u="none" strike="noStrike" spc="-48" dirty="0">
+              <a:solidFill>
+                <a:srgbClr val="051D40"/>
+              </a:solidFill>
+              <a:latin typeface="Poppins"/>
+            </a:endParaRPr>
+          </a:p>
+          <a:p>
+            <a:pPr marL="1054475" lvl="2" indent="-351492" algn="l">
+              <a:lnSpc>
+                <a:spcPts val="3418"/>
+              </a:lnSpc>
+              <a:spcBef>
+                <a:spcPct val="0"/>
+              </a:spcBef>
+              <a:buFont typeface="Arial"/>
+              <a:buChar char="⚬"/>
+            </a:pPr>
+            <a:r>
+              <a:rPr lang="en-US" sz="2442" spc="-48" dirty="0" err="1">
+                <a:solidFill>
+                  <a:srgbClr val="051D40"/>
+                </a:solidFill>
+                <a:latin typeface="Poppins"/>
+              </a:rPr>
+              <a:t>Systeembeheerder</a:t>
+            </a:r>
+            <a:r>
+              <a:rPr lang="en-US" sz="2442" spc="-48" dirty="0">
+                <a:solidFill>
+                  <a:srgbClr val="051D40"/>
+                </a:solidFill>
+                <a:latin typeface="Poppins"/>
+              </a:rPr>
+              <a:t> </a:t>
+            </a:r>
+            <a:r>
+              <a:rPr lang="en-US" sz="2442" spc="-48" dirty="0" err="1">
+                <a:solidFill>
+                  <a:srgbClr val="051D40"/>
+                </a:solidFill>
+                <a:latin typeface="Poppins"/>
+              </a:rPr>
+              <a:t>en</a:t>
+            </a:r>
+            <a:r>
+              <a:rPr lang="en-US" sz="2442" spc="-48" dirty="0">
+                <a:solidFill>
+                  <a:srgbClr val="051D40"/>
+                </a:solidFill>
+                <a:latin typeface="Poppins"/>
+              </a:rPr>
+              <a:t> CFO </a:t>
+            </a:r>
+            <a:r>
+              <a:rPr lang="en-US" sz="2442" spc="-48" dirty="0" err="1">
+                <a:solidFill>
+                  <a:srgbClr val="051D40"/>
+                </a:solidFill>
+                <a:latin typeface="Poppins"/>
+              </a:rPr>
+              <a:t>rollen</a:t>
+            </a:r>
+            <a:endParaRPr lang="en-US" sz="2442" u="none" strike="noStrike" spc="-48" dirty="0">
+              <a:solidFill>
+                <a:srgbClr val="051D40"/>
+              </a:solidFill>
+              <a:latin typeface="Poppins"/>
+            </a:endParaRPr>
+          </a:p>
+          <a:p>
+            <a:pPr marL="1054475" lvl="2" indent="-351492" algn="l">
+              <a:lnSpc>
+                <a:spcPts val="3418"/>
+              </a:lnSpc>
+              <a:spcBef>
+                <a:spcPct val="0"/>
+              </a:spcBef>
+              <a:buFont typeface="Arial"/>
+              <a:buChar char="⚬"/>
+            </a:pPr>
+            <a:r>
+              <a:rPr lang="en-US" sz="2442" spc="-48" dirty="0">
+                <a:solidFill>
+                  <a:srgbClr val="051D40"/>
+                </a:solidFill>
+                <a:latin typeface="Poppins"/>
+              </a:rPr>
+              <a:t>Login </a:t>
+            </a:r>
+            <a:r>
+              <a:rPr lang="en-US" sz="2442" spc="-48" dirty="0" err="1">
+                <a:solidFill>
+                  <a:srgbClr val="051D40"/>
+                </a:solidFill>
+                <a:latin typeface="Poppins"/>
+              </a:rPr>
+              <a:t>systeem</a:t>
+            </a:r>
+            <a:endParaRPr lang="en-US" sz="2442" spc="-48" dirty="0">
+              <a:solidFill>
+                <a:srgbClr val="051D40"/>
+              </a:solidFill>
+              <a:latin typeface="Poppins"/>
+            </a:endParaRPr>
+          </a:p>
+          <a:p>
+            <a:pPr marL="1063718" lvl="2" indent="-342900">
+              <a:lnSpc>
+                <a:spcPts val="3418"/>
+              </a:lnSpc>
+              <a:spcBef>
+                <a:spcPct val="0"/>
+              </a:spcBef>
+              <a:buFont typeface="Courier New" panose="02070309020205020404" pitchFamily="49" charset="0"/>
+              <a:buChar char="o"/>
+            </a:pPr>
             <a:endParaRPr lang="en-US" sz="2442" u="none" strike="noStrike" spc="-48" dirty="0">
               <a:solidFill>
                 <a:srgbClr val="051D40"/>
@@ -6812,6 +9352,36 @@
               </a:rPr>
               <a:t>Oplossing</a:t>
             </a:r>
+          </a:p>
+        </p:txBody>
+      </p:sp>
+      <p:sp>
+        <p:nvSpPr>
+          <p:cNvPr id="14" name="Tijdelijke aanduiding voor dianummer 13">
+            <a:extLst>
+              <a:ext uri="{FF2B5EF4-FFF2-40B4-BE49-F238E27FC236}">
+                <a16:creationId xmlns:a16="http://schemas.microsoft.com/office/drawing/2014/main" id="{63831E41-B3FA-7C4D-DE4C-2E7D75964CED}"/>
+              </a:ext>
+            </a:extLst>
+          </p:cNvPr>
+          <p:cNvSpPr>
+            <a:spLocks noGrp="1"/>
+          </p:cNvSpPr>
+          <p:nvPr>
+            <p:ph type="sldNum" sz="quarter" idx="12"/>
+          </p:nvPr>
+        </p:nvSpPr>
+        <p:spPr/>
+        <p:txBody>
+          <a:bodyPr/>
+          <a:lstStyle/>
+          <a:p>
+            <a:fld id="{B6F15528-21DE-4FAA-801E-634DDDAF4B2B}" type="slidenum">
+              <a:rPr lang="en-US" smtClean="0"/>
+              <a:pPr/>
+              <a:t>4</a:t>
+            </a:fld>
+            <a:endParaRPr lang="en-US"/>
           </a:p>
         </p:txBody>
       </p:sp>
@@ -7180,6 +9750,36 @@
           </a:prstGeom>
         </p:spPr>
       </p:pic>
+      <p:sp>
+        <p:nvSpPr>
+          <p:cNvPr id="14" name="Tijdelijke aanduiding voor dianummer 13">
+            <a:extLst>
+              <a:ext uri="{FF2B5EF4-FFF2-40B4-BE49-F238E27FC236}">
+                <a16:creationId xmlns:a16="http://schemas.microsoft.com/office/drawing/2014/main" id="{4DA0724C-4607-EA60-E622-75E34002F100}"/>
+              </a:ext>
+            </a:extLst>
+          </p:cNvPr>
+          <p:cNvSpPr>
+            <a:spLocks noGrp="1"/>
+          </p:cNvSpPr>
+          <p:nvPr>
+            <p:ph type="sldNum" sz="quarter" idx="12"/>
+          </p:nvPr>
+        </p:nvSpPr>
+        <p:spPr/>
+        <p:txBody>
+          <a:bodyPr/>
+          <a:lstStyle/>
+          <a:p>
+            <a:fld id="{B6F15528-21DE-4FAA-801E-634DDDAF4B2B}" type="slidenum">
+              <a:rPr lang="en-US" smtClean="0"/>
+              <a:pPr/>
+              <a:t>5</a:t>
+            </a:fld>
+            <a:endParaRPr lang="en-US"/>
+          </a:p>
+        </p:txBody>
+      </p:sp>
     </p:spTree>
     <p:extLst>
       <p:ext uri="{BB962C8B-B14F-4D97-AF65-F5344CB8AC3E}">
@@ -7458,7 +10058,7 @@
         <p:spPr>
           <a:xfrm>
             <a:off x="3493921" y="2813433"/>
-            <a:ext cx="10117882" cy="3473067"/>
+            <a:ext cx="10117882" cy="4345100"/>
           </a:xfrm>
           <a:prstGeom prst="rect">
             <a:avLst/>
@@ -7643,6 +10243,48 @@
                 <a:latin typeface="Poppins"/>
               </a:rPr>
               <a:t>kst toevoegen bij een uitleenverzoek</a:t>
+            </a:r>
+          </a:p>
+          <a:p>
+            <a:pPr marL="606518" lvl="1" indent="-342900" algn="l">
+              <a:lnSpc>
+                <a:spcPts val="3418"/>
+              </a:lnSpc>
+              <a:spcBef>
+                <a:spcPct val="0"/>
+              </a:spcBef>
+              <a:buFont typeface="Arial" panose="020B0604020202020204" pitchFamily="34" charset="0"/>
+              <a:buChar char="•"/>
+            </a:pPr>
+            <a:r>
+              <a:rPr lang="nl-NL" sz="2442" spc="-48" dirty="0">
+                <a:solidFill>
+                  <a:srgbClr val="051D40"/>
+                </a:solidFill>
+                <a:latin typeface="Poppins"/>
+              </a:rPr>
+              <a:t>Apparaat toevoegen op een aparte pagina</a:t>
+            </a:r>
+          </a:p>
+          <a:p>
+            <a:pPr marL="606518" lvl="1" indent="-342900" algn="l">
+              <a:lnSpc>
+                <a:spcPts val="3418"/>
+              </a:lnSpc>
+              <a:spcBef>
+                <a:spcPct val="0"/>
+              </a:spcBef>
+              <a:buFont typeface="Arial" panose="020B0604020202020204" pitchFamily="34" charset="0"/>
+              <a:buChar char="•"/>
+            </a:pPr>
+            <a:r>
+              <a:rPr lang="nl-NL" sz="2442" spc="-48" dirty="0">
+                <a:solidFill>
+                  <a:srgbClr val="051D40"/>
+                </a:solidFill>
+                <a:latin typeface="Poppins"/>
+              </a:rPr>
+              <a:t>Nog meer design zaken…</a:t>
             </a:r>
             <a:endParaRPr lang="nl-NL" sz="2442" u="none" strike="noStrike" spc="-48" dirty="0">
               <a:solidFill>
@@ -7700,6 +10342,36 @@
               </a:rPr>
               <a:t> - Feedback</a:t>
             </a:r>
+          </a:p>
+        </p:txBody>
+      </p:sp>
+      <p:sp>
+        <p:nvSpPr>
+          <p:cNvPr id="14" name="Tijdelijke aanduiding voor dianummer 13">
+            <a:extLst>
+              <a:ext uri="{FF2B5EF4-FFF2-40B4-BE49-F238E27FC236}">
+                <a16:creationId xmlns:a16="http://schemas.microsoft.com/office/drawing/2014/main" id="{16AE062B-04AD-1C5E-ADCF-624B48D4051E}"/>
+              </a:ext>
+            </a:extLst>
+          </p:cNvPr>
+          <p:cNvSpPr>
+            <a:spLocks noGrp="1"/>
+          </p:cNvSpPr>
+          <p:nvPr>
+            <p:ph type="sldNum" sz="quarter" idx="12"/>
+          </p:nvPr>
+        </p:nvSpPr>
+        <p:spPr/>
+        <p:txBody>
+          <a:bodyPr/>
+          <a:lstStyle/>
+          <a:p>
+            <a:fld id="{B6F15528-21DE-4FAA-801E-634DDDAF4B2B}" type="slidenum">
+              <a:rPr lang="en-US" smtClean="0"/>
+              <a:pPr/>
+              <a:t>6</a:t>
+            </a:fld>
+            <a:endParaRPr lang="en-US"/>
           </a:p>
         </p:txBody>
       </p:sp>
@@ -7853,14 +10525,47 @@
               </a:spcBef>
             </a:pPr>
             <a:r>
-              <a:rPr lang="en-US" sz="4500">
+              <a:rPr lang="en-US" sz="4500" dirty="0">
                 <a:solidFill>
                   <a:srgbClr val="051D40"/>
                 </a:solidFill>
                 <a:latin typeface="Open Sans Extra Bold"/>
               </a:rPr>
-              <a:t>Route naar eindproduct</a:t>
-            </a:r>
+              <a:t>Route </a:t>
+            </a:r>
+            <a:r>
+              <a:rPr lang="en-US" sz="4500" dirty="0" err="1">
+                <a:solidFill>
+                  <a:srgbClr val="051D40"/>
+                </a:solidFill>
+                <a:latin typeface="Open Sans Extra Bold"/>
+              </a:rPr>
+              <a:t>naar</a:t>
+            </a:r>
+            <a:r>
+              <a:rPr lang="en-US" sz="4500" dirty="0">
+                <a:solidFill>
+                  <a:srgbClr val="051D40"/>
+                </a:solidFill>
+                <a:latin typeface="Open Sans Extra Bold"/>
+              </a:rPr>
+              <a:t> </a:t>
+            </a:r>
+            <a:r>
+              <a:rPr lang="en-US" sz="4500" dirty="0" err="1">
+                <a:solidFill>
+                  <a:srgbClr val="051D40"/>
+                </a:solidFill>
+                <a:latin typeface="Open Sans Extra Bold"/>
+              </a:rPr>
+              <a:t>eindproduct</a:t>
+            </a:r>
+            <a:endParaRPr lang="en-US" sz="4500" dirty="0">
+              <a:solidFill>
+                <a:srgbClr val="051D40"/>
+              </a:solidFill>
+              <a:latin typeface="Open Sans Extra Bold"/>
+            </a:endParaRPr>
           </a:p>
         </p:txBody>
       </p:sp>
@@ -8462,6 +11167,296 @@
           </a:p>
         </p:txBody>
       </p:sp>
+      <p:sp>
+        <p:nvSpPr>
+          <p:cNvPr id="19" name="Tekstvak 18">
+            <a:extLst>
+              <a:ext uri="{FF2B5EF4-FFF2-40B4-BE49-F238E27FC236}">
+                <a16:creationId xmlns:a16="http://schemas.microsoft.com/office/drawing/2014/main" id="{A070AB84-CE81-20C1-DD26-A06B1204E95E}"/>
+              </a:ext>
+            </a:extLst>
+          </p:cNvPr>
+          <p:cNvSpPr txBox="1"/>
+          <p:nvPr/>
+        </p:nvSpPr>
+        <p:spPr>
+          <a:xfrm>
+            <a:off x="1600432" y="2861709"/>
+            <a:ext cx="11608230" cy="4001416"/>
+          </a:xfrm>
+          <a:prstGeom prst="rect">
+            <a:avLst/>
+          </a:prstGeom>
+          <a:noFill/>
+        </p:spPr>
+        <p:txBody>
+          <a:bodyPr wrap="square">
+            <a:spAutoFit/>
+          </a:bodyPr>
+          <a:lstStyle/>
+          <a:p>
+            <a:pPr marL="527237" lvl="1" indent="-263619" algn="l">
+              <a:lnSpc>
+                <a:spcPts val="3418"/>
+              </a:lnSpc>
+              <a:spcBef>
+                <a:spcPct val="0"/>
+              </a:spcBef>
+              <a:buFont typeface="Arial"/>
+              <a:buChar char="•"/>
+            </a:pPr>
+            <a:r>
+              <a:rPr lang="en-US" sz="2442" u="none" strike="noStrike" spc="-48" dirty="0" err="1">
+                <a:solidFill>
+                  <a:srgbClr val="051D40"/>
+                </a:solidFill>
+                <a:latin typeface="Poppins"/>
+              </a:rPr>
+              <a:t>Opnemen</a:t>
+            </a:r>
+            <a:r>
+              <a:rPr lang="en-US" sz="2442" u="none" strike="noStrike" spc="-48" dirty="0">
+                <a:solidFill>
+                  <a:srgbClr val="051D40"/>
+                </a:solidFill>
+                <a:latin typeface="Poppins"/>
+              </a:rPr>
+              <a:t> van de ‘requirements’</a:t>
+            </a:r>
+          </a:p>
+          <a:p>
+            <a:pPr marL="527237" lvl="1" indent="-263619" algn="l">
+              <a:lnSpc>
+                <a:spcPts val="3418"/>
+              </a:lnSpc>
+              <a:spcBef>
+                <a:spcPct val="0"/>
+              </a:spcBef>
+              <a:buFont typeface="Arial"/>
+              <a:buChar char="•"/>
+            </a:pPr>
+            <a:r>
+              <a:rPr lang="nl-NL" sz="2442" spc="-48" dirty="0">
+                <a:solidFill>
+                  <a:srgbClr val="051D40"/>
+                </a:solidFill>
+                <a:latin typeface="Poppins"/>
+              </a:rPr>
+              <a:t>Kennismaken met de technieken</a:t>
+            </a:r>
+          </a:p>
+          <a:p>
+            <a:pPr marL="527237" lvl="1" indent="-263619" algn="l">
+              <a:lnSpc>
+                <a:spcPts val="3418"/>
+              </a:lnSpc>
+              <a:spcBef>
+                <a:spcPct val="0"/>
+              </a:spcBef>
+              <a:buFont typeface="Arial"/>
+              <a:buChar char="•"/>
+            </a:pPr>
+            <a:r>
+              <a:rPr lang="nl-NL" sz="2442" u="none" strike="noStrike" spc="-48" dirty="0">
+                <a:solidFill>
+                  <a:srgbClr val="051D40"/>
+                </a:solidFill>
+                <a:latin typeface="Poppins"/>
+              </a:rPr>
+              <a:t>Database ontwerp</a:t>
+            </a:r>
+          </a:p>
+          <a:p>
+            <a:pPr marL="527237" lvl="1" indent="-263619" algn="l">
+              <a:lnSpc>
+                <a:spcPts val="3418"/>
+              </a:lnSpc>
+              <a:spcBef>
+                <a:spcPct val="0"/>
+              </a:spcBef>
+              <a:buFont typeface="Arial"/>
+              <a:buChar char="•"/>
+            </a:pPr>
+            <a:r>
+              <a:rPr lang="nl-NL" sz="2442" u="none" strike="noStrike" spc="-48" dirty="0">
+                <a:solidFill>
+                  <a:srgbClr val="051D40"/>
+                </a:solidFill>
+                <a:latin typeface="Poppins"/>
+              </a:rPr>
+              <a:t>Implementat</a:t>
+            </a:r>
+            <a:r>
+              <a:rPr lang="nl-NL" sz="2442" spc="-48" dirty="0">
+                <a:solidFill>
+                  <a:srgbClr val="051D40"/>
+                </a:solidFill>
+                <a:latin typeface="Poppins"/>
+              </a:rPr>
+              <a:t>ie + Service Classes</a:t>
+            </a:r>
+          </a:p>
+          <a:p>
+            <a:pPr marL="527237" lvl="1" indent="-263619" algn="l">
+              <a:lnSpc>
+                <a:spcPts val="3418"/>
+              </a:lnSpc>
+              <a:spcBef>
+                <a:spcPct val="0"/>
+              </a:spcBef>
+              <a:buFont typeface="Arial"/>
+              <a:buChar char="•"/>
+            </a:pPr>
+            <a:r>
+              <a:rPr lang="nl-NL" sz="2442" u="none" strike="noStrike" spc="-48" dirty="0">
+                <a:solidFill>
+                  <a:srgbClr val="051D40"/>
+                </a:solidFill>
+                <a:latin typeface="Poppins"/>
+              </a:rPr>
+              <a:t>Controllers</a:t>
+            </a:r>
+          </a:p>
+          <a:p>
+            <a:pPr marL="527237" lvl="1" indent="-263619" algn="l">
+              <a:lnSpc>
+                <a:spcPts val="3418"/>
+              </a:lnSpc>
+              <a:spcBef>
+                <a:spcPct val="0"/>
+              </a:spcBef>
+              <a:buFont typeface="Arial"/>
+              <a:buChar char="•"/>
+            </a:pPr>
+            <a:r>
+              <a:rPr lang="nl-NL" sz="2442" u="none" strike="noStrike" spc="-48" dirty="0">
+                <a:solidFill>
+                  <a:srgbClr val="051D40"/>
+                </a:solidFill>
+                <a:latin typeface="Poppins"/>
+              </a:rPr>
+              <a:t>Veel ‘</a:t>
+            </a:r>
+            <a:r>
+              <a:rPr lang="nl-NL" sz="2442" u="none" strike="noStrike" spc="-48" dirty="0" err="1">
+                <a:solidFill>
+                  <a:srgbClr val="051D40"/>
+                </a:solidFill>
+                <a:latin typeface="Poppins"/>
+              </a:rPr>
+              <a:t>finetuning</a:t>
+            </a:r>
+            <a:r>
+              <a:rPr lang="nl-NL" sz="2442" spc="-48" dirty="0">
+                <a:solidFill>
+                  <a:srgbClr val="051D40"/>
+                </a:solidFill>
+                <a:latin typeface="Poppins"/>
+              </a:rPr>
+              <a:t>’</a:t>
+            </a:r>
+          </a:p>
+          <a:p>
+            <a:pPr marL="527237" lvl="1" indent="-263619" algn="l">
+              <a:lnSpc>
+                <a:spcPts val="3418"/>
+              </a:lnSpc>
+              <a:spcBef>
+                <a:spcPct val="0"/>
+              </a:spcBef>
+              <a:buFont typeface="Arial"/>
+              <a:buChar char="•"/>
+            </a:pPr>
+            <a:r>
+              <a:rPr lang="nl-NL" sz="2442" spc="-48" dirty="0">
+                <a:solidFill>
+                  <a:srgbClr val="051D40"/>
+                </a:solidFill>
+                <a:latin typeface="Poppins"/>
+              </a:rPr>
+              <a:t>Toepassen huisstijl</a:t>
+            </a:r>
+          </a:p>
+          <a:p>
+            <a:pPr marL="527237" lvl="1" indent="-263619" algn="l">
+              <a:lnSpc>
+                <a:spcPts val="3418"/>
+              </a:lnSpc>
+              <a:spcBef>
+                <a:spcPct val="0"/>
+              </a:spcBef>
+              <a:buFont typeface="Arial"/>
+              <a:buChar char="•"/>
+            </a:pPr>
+            <a:r>
+              <a:rPr lang="nl-NL" sz="2442" spc="-48" dirty="0">
+                <a:solidFill>
+                  <a:srgbClr val="051D40"/>
+                </a:solidFill>
+                <a:latin typeface="Poppins"/>
+              </a:rPr>
+              <a:t>Uitleenverzoek</a:t>
+            </a:r>
+          </a:p>
+          <a:p>
+            <a:pPr marL="527237" lvl="1" indent="-263619" algn="l">
+              <a:lnSpc>
+                <a:spcPts val="3418"/>
+              </a:lnSpc>
+              <a:spcBef>
+                <a:spcPct val="0"/>
+              </a:spcBef>
+              <a:buFont typeface="Arial"/>
+              <a:buChar char="•"/>
+            </a:pPr>
+            <a:r>
+              <a:rPr lang="nl-NL" sz="2442" spc="-48" dirty="0">
+                <a:solidFill>
+                  <a:srgbClr val="051D40"/>
+                </a:solidFill>
+                <a:latin typeface="Poppins"/>
+              </a:rPr>
+              <a:t>Security</a:t>
+            </a:r>
+            <a:endParaRPr lang="nl-NL" sz="2442" u="none" strike="noStrike" spc="-48" dirty="0">
+              <a:solidFill>
+                <a:srgbClr val="051D40"/>
+              </a:solidFill>
+              <a:latin typeface="Poppins"/>
+            </a:endParaRPr>
+          </a:p>
+        </p:txBody>
+      </p:sp>
+      <p:sp>
+        <p:nvSpPr>
+          <p:cNvPr id="24" name="Tijdelijke aanduiding voor dianummer 23">
+            <a:extLst>
+              <a:ext uri="{FF2B5EF4-FFF2-40B4-BE49-F238E27FC236}">
+                <a16:creationId xmlns:a16="http://schemas.microsoft.com/office/drawing/2014/main" id="{A6242A05-557D-F2C8-7F93-9B4802B20CF1}"/>
+              </a:ext>
+            </a:extLst>
+          </p:cNvPr>
+          <p:cNvSpPr>
+            <a:spLocks noGrp="1"/>
+          </p:cNvSpPr>
+          <p:nvPr>
+            <p:ph type="sldNum" sz="quarter" idx="12"/>
+          </p:nvPr>
+        </p:nvSpPr>
+        <p:spPr/>
+        <p:txBody>
+          <a:bodyPr/>
+          <a:lstStyle/>
+          <a:p>
+            <a:fld id="{B6F15528-21DE-4FAA-801E-634DDDAF4B2B}" type="slidenum">
+              <a:rPr lang="en-US" smtClean="0"/>
+              <a:pPr/>
+              <a:t>7</a:t>
+            </a:fld>
+            <a:endParaRPr lang="en-US"/>
+          </a:p>
+        </p:txBody>
+      </p:sp>
     </p:spTree>
   </p:cSld>
   <p:clrMapOvr>
@@ -8471,6 +11466,877 @@
 </file>
 
 <file path=ppt/slides/slide8.xml><?xml version="1.0" encoding="utf-8"?>
+<p:sld xmlns:a="http://schemas.openxmlformats.org/drawingml/2006/main" xmlns:r="http://schemas.openxmlformats.org/officeDocument/2006/relationships" xmlns:p="http://schemas.openxmlformats.org/presentationml/2006/main">
+  <p:cSld>
+    <p:spTree>
+      <p:nvGrpSpPr>
+        <p:cNvPr id="1" name=""/>
+        <p:cNvGrpSpPr/>
+        <p:nvPr/>
+      </p:nvGrpSpPr>
+      <p:grpSpPr>
+        <a:xfrm>
+          <a:off x="0" y="0"/>
+          <a:ext cx="0" cy="0"/>
+          <a:chOff x="0" y="0"/>
+          <a:chExt cx="0" cy="0"/>
+        </a:xfrm>
+      </p:grpSpPr>
+      <p:grpSp>
+        <p:nvGrpSpPr>
+          <p:cNvPr id="2" name="Group 2"/>
+          <p:cNvGrpSpPr/>
+          <p:nvPr/>
+        </p:nvGrpSpPr>
+        <p:grpSpPr>
+          <a:xfrm>
+            <a:off x="13266830" y="0"/>
+            <a:ext cx="5021170" cy="10287000"/>
+            <a:chOff x="0" y="0"/>
+            <a:chExt cx="1322448" cy="2709333"/>
+          </a:xfrm>
+        </p:grpSpPr>
+        <p:sp>
+          <p:nvSpPr>
+            <p:cNvPr id="3" name="Freeform 3"/>
+            <p:cNvSpPr/>
+            <p:nvPr/>
+          </p:nvSpPr>
+          <p:spPr>
+            <a:xfrm>
+              <a:off x="0" y="0"/>
+              <a:ext cx="1322448" cy="2709333"/>
+            </a:xfrm>
+            <a:custGeom>
+              <a:avLst/>
+              <a:gdLst/>
+              <a:ahLst/>
+              <a:cxnLst/>
+              <a:rect l="l" t="t" r="r" b="b"/>
+              <a:pathLst>
+                <a:path w="1322448" h="2709333">
+                  <a:moveTo>
+                    <a:pt x="0" y="0"/>
+                  </a:moveTo>
+                  <a:lnTo>
+                    <a:pt x="1322448" y="0"/>
+                  </a:lnTo>
+                  <a:lnTo>
+                    <a:pt x="1322448" y="2709333"/>
+                  </a:lnTo>
+                  <a:lnTo>
+                    <a:pt x="0" y="2709333"/>
+                  </a:lnTo>
+                  <a:close/>
+                </a:path>
+              </a:pathLst>
+            </a:custGeom>
+            <a:solidFill>
+              <a:srgbClr val="C23350"/>
+            </a:solidFill>
+          </p:spPr>
+          <p:txBody>
+            <a:bodyPr/>
+            <a:lstStyle/>
+            <a:p>
+              <a:endParaRPr lang="nl-NL"/>
+            </a:p>
+          </p:txBody>
+        </p:sp>
+        <p:sp>
+          <p:nvSpPr>
+            <p:cNvPr id="4" name="TextBox 4"/>
+            <p:cNvSpPr txBox="1"/>
+            <p:nvPr/>
+          </p:nvSpPr>
+          <p:spPr>
+            <a:xfrm>
+              <a:off x="0" y="-38100"/>
+              <a:ext cx="1322448" cy="2747433"/>
+            </a:xfrm>
+            <a:prstGeom prst="rect">
+              <a:avLst/>
+            </a:prstGeom>
+          </p:spPr>
+          <p:txBody>
+            <a:bodyPr lIns="50800" tIns="50800" rIns="50800" bIns="50800" rtlCol="0" anchor="ctr"/>
+            <a:lstStyle/>
+            <a:p>
+              <a:pPr algn="ctr">
+                <a:lnSpc>
+                  <a:spcPts val="2659"/>
+                </a:lnSpc>
+              </a:pPr>
+              <a:endParaRPr/>
+            </a:p>
+          </p:txBody>
+        </p:sp>
+      </p:grpSp>
+      <p:sp>
+        <p:nvSpPr>
+          <p:cNvPr id="5" name="TextBox 5"/>
+          <p:cNvSpPr txBox="1"/>
+          <p:nvPr/>
+        </p:nvSpPr>
+        <p:spPr>
+          <a:xfrm>
+            <a:off x="1609132" y="1222804"/>
+            <a:ext cx="10506668" cy="754950"/>
+          </a:xfrm>
+          <a:prstGeom prst="rect">
+            <a:avLst/>
+          </a:prstGeom>
+        </p:spPr>
+        <p:txBody>
+          <a:bodyPr wrap="square" lIns="0" tIns="0" rIns="0" bIns="0" rtlCol="0" anchor="t">
+            <a:spAutoFit/>
+          </a:bodyPr>
+          <a:lstStyle/>
+          <a:p>
+            <a:pPr marL="0" lvl="0" indent="0" algn="l">
+              <a:lnSpc>
+                <a:spcPts val="6300"/>
+              </a:lnSpc>
+              <a:spcBef>
+                <a:spcPct val="0"/>
+              </a:spcBef>
+            </a:pPr>
+            <a:r>
+              <a:rPr lang="en-US" sz="4500" dirty="0">
+                <a:solidFill>
+                  <a:srgbClr val="051D40"/>
+                </a:solidFill>
+                <a:latin typeface="Open Sans Extra Bold"/>
+              </a:rPr>
+              <a:t>Route </a:t>
+            </a:r>
+            <a:r>
+              <a:rPr lang="en-US" sz="4500" dirty="0" err="1">
+                <a:solidFill>
+                  <a:srgbClr val="051D40"/>
+                </a:solidFill>
+                <a:latin typeface="Open Sans Extra Bold"/>
+              </a:rPr>
+              <a:t>naar</a:t>
+            </a:r>
+            <a:r>
+              <a:rPr lang="en-US" sz="4500" dirty="0">
+                <a:solidFill>
+                  <a:srgbClr val="051D40"/>
+                </a:solidFill>
+                <a:latin typeface="Open Sans Extra Bold"/>
+              </a:rPr>
+              <a:t> </a:t>
+            </a:r>
+            <a:r>
+              <a:rPr lang="en-US" sz="4500" dirty="0" err="1">
+                <a:solidFill>
+                  <a:srgbClr val="051D40"/>
+                </a:solidFill>
+                <a:latin typeface="Open Sans Extra Bold"/>
+              </a:rPr>
+              <a:t>eindproduct</a:t>
+            </a:r>
+            <a:r>
+              <a:rPr lang="en-US" sz="4500" dirty="0">
+                <a:solidFill>
+                  <a:srgbClr val="051D40"/>
+                </a:solidFill>
+                <a:latin typeface="Open Sans Extra Bold"/>
+              </a:rPr>
+              <a:t> – front end</a:t>
+            </a:r>
+          </a:p>
+        </p:txBody>
+      </p:sp>
+      <p:grpSp>
+        <p:nvGrpSpPr>
+          <p:cNvPr id="6" name="Group 6"/>
+          <p:cNvGrpSpPr/>
+          <p:nvPr/>
+        </p:nvGrpSpPr>
+        <p:grpSpPr>
+          <a:xfrm>
+            <a:off x="-1595820" y="-1782102"/>
+            <a:ext cx="3564204" cy="3564204"/>
+            <a:chOff x="0" y="0"/>
+            <a:chExt cx="812800" cy="812800"/>
+          </a:xfrm>
+        </p:grpSpPr>
+        <p:sp>
+          <p:nvSpPr>
+            <p:cNvPr id="7" name="Freeform 7"/>
+            <p:cNvSpPr/>
+            <p:nvPr/>
+          </p:nvSpPr>
+          <p:spPr>
+            <a:xfrm>
+              <a:off x="0" y="0"/>
+              <a:ext cx="812800" cy="812800"/>
+            </a:xfrm>
+            <a:custGeom>
+              <a:avLst/>
+              <a:gdLst/>
+              <a:ahLst/>
+              <a:cxnLst/>
+              <a:rect l="l" t="t" r="r" b="b"/>
+              <a:pathLst>
+                <a:path w="812800" h="812800">
+                  <a:moveTo>
+                    <a:pt x="406400" y="0"/>
+                  </a:moveTo>
+                  <a:cubicBezTo>
+                    <a:pt x="181951" y="0"/>
+                    <a:pt x="0" y="181951"/>
+                    <a:pt x="0" y="406400"/>
+                  </a:cubicBezTo>
+                  <a:cubicBezTo>
+                    <a:pt x="0" y="630849"/>
+                    <a:pt x="181951" y="812800"/>
+                    <a:pt x="406400" y="812800"/>
+                  </a:cubicBezTo>
+                  <a:cubicBezTo>
+                    <a:pt x="630849" y="812800"/>
+                    <a:pt x="812800" y="630849"/>
+                    <a:pt x="812800" y="406400"/>
+                  </a:cubicBezTo>
+                  <a:cubicBezTo>
+                    <a:pt x="812800" y="181951"/>
+                    <a:pt x="630849" y="0"/>
+                    <a:pt x="406400" y="0"/>
+                  </a:cubicBezTo>
+                  <a:close/>
+                </a:path>
+              </a:pathLst>
+            </a:custGeom>
+            <a:solidFill>
+              <a:srgbClr val="000000">
+                <a:alpha val="0"/>
+              </a:srgbClr>
+            </a:solidFill>
+            <a:ln w="952500" cap="sq">
+              <a:solidFill>
+                <a:srgbClr val="051D40">
+                  <a:alpha val="15686"/>
+                </a:srgbClr>
+              </a:solidFill>
+              <a:prstDash val="solid"/>
+              <a:miter/>
+            </a:ln>
+          </p:spPr>
+          <p:txBody>
+            <a:bodyPr/>
+            <a:lstStyle/>
+            <a:p>
+              <a:endParaRPr lang="nl-NL"/>
+            </a:p>
+          </p:txBody>
+        </p:sp>
+        <p:sp>
+          <p:nvSpPr>
+            <p:cNvPr id="8" name="TextBox 8"/>
+            <p:cNvSpPr txBox="1"/>
+            <p:nvPr/>
+          </p:nvSpPr>
+          <p:spPr>
+            <a:xfrm>
+              <a:off x="76200" y="38100"/>
+              <a:ext cx="660400" cy="698500"/>
+            </a:xfrm>
+            <a:prstGeom prst="rect">
+              <a:avLst/>
+            </a:prstGeom>
+          </p:spPr>
+          <p:txBody>
+            <a:bodyPr lIns="50800" tIns="50800" rIns="50800" bIns="50800" rtlCol="0" anchor="ctr"/>
+            <a:lstStyle/>
+            <a:p>
+              <a:pPr algn="ctr">
+                <a:lnSpc>
+                  <a:spcPts val="2659"/>
+                </a:lnSpc>
+                <a:spcBef>
+                  <a:spcPct val="0"/>
+                </a:spcBef>
+              </a:pPr>
+              <a:endParaRPr/>
+            </a:p>
+          </p:txBody>
+        </p:sp>
+      </p:grpSp>
+      <p:grpSp>
+        <p:nvGrpSpPr>
+          <p:cNvPr id="10" name="Group 10"/>
+          <p:cNvGrpSpPr/>
+          <p:nvPr/>
+        </p:nvGrpSpPr>
+        <p:grpSpPr>
+          <a:xfrm>
+            <a:off x="14700679" y="7074186"/>
+            <a:ext cx="5946973" cy="5946973"/>
+            <a:chOff x="0" y="0"/>
+            <a:chExt cx="812800" cy="812800"/>
+          </a:xfrm>
+        </p:grpSpPr>
+        <p:sp>
+          <p:nvSpPr>
+            <p:cNvPr id="11" name="Freeform 11"/>
+            <p:cNvSpPr/>
+            <p:nvPr/>
+          </p:nvSpPr>
+          <p:spPr>
+            <a:xfrm>
+              <a:off x="0" y="0"/>
+              <a:ext cx="812800" cy="812800"/>
+            </a:xfrm>
+            <a:custGeom>
+              <a:avLst/>
+              <a:gdLst/>
+              <a:ahLst/>
+              <a:cxnLst/>
+              <a:rect l="l" t="t" r="r" b="b"/>
+              <a:pathLst>
+                <a:path w="812800" h="812800">
+                  <a:moveTo>
+                    <a:pt x="406400" y="0"/>
+                  </a:moveTo>
+                  <a:cubicBezTo>
+                    <a:pt x="181951" y="0"/>
+                    <a:pt x="0" y="181951"/>
+                    <a:pt x="0" y="406400"/>
+                  </a:cubicBezTo>
+                  <a:cubicBezTo>
+                    <a:pt x="0" y="630849"/>
+                    <a:pt x="181951" y="812800"/>
+                    <a:pt x="406400" y="812800"/>
+                  </a:cubicBezTo>
+                  <a:cubicBezTo>
+                    <a:pt x="630849" y="812800"/>
+                    <a:pt x="812800" y="630849"/>
+                    <a:pt x="812800" y="406400"/>
+                  </a:cubicBezTo>
+                  <a:cubicBezTo>
+                    <a:pt x="812800" y="181951"/>
+                    <a:pt x="630849" y="0"/>
+                    <a:pt x="406400" y="0"/>
+                  </a:cubicBezTo>
+                  <a:close/>
+                </a:path>
+              </a:pathLst>
+            </a:custGeom>
+            <a:solidFill>
+              <a:srgbClr val="000000">
+                <a:alpha val="0"/>
+              </a:srgbClr>
+            </a:solidFill>
+            <a:ln w="952500" cap="sq">
+              <a:solidFill>
+                <a:srgbClr val="FFFFFF">
+                  <a:alpha val="15686"/>
+                </a:srgbClr>
+              </a:solidFill>
+              <a:prstDash val="solid"/>
+              <a:miter/>
+            </a:ln>
+          </p:spPr>
+          <p:txBody>
+            <a:bodyPr/>
+            <a:lstStyle/>
+            <a:p>
+              <a:endParaRPr lang="nl-NL"/>
+            </a:p>
+          </p:txBody>
+        </p:sp>
+        <p:sp>
+          <p:nvSpPr>
+            <p:cNvPr id="12" name="TextBox 12"/>
+            <p:cNvSpPr txBox="1"/>
+            <p:nvPr/>
+          </p:nvSpPr>
+          <p:spPr>
+            <a:xfrm>
+              <a:off x="76200" y="38100"/>
+              <a:ext cx="660400" cy="698500"/>
+            </a:xfrm>
+            <a:prstGeom prst="rect">
+              <a:avLst/>
+            </a:prstGeom>
+          </p:spPr>
+          <p:txBody>
+            <a:bodyPr lIns="50800" tIns="50800" rIns="50800" bIns="50800" rtlCol="0" anchor="ctr"/>
+            <a:lstStyle/>
+            <a:p>
+              <a:pPr algn="ctr">
+                <a:lnSpc>
+                  <a:spcPts val="2659"/>
+                </a:lnSpc>
+                <a:spcBef>
+                  <a:spcPct val="0"/>
+                </a:spcBef>
+              </a:pPr>
+              <a:endParaRPr/>
+            </a:p>
+          </p:txBody>
+        </p:sp>
+      </p:grpSp>
+      <p:sp>
+        <p:nvSpPr>
+          <p:cNvPr id="13" name="TextBox 13"/>
+          <p:cNvSpPr txBox="1"/>
+          <p:nvPr/>
+        </p:nvSpPr>
+        <p:spPr>
+          <a:xfrm>
+            <a:off x="9689588" y="5643420"/>
+            <a:ext cx="2661498" cy="2367479"/>
+          </a:xfrm>
+          <a:prstGeom prst="rect">
+            <a:avLst/>
+          </a:prstGeom>
+        </p:spPr>
+        <p:txBody>
+          <a:bodyPr lIns="0" tIns="0" rIns="0" bIns="0" rtlCol="0" anchor="t">
+            <a:spAutoFit/>
+          </a:bodyPr>
+          <a:lstStyle/>
+          <a:p>
+            <a:pPr marL="0" lvl="0" indent="0" algn="ctr">
+              <a:lnSpc>
+                <a:spcPts val="2334"/>
+              </a:lnSpc>
+              <a:spcBef>
+                <a:spcPct val="0"/>
+              </a:spcBef>
+            </a:pPr>
+            <a:r>
+              <a:rPr lang="en-US" sz="1667" u="none" strike="noStrike" spc="-33">
+                <a:solidFill>
+                  <a:srgbClr val="FDFDFD"/>
+                </a:solidFill>
+                <a:latin typeface="Poppins"/>
+              </a:rPr>
+              <a:t>Lorem ipsum dolor sit amet, consectetur adipiscing elit. Nullam laoreet risus fringilla, egestas elit a, consequat augue. Phasellus sollicitudin felis mi, quis egestas ex ornare sed. </a:t>
+            </a:r>
+          </a:p>
+        </p:txBody>
+      </p:sp>
+      <p:grpSp>
+        <p:nvGrpSpPr>
+          <p:cNvPr id="14" name="Group 14"/>
+          <p:cNvGrpSpPr/>
+          <p:nvPr/>
+        </p:nvGrpSpPr>
+        <p:grpSpPr>
+          <a:xfrm rot="5491349">
+            <a:off x="10677076" y="3466525"/>
+            <a:ext cx="4693046" cy="4693046"/>
+            <a:chOff x="0" y="0"/>
+            <a:chExt cx="812800" cy="812800"/>
+          </a:xfrm>
+        </p:grpSpPr>
+        <p:sp>
+          <p:nvSpPr>
+            <p:cNvPr id="15" name="Freeform 15"/>
+            <p:cNvSpPr/>
+            <p:nvPr/>
+          </p:nvSpPr>
+          <p:spPr>
+            <a:xfrm>
+              <a:off x="0" y="0"/>
+              <a:ext cx="812800" cy="812800"/>
+            </a:xfrm>
+            <a:custGeom>
+              <a:avLst/>
+              <a:gdLst/>
+              <a:ahLst/>
+              <a:cxnLst/>
+              <a:rect l="l" t="t" r="r" b="b"/>
+              <a:pathLst>
+                <a:path w="812800" h="812800">
+                  <a:moveTo>
+                    <a:pt x="406400" y="0"/>
+                  </a:moveTo>
+                  <a:cubicBezTo>
+                    <a:pt x="181951" y="0"/>
+                    <a:pt x="0" y="181951"/>
+                    <a:pt x="0" y="406400"/>
+                  </a:cubicBezTo>
+                  <a:cubicBezTo>
+                    <a:pt x="0" y="630849"/>
+                    <a:pt x="181951" y="812800"/>
+                    <a:pt x="406400" y="812800"/>
+                  </a:cubicBezTo>
+                  <a:cubicBezTo>
+                    <a:pt x="630849" y="812800"/>
+                    <a:pt x="812800" y="630849"/>
+                    <a:pt x="812800" y="406400"/>
+                  </a:cubicBezTo>
+                  <a:cubicBezTo>
+                    <a:pt x="812800" y="181951"/>
+                    <a:pt x="630849" y="0"/>
+                    <a:pt x="406400" y="0"/>
+                  </a:cubicBezTo>
+                  <a:close/>
+                </a:path>
+              </a:pathLst>
+            </a:custGeom>
+            <a:solidFill>
+              <a:srgbClr val="000000">
+                <a:alpha val="0"/>
+              </a:srgbClr>
+            </a:solidFill>
+            <a:ln w="952500" cap="sq">
+              <a:solidFill>
+                <a:srgbClr val="FFFFFF"/>
+              </a:solidFill>
+              <a:prstDash val="solid"/>
+              <a:miter/>
+            </a:ln>
+          </p:spPr>
+          <p:txBody>
+            <a:bodyPr/>
+            <a:lstStyle/>
+            <a:p>
+              <a:endParaRPr lang="nl-NL"/>
+            </a:p>
+          </p:txBody>
+        </p:sp>
+        <p:sp>
+          <p:nvSpPr>
+            <p:cNvPr id="16" name="TextBox 16"/>
+            <p:cNvSpPr txBox="1"/>
+            <p:nvPr/>
+          </p:nvSpPr>
+          <p:spPr>
+            <a:xfrm>
+              <a:off x="76200" y="38100"/>
+              <a:ext cx="660400" cy="698500"/>
+            </a:xfrm>
+            <a:prstGeom prst="rect">
+              <a:avLst/>
+            </a:prstGeom>
+          </p:spPr>
+          <p:txBody>
+            <a:bodyPr lIns="50800" tIns="50800" rIns="50800" bIns="50800" rtlCol="0" anchor="ctr"/>
+            <a:lstStyle/>
+            <a:p>
+              <a:pPr algn="ctr">
+                <a:lnSpc>
+                  <a:spcPts val="2659"/>
+                </a:lnSpc>
+                <a:spcBef>
+                  <a:spcPct val="0"/>
+                </a:spcBef>
+              </a:pPr>
+              <a:endParaRPr/>
+            </a:p>
+          </p:txBody>
+        </p:sp>
+      </p:grpSp>
+      <p:sp>
+        <p:nvSpPr>
+          <p:cNvPr id="19" name="Tekstvak 18">
+            <a:extLst>
+              <a:ext uri="{FF2B5EF4-FFF2-40B4-BE49-F238E27FC236}">
+                <a16:creationId xmlns:a16="http://schemas.microsoft.com/office/drawing/2014/main" id="{A070AB84-CE81-20C1-DD26-A06B1204E95E}"/>
+              </a:ext>
+            </a:extLst>
+          </p:cNvPr>
+          <p:cNvSpPr txBox="1"/>
+          <p:nvPr/>
+        </p:nvSpPr>
+        <p:spPr>
+          <a:xfrm>
+            <a:off x="1600432" y="2861709"/>
+            <a:ext cx="11608230" cy="4437433"/>
+          </a:xfrm>
+          <a:prstGeom prst="rect">
+            <a:avLst/>
+          </a:prstGeom>
+          <a:noFill/>
+        </p:spPr>
+        <p:txBody>
+          <a:bodyPr wrap="square">
+            <a:spAutoFit/>
+          </a:bodyPr>
+          <a:lstStyle/>
+          <a:p>
+            <a:pPr marL="527237" lvl="1" indent="-263619" algn="l">
+              <a:lnSpc>
+                <a:spcPts val="3418"/>
+              </a:lnSpc>
+              <a:spcBef>
+                <a:spcPct val="0"/>
+              </a:spcBef>
+              <a:buFont typeface="Arial"/>
+              <a:buChar char="•"/>
+            </a:pPr>
+            <a:r>
+              <a:rPr lang="nl-NL" sz="2442" u="none" strike="noStrike" spc="-48" dirty="0">
+                <a:solidFill>
+                  <a:srgbClr val="051D40"/>
+                </a:solidFill>
+                <a:latin typeface="Poppins"/>
+              </a:rPr>
+              <a:t>Kennismaken met de technieken</a:t>
+            </a:r>
+          </a:p>
+          <a:p>
+            <a:pPr marL="527237" lvl="1" indent="-263619" algn="l">
+              <a:lnSpc>
+                <a:spcPts val="3418"/>
+              </a:lnSpc>
+              <a:spcBef>
+                <a:spcPct val="0"/>
+              </a:spcBef>
+              <a:buFont typeface="Arial"/>
+              <a:buChar char="•"/>
+            </a:pPr>
+            <a:r>
+              <a:rPr lang="nl-NL" sz="2442" spc="-48" dirty="0">
+                <a:solidFill>
+                  <a:srgbClr val="051D40"/>
+                </a:solidFill>
+                <a:latin typeface="Poppins"/>
+              </a:rPr>
+              <a:t>Project aanmaken + opzetten</a:t>
+            </a:r>
+          </a:p>
+          <a:p>
+            <a:pPr marL="527237" lvl="1" indent="-263619" algn="l">
+              <a:lnSpc>
+                <a:spcPts val="3418"/>
+              </a:lnSpc>
+              <a:spcBef>
+                <a:spcPct val="0"/>
+              </a:spcBef>
+              <a:buFont typeface="Arial"/>
+              <a:buChar char="•"/>
+            </a:pPr>
+            <a:r>
+              <a:rPr lang="nl-NL" sz="2442" u="none" strike="noStrike" spc="-48" dirty="0" err="1">
+                <a:solidFill>
+                  <a:srgbClr val="051D40"/>
+                </a:solidFill>
+                <a:latin typeface="Poppins"/>
+              </a:rPr>
+              <a:t>RootLayout</a:t>
+            </a:r>
+            <a:endParaRPr lang="nl-NL" sz="2442" u="none" strike="noStrike" spc="-48" dirty="0">
+              <a:solidFill>
+                <a:srgbClr val="051D40"/>
+              </a:solidFill>
+              <a:latin typeface="Poppins"/>
+            </a:endParaRPr>
+          </a:p>
+          <a:p>
+            <a:pPr marL="984437" lvl="2" indent="-263619">
+              <a:lnSpc>
+                <a:spcPts val="3418"/>
+              </a:lnSpc>
+              <a:spcBef>
+                <a:spcPct val="0"/>
+              </a:spcBef>
+              <a:buFont typeface="Arial"/>
+              <a:buChar char="•"/>
+            </a:pPr>
+            <a:r>
+              <a:rPr lang="nl-NL" sz="2442" spc="-48" dirty="0">
+                <a:solidFill>
+                  <a:srgbClr val="051D40"/>
+                </a:solidFill>
+                <a:latin typeface="Poppins"/>
+              </a:rPr>
+              <a:t>Sidebar</a:t>
+            </a:r>
+          </a:p>
+          <a:p>
+            <a:pPr marL="984437" lvl="2" indent="-263619">
+              <a:lnSpc>
+                <a:spcPts val="3418"/>
+              </a:lnSpc>
+              <a:spcBef>
+                <a:spcPct val="0"/>
+              </a:spcBef>
+              <a:buFont typeface="Arial"/>
+              <a:buChar char="•"/>
+            </a:pPr>
+            <a:r>
+              <a:rPr lang="nl-NL" sz="2442" spc="-48" dirty="0" err="1">
+                <a:solidFill>
+                  <a:srgbClr val="051D40"/>
+                </a:solidFill>
+                <a:latin typeface="Poppins"/>
+              </a:rPr>
+              <a:t>Navbar</a:t>
+            </a:r>
+            <a:endParaRPr lang="nl-NL" sz="2442" u="none" strike="noStrike" spc="-48" dirty="0">
+              <a:solidFill>
+                <a:srgbClr val="051D40"/>
+              </a:solidFill>
+              <a:latin typeface="Poppins"/>
+            </a:endParaRPr>
+          </a:p>
+          <a:p>
+            <a:pPr marL="527237" lvl="1" indent="-263619" algn="l">
+              <a:lnSpc>
+                <a:spcPts val="3418"/>
+              </a:lnSpc>
+              <a:spcBef>
+                <a:spcPct val="0"/>
+              </a:spcBef>
+              <a:buFont typeface="Arial"/>
+              <a:buChar char="•"/>
+            </a:pPr>
+            <a:r>
+              <a:rPr lang="nl-NL" sz="2442" spc="-48" dirty="0">
+                <a:solidFill>
+                  <a:srgbClr val="051D40"/>
+                </a:solidFill>
+                <a:latin typeface="Poppins"/>
+              </a:rPr>
+              <a:t>Tabel maken voor alle apparaten</a:t>
+            </a:r>
+          </a:p>
+          <a:p>
+            <a:pPr marL="527237" lvl="1" indent="-263619" algn="l">
+              <a:lnSpc>
+                <a:spcPts val="3418"/>
+              </a:lnSpc>
+              <a:spcBef>
+                <a:spcPct val="0"/>
+              </a:spcBef>
+              <a:buFont typeface="Arial"/>
+              <a:buChar char="•"/>
+            </a:pPr>
+            <a:r>
+              <a:rPr lang="nl-NL" sz="2442" u="none" strike="noStrike" spc="-48" dirty="0">
+                <a:solidFill>
+                  <a:srgbClr val="051D40"/>
+                </a:solidFill>
+                <a:latin typeface="Poppins"/>
+              </a:rPr>
+              <a:t>Toevoegen van een apparaat (op aparte pagina)</a:t>
+            </a:r>
+          </a:p>
+          <a:p>
+            <a:pPr marL="527237" lvl="1" indent="-263619" algn="l">
+              <a:lnSpc>
+                <a:spcPts val="3418"/>
+              </a:lnSpc>
+              <a:spcBef>
+                <a:spcPct val="0"/>
+              </a:spcBef>
+              <a:buFont typeface="Arial"/>
+              <a:buChar char="•"/>
+            </a:pPr>
+            <a:r>
+              <a:rPr lang="nl-NL" sz="2442" spc="-48" dirty="0">
+                <a:solidFill>
+                  <a:srgbClr val="051D40"/>
+                </a:solidFill>
+                <a:latin typeface="Poppins"/>
+              </a:rPr>
+              <a:t>Sorteren + filteren</a:t>
+            </a:r>
+          </a:p>
+          <a:p>
+            <a:pPr marL="527237" lvl="1" indent="-263619" algn="l">
+              <a:lnSpc>
+                <a:spcPts val="3418"/>
+              </a:lnSpc>
+              <a:spcBef>
+                <a:spcPct val="0"/>
+              </a:spcBef>
+              <a:buFont typeface="Arial"/>
+              <a:buChar char="•"/>
+            </a:pPr>
+            <a:r>
+              <a:rPr lang="nl-NL" sz="2442" u="none" strike="noStrike" spc="-48" dirty="0">
+                <a:solidFill>
+                  <a:srgbClr val="051D40"/>
+                </a:solidFill>
+                <a:latin typeface="Poppins"/>
+              </a:rPr>
+              <a:t>Uitleenve</a:t>
+            </a:r>
+            <a:r>
+              <a:rPr lang="nl-NL" sz="2442" spc="-48" dirty="0">
+                <a:solidFill>
+                  <a:srgbClr val="051D40"/>
+                </a:solidFill>
+                <a:latin typeface="Poppins"/>
+              </a:rPr>
+              <a:t>rzoek + ‘goedkeur’ pagina</a:t>
+            </a:r>
+          </a:p>
+          <a:p>
+            <a:pPr marL="527237" lvl="1" indent="-263619" algn="l">
+              <a:lnSpc>
+                <a:spcPts val="3418"/>
+              </a:lnSpc>
+              <a:spcBef>
+                <a:spcPct val="0"/>
+              </a:spcBef>
+              <a:buFont typeface="Arial"/>
+              <a:buChar char="•"/>
+            </a:pPr>
+            <a:r>
+              <a:rPr lang="nl-NL" sz="2442" u="none" strike="noStrike" spc="-48" dirty="0">
+                <a:solidFill>
+                  <a:srgbClr val="051D40"/>
+                </a:solidFill>
+                <a:latin typeface="Poppins"/>
+              </a:rPr>
+              <a:t>Loginpagina + Tokens</a:t>
+            </a:r>
+          </a:p>
+        </p:txBody>
+      </p:sp>
+      <p:sp>
+        <p:nvSpPr>
+          <p:cNvPr id="23" name="Tijdelijke aanduiding voor dianummer 22">
+            <a:extLst>
+              <a:ext uri="{FF2B5EF4-FFF2-40B4-BE49-F238E27FC236}">
+                <a16:creationId xmlns:a16="http://schemas.microsoft.com/office/drawing/2014/main" id="{1B20AA7A-22E8-2DAB-8C62-3D0B71F7BE05}"/>
+              </a:ext>
+            </a:extLst>
+          </p:cNvPr>
+          <p:cNvSpPr>
+            <a:spLocks noGrp="1"/>
+          </p:cNvSpPr>
+          <p:nvPr>
+            <p:ph type="sldNum" sz="quarter" idx="12"/>
+          </p:nvPr>
+        </p:nvSpPr>
+        <p:spPr/>
+        <p:txBody>
+          <a:bodyPr/>
+          <a:lstStyle/>
+          <a:p>
+            <a:fld id="{B6F15528-21DE-4FAA-801E-634DDDAF4B2B}" type="slidenum">
+              <a:rPr lang="en-US" smtClean="0"/>
+              <a:pPr/>
+              <a:t>8</a:t>
+            </a:fld>
+            <a:endParaRPr lang="en-US"/>
+          </a:p>
+        </p:txBody>
+      </p:sp>
+    </p:spTree>
+    <p:extLst>
+      <p:ext uri="{BB962C8B-B14F-4D97-AF65-F5344CB8AC3E}">
+        <p14:creationId xmlns:p14="http://schemas.microsoft.com/office/powerpoint/2010/main" val="2305034236"/>
+      </p:ext>
+    </p:extLst>
+  </p:cSld>
+  <p:clrMapOvr>
+    <a:masterClrMapping/>
+  </p:clrMapOvr>
+</p:sld>
+</file>
+
+<file path=ppt/slides/slide9.xml><?xml version="1.0" encoding="utf-8"?>
 <p:sld xmlns:a="http://schemas.openxmlformats.org/drawingml/2006/main" xmlns:r="http://schemas.openxmlformats.org/officeDocument/2006/relationships" xmlns:p="http://schemas.openxmlformats.org/presentationml/2006/main">
   <p:cSld>
     <p:bg>
@@ -8551,7 +12417,7 @@
         <p:spPr>
           <a:xfrm>
             <a:off x="1270420" y="2673001"/>
-            <a:ext cx="9913189" cy="3003899"/>
+            <a:ext cx="9913189" cy="3379387"/>
           </a:xfrm>
           <a:prstGeom prst="rect">
             <a:avLst/>
@@ -8878,6 +12744,93 @@
                 <a:latin typeface="Poppins"/>
               </a:rPr>
               <a:t>Role based JSON Web Tokens</a:t>
+            </a:r>
+          </a:p>
+          <a:p>
+            <a:pPr marL="342900" indent="-342900">
+              <a:buFont typeface="Arial" panose="020B0604020202020204" pitchFamily="34" charset="0"/>
+              <a:buChar char="•"/>
+            </a:pPr>
+            <a:r>
+              <a:rPr lang="en-US" sz="2440" spc="-46" dirty="0">
+                <a:solidFill>
+                  <a:srgbClr val="FDFDFD"/>
+                </a:solidFill>
+                <a:latin typeface="Poppins"/>
+              </a:rPr>
+              <a:t>En </a:t>
+            </a:r>
+            <a:r>
+              <a:rPr lang="en-US" sz="2440" spc="-46" dirty="0" err="1">
+                <a:solidFill>
+                  <a:srgbClr val="FDFDFD"/>
+                </a:solidFill>
+                <a:latin typeface="Poppins"/>
+              </a:rPr>
+              <a:t>nog</a:t>
+            </a:r>
+            <a:r>
+              <a:rPr lang="en-US" sz="2440" spc="-46" dirty="0">
+                <a:solidFill>
+                  <a:srgbClr val="FDFDFD"/>
+                </a:solidFill>
+                <a:latin typeface="Poppins"/>
+              </a:rPr>
+              <a:t> </a:t>
+            </a:r>
+            <a:r>
+              <a:rPr lang="en-US" sz="2440" spc="-46" dirty="0" err="1">
+                <a:solidFill>
+                  <a:srgbClr val="FDFDFD"/>
+                </a:solidFill>
+                <a:latin typeface="Poppins"/>
+              </a:rPr>
+              <a:t>veel</a:t>
+            </a:r>
+            <a:r>
+              <a:rPr lang="en-US" sz="2440" spc="-46" dirty="0">
+                <a:solidFill>
+                  <a:srgbClr val="FDFDFD"/>
+                </a:solidFill>
+                <a:latin typeface="Poppins"/>
+              </a:rPr>
+              <a:t> </a:t>
+            </a:r>
+            <a:r>
+              <a:rPr lang="en-US" sz="2440" spc="-46" dirty="0" err="1">
+                <a:solidFill>
+                  <a:srgbClr val="FDFDFD"/>
+                </a:solidFill>
+                <a:latin typeface="Poppins"/>
+              </a:rPr>
+              <a:t>meer</a:t>
+            </a:r>
+            <a:r>
+              <a:rPr lang="en-US" sz="2440" spc="-46" dirty="0">
+                <a:solidFill>
+                  <a:srgbClr val="FDFDFD"/>
+                </a:solidFill>
+                <a:latin typeface="Poppins"/>
+              </a:rPr>
+              <a:t> Kleine </a:t>
+            </a:r>
+            <a:r>
+              <a:rPr lang="en-US" sz="2440" spc="-46" dirty="0" err="1">
+                <a:solidFill>
+                  <a:srgbClr val="FDFDFD"/>
+                </a:solidFill>
+                <a:latin typeface="Poppins"/>
+              </a:rPr>
+              <a:t>zaken</a:t>
+            </a:r>
+            <a:r>
+              <a:rPr lang="en-US" sz="2440" spc="-46" dirty="0">
+                <a:solidFill>
+                  <a:srgbClr val="FDFDFD"/>
+                </a:solidFill>
+                <a:latin typeface="Poppins"/>
+              </a:rPr>
+              <a:t>…</a:t>
             </a:r>
           </a:p>
         </p:txBody>
@@ -9000,1030 +12953,33 @@
           </p:txBody>
         </p:sp>
       </p:grpSp>
-    </p:spTree>
-  </p:cSld>
-  <p:clrMapOvr>
-    <a:masterClrMapping/>
-  </p:clrMapOvr>
-</p:sld>
-</file>
-
-<file path=ppt/slides/slide9.xml><?xml version="1.0" encoding="utf-8"?>
-<p:sld xmlns:a="http://schemas.openxmlformats.org/drawingml/2006/main" xmlns:r="http://schemas.openxmlformats.org/officeDocument/2006/relationships" xmlns:p="http://schemas.openxmlformats.org/presentationml/2006/main">
-  <p:cSld>
-    <p:bg>
-      <p:bgPr>
-        <a:solidFill>
-          <a:srgbClr val="FDFDFD"/>
-        </a:solidFill>
-        <a:effectLst/>
-      </p:bgPr>
-    </p:bg>
-    <p:spTree>
-      <p:nvGrpSpPr>
-        <p:cNvPr id="1" name=""/>
-        <p:cNvGrpSpPr/>
-        <p:nvPr/>
-      </p:nvGrpSpPr>
-      <p:grpSpPr>
-        <a:xfrm>
-          <a:off x="0" y="0"/>
-          <a:ext cx="0" cy="0"/>
-          <a:chOff x="0" y="0"/>
-          <a:chExt cx="0" cy="0"/>
-        </a:xfrm>
-      </p:grpSpPr>
-      <p:grpSp>
-        <p:nvGrpSpPr>
-          <p:cNvPr id="2" name="Group 2"/>
-          <p:cNvGrpSpPr/>
-          <p:nvPr/>
-        </p:nvGrpSpPr>
-        <p:grpSpPr>
-          <a:xfrm rot="5491349">
-            <a:off x="15941477" y="-2395089"/>
-            <a:ext cx="4693046" cy="4693046"/>
-            <a:chOff x="0" y="0"/>
-            <a:chExt cx="812800" cy="812800"/>
-          </a:xfrm>
-        </p:grpSpPr>
-        <p:sp>
-          <p:nvSpPr>
-            <p:cNvPr id="3" name="Freeform 3"/>
-            <p:cNvSpPr/>
-            <p:nvPr/>
-          </p:nvSpPr>
-          <p:spPr>
-            <a:xfrm>
-              <a:off x="0" y="0"/>
-              <a:ext cx="812800" cy="812800"/>
-            </a:xfrm>
-            <a:custGeom>
-              <a:avLst/>
-              <a:gdLst/>
-              <a:ahLst/>
-              <a:cxnLst/>
-              <a:rect l="l" t="t" r="r" b="b"/>
-              <a:pathLst>
-                <a:path w="812800" h="812800">
-                  <a:moveTo>
-                    <a:pt x="406400" y="0"/>
-                  </a:moveTo>
-                  <a:cubicBezTo>
-                    <a:pt x="181951" y="0"/>
-                    <a:pt x="0" y="181951"/>
-                    <a:pt x="0" y="406400"/>
-                  </a:cubicBezTo>
-                  <a:cubicBezTo>
-                    <a:pt x="0" y="630849"/>
-                    <a:pt x="181951" y="812800"/>
-                    <a:pt x="406400" y="812800"/>
-                  </a:cubicBezTo>
-                  <a:cubicBezTo>
-                    <a:pt x="630849" y="812800"/>
-                    <a:pt x="812800" y="630849"/>
-                    <a:pt x="812800" y="406400"/>
-                  </a:cubicBezTo>
-                  <a:cubicBezTo>
-                    <a:pt x="812800" y="181951"/>
-                    <a:pt x="630849" y="0"/>
-                    <a:pt x="406400" y="0"/>
-                  </a:cubicBezTo>
-                  <a:close/>
-                </a:path>
-              </a:pathLst>
-            </a:custGeom>
-            <a:solidFill>
-              <a:srgbClr val="000000">
-                <a:alpha val="0"/>
-              </a:srgbClr>
-            </a:solidFill>
-            <a:ln w="952500" cap="sq">
-              <a:solidFill>
-                <a:srgbClr val="C23350"/>
-              </a:solidFill>
-              <a:prstDash val="solid"/>
-              <a:miter/>
-            </a:ln>
-          </p:spPr>
-          <p:txBody>
-            <a:bodyPr/>
-            <a:lstStyle/>
-            <a:p>
-              <a:endParaRPr lang="nl-NL"/>
-            </a:p>
-          </p:txBody>
-        </p:sp>
-        <p:sp>
-          <p:nvSpPr>
-            <p:cNvPr id="4" name="TextBox 4"/>
-            <p:cNvSpPr txBox="1"/>
-            <p:nvPr/>
-          </p:nvSpPr>
-          <p:spPr>
-            <a:xfrm>
-              <a:off x="76200" y="38100"/>
-              <a:ext cx="660400" cy="698500"/>
-            </a:xfrm>
-            <a:prstGeom prst="rect">
-              <a:avLst/>
-            </a:prstGeom>
-          </p:spPr>
-          <p:txBody>
-            <a:bodyPr lIns="50800" tIns="50800" rIns="50800" bIns="50800" rtlCol="0" anchor="ctr"/>
-            <a:lstStyle/>
-            <a:p>
-              <a:pPr algn="ctr">
-                <a:lnSpc>
-                  <a:spcPts val="2659"/>
-                </a:lnSpc>
-                <a:spcBef>
-                  <a:spcPct val="0"/>
-                </a:spcBef>
-              </a:pPr>
-              <a:endParaRPr/>
-            </a:p>
-          </p:txBody>
-        </p:sp>
-      </p:grpSp>
-      <p:grpSp>
-        <p:nvGrpSpPr>
-          <p:cNvPr id="5" name="Group 5"/>
-          <p:cNvGrpSpPr/>
-          <p:nvPr/>
-        </p:nvGrpSpPr>
-        <p:grpSpPr>
-          <a:xfrm>
-            <a:off x="-4455492" y="5464854"/>
-            <a:ext cx="7019697" cy="10556306"/>
-            <a:chOff x="0" y="0"/>
-            <a:chExt cx="660400" cy="993118"/>
-          </a:xfrm>
-        </p:grpSpPr>
-        <p:sp>
-          <p:nvSpPr>
-            <p:cNvPr id="6" name="Freeform 6"/>
-            <p:cNvSpPr/>
-            <p:nvPr/>
-          </p:nvSpPr>
-          <p:spPr>
-            <a:xfrm>
-              <a:off x="0" y="0"/>
-              <a:ext cx="660400" cy="993118"/>
-            </a:xfrm>
-            <a:custGeom>
-              <a:avLst/>
-              <a:gdLst/>
-              <a:ahLst/>
-              <a:cxnLst/>
-              <a:rect l="l" t="t" r="r" b="b"/>
-              <a:pathLst>
-                <a:path w="660400" h="993118">
-                  <a:moveTo>
-                    <a:pt x="220252" y="19070"/>
-                  </a:moveTo>
-                  <a:cubicBezTo>
-                    <a:pt x="254000" y="7556"/>
-                    <a:pt x="292600" y="0"/>
-                    <a:pt x="330378" y="0"/>
-                  </a:cubicBezTo>
-                  <a:cubicBezTo>
-                    <a:pt x="368157" y="0"/>
-                    <a:pt x="404509" y="6476"/>
-                    <a:pt x="438009" y="17990"/>
-                  </a:cubicBezTo>
-                  <a:cubicBezTo>
-                    <a:pt x="438723" y="18350"/>
-                    <a:pt x="439435" y="18350"/>
-                    <a:pt x="440148" y="18710"/>
-                  </a:cubicBezTo>
-                  <a:cubicBezTo>
-                    <a:pt x="565955" y="64765"/>
-                    <a:pt x="658618" y="186379"/>
-                    <a:pt x="660400" y="332507"/>
-                  </a:cubicBezTo>
-                  <a:lnTo>
-                    <a:pt x="660400" y="993118"/>
-                  </a:lnTo>
-                  <a:lnTo>
-                    <a:pt x="0" y="993118"/>
-                  </a:lnTo>
-                  <a:lnTo>
-                    <a:pt x="0" y="332998"/>
-                  </a:lnTo>
-                  <a:cubicBezTo>
-                    <a:pt x="1782" y="185660"/>
-                    <a:pt x="93019" y="64045"/>
-                    <a:pt x="220252" y="19070"/>
-                  </a:cubicBezTo>
-                  <a:close/>
-                </a:path>
-              </a:pathLst>
-            </a:custGeom>
-            <a:solidFill>
-              <a:srgbClr val="C23350"/>
-            </a:solidFill>
-          </p:spPr>
-          <p:txBody>
-            <a:bodyPr/>
-            <a:lstStyle/>
-            <a:p>
-              <a:endParaRPr lang="nl-NL"/>
-            </a:p>
-          </p:txBody>
-        </p:sp>
-        <p:sp>
-          <p:nvSpPr>
-            <p:cNvPr id="7" name="TextBox 7"/>
-            <p:cNvSpPr txBox="1"/>
-            <p:nvPr/>
-          </p:nvSpPr>
-          <p:spPr>
-            <a:xfrm>
-              <a:off x="0" y="88900"/>
-              <a:ext cx="660400" cy="904218"/>
-            </a:xfrm>
-            <a:prstGeom prst="rect">
-              <a:avLst/>
-            </a:prstGeom>
-          </p:spPr>
-          <p:txBody>
-            <a:bodyPr lIns="50800" tIns="50800" rIns="50800" bIns="50800" rtlCol="0" anchor="ctr"/>
-            <a:lstStyle/>
-            <a:p>
-              <a:pPr algn="ctr">
-                <a:lnSpc>
-                  <a:spcPts val="2659"/>
-                </a:lnSpc>
-                <a:spcBef>
-                  <a:spcPct val="0"/>
-                </a:spcBef>
-              </a:pPr>
-              <a:endParaRPr/>
-            </a:p>
-          </p:txBody>
-        </p:sp>
-      </p:grpSp>
       <p:sp>
         <p:nvSpPr>
-          <p:cNvPr id="8" name="TextBox 8"/>
-          <p:cNvSpPr txBox="1"/>
-          <p:nvPr/>
+          <p:cNvPr id="11" name="Tijdelijke aanduiding voor dianummer 10">
+            <a:extLst>
+              <a:ext uri="{FF2B5EF4-FFF2-40B4-BE49-F238E27FC236}">
+                <a16:creationId xmlns:a16="http://schemas.microsoft.com/office/drawing/2014/main" id="{254F914A-F247-7B5B-3BEA-39D0C067ADC9}"/>
+              </a:ext>
+            </a:extLst>
+          </p:cNvPr>
+          <p:cNvSpPr>
+            <a:spLocks noGrp="1"/>
+          </p:cNvSpPr>
+          <p:nvPr>
+            <p:ph type="sldNum" sz="quarter" idx="12"/>
+          </p:nvPr>
         </p:nvSpPr>
-        <p:spPr>
-          <a:xfrm>
-            <a:off x="3493921" y="2208035"/>
-            <a:ext cx="10117882" cy="3436607"/>
-          </a:xfrm>
-          <a:prstGeom prst="rect">
-            <a:avLst/>
-          </a:prstGeom>
-        </p:spPr>
+        <p:spPr/>
         <p:txBody>
-          <a:bodyPr lIns="0" tIns="0" rIns="0" bIns="0" rtlCol="0" anchor="t">
-            <a:spAutoFit/>
-          </a:bodyPr>
+          <a:bodyPr/>
           <a:lstStyle/>
           <a:p>
-            <a:pPr algn="l">
-              <a:lnSpc>
-                <a:spcPts val="3418"/>
-              </a:lnSpc>
-            </a:pPr>
-            <a:r>
-              <a:rPr lang="en-US" sz="2442" spc="-48" dirty="0">
-                <a:solidFill>
-                  <a:srgbClr val="051D40"/>
-                </a:solidFill>
-                <a:latin typeface="Poppins"/>
-              </a:rPr>
-              <a:t>Om </a:t>
-            </a:r>
-            <a:r>
-              <a:rPr lang="en-US" sz="2442" spc="-48" dirty="0" err="1">
-                <a:solidFill>
-                  <a:srgbClr val="051D40"/>
-                </a:solidFill>
-                <a:latin typeface="Poppins"/>
-              </a:rPr>
-              <a:t>uitbreiding</a:t>
-            </a:r>
-            <a:r>
-              <a:rPr lang="en-US" sz="2442" spc="-48" dirty="0">
-                <a:solidFill>
-                  <a:srgbClr val="051D40"/>
-                </a:solidFill>
-                <a:latin typeface="Poppins"/>
-              </a:rPr>
-              <a:t> </a:t>
-            </a:r>
-            <a:r>
-              <a:rPr lang="en-US" sz="2442" spc="-48" dirty="0" err="1">
-                <a:solidFill>
-                  <a:srgbClr val="051D40"/>
-                </a:solidFill>
-                <a:latin typeface="Poppins"/>
-              </a:rPr>
-              <a:t>en</a:t>
-            </a:r>
-            <a:r>
-              <a:rPr lang="en-US" sz="2442" spc="-48" dirty="0">
-                <a:solidFill>
-                  <a:srgbClr val="051D40"/>
-                </a:solidFill>
-                <a:latin typeface="Poppins"/>
-              </a:rPr>
-              <a:t> </a:t>
-            </a:r>
-            <a:r>
-              <a:rPr lang="en-US" sz="2442" spc="-48" dirty="0" err="1">
-                <a:solidFill>
-                  <a:srgbClr val="051D40"/>
-                </a:solidFill>
-                <a:latin typeface="Poppins"/>
-              </a:rPr>
-              <a:t>onderhoud</a:t>
-            </a:r>
-            <a:r>
-              <a:rPr lang="en-US" sz="2442" spc="-48" dirty="0">
-                <a:solidFill>
-                  <a:srgbClr val="051D40"/>
-                </a:solidFill>
-                <a:latin typeface="Poppins"/>
-              </a:rPr>
-              <a:t> zo </a:t>
-            </a:r>
-            <a:r>
-              <a:rPr lang="en-US" sz="2442" spc="-48" dirty="0" err="1">
-                <a:solidFill>
-                  <a:srgbClr val="051D40"/>
-                </a:solidFill>
-                <a:latin typeface="Poppins"/>
-              </a:rPr>
-              <a:t>eenvoudig</a:t>
-            </a:r>
-            <a:r>
-              <a:rPr lang="en-US" sz="2442" spc="-48" dirty="0">
-                <a:solidFill>
-                  <a:srgbClr val="051D40"/>
-                </a:solidFill>
-                <a:latin typeface="Poppins"/>
-              </a:rPr>
-              <a:t> </a:t>
-            </a:r>
-            <a:r>
-              <a:rPr lang="en-US" sz="2442" spc="-48" dirty="0" err="1">
-                <a:solidFill>
-                  <a:srgbClr val="051D40"/>
-                </a:solidFill>
-                <a:latin typeface="Poppins"/>
-              </a:rPr>
-              <a:t>mogelijk</a:t>
-            </a:r>
-            <a:r>
-              <a:rPr lang="en-US" sz="2442" spc="-48" dirty="0">
-                <a:solidFill>
-                  <a:srgbClr val="051D40"/>
-                </a:solidFill>
-                <a:latin typeface="Poppins"/>
-              </a:rPr>
-              <a:t> </a:t>
-            </a:r>
-            <a:r>
-              <a:rPr lang="en-US" sz="2442" spc="-48" dirty="0" err="1">
-                <a:solidFill>
-                  <a:srgbClr val="051D40"/>
-                </a:solidFill>
-                <a:latin typeface="Poppins"/>
-              </a:rPr>
-              <a:t>te</a:t>
-            </a:r>
-            <a:r>
-              <a:rPr lang="en-US" sz="2442" spc="-48" dirty="0">
-                <a:solidFill>
-                  <a:srgbClr val="051D40"/>
-                </a:solidFill>
-                <a:latin typeface="Poppins"/>
-              </a:rPr>
-              <a:t> </a:t>
-            </a:r>
-            <a:r>
-              <a:rPr lang="en-US" sz="2442" spc="-48" dirty="0" err="1">
-                <a:solidFill>
-                  <a:srgbClr val="051D40"/>
-                </a:solidFill>
-                <a:latin typeface="Poppins"/>
-              </a:rPr>
-              <a:t>maken</a:t>
-            </a:r>
-            <a:r>
-              <a:rPr lang="en-US" sz="2442" spc="-48" dirty="0">
-                <a:solidFill>
-                  <a:srgbClr val="051D40"/>
-                </a:solidFill>
-                <a:latin typeface="Poppins"/>
-              </a:rPr>
-              <a:t>, is er </a:t>
-            </a:r>
-            <a:r>
-              <a:rPr lang="en-US" sz="2442" spc="-48" dirty="0" err="1">
-                <a:solidFill>
-                  <a:srgbClr val="051D40"/>
-                </a:solidFill>
-                <a:latin typeface="Poppins"/>
-              </a:rPr>
-              <a:t>een</a:t>
-            </a:r>
-            <a:r>
-              <a:rPr lang="en-US" sz="2442" spc="-48" dirty="0">
-                <a:solidFill>
-                  <a:srgbClr val="051D40"/>
-                </a:solidFill>
-                <a:latin typeface="Poppins"/>
-              </a:rPr>
-              <a:t> </a:t>
-            </a:r>
-            <a:r>
-              <a:rPr lang="en-US" sz="2442" spc="-48" dirty="0" err="1">
-                <a:solidFill>
-                  <a:srgbClr val="051D40"/>
-                </a:solidFill>
-                <a:latin typeface="Poppins"/>
-              </a:rPr>
-              <a:t>wikipagina</a:t>
-            </a:r>
-            <a:r>
-              <a:rPr lang="en-US" sz="2442" spc="-48" dirty="0">
-                <a:solidFill>
-                  <a:srgbClr val="051D40"/>
-                </a:solidFill>
-                <a:latin typeface="Poppins"/>
-              </a:rPr>
-              <a:t> </a:t>
-            </a:r>
-            <a:r>
-              <a:rPr lang="en-US" sz="2442" spc="-48" dirty="0" err="1">
-                <a:solidFill>
-                  <a:srgbClr val="051D40"/>
-                </a:solidFill>
-                <a:latin typeface="Poppins"/>
-              </a:rPr>
-              <a:t>gemaakt</a:t>
-            </a:r>
-            <a:r>
-              <a:rPr lang="en-US" sz="2442" spc="-48" dirty="0">
-                <a:solidFill>
-                  <a:srgbClr val="051D40"/>
-                </a:solidFill>
-                <a:latin typeface="Poppins"/>
-              </a:rPr>
-              <a:t>. Op de </a:t>
-            </a:r>
-            <a:r>
-              <a:rPr lang="en-US" sz="2442" spc="-48" dirty="0" err="1">
-                <a:solidFill>
-                  <a:srgbClr val="051D40"/>
-                </a:solidFill>
-                <a:latin typeface="Poppins"/>
-              </a:rPr>
-              <a:t>pagina</a:t>
-            </a:r>
-            <a:r>
-              <a:rPr lang="en-US" sz="2442" spc="-48" dirty="0">
-                <a:solidFill>
-                  <a:srgbClr val="051D40"/>
-                </a:solidFill>
-                <a:latin typeface="Poppins"/>
-              </a:rPr>
-              <a:t> </a:t>
-            </a:r>
-            <a:r>
-              <a:rPr lang="en-US" sz="2442" spc="-48" dirty="0" err="1">
-                <a:solidFill>
-                  <a:srgbClr val="051D40"/>
-                </a:solidFill>
-                <a:latin typeface="Poppins"/>
-              </a:rPr>
-              <a:t>zijn</a:t>
-            </a:r>
-            <a:r>
-              <a:rPr lang="en-US" sz="2442" spc="-48" dirty="0">
-                <a:solidFill>
-                  <a:srgbClr val="051D40"/>
-                </a:solidFill>
-                <a:latin typeface="Poppins"/>
-              </a:rPr>
-              <a:t> </a:t>
-            </a:r>
-            <a:r>
-              <a:rPr lang="en-US" sz="2442" spc="-48" dirty="0" err="1">
-                <a:solidFill>
-                  <a:srgbClr val="051D40"/>
-                </a:solidFill>
-                <a:latin typeface="Poppins"/>
-              </a:rPr>
-              <a:t>gedetailleerde</a:t>
-            </a:r>
-            <a:r>
-              <a:rPr lang="en-US" sz="2442" spc="-48" dirty="0">
-                <a:solidFill>
-                  <a:srgbClr val="051D40"/>
-                </a:solidFill>
-                <a:latin typeface="Poppins"/>
-              </a:rPr>
-              <a:t> </a:t>
-            </a:r>
-            <a:r>
-              <a:rPr lang="en-US" sz="2442" spc="-48">
-                <a:solidFill>
-                  <a:srgbClr val="051D40"/>
-                </a:solidFill>
-                <a:latin typeface="Poppins"/>
-              </a:rPr>
-              <a:t>uitwerkingen</a:t>
-            </a:r>
-            <a:r>
-              <a:rPr lang="en-US" sz="2442" spc="-48" dirty="0">
-                <a:solidFill>
-                  <a:srgbClr val="051D40"/>
-                </a:solidFill>
-                <a:latin typeface="Poppins"/>
-              </a:rPr>
-              <a:t> </a:t>
-            </a:r>
-            <a:r>
-              <a:rPr lang="en-US" sz="2442" spc="-48" dirty="0" err="1">
-                <a:solidFill>
-                  <a:srgbClr val="051D40"/>
-                </a:solidFill>
-                <a:latin typeface="Poppins"/>
-              </a:rPr>
-              <a:t>te</a:t>
-            </a:r>
-            <a:r>
-              <a:rPr lang="en-US" sz="2442" spc="-48" dirty="0">
-                <a:solidFill>
-                  <a:srgbClr val="051D40"/>
-                </a:solidFill>
-                <a:latin typeface="Poppins"/>
-              </a:rPr>
-              <a:t> </a:t>
-            </a:r>
-            <a:r>
-              <a:rPr lang="en-US" sz="2442" spc="-48" dirty="0" err="1">
-                <a:solidFill>
-                  <a:srgbClr val="051D40"/>
-                </a:solidFill>
-                <a:latin typeface="Poppins"/>
-              </a:rPr>
-              <a:t>vinden</a:t>
-            </a:r>
-            <a:r>
-              <a:rPr lang="en-US" sz="2442" spc="-48" dirty="0">
-                <a:solidFill>
-                  <a:srgbClr val="051D40"/>
-                </a:solidFill>
-                <a:latin typeface="Poppins"/>
-              </a:rPr>
-              <a:t> van het project</a:t>
-            </a:r>
-          </a:p>
-          <a:p>
-            <a:pPr algn="l">
-              <a:lnSpc>
-                <a:spcPts val="3418"/>
-              </a:lnSpc>
-            </a:pPr>
-            <a:endParaRPr lang="en-US" sz="2442" spc="-48" dirty="0">
-              <a:solidFill>
-                <a:srgbClr val="051D40"/>
-              </a:solidFill>
-              <a:latin typeface="Poppins"/>
-            </a:endParaRPr>
-          </a:p>
-          <a:p>
-            <a:pPr algn="l">
-              <a:lnSpc>
-                <a:spcPts val="3418"/>
-              </a:lnSpc>
-            </a:pPr>
-            <a:r>
-              <a:rPr lang="en-US" sz="2442" spc="-48" dirty="0">
-                <a:solidFill>
-                  <a:srgbClr val="051D40"/>
-                </a:solidFill>
-                <a:latin typeface="Poppins"/>
-              </a:rPr>
-              <a:t>Ook </a:t>
-            </a:r>
-            <a:r>
-              <a:rPr lang="en-US" sz="2442" spc="-48" dirty="0" err="1">
-                <a:solidFill>
-                  <a:srgbClr val="051D40"/>
-                </a:solidFill>
-                <a:latin typeface="Poppins"/>
-              </a:rPr>
-              <a:t>worden</a:t>
-            </a:r>
-            <a:r>
-              <a:rPr lang="en-US" sz="2442" spc="-48" dirty="0">
-                <a:solidFill>
-                  <a:srgbClr val="051D40"/>
-                </a:solidFill>
-                <a:latin typeface="Poppins"/>
-              </a:rPr>
-              <a:t> er </a:t>
-            </a:r>
-            <a:r>
-              <a:rPr lang="en-US" sz="2442" spc="-48" dirty="0" err="1">
-                <a:solidFill>
-                  <a:srgbClr val="051D40"/>
-                </a:solidFill>
-                <a:latin typeface="Poppins"/>
-              </a:rPr>
-              <a:t>voorbeelden</a:t>
-            </a:r>
-            <a:r>
-              <a:rPr lang="en-US" sz="2442" spc="-48" dirty="0">
-                <a:solidFill>
-                  <a:srgbClr val="051D40"/>
-                </a:solidFill>
-                <a:latin typeface="Poppins"/>
-              </a:rPr>
-              <a:t> </a:t>
-            </a:r>
-            <a:r>
-              <a:rPr lang="en-US" sz="2442" spc="-48" dirty="0" err="1">
-                <a:solidFill>
-                  <a:srgbClr val="051D40"/>
-                </a:solidFill>
-                <a:latin typeface="Poppins"/>
-              </a:rPr>
-              <a:t>gegeven</a:t>
-            </a:r>
-            <a:r>
-              <a:rPr lang="en-US" sz="2442" spc="-48" dirty="0">
-                <a:solidFill>
-                  <a:srgbClr val="051D40"/>
-                </a:solidFill>
-                <a:latin typeface="Poppins"/>
-              </a:rPr>
-              <a:t> op </a:t>
-            </a:r>
-            <a:r>
-              <a:rPr lang="en-US" sz="2442" spc="-48" dirty="0" err="1">
-                <a:solidFill>
-                  <a:srgbClr val="051D40"/>
-                </a:solidFill>
-                <a:latin typeface="Poppins"/>
-              </a:rPr>
-              <a:t>deze</a:t>
-            </a:r>
-            <a:r>
-              <a:rPr lang="en-US" sz="2442" spc="-48" dirty="0">
-                <a:solidFill>
-                  <a:srgbClr val="051D40"/>
-                </a:solidFill>
-                <a:latin typeface="Poppins"/>
-              </a:rPr>
-              <a:t> </a:t>
-            </a:r>
-            <a:r>
-              <a:rPr lang="en-US" sz="2442" spc="-48" dirty="0" err="1">
-                <a:solidFill>
-                  <a:srgbClr val="051D40"/>
-                </a:solidFill>
-                <a:latin typeface="Poppins"/>
-              </a:rPr>
-              <a:t>pagina</a:t>
-            </a:r>
-            <a:r>
-              <a:rPr lang="en-US" sz="2442" spc="-48" dirty="0">
-                <a:solidFill>
-                  <a:srgbClr val="051D40"/>
-                </a:solidFill>
-                <a:latin typeface="Poppins"/>
-              </a:rPr>
-              <a:t>.</a:t>
-            </a:r>
-          </a:p>
-          <a:p>
-            <a:pPr algn="l">
-              <a:lnSpc>
-                <a:spcPts val="3418"/>
-              </a:lnSpc>
-            </a:pPr>
-            <a:endParaRPr lang="en-US" sz="2442" spc="-48" dirty="0">
-              <a:solidFill>
-                <a:srgbClr val="051D40"/>
-              </a:solidFill>
-              <a:latin typeface="Poppins"/>
-            </a:endParaRPr>
-          </a:p>
-          <a:p>
-            <a:pPr algn="l">
-              <a:lnSpc>
-                <a:spcPts val="3418"/>
-              </a:lnSpc>
-              <a:spcBef>
-                <a:spcPct val="0"/>
-              </a:spcBef>
-            </a:pPr>
-            <a:r>
-              <a:rPr lang="en-US" sz="2442" spc="-48" dirty="0" err="1">
-                <a:solidFill>
-                  <a:srgbClr val="051D40"/>
-                </a:solidFill>
-                <a:latin typeface="Poppins"/>
-              </a:rPr>
-              <a:t>Verder</a:t>
-            </a:r>
-            <a:r>
-              <a:rPr lang="en-US" sz="2442" spc="-48" dirty="0">
-                <a:solidFill>
-                  <a:srgbClr val="051D40"/>
-                </a:solidFill>
-                <a:latin typeface="Poppins"/>
-              </a:rPr>
-              <a:t> </a:t>
-            </a:r>
-            <a:r>
-              <a:rPr lang="en-US" sz="2442" spc="-48" dirty="0" err="1">
-                <a:solidFill>
-                  <a:srgbClr val="051D40"/>
-                </a:solidFill>
-                <a:latin typeface="Poppins"/>
-              </a:rPr>
-              <a:t>bevat</a:t>
-            </a:r>
-            <a:r>
-              <a:rPr lang="en-US" sz="2442" spc="-48" dirty="0">
-                <a:solidFill>
-                  <a:srgbClr val="051D40"/>
-                </a:solidFill>
-                <a:latin typeface="Poppins"/>
-              </a:rPr>
-              <a:t> de code (</a:t>
-            </a:r>
-            <a:r>
-              <a:rPr lang="en-US" sz="2442" spc="-48" dirty="0" err="1">
-                <a:solidFill>
-                  <a:srgbClr val="051D40"/>
-                </a:solidFill>
-                <a:latin typeface="Poppins"/>
-              </a:rPr>
-              <a:t>uiteraard</a:t>
-            </a:r>
-            <a:r>
-              <a:rPr lang="en-US" sz="2442" spc="-48" dirty="0">
-                <a:solidFill>
-                  <a:srgbClr val="051D40"/>
-                </a:solidFill>
-                <a:latin typeface="Poppins"/>
-              </a:rPr>
-              <a:t>) </a:t>
-            </a:r>
-            <a:r>
-              <a:rPr lang="en-US" sz="2442" spc="-48" dirty="0" err="1">
-                <a:solidFill>
-                  <a:srgbClr val="051D40"/>
-                </a:solidFill>
-                <a:latin typeface="Poppins"/>
-              </a:rPr>
-              <a:t>commentaar</a:t>
-            </a:r>
-            <a:r>
-              <a:rPr lang="en-US" sz="2442" spc="-48" dirty="0">
-                <a:solidFill>
-                  <a:srgbClr val="051D40"/>
-                </a:solidFill>
-                <a:latin typeface="Poppins"/>
-              </a:rPr>
-              <a:t> </a:t>
-            </a:r>
-            <a:r>
-              <a:rPr lang="en-US" sz="2442" spc="-48" dirty="0" err="1">
-                <a:solidFill>
-                  <a:srgbClr val="051D40"/>
-                </a:solidFill>
-                <a:latin typeface="Poppins"/>
-              </a:rPr>
-              <a:t>waarin</a:t>
-            </a:r>
-            <a:r>
-              <a:rPr lang="en-US" sz="2442" spc="-48" dirty="0">
-                <a:solidFill>
-                  <a:srgbClr val="051D40"/>
-                </a:solidFill>
-                <a:latin typeface="Poppins"/>
-              </a:rPr>
-              <a:t> de classes </a:t>
-            </a:r>
-            <a:r>
-              <a:rPr lang="en-US" sz="2442" spc="-48" dirty="0" err="1">
-                <a:solidFill>
-                  <a:srgbClr val="051D40"/>
-                </a:solidFill>
-                <a:latin typeface="Poppins"/>
-              </a:rPr>
-              <a:t>en</a:t>
-            </a:r>
-            <a:r>
-              <a:rPr lang="en-US" sz="2442" spc="-48" dirty="0">
-                <a:solidFill>
-                  <a:srgbClr val="051D40"/>
-                </a:solidFill>
-                <a:latin typeface="Poppins"/>
-              </a:rPr>
-              <a:t> </a:t>
-            </a:r>
-            <a:r>
-              <a:rPr lang="en-US" sz="2442" spc="-48" dirty="0" err="1">
-                <a:solidFill>
-                  <a:srgbClr val="051D40"/>
-                </a:solidFill>
-                <a:latin typeface="Poppins"/>
-              </a:rPr>
-              <a:t>methodes</a:t>
-            </a:r>
-            <a:r>
-              <a:rPr lang="en-US" sz="2442" spc="-48" dirty="0">
-                <a:solidFill>
-                  <a:srgbClr val="051D40"/>
-                </a:solidFill>
-                <a:latin typeface="Poppins"/>
-              </a:rPr>
-              <a:t> </a:t>
-            </a:r>
-            <a:r>
-              <a:rPr lang="en-US" sz="2442" spc="-48" dirty="0" err="1">
-                <a:solidFill>
-                  <a:srgbClr val="051D40"/>
-                </a:solidFill>
-                <a:latin typeface="Poppins"/>
-              </a:rPr>
-              <a:t>worden</a:t>
-            </a:r>
-            <a:r>
-              <a:rPr lang="en-US" sz="2442" spc="-48" dirty="0">
-                <a:solidFill>
-                  <a:srgbClr val="051D40"/>
-                </a:solidFill>
-                <a:latin typeface="Poppins"/>
-              </a:rPr>
-              <a:t> </a:t>
-            </a:r>
-            <a:r>
-              <a:rPr lang="en-US" sz="2442" spc="-48" dirty="0" err="1">
-                <a:solidFill>
-                  <a:srgbClr val="051D40"/>
-                </a:solidFill>
-                <a:latin typeface="Poppins"/>
-              </a:rPr>
-              <a:t>uitgelegd</a:t>
-            </a:r>
-            <a:r>
-              <a:rPr lang="en-US" sz="2442" spc="-48" dirty="0">
-                <a:solidFill>
-                  <a:srgbClr val="051D40"/>
-                </a:solidFill>
-                <a:latin typeface="Poppins"/>
-              </a:rPr>
-              <a:t>.</a:t>
-            </a:r>
-          </a:p>
-        </p:txBody>
-      </p:sp>
-      <p:sp>
-        <p:nvSpPr>
-          <p:cNvPr id="9" name="TextBox 9"/>
-          <p:cNvSpPr txBox="1"/>
-          <p:nvPr/>
-        </p:nvSpPr>
-        <p:spPr>
-          <a:xfrm>
-            <a:off x="3493921" y="1193600"/>
-            <a:ext cx="9765822" cy="926224"/>
-          </a:xfrm>
-          <a:prstGeom prst="rect">
-            <a:avLst/>
-          </a:prstGeom>
-        </p:spPr>
-        <p:txBody>
-          <a:bodyPr lIns="0" tIns="0" rIns="0" bIns="0" rtlCol="0" anchor="t">
-            <a:spAutoFit/>
-          </a:bodyPr>
-          <a:lstStyle/>
-          <a:p>
-            <a:pPr algn="l">
-              <a:lnSpc>
-                <a:spcPts val="7575"/>
-              </a:lnSpc>
-              <a:spcBef>
-                <a:spcPct val="0"/>
-              </a:spcBef>
-            </a:pPr>
-            <a:r>
-              <a:rPr lang="en-US" sz="5410">
-                <a:solidFill>
-                  <a:srgbClr val="051D40"/>
-                </a:solidFill>
-                <a:latin typeface="Open Sans Extra Bold"/>
-              </a:rPr>
-              <a:t>Onderhoud en uitbreiding</a:t>
-            </a:r>
-          </a:p>
-        </p:txBody>
-      </p:sp>
-      <p:sp>
-        <p:nvSpPr>
-          <p:cNvPr id="10" name="TextBox 10"/>
-          <p:cNvSpPr txBox="1"/>
-          <p:nvPr/>
-        </p:nvSpPr>
-        <p:spPr>
-          <a:xfrm>
-            <a:off x="3493921" y="8118845"/>
-            <a:ext cx="10117882" cy="442797"/>
-          </a:xfrm>
-          <a:prstGeom prst="rect">
-            <a:avLst/>
-          </a:prstGeom>
-        </p:spPr>
-        <p:txBody>
-          <a:bodyPr lIns="0" tIns="0" rIns="0" bIns="0" rtlCol="0" anchor="t">
-            <a:spAutoFit/>
-          </a:bodyPr>
-          <a:lstStyle/>
-          <a:p>
-            <a:pPr marL="0" lvl="0" indent="0" algn="l">
-              <a:lnSpc>
-                <a:spcPts val="3418"/>
-              </a:lnSpc>
-              <a:spcBef>
-                <a:spcPct val="0"/>
-              </a:spcBef>
-            </a:pPr>
-            <a:r>
-              <a:rPr lang="en-US" sz="2442" u="sng" spc="-48" dirty="0">
-                <a:solidFill>
-                  <a:srgbClr val="051D40"/>
-                </a:solidFill>
-                <a:latin typeface="Poppins"/>
-                <a:hlinkClick r:id="rId2" tooltip="https://github.com/MarkStreek/QuintorCatalogBackEnd/wiki"/>
-              </a:rPr>
-              <a:t>Link naar de page</a:t>
-            </a:r>
-          </a:p>
-        </p:txBody>
-      </p:sp>
-      <p:sp>
-        <p:nvSpPr>
-          <p:cNvPr id="11" name="TextBox 11"/>
-          <p:cNvSpPr txBox="1"/>
-          <p:nvPr/>
-        </p:nvSpPr>
-        <p:spPr>
-          <a:xfrm>
-            <a:off x="3493921" y="7523715"/>
-            <a:ext cx="4477872" cy="510990"/>
-          </a:xfrm>
-          <a:prstGeom prst="rect">
-            <a:avLst/>
-          </a:prstGeom>
-        </p:spPr>
-        <p:txBody>
-          <a:bodyPr lIns="0" tIns="0" rIns="0" bIns="0" rtlCol="0" anchor="t">
-            <a:spAutoFit/>
-          </a:bodyPr>
-          <a:lstStyle/>
-          <a:p>
-            <a:pPr algn="l">
-              <a:lnSpc>
-                <a:spcPts val="4185"/>
-              </a:lnSpc>
-              <a:spcBef>
-                <a:spcPct val="0"/>
-              </a:spcBef>
-            </a:pPr>
-            <a:r>
-              <a:rPr lang="en-US" sz="2989" dirty="0" err="1">
-                <a:solidFill>
-                  <a:srgbClr val="051D40"/>
-                </a:solidFill>
-                <a:latin typeface="Open Sans Extra Bold"/>
-              </a:rPr>
-              <a:t>Github</a:t>
-            </a:r>
-            <a:r>
-              <a:rPr lang="en-US" sz="2989" dirty="0">
-                <a:solidFill>
-                  <a:srgbClr val="051D40"/>
-                </a:solidFill>
-                <a:latin typeface="Open Sans Extra Bold"/>
-              </a:rPr>
-              <a:t> Wiki Page</a:t>
-            </a:r>
+            <a:fld id="{B6F15528-21DE-4FAA-801E-634DDDAF4B2B}" type="slidenum">
+              <a:rPr lang="en-US" smtClean="0"/>
+              <a:pPr/>
+              <a:t>9</a:t>
+            </a:fld>
+            <a:endParaRPr lang="en-US"/>
           </a:p>
         </p:txBody>
       </p:sp>
@@ -10631,4 +13587,319 @@
     </a:ext>
   </a:extLst>
 </a:theme>
+</file>
+
+<file path=ppt/theme/theme3.xml><?xml version="1.0" encoding="utf-8"?>
+<a:theme xmlns:a="http://schemas.openxmlformats.org/drawingml/2006/main" name="Kantoorthema">
+  <a:themeElements>
+    <a:clrScheme name="Office">
+      <a:dk1>
+        <a:sysClr val="windowText" lastClr="000000"/>
+      </a:dk1>
+      <a:lt1>
+        <a:sysClr val="window" lastClr="FFFFFF"/>
+      </a:lt1>
+      <a:dk2>
+        <a:srgbClr val="0E2841"/>
+      </a:dk2>
+      <a:lt2>
+        <a:srgbClr val="E8E8E8"/>
+      </a:lt2>
+      <a:accent1>
+        <a:srgbClr val="156082"/>
+      </a:accent1>
+      <a:accent2>
+        <a:srgbClr val="E97132"/>
+      </a:accent2>
+      <a:accent3>
+        <a:srgbClr val="196B24"/>
+      </a:accent3>
+      <a:accent4>
+        <a:srgbClr val="0F9ED5"/>
+      </a:accent4>
+      <a:accent5>
+        <a:srgbClr val="A02B93"/>
+      </a:accent5>
+      <a:accent6>
+        <a:srgbClr val="4EA72E"/>
+      </a:accent6>
+      <a:hlink>
+        <a:srgbClr val="467886"/>
+      </a:hlink>
+      <a:folHlink>
+        <a:srgbClr val="96607D"/>
+      </a:folHlink>
+    </a:clrScheme>
+    <a:fontScheme name="Office">
+      <a:majorFont>
+        <a:latin typeface="Aptos Display" panose="02110004020202020204"/>
+        <a:ea typeface=""/>
+        <a:cs typeface=""/>
+        <a:font script="Jpan" typeface="游ゴシック Light"/>
+        <a:font script="Hang" typeface="맑은 고딕"/>
+        <a:font script="Hans" typeface="等线 Light"/>
+        <a:font script="Hant" typeface="新細明體"/>
+        <a:font script="Arab" typeface="Times New Roman"/>
+        <a:font script="Hebr" typeface="Times New Roman"/>
+        <a:font script="Thai" typeface="Angsana New"/>
+        <a:font script="Ethi" typeface="Nyala"/>
+        <a:font script="Beng" typeface="Vrinda"/>
+        <a:font script="Gujr" typeface="Shruti"/>
+        <a:font script="Khmr" typeface="MoolBoran"/>
+        <a:font script="Knda" typeface="Tunga"/>
+        <a:font script="Guru" typeface="Raavi"/>
+        <a:font script="Cans" typeface="Euphemia"/>
+        <a:font script="Cher" typeface="Plantagenet Cherokee"/>
+        <a:font script="Yiii" typeface="Microsoft Yi Baiti"/>
+        <a:font script="Tibt" typeface="Microsoft Himalaya"/>
+        <a:font script="Thaa" typeface="MV Boli"/>
+        <a:font script="Deva" typeface="Mangal"/>
+        <a:font script="Telu" typeface="Gautami"/>
+        <a:font script="Taml" typeface="Latha"/>
+        <a:font script="Syrc" typeface="Estrangelo Edessa"/>
+        <a:font script="Orya" typeface="Kalinga"/>
+        <a:font script="Mlym" typeface="Kartika"/>
+        <a:font script="Laoo" typeface="DokChampa"/>
+        <a:font script="Sinh" typeface="Iskoola Pota"/>
+        <a:font script="Mong" typeface="Mongolian Baiti"/>
+        <a:font script="Viet" typeface="Times New Roman"/>
+        <a:font script="Uigh" typeface="Microsoft Uighur"/>
+        <a:font script="Geor" typeface="Sylfaen"/>
+        <a:font script="Armn" typeface="Arial"/>
+        <a:font script="Bugi" typeface="Leelawadee UI"/>
+        <a:font script="Bopo" typeface="Microsoft JhengHei"/>
+        <a:font script="Java" typeface="Javanese Text"/>
+        <a:font script="Lisu" typeface="Segoe UI"/>
+        <a:font script="Mymr" typeface="Myanmar Text"/>
+        <a:font script="Nkoo" typeface="Ebrima"/>
+        <a:font script="Olck" typeface="Nirmala UI"/>
+        <a:font script="Osma" typeface="Ebrima"/>
+        <a:font script="Phag" typeface="Phagspa"/>
+        <a:font script="Syrn" typeface="Estrangelo Edessa"/>
+        <a:font script="Syrj" typeface="Estrangelo Edessa"/>
+        <a:font script="Syre" typeface="Estrangelo Edessa"/>
+        <a:font script="Sora" typeface="Nirmala UI"/>
+        <a:font script="Tale" typeface="Microsoft Tai Le"/>
+        <a:font script="Talu" typeface="Microsoft New Tai Lue"/>
+        <a:font script="Tfng" typeface="Ebrima"/>
+      </a:majorFont>
+      <a:minorFont>
+        <a:latin typeface="Aptos" panose="02110004020202020204"/>
+        <a:ea typeface=""/>
+        <a:cs typeface=""/>
+        <a:font script="Jpan" typeface="游ゴシック"/>
+        <a:font script="Hang" typeface="맑은 고딕"/>
+        <a:font script="Hans" typeface="等线"/>
+        <a:font script="Hant" typeface="新細明體"/>
+        <a:font script="Arab" typeface="Arial"/>
+        <a:font script="Hebr" typeface="Arial"/>
+        <a:font script="Thai" typeface="Cordia New"/>
+        <a:font script="Ethi" typeface="Nyala"/>
+        <a:font script="Beng" typeface="Vrinda"/>
+        <a:font script="Gujr" typeface="Shruti"/>
+        <a:font script="Khmr" typeface="DaunPenh"/>
+        <a:font script="Knda" typeface="Tunga"/>
+        <a:font script="Guru" typeface="Raavi"/>
+        <a:font script="Cans" typeface="Euphemia"/>
+        <a:font script="Cher" typeface="Plantagenet Cherokee"/>
+        <a:font script="Yiii" typeface="Microsoft Yi Baiti"/>
+        <a:font script="Tibt" typeface="Microsoft Himalaya"/>
+        <a:font script="Thaa" typeface="MV Boli"/>
+        <a:font script="Deva" typeface="Mangal"/>
+        <a:font script="Telu" typeface="Gautami"/>
+        <a:font script="Taml" typeface="Latha"/>
+        <a:font script="Syrc" typeface="Estrangelo Edessa"/>
+        <a:font script="Orya" typeface="Kalinga"/>
+        <a:font script="Mlym" typeface="Kartika"/>
+        <a:font script="Laoo" typeface="DokChampa"/>
+        <a:font script="Sinh" typeface="Iskoola Pota"/>
+        <a:font script="Mong" typeface="Mongolian Baiti"/>
+        <a:font script="Viet" typeface="Arial"/>
+        <a:font script="Uigh" typeface="Microsoft Uighur"/>
+        <a:font script="Geor" typeface="Sylfaen"/>
+        <a:font script="Armn" typeface="Arial"/>
+        <a:font script="Bugi" typeface="Leelawadee UI"/>
+        <a:font script="Bopo" typeface="Microsoft JhengHei"/>
+        <a:font script="Java" typeface="Javanese Text"/>
+        <a:font script="Lisu" typeface="Segoe UI"/>
+        <a:font script="Mymr" typeface="Myanmar Text"/>
+        <a:font script="Nkoo" typeface="Ebrima"/>
+        <a:font script="Olck" typeface="Nirmala UI"/>
+        <a:font script="Osma" typeface="Ebrima"/>
+        <a:font script="Phag" typeface="Phagspa"/>
+        <a:font script="Syrn" typeface="Estrangelo Edessa"/>
+        <a:font script="Syrj" typeface="Estrangelo Edessa"/>
+        <a:font script="Syre" typeface="Estrangelo Edessa"/>
+        <a:font script="Sora" typeface="Nirmala UI"/>
+        <a:font script="Tale" typeface="Microsoft Tai Le"/>
+        <a:font script="Talu" typeface="Microsoft New Tai Lue"/>
+        <a:font script="Tfng" typeface="Ebrima"/>
+      </a:minorFont>
+    </a:fontScheme>
+    <a:fmtScheme name="Office">
+      <a:fillStyleLst>
+        <a:solidFill>
+          <a:schemeClr val="phClr"/>
+        </a:solidFill>
+        <a:gradFill rotWithShape="1">
+          <a:gsLst>
+            <a:gs pos="0">
+              <a:schemeClr val="phClr">
+                <a:lumMod val="110000"/>
+                <a:satMod val="105000"/>
+                <a:tint val="67000"/>
+              </a:schemeClr>
+            </a:gs>
+            <a:gs pos="50000">
+              <a:schemeClr val="phClr">
+                <a:lumMod val="105000"/>
+                <a:satMod val="103000"/>
+                <a:tint val="73000"/>
+              </a:schemeClr>
+            </a:gs>
+            <a:gs pos="100000">
+              <a:schemeClr val="phClr">
+                <a:lumMod val="105000"/>
+                <a:satMod val="109000"/>
+                <a:tint val="81000"/>
+              </a:schemeClr>
+            </a:gs>
+          </a:gsLst>
+          <a:lin ang="5400000" scaled="0"/>
+        </a:gradFill>
+        <a:gradFill rotWithShape="1">
+          <a:gsLst>
+            <a:gs pos="0">
+              <a:schemeClr val="phClr">
+                <a:satMod val="103000"/>
+                <a:lumMod val="102000"/>
+                <a:tint val="94000"/>
+              </a:schemeClr>
+            </a:gs>
+            <a:gs pos="50000">
+              <a:schemeClr val="phClr">
+                <a:satMod val="110000"/>
+                <a:lumMod val="100000"/>
+                <a:shade val="100000"/>
+              </a:schemeClr>
+            </a:gs>
+            <a:gs pos="100000">
+              <a:schemeClr val="phClr">
+                <a:lumMod val="99000"/>
+                <a:satMod val="120000"/>
+                <a:shade val="78000"/>
+              </a:schemeClr>
+            </a:gs>
+          </a:gsLst>
+          <a:lin ang="5400000" scaled="0"/>
+        </a:gradFill>
+      </a:fillStyleLst>
+      <a:lnStyleLst>
+        <a:ln w="12700" cap="flat" cmpd="sng" algn="ctr">
+          <a:solidFill>
+            <a:schemeClr val="phClr"/>
+          </a:solidFill>
+          <a:prstDash val="solid"/>
+          <a:miter lim="800000"/>
+        </a:ln>
+        <a:ln w="19050" cap="flat" cmpd="sng" algn="ctr">
+          <a:solidFill>
+            <a:schemeClr val="phClr"/>
+          </a:solidFill>
+          <a:prstDash val="solid"/>
+          <a:miter lim="800000"/>
+        </a:ln>
+        <a:ln w="25400" cap="flat" cmpd="sng" algn="ctr">
+          <a:solidFill>
+            <a:schemeClr val="phClr"/>
+          </a:solidFill>
+          <a:prstDash val="solid"/>
+          <a:miter lim="800000"/>
+        </a:ln>
+      </a:lnStyleLst>
+      <a:effectStyleLst>
+        <a:effectStyle>
+          <a:effectLst/>
+        </a:effectStyle>
+        <a:effectStyle>
+          <a:effectLst/>
+        </a:effectStyle>
+        <a:effectStyle>
+          <a:effectLst>
+            <a:outerShdw blurRad="57150" dist="19050" dir="5400000" algn="ctr" rotWithShape="0">
+              <a:srgbClr val="000000">
+                <a:alpha val="63000"/>
+              </a:srgbClr>
+            </a:outerShdw>
+          </a:effectLst>
+        </a:effectStyle>
+      </a:effectStyleLst>
+      <a:bgFillStyleLst>
+        <a:solidFill>
+          <a:schemeClr val="phClr"/>
+        </a:solidFill>
+        <a:solidFill>
+          <a:schemeClr val="phClr">
+            <a:tint val="95000"/>
+            <a:satMod val="170000"/>
+          </a:schemeClr>
+        </a:solidFill>
+        <a:gradFill rotWithShape="1">
+          <a:gsLst>
+            <a:gs pos="0">
+              <a:schemeClr val="phClr">
+                <a:tint val="93000"/>
+                <a:satMod val="150000"/>
+                <a:shade val="98000"/>
+                <a:lumMod val="102000"/>
+              </a:schemeClr>
+            </a:gs>
+            <a:gs pos="50000">
+              <a:schemeClr val="phClr">
+                <a:tint val="98000"/>
+                <a:satMod val="130000"/>
+                <a:shade val="90000"/>
+                <a:lumMod val="103000"/>
+              </a:schemeClr>
+            </a:gs>
+            <a:gs pos="100000">
+              <a:schemeClr val="phClr">
+                <a:shade val="63000"/>
+                <a:satMod val="120000"/>
+              </a:schemeClr>
+            </a:gs>
+          </a:gsLst>
+          <a:lin ang="5400000" scaled="0"/>
+        </a:gradFill>
+      </a:bgFillStyleLst>
+    </a:fmtScheme>
+  </a:themeElements>
+  <a:objectDefaults>
+    <a:lnDef>
+      <a:spPr/>
+      <a:bodyPr/>
+      <a:lstStyle/>
+      <a:style>
+        <a:lnRef idx="2">
+          <a:schemeClr val="accent1"/>
+        </a:lnRef>
+        <a:fillRef idx="0">
+          <a:schemeClr val="accent1"/>
+        </a:fillRef>
+        <a:effectRef idx="1">
+          <a:schemeClr val="accent1"/>
+        </a:effectRef>
+        <a:fontRef idx="minor">
+          <a:schemeClr val="tx1"/>
+        </a:fontRef>
+      </a:style>
+    </a:lnDef>
+  </a:objectDefaults>
+  <a:extraClrSchemeLst/>
+  <a:extLst>
+    <a:ext uri="{05A4C25C-085E-4340-85A3-A5531E510DB2}">
+      <thm15:themeFamily xmlns:thm15="http://schemas.microsoft.com/office/thememl/2012/main" name="Office Theme" id="{2E142A2C-CD16-42D6-873A-C26D2A0506FA}" vid="{1BDDFF52-6CD6-40A5-AB3C-68EB2F1E4D0A}"/>
+    </a:ext>
+  </a:extLst>
+</a:theme>
 </file>
--- a/docs/presentatie.pptx
+++ b/docs/presentatie.pptx
@@ -21,7 +21,7 @@
     <p:sldId id="265" r:id="rId9"/>
     <p:sldId id="261" r:id="rId10"/>
     <p:sldId id="262" r:id="rId11"/>
-    <p:sldId id="266" r:id="rId12"/>
+    <p:sldId id="267" r:id="rId12"/>
   </p:sldIdLst>
   <p:sldSz cx="18288000" cy="10287000"/>
   <p:notesSz cx="9144000" cy="6858000"/>
@@ -149,6 +149,9 @@
         </p15:guide>
       </p15:sldGuideLst>
     </p:ext>
+    <p:ext uri="{2D200454-40CA-4A62-9FC3-DE9A4176ACB9}">
+      <p15:notesGuideLst xmlns:p15="http://schemas.microsoft.com/office/powerpoint/2012/main"/>
+    </p:ext>
   </p:extLst>
 </p:presentation>
 </file>
@@ -247,7 +250,7 @@
           <a:p>
             <a:fld id="{AF9058C4-FFBB-3741-B247-3DE5D19B634B}" type="datetimeFigureOut">
               <a:rPr lang="nl-NL" smtClean="0"/>
-              <a:t>25-06-2024</a:t>
+              <a:t>27-06-2024</a:t>
             </a:fld>
             <a:endParaRPr lang="nl-NL"/>
           </a:p>
@@ -425,7 +428,7 @@
           <a:p>
             <a:fld id="{DE4F96C3-9A87-5043-AD41-26E0EBF0E1BB}" type="datetimeFigureOut">
               <a:rPr lang="nl-NL" smtClean="0"/>
-              <a:t>25-06-2024</a:t>
+              <a:t>27-06-2024</a:t>
             </a:fld>
             <a:endParaRPr lang="nl-NL"/>
           </a:p>
@@ -956,7 +959,7 @@
           <a:p>
             <a:fld id="{EC31685E-33CA-4A4F-865E-F27396E4A38D}" type="datetime1">
               <a:rPr lang="nl-NL" smtClean="0"/>
-              <a:t>25-06-2024</a:t>
+              <a:t>27-06-2024</a:t>
             </a:fld>
             <a:endParaRPr lang="en-US"/>
           </a:p>
@@ -1120,7 +1123,7 @@
           <a:p>
             <a:fld id="{D605FBC6-7A1B-0C4A-A9CF-6956DEF46DF8}" type="datetime1">
               <a:rPr lang="nl-NL" smtClean="0"/>
-              <a:t>25-06-2024</a:t>
+              <a:t>27-06-2024</a:t>
             </a:fld>
             <a:endParaRPr lang="en-US"/>
           </a:p>
@@ -1294,7 +1297,7 @@
           <a:p>
             <a:fld id="{0B7753AE-9935-D447-8289-AE3E28EC2900}" type="datetime1">
               <a:rPr lang="nl-NL" smtClean="0"/>
-              <a:t>25-06-2024</a:t>
+              <a:t>27-06-2024</a:t>
             </a:fld>
             <a:endParaRPr lang="en-US"/>
           </a:p>
@@ -1463,7 +1466,7 @@
           <a:p>
             <a:fld id="{D49951D8-6A7D-294A-B914-6D8CDF4017A4}" type="datetime1">
               <a:rPr lang="nl-NL" smtClean="0"/>
-              <a:t>25-06-2024</a:t>
+              <a:t>27-06-2024</a:t>
             </a:fld>
             <a:endParaRPr lang="en-US"/>
           </a:p>
@@ -1704,7 +1707,7 @@
           <a:p>
             <a:fld id="{7A9E891C-D049-3540-B63E-5CAA85F93B41}" type="datetime1">
               <a:rPr lang="nl-NL" smtClean="0"/>
-              <a:t>25-06-2024</a:t>
+              <a:t>27-06-2024</a:t>
             </a:fld>
             <a:endParaRPr lang="en-US"/>
           </a:p>
@@ -1985,7 +1988,7 @@
           <a:p>
             <a:fld id="{DA75DF7D-7459-CC4C-90A3-8003BFF4716E}" type="datetime1">
               <a:rPr lang="nl-NL" smtClean="0"/>
-              <a:t>25-06-2024</a:t>
+              <a:t>27-06-2024</a:t>
             </a:fld>
             <a:endParaRPr lang="en-US"/>
           </a:p>
@@ -2400,7 +2403,7 @@
           <a:p>
             <a:fld id="{6BB93BAC-922C-F549-9639-D921C74FE79F}" type="datetime1">
               <a:rPr lang="nl-NL" smtClean="0"/>
-              <a:t>25-06-2024</a:t>
+              <a:t>27-06-2024</a:t>
             </a:fld>
             <a:endParaRPr lang="en-US"/>
           </a:p>
@@ -2513,7 +2516,7 @@
           <a:p>
             <a:fld id="{DE868DD7-C473-5B4E-B0BA-EBC9FFE787E4}" type="datetime1">
               <a:rPr lang="nl-NL" smtClean="0"/>
-              <a:t>25-06-2024</a:t>
+              <a:t>27-06-2024</a:t>
             </a:fld>
             <a:endParaRPr lang="en-US"/>
           </a:p>
@@ -2604,7 +2607,7 @@
           <a:p>
             <a:fld id="{42B2C659-E7F6-8441-BB0D-174BB7EA34B9}" type="datetime1">
               <a:rPr lang="nl-NL" smtClean="0"/>
-              <a:t>25-06-2024</a:t>
+              <a:t>27-06-2024</a:t>
             </a:fld>
             <a:endParaRPr lang="en-US"/>
           </a:p>
@@ -2642,14 +2645,22 @@
         <p:spPr/>
         <p:txBody>
           <a:bodyPr/>
-          <a:lstStyle/>
+          <a:lstStyle>
+            <a:lvl1pPr>
+              <a:defRPr sz="2800">
+                <a:solidFill>
+                  <a:schemeClr val="tx1"/>
+                </a:solidFill>
+              </a:defRPr>
+            </a:lvl1pPr>
+          </a:lstStyle>
           <a:p>
             <a:fld id="{B6F15528-21DE-4FAA-801E-634DDDAF4B2B}" type="slidenum">
               <a:rPr lang="en-US" smtClean="0"/>
               <a:pPr/>
               <a:t>‹nr.›</a:t>
             </a:fld>
-            <a:endParaRPr lang="en-US"/>
+            <a:endParaRPr lang="en-US" dirty="0"/>
           </a:p>
         </p:txBody>
       </p:sp>
@@ -2875,7 +2886,7 @@
           <a:p>
             <a:fld id="{C59520F1-E8F6-CC43-BE38-F70F3CA1ACFD}" type="datetime1">
               <a:rPr lang="nl-NL" smtClean="0"/>
-              <a:t>25-06-2024</a:t>
+              <a:t>27-06-2024</a:t>
             </a:fld>
             <a:endParaRPr lang="en-US"/>
           </a:p>
@@ -3123,7 +3134,7 @@
           <a:p>
             <a:fld id="{F64F13F6-0F58-6D43-8DD9-3EA894E16508}" type="datetime1">
               <a:rPr lang="nl-NL" smtClean="0"/>
-              <a:t>25-06-2024</a:t>
+              <a:t>27-06-2024</a:t>
             </a:fld>
             <a:endParaRPr lang="en-US"/>
           </a:p>
@@ -3335,7 +3346,7 @@
           <a:p>
             <a:fld id="{351C0A7F-441D-F340-B0CE-5802B53B7DD9}" type="datetime1">
               <a:rPr lang="nl-NL" smtClean="0"/>
-              <a:t>25-06-2024</a:t>
+              <a:t>27-06-2024</a:t>
             </a:fld>
             <a:endParaRPr lang="en-US"/>
           </a:p>
@@ -4120,8 +4131,8 @@
         </p:nvGrpSpPr>
         <p:grpSpPr>
           <a:xfrm>
-            <a:off x="9274166" y="3708525"/>
-            <a:ext cx="8456948" cy="4850803"/>
+            <a:off x="9274166" y="4152900"/>
+            <a:ext cx="8456948" cy="4406428"/>
             <a:chOff x="0" y="0"/>
             <a:chExt cx="7981950" cy="4578350"/>
           </a:xfrm>
@@ -4446,56 +4457,6 @@
             </a:p>
           </p:txBody>
         </p:sp>
-        <p:sp>
-          <p:nvSpPr>
-            <p:cNvPr id="16" name="Freeform 16"/>
-            <p:cNvSpPr/>
-            <p:nvPr/>
-          </p:nvSpPr>
-          <p:spPr>
-            <a:xfrm>
-              <a:off x="962660" y="276860"/>
-              <a:ext cx="6055360" cy="3789680"/>
-            </a:xfrm>
-            <a:custGeom>
-              <a:avLst/>
-              <a:gdLst/>
-              <a:ahLst/>
-              <a:cxnLst/>
-              <a:rect l="l" t="t" r="r" b="b"/>
-              <a:pathLst>
-                <a:path w="6055360" h="3789680">
-                  <a:moveTo>
-                    <a:pt x="0" y="0"/>
-                  </a:moveTo>
-                  <a:lnTo>
-                    <a:pt x="6055360" y="0"/>
-                  </a:lnTo>
-                  <a:lnTo>
-                    <a:pt x="6055360" y="3789680"/>
-                  </a:lnTo>
-                  <a:lnTo>
-                    <a:pt x="0" y="3789680"/>
-                  </a:lnTo>
-                  <a:close/>
-                </a:path>
-              </a:pathLst>
-            </a:custGeom>
-            <a:blipFill>
-              <a:blip r:embed="rId3"/>
-              <a:stretch>
-                <a:fillRect l="-5322" t="-6825" r="-5582" b="-12067"/>
-              </a:stretch>
-            </a:blipFill>
-          </p:spPr>
-          <p:txBody>
-            <a:bodyPr/>
-            <a:lstStyle/>
-            <a:p>
-              <a:endParaRPr lang="nl-NL"/>
-            </a:p>
-          </p:txBody>
-        </p:sp>
       </p:grpSp>
       <p:sp>
         <p:nvSpPr>
@@ -4536,7 +4497,7 @@
             </a:pathLst>
           </a:custGeom>
           <a:blipFill>
-            <a:blip r:embed="rId4"/>
+            <a:blip r:embed="rId3"/>
             <a:stretch>
               <a:fillRect/>
             </a:stretch>
@@ -4580,6 +4541,41 @@
           </a:p>
         </p:txBody>
       </p:sp>
+      <p:pic>
+        <p:nvPicPr>
+          <p:cNvPr id="19" name="Afbeelding 18" descr="Afbeelding met tekst, schermopname, software&#10;&#10;Automatisch gegenereerde beschrijving">
+            <a:extLst>
+              <a:ext uri="{FF2B5EF4-FFF2-40B4-BE49-F238E27FC236}">
+                <a16:creationId xmlns:a16="http://schemas.microsoft.com/office/drawing/2014/main" id="{B1F06340-33E4-7A4E-FC0E-D353B761A21F}"/>
+              </a:ext>
+            </a:extLst>
+          </p:cNvPr>
+          <p:cNvPicPr>
+            <a:picLocks noChangeAspect="1"/>
+          </p:cNvPicPr>
+          <p:nvPr/>
+        </p:nvPicPr>
+        <p:blipFill rotWithShape="1">
+          <a:blip r:embed="rId4">
+            <a:extLst>
+              <a:ext uri="{28A0092B-C50C-407E-A947-70E740481C1C}">
+                <a14:useLocalDpi xmlns:a14="http://schemas.microsoft.com/office/drawing/2010/main" val="0"/>
+              </a:ext>
+            </a:extLst>
+          </a:blip>
+          <a:srcRect l="4707" t="5910" r="5145" b="10975"/>
+          <a:stretch/>
+        </p:blipFill>
+        <p:spPr>
+          <a:xfrm>
+            <a:off x="10294112" y="4406954"/>
+            <a:ext cx="6415709" cy="3681925"/>
+          </a:xfrm>
+          <a:prstGeom prst="rect">
+            <a:avLst/>
+          </a:prstGeom>
+        </p:spPr>
+      </p:pic>
     </p:spTree>
   </p:cSld>
   <p:clrMapOvr>
@@ -5361,7 +5357,7 @@
                 </a:solidFill>
                 <a:latin typeface="Poppins"/>
               </a:rPr>
-              <a:t> </a:t>
+              <a:t>, </a:t>
             </a:r>
             <a:r>
               <a:rPr lang="en-US" sz="2442" spc="-48" dirty="0" err="1">
@@ -5982,7 +5978,7 @@
         <p:spPr>
           <a:xfrm>
             <a:off x="1235804" y="5840286"/>
-            <a:ext cx="7366063" cy="501556"/>
+            <a:ext cx="7366063" cy="981166"/>
           </a:xfrm>
           <a:prstGeom prst="rect">
             <a:avLst/>
@@ -6003,13 +5999,41 @@
               </a:spcBef>
             </a:pPr>
             <a:r>
-              <a:rPr lang="en-US" sz="2753" spc="-55">
-                <a:solidFill>
-                  <a:srgbClr val="051D40"/>
-                </a:solidFill>
-                <a:latin typeface="Poppins"/>
-              </a:rPr>
-              <a:t>Sibren Reekers &amp; Mark van de Streek</a:t>
+              <a:rPr lang="en-US" sz="2753" spc="-55" dirty="0" err="1">
+                <a:solidFill>
+                  <a:srgbClr val="051D40"/>
+                </a:solidFill>
+                <a:latin typeface="Poppins"/>
+              </a:rPr>
+              <a:t>Sibren</a:t>
+            </a:r>
+            <a:r>
+              <a:rPr lang="en-US" sz="2753" spc="-55" dirty="0">
+                <a:solidFill>
+                  <a:srgbClr val="051D40"/>
+                </a:solidFill>
+                <a:latin typeface="Poppins"/>
+              </a:rPr>
+              <a:t> Reekers &amp; Mark van de Streek</a:t>
+            </a:r>
+          </a:p>
+          <a:p>
+            <a:pPr algn="l">
+              <a:lnSpc>
+                <a:spcPts val="3855"/>
+              </a:lnSpc>
+              <a:spcBef>
+                <a:spcPct val="0"/>
+              </a:spcBef>
+            </a:pPr>
+            <a:r>
+              <a:rPr lang="en-US" sz="2753" spc="-55" dirty="0">
+                <a:solidFill>
+                  <a:srgbClr val="051D40"/>
+                </a:solidFill>
+                <a:latin typeface="Poppins"/>
+              </a:rPr>
+              <a:t>Bio-informatica</a:t>
             </a:r>
           </a:p>
         </p:txBody>
@@ -6024,8 +6048,8 @@
         </p:nvGrpSpPr>
         <p:grpSpPr>
           <a:xfrm>
-            <a:off x="9274166" y="3708525"/>
-            <a:ext cx="8456948" cy="4850803"/>
+            <a:off x="9274166" y="4152900"/>
+            <a:ext cx="8456948" cy="4406428"/>
             <a:chOff x="0" y="0"/>
             <a:chExt cx="7981950" cy="4578350"/>
           </a:xfrm>
@@ -6350,56 +6374,6 @@
             </a:p>
           </p:txBody>
         </p:sp>
-        <p:sp>
-          <p:nvSpPr>
-            <p:cNvPr id="16" name="Freeform 16"/>
-            <p:cNvSpPr/>
-            <p:nvPr/>
-          </p:nvSpPr>
-          <p:spPr>
-            <a:xfrm>
-              <a:off x="962660" y="276860"/>
-              <a:ext cx="6055360" cy="3789680"/>
-            </a:xfrm>
-            <a:custGeom>
-              <a:avLst/>
-              <a:gdLst/>
-              <a:ahLst/>
-              <a:cxnLst/>
-              <a:rect l="l" t="t" r="r" b="b"/>
-              <a:pathLst>
-                <a:path w="6055360" h="3789680">
-                  <a:moveTo>
-                    <a:pt x="0" y="0"/>
-                  </a:moveTo>
-                  <a:lnTo>
-                    <a:pt x="6055360" y="0"/>
-                  </a:lnTo>
-                  <a:lnTo>
-                    <a:pt x="6055360" y="3789680"/>
-                  </a:lnTo>
-                  <a:lnTo>
-                    <a:pt x="0" y="3789680"/>
-                  </a:lnTo>
-                  <a:close/>
-                </a:path>
-              </a:pathLst>
-            </a:custGeom>
-            <a:blipFill>
-              <a:blip r:embed="rId3"/>
-              <a:stretch>
-                <a:fillRect l="-5322" t="-6825" r="-5582" b="-12067"/>
-              </a:stretch>
-            </a:blipFill>
-          </p:spPr>
-          <p:txBody>
-            <a:bodyPr/>
-            <a:lstStyle/>
-            <a:p>
-              <a:endParaRPr lang="nl-NL"/>
-            </a:p>
-          </p:txBody>
-        </p:sp>
       </p:grpSp>
       <p:sp>
         <p:nvSpPr>
@@ -6440,7 +6414,7 @@
             </a:pathLst>
           </a:custGeom>
           <a:blipFill>
-            <a:blip r:embed="rId4"/>
+            <a:blip r:embed="rId3"/>
             <a:stretch>
               <a:fillRect/>
             </a:stretch>
@@ -6456,10 +6430,10 @@
       </p:sp>
       <p:sp>
         <p:nvSpPr>
-          <p:cNvPr id="22" name="Tijdelijke aanduiding voor dianummer 21">
+          <p:cNvPr id="26" name="Tijdelijke aanduiding voor dianummer 25">
             <a:extLst>
               <a:ext uri="{FF2B5EF4-FFF2-40B4-BE49-F238E27FC236}">
-                <a16:creationId xmlns:a16="http://schemas.microsoft.com/office/drawing/2014/main" id="{2042C923-97B4-A140-5139-0559068C178D}"/>
+                <a16:creationId xmlns:a16="http://schemas.microsoft.com/office/drawing/2014/main" id="{492B20C2-90AD-2B61-A4CD-73FC81AFC741}"/>
               </a:ext>
             </a:extLst>
           </p:cNvPr>
@@ -6484,10 +6458,45 @@
           </a:p>
         </p:txBody>
       </p:sp>
+      <p:pic>
+        <p:nvPicPr>
+          <p:cNvPr id="19" name="Afbeelding 18" descr="Afbeelding met tekst, schermopname, software&#10;&#10;Automatisch gegenereerde beschrijving">
+            <a:extLst>
+              <a:ext uri="{FF2B5EF4-FFF2-40B4-BE49-F238E27FC236}">
+                <a16:creationId xmlns:a16="http://schemas.microsoft.com/office/drawing/2014/main" id="{B1F06340-33E4-7A4E-FC0E-D353B761A21F}"/>
+              </a:ext>
+            </a:extLst>
+          </p:cNvPr>
+          <p:cNvPicPr>
+            <a:picLocks noChangeAspect="1"/>
+          </p:cNvPicPr>
+          <p:nvPr/>
+        </p:nvPicPr>
+        <p:blipFill rotWithShape="1">
+          <a:blip r:embed="rId4">
+            <a:extLst>
+              <a:ext uri="{28A0092B-C50C-407E-A947-70E740481C1C}">
+                <a14:useLocalDpi xmlns:a14="http://schemas.microsoft.com/office/drawing/2010/main" val="0"/>
+              </a:ext>
+            </a:extLst>
+          </a:blip>
+          <a:srcRect l="4707" t="5910" r="5145" b="10975"/>
+          <a:stretch/>
+        </p:blipFill>
+        <p:spPr>
+          <a:xfrm>
+            <a:off x="10294112" y="4406954"/>
+            <a:ext cx="6415709" cy="3681925"/>
+          </a:xfrm>
+          <a:prstGeom prst="rect">
+            <a:avLst/>
+          </a:prstGeom>
+        </p:spPr>
+      </p:pic>
     </p:spTree>
     <p:extLst>
       <p:ext uri="{BB962C8B-B14F-4D97-AF65-F5344CB8AC3E}">
-        <p14:creationId xmlns:p14="http://schemas.microsoft.com/office/powerpoint/2010/main" val="2898473325"/>
+        <p14:creationId xmlns:p14="http://schemas.microsoft.com/office/powerpoint/2010/main" val="2232861784"/>
       </p:ext>
     </p:extLst>
   </p:cSld>
@@ -10177,6 +10186,33 @@
             </a:r>
           </a:p>
           <a:p>
+            <a:pPr marL="606518" lvl="1" indent="-342900">
+              <a:lnSpc>
+                <a:spcPts val="3418"/>
+              </a:lnSpc>
+              <a:spcBef>
+                <a:spcPct val="0"/>
+              </a:spcBef>
+              <a:buFont typeface="Arial" panose="020B0604020202020204" pitchFamily="34" charset="0"/>
+              <a:buChar char="•"/>
+            </a:pPr>
+            <a:r>
+              <a:rPr lang="nl-NL" sz="2442" spc="-48" dirty="0">
+                <a:solidFill>
+                  <a:srgbClr val="051D40"/>
+                </a:solidFill>
+                <a:latin typeface="Poppins"/>
+              </a:rPr>
+              <a:t>Apparaat toevoegen op een aparte pagina</a:t>
+            </a:r>
+            <a:endParaRPr lang="nl-NL" sz="2442" u="none" strike="noStrike" spc="-48" dirty="0">
+              <a:solidFill>
+                <a:srgbClr val="051D40"/>
+              </a:solidFill>
+              <a:latin typeface="Poppins"/>
+            </a:endParaRPr>
+          </a:p>
+          <a:p>
             <a:pPr marL="606518" lvl="1" indent="-342900" algn="l">
               <a:lnSpc>
                 <a:spcPts val="3418"/>
@@ -10243,27 +10279,6 @@
                 <a:latin typeface="Poppins"/>
               </a:rPr>
               <a:t>kst toevoegen bij een uitleenverzoek</a:t>
-            </a:r>
-          </a:p>
-          <a:p>
-            <a:pPr marL="606518" lvl="1" indent="-342900" algn="l">
-              <a:lnSpc>
-                <a:spcPts val="3418"/>
-              </a:lnSpc>
-              <a:spcBef>
-                <a:spcPct val="0"/>
-              </a:spcBef>
-              <a:buFont typeface="Arial" panose="020B0604020202020204" pitchFamily="34" charset="0"/>
-              <a:buChar char="•"/>
-            </a:pPr>
-            <a:r>
-              <a:rPr lang="nl-NL" sz="2442" spc="-48" dirty="0">
-                <a:solidFill>
-                  <a:srgbClr val="051D40"/>
-                </a:solidFill>
-                <a:latin typeface="Poppins"/>
-              </a:rPr>
-              <a:t>Apparaat toevoegen op een aparte pagina</a:t>
             </a:r>
           </a:p>
           <a:p>
@@ -10504,14 +10519,14 @@
         <p:spPr>
           <a:xfrm>
             <a:off x="1609132" y="1222804"/>
-            <a:ext cx="7922504" cy="771523"/>
+            <a:ext cx="10506668" cy="754950"/>
           </a:xfrm>
           <a:prstGeom prst="rect">
             <a:avLst/>
           </a:prstGeom>
         </p:spPr>
         <p:txBody>
-          <a:bodyPr lIns="0" tIns="0" rIns="0" bIns="0" rtlCol="0" anchor="t">
+          <a:bodyPr wrap="square" lIns="0" tIns="0" rIns="0" bIns="0" rtlCol="0" anchor="t">
             <a:spAutoFit/>
           </a:bodyPr>
           <a:lstStyle/>
@@ -10560,12 +10575,15 @@
               </a:rPr>
               <a:t>eindproduct</a:t>
             </a:r>
-            <a:endParaRPr lang="en-US" sz="4500" dirty="0">
-              <a:solidFill>
-                <a:srgbClr val="051D40"/>
-              </a:solidFill>
-              <a:latin typeface="Open Sans Extra Bold"/>
-            </a:endParaRPr>
+            <a:r>
+              <a:rPr lang="en-US" sz="4500" dirty="0">
+                <a:solidFill>
+                  <a:srgbClr val="051D40"/>
+                </a:solidFill>
+                <a:latin typeface="Open Sans Extra Bold"/>
+              </a:rPr>
+              <a:t> – back end</a:t>
+            </a:r>
           </a:p>
         </p:txBody>
       </p:sp>
@@ -11182,7 +11200,7 @@
         <p:spPr>
           <a:xfrm>
             <a:off x="1600432" y="2861709"/>
-            <a:ext cx="11608230" cy="4001416"/>
+            <a:ext cx="11608230" cy="3565400"/>
           </a:xfrm>
           <a:prstGeom prst="rect">
             <a:avLst/>
@@ -11354,27 +11372,6 @@
                 <a:latin typeface="Poppins"/>
               </a:rPr>
               <a:t>’</a:t>
-            </a:r>
-          </a:p>
-          <a:p>
-            <a:pPr marL="527237" lvl="1" indent="-263619" algn="l">
-              <a:lnSpc>
-                <a:spcPts val="3418"/>
-              </a:lnSpc>
-              <a:spcBef>
-                <a:spcPct val="0"/>
-              </a:spcBef>
-              <a:buFont typeface="Arial"/>
-              <a:buChar char="•"/>
-            </a:pPr>
-            <a:r>
-              <a:rPr lang="nl-NL" sz="2442" spc="-48" dirty="0">
-                <a:solidFill>
-                  <a:srgbClr val="051D40"/>
-                </a:solidFill>
-                <a:latin typeface="Poppins"/>
-              </a:rPr>
-              <a:t>Toepassen huisstijl</a:t>
             </a:r>
           </a:p>
           <a:p>
@@ -12048,7 +12045,7 @@
         <p:spPr>
           <a:xfrm>
             <a:off x="1600432" y="2861709"/>
-            <a:ext cx="11608230" cy="4437433"/>
+            <a:ext cx="11608230" cy="5745484"/>
           </a:xfrm>
           <a:prstGeom prst="rect">
             <a:avLst/>
@@ -12252,22 +12249,13 @@
               <a:buChar char="•"/>
             </a:pPr>
             <a:r>
-              <a:rPr lang="nl-NL" sz="2442" u="none" strike="noStrike" spc="-48" dirty="0">
-                <a:solidFill>
-                  <a:srgbClr val="051D40"/>
-                </a:solidFill>
-                <a:latin typeface="Poppins"/>
-              </a:rPr>
-              <a:t>Uitleenve</a:t>
-            </a:r>
-            <a:r>
               <a:rPr lang="nl-NL" sz="2442" spc="-48" dirty="0">
                 <a:solidFill>
                   <a:srgbClr val="051D40"/>
                 </a:solidFill>
                 <a:latin typeface="Poppins"/>
               </a:rPr>
-              <a:t>rzoek + ‘goedkeur’ pagina</a:t>
+              <a:t>Meldingen</a:t>
             </a:r>
           </a:p>
           <a:p>
@@ -12288,8 +12276,86 @@
                 </a:solidFill>
                 <a:latin typeface="Poppins"/>
               </a:rPr>
+              <a:t>Uitleenve</a:t>
+            </a:r>
+            <a:r>
+              <a:rPr lang="nl-NL" sz="2442" spc="-48" dirty="0">
+                <a:solidFill>
+                  <a:srgbClr val="051D40"/>
+                </a:solidFill>
+                <a:latin typeface="Poppins"/>
+              </a:rPr>
+              <a:t>rzoek + ‘goedkeur’ pagina</a:t>
+            </a:r>
+          </a:p>
+          <a:p>
+            <a:pPr marL="527237" lvl="1" indent="-263619">
+              <a:lnSpc>
+                <a:spcPts val="3418"/>
+              </a:lnSpc>
+              <a:spcBef>
+                <a:spcPct val="0"/>
+              </a:spcBef>
+              <a:buFont typeface="Arial"/>
+              <a:buChar char="•"/>
+            </a:pPr>
+            <a:r>
+              <a:rPr lang="nl-NL" sz="2442" spc="-48" dirty="0">
+                <a:solidFill>
+                  <a:srgbClr val="051D40"/>
+                </a:solidFill>
+                <a:latin typeface="Poppins"/>
+              </a:rPr>
+              <a:t>Toepassen huisstijl</a:t>
+            </a:r>
+          </a:p>
+          <a:p>
+            <a:pPr marL="527237" lvl="1" indent="-263619" algn="l">
+              <a:lnSpc>
+                <a:spcPts val="3418"/>
+              </a:lnSpc>
+              <a:spcBef>
+                <a:spcPct val="0"/>
+              </a:spcBef>
+              <a:buFont typeface="Arial"/>
+              <a:buChar char="•"/>
+            </a:pPr>
+            <a:r>
+              <a:rPr lang="nl-NL" sz="2442" u="none" strike="noStrike" spc="-48" dirty="0">
+                <a:solidFill>
+                  <a:srgbClr val="051D40"/>
+                </a:solidFill>
+                <a:latin typeface="Poppins"/>
+              </a:rPr>
               <a:t>Loginpagina + Tokens</a:t>
             </a:r>
+          </a:p>
+          <a:p>
+            <a:pPr marL="527237" lvl="1" indent="-263619" algn="l">
+              <a:lnSpc>
+                <a:spcPts val="3418"/>
+              </a:lnSpc>
+              <a:spcBef>
+                <a:spcPct val="0"/>
+              </a:spcBef>
+              <a:buFont typeface="Arial"/>
+              <a:buChar char="•"/>
+            </a:pPr>
+            <a:r>
+              <a:rPr lang="nl-NL" sz="2442" spc="-48" dirty="0">
+                <a:solidFill>
+                  <a:srgbClr val="051D40"/>
+                </a:solidFill>
+                <a:latin typeface="Poppins"/>
+              </a:rPr>
+              <a:t>Styling, styling en nog meer styling</a:t>
+            </a:r>
+            <a:endParaRPr lang="nl-NL" sz="2442" u="none" strike="noStrike" spc="-48" dirty="0">
+              <a:solidFill>
+                <a:srgbClr val="051D40"/>
+              </a:solidFill>
+              <a:latin typeface="Poppins"/>
+            </a:endParaRPr>
           </a:p>
         </p:txBody>
       </p:sp>
